--- a/material/16_CSharp_심화문법 (멀티스레드).pptx
+++ b/material/16_CSharp_심화문법 (멀티스레드).pptx
@@ -40,31 +40,23 @@
   <p:notesSz cx="6858000" cy="9144000"/>
   <p:embeddedFontLst>
     <p:embeddedFont>
-      <p:font typeface="AppleSDGothicNeoH00" panose="020B0600000101010101" charset="-127"/>
+      <p:font typeface="Pretendard" panose="020B0600000101010101" charset="-127"/>
       <p:regular r:id="rId30"/>
+      <p:bold r:id="rId31"/>
     </p:embeddedFont>
     <p:embeddedFont>
-      <p:font typeface="Pretendard GOV" panose="020B0600000101010101" charset="-127"/>
-      <p:regular r:id="rId31"/>
+      <p:font typeface="Pretendard Black" panose="020B0600000101010101" charset="-127"/>
       <p:bold r:id="rId32"/>
     </p:embeddedFont>
     <p:embeddedFont>
-      <p:font typeface="AppleSDGothicNeoB00" panose="020B0600000101010101" charset="-127"/>
+      <p:font typeface="Pretendard GOV" panose="02000503000000020004" pitchFamily="2" charset="-127"/>
       <p:regular r:id="rId33"/>
+      <p:bold r:id="rId34"/>
     </p:embeddedFont>
     <p:embeddedFont>
       <p:font typeface="맑은 고딕" panose="020B0503020000020004" pitchFamily="50" charset="-127"/>
-      <p:regular r:id="rId34"/>
-      <p:bold r:id="rId35"/>
-    </p:embeddedFont>
-    <p:embeddedFont>
-      <p:font typeface="Pretendard" panose="02000503000000020004" pitchFamily="2" charset="-127"/>
-      <p:regular r:id="rId36"/>
-      <p:bold r:id="rId37"/>
-    </p:embeddedFont>
-    <p:embeddedFont>
-      <p:font typeface="Pretendard Black" panose="02000A03000000020004" pitchFamily="2" charset="-127"/>
-      <p:bold r:id="rId38"/>
+      <p:regular r:id="rId35"/>
+      <p:bold r:id="rId36"/>
     </p:embeddedFont>
   </p:embeddedFontLst>
   <p:defaultTextStyle>
@@ -255,7 +247,7 @@
           <a:p>
             <a:fld id="{2EF3F159-7250-4DD4-91C2-13B35D56E1AF}" type="datetimeFigureOut">
               <a:rPr lang="ko-KR" altLang="en-US" smtClean="0"/>
-              <a:t>2025-05-18</a:t>
+              <a:t>2025-05-19</a:t>
             </a:fld>
             <a:endParaRPr lang="ko-KR" altLang="en-US"/>
           </a:p>
@@ -678,11 +670,11 @@
           <a:lstStyle/>
           <a:p>
             <a:r>
-              <a:rPr lang="en-US" altLang="ko-KR" dirty="0" err="1" smtClean="0"/>
+              <a:rPr lang="en-US" altLang="ko-KR" dirty="0" err="1"/>
               <a:t>this.worker</a:t>
             </a:r>
             <a:r>
-              <a:rPr lang="ko-KR" altLang="en-US" dirty="0" smtClean="0"/>
+              <a:rPr lang="ko-KR" altLang="en-US" dirty="0"/>
               <a:t>는 </a:t>
             </a:r>
             <a:r>
@@ -694,12 +686,12 @@
               <a:t>의 인스턴스  입니다</a:t>
             </a:r>
             <a:r>
-              <a:rPr lang="en-US" altLang="ko-KR" dirty="0" smtClean="0"/>
+              <a:rPr lang="en-US" altLang="ko-KR" dirty="0"/>
               <a:t>.</a:t>
             </a:r>
           </a:p>
           <a:p>
-            <a:endParaRPr lang="en-US" altLang="ko-KR" dirty="0" smtClean="0"/>
+            <a:endParaRPr lang="en-US" altLang="ko-KR" dirty="0"/>
           </a:p>
           <a:p>
             <a:pPr marL="0" marR="0" indent="0" algn="l" defTabSz="914400" rtl="0" eaLnBrk="1" fontAlgn="auto" latinLnBrk="1" hangingPunct="1">
@@ -720,375 +712,375 @@
               <a:defRPr/>
             </a:pPr>
             <a:r>
-              <a:rPr lang="en-US" altLang="ko-KR" b="1" dirty="0" err="1" smtClean="0"/>
+              <a:rPr lang="en-US" altLang="ko-KR" b="1" dirty="0" err="1"/>
               <a:t>BackgroundWorker</a:t>
             </a:r>
             <a:r>
-              <a:rPr lang="en-US" altLang="ko-KR" b="1" dirty="0" smtClean="0"/>
+              <a:rPr lang="en-US" altLang="ko-KR" b="1" dirty="0"/>
               <a:t> </a:t>
             </a:r>
             <a:r>
-              <a:rPr lang="ko-KR" altLang="en-US" b="1" dirty="0" smtClean="0"/>
+              <a:rPr lang="ko-KR" altLang="en-US" b="1" dirty="0"/>
               <a:t>클래스</a:t>
             </a:r>
             <a:r>
-              <a:rPr lang="ko-KR" altLang="en-US" dirty="0" smtClean="0"/>
+              <a:rPr lang="ko-KR" altLang="en-US" dirty="0"/>
               <a:t>의 주요 이벤트 및 메서드들</a:t>
             </a:r>
-            <a:endParaRPr lang="en-US" altLang="ko-KR" dirty="0" smtClean="0"/>
-          </a:p>
-          <a:p>
-            <a:endParaRPr lang="en-US" altLang="ko-KR" dirty="0" smtClean="0"/>
-          </a:p>
-          <a:p>
-            <a:r>
-              <a:rPr lang="ko-KR" altLang="en-US" b="1" dirty="0" smtClean="0"/>
+            <a:endParaRPr lang="en-US" altLang="ko-KR" dirty="0"/>
+          </a:p>
+          <a:p>
+            <a:endParaRPr lang="en-US" altLang="ko-KR" dirty="0"/>
+          </a:p>
+          <a:p>
+            <a:r>
+              <a:rPr lang="ko-KR" altLang="en-US" b="1" dirty="0"/>
               <a:t>✅ </a:t>
             </a:r>
             <a:r>
-              <a:rPr lang="en-US" altLang="ko-KR" b="1" dirty="0" smtClean="0"/>
+              <a:rPr lang="en-US" altLang="ko-KR" b="1" dirty="0"/>
               <a:t>1. </a:t>
             </a:r>
             <a:r>
-              <a:rPr lang="en-US" altLang="ko-KR" b="1" dirty="0" err="1" smtClean="0"/>
+              <a:rPr lang="en-US" altLang="ko-KR" b="1" dirty="0" err="1"/>
               <a:t>DoWork</a:t>
             </a:r>
-            <a:endParaRPr lang="en-US" altLang="ko-KR" b="1" dirty="0" smtClean="0"/>
-          </a:p>
-          <a:p>
-            <a:r>
-              <a:rPr lang="ko-KR" altLang="en-US" dirty="0" smtClean="0"/>
+            <a:endParaRPr lang="en-US" altLang="ko-KR" b="1" dirty="0"/>
+          </a:p>
+          <a:p>
+            <a:r>
+              <a:rPr lang="ko-KR" altLang="en-US" dirty="0"/>
               <a:t>❗ 백그라운드에서 실제로 </a:t>
             </a:r>
             <a:r>
-              <a:rPr lang="ko-KR" altLang="en-US" b="1" dirty="0" smtClean="0"/>
+              <a:rPr lang="ko-KR" altLang="en-US" b="1" dirty="0"/>
               <a:t>작업을 수행할 함수</a:t>
             </a:r>
             <a:r>
-              <a:rPr lang="ko-KR" altLang="en-US" dirty="0" smtClean="0"/>
+              <a:rPr lang="ko-KR" altLang="en-US" dirty="0"/>
               <a:t>를 등록하는 이벤트</a:t>
             </a:r>
           </a:p>
           <a:p>
             <a:r>
-              <a:rPr lang="ko-KR" altLang="en-US" dirty="0" smtClean="0"/>
+              <a:rPr lang="ko-KR" altLang="en-US" dirty="0"/>
               <a:t>이 함수는 </a:t>
             </a:r>
             <a:r>
-              <a:rPr lang="en-US" altLang="ko-KR" b="1" dirty="0" smtClean="0"/>
+              <a:rPr lang="en-US" altLang="ko-KR" b="1" dirty="0"/>
               <a:t>UI </a:t>
             </a:r>
             <a:r>
-              <a:rPr lang="ko-KR" altLang="en-US" b="1" dirty="0" smtClean="0"/>
+              <a:rPr lang="ko-KR" altLang="en-US" b="1" dirty="0"/>
               <a:t>스레드와 분리되어 실행됨</a:t>
             </a:r>
             <a:r>
-              <a:rPr lang="ko-KR" altLang="en-US" dirty="0" smtClean="0"/>
+              <a:rPr lang="ko-KR" altLang="en-US" dirty="0"/>
               <a:t> </a:t>
             </a:r>
             <a:r>
-              <a:rPr lang="en-US" altLang="ko-KR" dirty="0" smtClean="0"/>
+              <a:rPr lang="en-US" altLang="ko-KR" dirty="0"/>
               <a:t>(</a:t>
             </a:r>
             <a:r>
-              <a:rPr lang="ko-KR" altLang="en-US" dirty="0" smtClean="0"/>
+              <a:rPr lang="ko-KR" altLang="en-US" dirty="0"/>
               <a:t>즉</a:t>
             </a:r>
             <a:r>
-              <a:rPr lang="en-US" altLang="ko-KR" dirty="0" smtClean="0"/>
+              <a:rPr lang="en-US" altLang="ko-KR" dirty="0"/>
               <a:t>, </a:t>
             </a:r>
             <a:r>
-              <a:rPr lang="ko-KR" altLang="en-US" dirty="0" smtClean="0"/>
+              <a:rPr lang="ko-KR" altLang="en-US" dirty="0"/>
               <a:t>화면 멈춤 없이 실행</a:t>
             </a:r>
             <a:r>
-              <a:rPr lang="en-US" altLang="ko-KR" dirty="0" smtClean="0"/>
+              <a:rPr lang="en-US" altLang="ko-KR" dirty="0"/>
               <a:t>)</a:t>
             </a:r>
           </a:p>
           <a:p>
             <a:r>
-              <a:rPr lang="ko-KR" altLang="en-US" dirty="0" smtClean="0"/>
+              <a:rPr lang="ko-KR" altLang="en-US" dirty="0"/>
               <a:t>예</a:t>
             </a:r>
             <a:r>
-              <a:rPr lang="en-US" altLang="ko-KR" dirty="0" smtClean="0"/>
+              <a:rPr lang="en-US" altLang="ko-KR" dirty="0"/>
               <a:t>: </a:t>
             </a:r>
             <a:r>
-              <a:rPr lang="ko-KR" altLang="en-US" dirty="0" smtClean="0"/>
+              <a:rPr lang="ko-KR" altLang="en-US" dirty="0"/>
               <a:t>다운로드</a:t>
             </a:r>
             <a:r>
-              <a:rPr lang="en-US" altLang="ko-KR" dirty="0" smtClean="0"/>
+              <a:rPr lang="en-US" altLang="ko-KR" dirty="0"/>
               <a:t>, </a:t>
             </a:r>
             <a:r>
-              <a:rPr lang="ko-KR" altLang="en-US" dirty="0" smtClean="0"/>
+              <a:rPr lang="ko-KR" altLang="en-US" dirty="0"/>
               <a:t>계산 등 시간이 오래 걸리는 작업을 여기에 넣음</a:t>
             </a:r>
           </a:p>
           <a:p>
-            <a:endParaRPr lang="en-US" altLang="ko-KR" dirty="0" smtClean="0"/>
-          </a:p>
-          <a:p>
-            <a:r>
-              <a:rPr lang="ko-KR" altLang="en-US" dirty="0" smtClean="0"/>
+            <a:endParaRPr lang="en-US" altLang="ko-KR" dirty="0"/>
+          </a:p>
+          <a:p>
+            <a:r>
+              <a:rPr lang="ko-KR" altLang="en-US" dirty="0"/>
               <a:t>✅ </a:t>
             </a:r>
             <a:r>
-              <a:rPr lang="en-US" altLang="ko-KR" dirty="0" smtClean="0"/>
+              <a:rPr lang="en-US" altLang="ko-KR" dirty="0"/>
               <a:t>2. </a:t>
             </a:r>
             <a:r>
-              <a:rPr lang="en-US" altLang="ko-KR" dirty="0" err="1" smtClean="0"/>
+              <a:rPr lang="en-US" altLang="ko-KR" dirty="0" err="1"/>
               <a:t>ProgressChanged</a:t>
             </a:r>
-            <a:endParaRPr lang="en-US" altLang="ko-KR" dirty="0" smtClean="0"/>
-          </a:p>
-          <a:p>
-            <a:r>
-              <a:rPr lang="ko-KR" altLang="en-US" dirty="0" smtClean="0"/>
+            <a:endParaRPr lang="en-US" altLang="ko-KR" dirty="0"/>
+          </a:p>
+          <a:p>
+            <a:r>
+              <a:rPr lang="ko-KR" altLang="en-US" dirty="0"/>
               <a:t>❗ 백그라운드 작업 중 </a:t>
             </a:r>
             <a:r>
-              <a:rPr lang="ko-KR" altLang="en-US" b="1" dirty="0" smtClean="0"/>
+              <a:rPr lang="ko-KR" altLang="en-US" b="1" dirty="0"/>
               <a:t>진행 상황을 </a:t>
             </a:r>
             <a:r>
-              <a:rPr lang="en-US" altLang="ko-KR" b="1" dirty="0" smtClean="0"/>
+              <a:rPr lang="en-US" altLang="ko-KR" b="1" dirty="0"/>
               <a:t>UI</a:t>
             </a:r>
             <a:r>
-              <a:rPr lang="ko-KR" altLang="en-US" b="1" dirty="0" smtClean="0"/>
+              <a:rPr lang="ko-KR" altLang="en-US" b="1" dirty="0"/>
               <a:t>에 전달할 때</a:t>
             </a:r>
             <a:r>
-              <a:rPr lang="ko-KR" altLang="en-US" dirty="0" smtClean="0"/>
+              <a:rPr lang="ko-KR" altLang="en-US" dirty="0"/>
               <a:t> 사용하는 이벤트</a:t>
             </a:r>
-            <a:endParaRPr lang="en-US" altLang="ko-KR" dirty="0" smtClean="0"/>
-          </a:p>
-          <a:p>
-            <a:r>
-              <a:rPr lang="en-US" altLang="ko-KR" dirty="0" err="1" smtClean="0"/>
+            <a:endParaRPr lang="en-US" altLang="ko-KR" dirty="0"/>
+          </a:p>
+          <a:p>
+            <a:r>
+              <a:rPr lang="en-US" altLang="ko-KR" dirty="0" err="1"/>
               <a:t>DoWork</a:t>
             </a:r>
             <a:r>
-              <a:rPr lang="en-US" altLang="ko-KR" dirty="0" smtClean="0"/>
+              <a:rPr lang="en-US" altLang="ko-KR" dirty="0"/>
               <a:t>() </a:t>
             </a:r>
             <a:r>
-              <a:rPr lang="ko-KR" altLang="en-US" dirty="0" smtClean="0"/>
+              <a:rPr lang="ko-KR" altLang="en-US" dirty="0"/>
               <a:t>내부에서 </a:t>
             </a:r>
             <a:r>
-              <a:rPr lang="en-US" altLang="ko-KR" dirty="0" err="1" smtClean="0"/>
+              <a:rPr lang="en-US" altLang="ko-KR" dirty="0" err="1"/>
               <a:t>ReportProgress</a:t>
             </a:r>
             <a:r>
-              <a:rPr lang="en-US" altLang="ko-KR" dirty="0" smtClean="0"/>
+              <a:rPr lang="en-US" altLang="ko-KR" dirty="0"/>
               <a:t>(0~100)</a:t>
             </a:r>
             <a:r>
-              <a:rPr lang="ko-KR" altLang="en-US" dirty="0" smtClean="0"/>
+              <a:rPr lang="ko-KR" altLang="en-US" dirty="0"/>
               <a:t>을 호출하면</a:t>
             </a:r>
             <a:r>
-              <a:rPr lang="en-US" altLang="ko-KR" dirty="0" smtClean="0"/>
+              <a:rPr lang="en-US" altLang="ko-KR" dirty="0"/>
               <a:t>,</a:t>
             </a:r>
           </a:p>
           <a:p>
             <a:r>
-              <a:rPr lang="ko-KR" altLang="en-US" dirty="0" smtClean="0"/>
+              <a:rPr lang="ko-KR" altLang="en-US" dirty="0"/>
               <a:t>이 이벤트가 실행되어 </a:t>
             </a:r>
             <a:r>
-              <a:rPr lang="en-US" altLang="ko-KR" b="1" dirty="0" smtClean="0"/>
+              <a:rPr lang="en-US" altLang="ko-KR" b="1" dirty="0"/>
               <a:t>UI </a:t>
             </a:r>
             <a:r>
-              <a:rPr lang="ko-KR" altLang="en-US" b="1" dirty="0" smtClean="0"/>
+              <a:rPr lang="ko-KR" altLang="en-US" b="1" dirty="0"/>
               <a:t>스레드에서 안전하게 </a:t>
             </a:r>
             <a:r>
-              <a:rPr lang="en-US" altLang="ko-KR" b="1" dirty="0" smtClean="0"/>
+              <a:rPr lang="en-US" altLang="ko-KR" b="1" dirty="0"/>
               <a:t>Label, </a:t>
             </a:r>
             <a:r>
-              <a:rPr lang="en-US" altLang="ko-KR" b="1" dirty="0" err="1" smtClean="0"/>
+              <a:rPr lang="en-US" altLang="ko-KR" b="1" dirty="0" err="1"/>
               <a:t>ProgressBar</a:t>
             </a:r>
             <a:r>
-              <a:rPr lang="en-US" altLang="ko-KR" b="1" dirty="0" smtClean="0"/>
+              <a:rPr lang="en-US" altLang="ko-KR" b="1" dirty="0"/>
               <a:t> </a:t>
             </a:r>
             <a:r>
-              <a:rPr lang="ko-KR" altLang="en-US" b="1" dirty="0" smtClean="0"/>
+              <a:rPr lang="ko-KR" altLang="en-US" b="1" dirty="0"/>
               <a:t>등 갱신 가능</a:t>
             </a:r>
-            <a:endParaRPr lang="ko-KR" altLang="en-US" dirty="0" smtClean="0"/>
-          </a:p>
-          <a:p>
-            <a:endParaRPr lang="en-US" altLang="ko-KR" dirty="0" smtClean="0"/>
-          </a:p>
-          <a:p>
-            <a:r>
-              <a:rPr lang="ko-KR" altLang="en-US" dirty="0" smtClean="0"/>
+            <a:endParaRPr lang="ko-KR" altLang="en-US" dirty="0"/>
+          </a:p>
+          <a:p>
+            <a:endParaRPr lang="en-US" altLang="ko-KR" dirty="0"/>
+          </a:p>
+          <a:p>
+            <a:r>
+              <a:rPr lang="ko-KR" altLang="en-US" dirty="0"/>
               <a:t>✅ </a:t>
             </a:r>
             <a:r>
-              <a:rPr lang="en-US" altLang="ko-KR" dirty="0" smtClean="0"/>
+              <a:rPr lang="en-US" altLang="ko-KR" dirty="0"/>
               <a:t>3. </a:t>
             </a:r>
             <a:r>
-              <a:rPr lang="en-US" altLang="ko-KR" dirty="0" err="1" smtClean="0"/>
+              <a:rPr lang="en-US" altLang="ko-KR" dirty="0" err="1"/>
               <a:t>RunWorkerCompleted</a:t>
             </a:r>
-            <a:endParaRPr lang="en-US" altLang="ko-KR" dirty="0" smtClean="0"/>
-          </a:p>
-          <a:p>
-            <a:r>
-              <a:rPr lang="ko-KR" altLang="en-US" dirty="0" smtClean="0"/>
+            <a:endParaRPr lang="en-US" altLang="ko-KR" dirty="0"/>
+          </a:p>
+          <a:p>
+            <a:r>
+              <a:rPr lang="ko-KR" altLang="en-US" dirty="0"/>
               <a:t>❗ 백그라운드 작업이 </a:t>
             </a:r>
             <a:r>
-              <a:rPr lang="ko-KR" altLang="en-US" b="1" dirty="0" smtClean="0"/>
+              <a:rPr lang="ko-KR" altLang="en-US" b="1" dirty="0"/>
               <a:t>끝났을 때 한 번 실행되는 이벤트</a:t>
             </a:r>
-            <a:endParaRPr lang="en-US" altLang="ko-KR" b="1" dirty="0" smtClean="0"/>
-          </a:p>
-          <a:p>
-            <a:r>
-              <a:rPr lang="ko-KR" altLang="en-US" dirty="0" smtClean="0"/>
+            <a:endParaRPr lang="en-US" altLang="ko-KR" b="1" dirty="0"/>
+          </a:p>
+          <a:p>
+            <a:r>
+              <a:rPr lang="ko-KR" altLang="en-US" dirty="0"/>
               <a:t>성공</a:t>
             </a:r>
             <a:r>
-              <a:rPr lang="en-US" altLang="ko-KR" dirty="0" smtClean="0"/>
+              <a:rPr lang="en-US" altLang="ko-KR" dirty="0"/>
               <a:t>/</a:t>
             </a:r>
             <a:r>
-              <a:rPr lang="ko-KR" altLang="en-US" dirty="0" smtClean="0"/>
+              <a:rPr lang="ko-KR" altLang="en-US" dirty="0"/>
               <a:t>실패 여부에 따라 후처리 가능</a:t>
             </a:r>
           </a:p>
           <a:p>
             <a:r>
-              <a:rPr lang="ko-KR" altLang="en-US" dirty="0" smtClean="0"/>
+              <a:rPr lang="ko-KR" altLang="en-US" dirty="0"/>
               <a:t>이 메서드도 </a:t>
             </a:r>
             <a:r>
-              <a:rPr lang="en-US" altLang="ko-KR" dirty="0" smtClean="0"/>
+              <a:rPr lang="en-US" altLang="ko-KR" dirty="0"/>
               <a:t>UI </a:t>
             </a:r>
             <a:r>
-              <a:rPr lang="ko-KR" altLang="en-US" dirty="0" smtClean="0"/>
+              <a:rPr lang="ko-KR" altLang="en-US" dirty="0"/>
               <a:t>스레드에서 실행되므로</a:t>
             </a:r>
             <a:r>
-              <a:rPr lang="en-US" altLang="ko-KR" dirty="0" smtClean="0"/>
+              <a:rPr lang="en-US" altLang="ko-KR" dirty="0"/>
               <a:t>, UI </a:t>
             </a:r>
             <a:r>
-              <a:rPr lang="ko-KR" altLang="en-US" dirty="0" smtClean="0"/>
+              <a:rPr lang="ko-KR" altLang="en-US" dirty="0"/>
               <a:t>업데이트 </a:t>
             </a:r>
             <a:r>
-              <a:rPr lang="en-US" altLang="ko-KR" dirty="0" smtClean="0"/>
+              <a:rPr lang="en-US" altLang="ko-KR" dirty="0"/>
               <a:t>OK</a:t>
             </a:r>
           </a:p>
           <a:p>
-            <a:endParaRPr lang="en-US" altLang="ko-KR" dirty="0" smtClean="0"/>
-          </a:p>
-          <a:p>
-            <a:r>
-              <a:rPr lang="ko-KR" altLang="en-US" b="1" dirty="0" smtClean="0"/>
+            <a:endParaRPr lang="en-US" altLang="ko-KR" dirty="0"/>
+          </a:p>
+          <a:p>
+            <a:r>
+              <a:rPr lang="ko-KR" altLang="en-US" b="1" dirty="0"/>
               <a:t>✅ </a:t>
             </a:r>
             <a:r>
-              <a:rPr lang="en-US" altLang="ko-KR" b="1" dirty="0" smtClean="0"/>
+              <a:rPr lang="en-US" altLang="ko-KR" b="1" dirty="0"/>
               <a:t>4. </a:t>
             </a:r>
             <a:r>
-              <a:rPr lang="en-US" altLang="ko-KR" b="1" dirty="0" err="1" smtClean="0"/>
+              <a:rPr lang="en-US" altLang="ko-KR" b="1" dirty="0" err="1"/>
               <a:t>RunWorkerAsync</a:t>
             </a:r>
             <a:r>
-              <a:rPr lang="en-US" altLang="ko-KR" b="1" dirty="0" smtClean="0"/>
+              <a:rPr lang="en-US" altLang="ko-KR" b="1" dirty="0"/>
               <a:t>()</a:t>
             </a:r>
           </a:p>
           <a:p>
             <a:r>
-              <a:rPr lang="ko-KR" altLang="en-US" dirty="0" smtClean="0"/>
+              <a:rPr lang="ko-KR" altLang="en-US" dirty="0"/>
               <a:t>❗ </a:t>
             </a:r>
             <a:r>
-              <a:rPr lang="en-US" altLang="ko-KR" dirty="0" err="1" smtClean="0"/>
+              <a:rPr lang="en-US" altLang="ko-KR" dirty="0" err="1"/>
               <a:t>BackgroundWorker</a:t>
             </a:r>
             <a:r>
-              <a:rPr lang="ko-KR" altLang="en-US" dirty="0" smtClean="0"/>
+              <a:rPr lang="ko-KR" altLang="en-US" dirty="0"/>
               <a:t>를 실제로 </a:t>
             </a:r>
             <a:r>
-              <a:rPr lang="ko-KR" altLang="en-US" b="1" dirty="0" err="1" smtClean="0"/>
+              <a:rPr lang="ko-KR" altLang="en-US" b="1" dirty="0" err="1"/>
               <a:t>시작시키는</a:t>
             </a:r>
             <a:r>
-              <a:rPr lang="ko-KR" altLang="en-US" b="1" dirty="0" smtClean="0"/>
+              <a:rPr lang="ko-KR" altLang="en-US" b="1" dirty="0"/>
               <a:t> 메서드</a:t>
             </a:r>
-            <a:endParaRPr lang="ko-KR" altLang="en-US" dirty="0" smtClean="0"/>
-          </a:p>
-          <a:p>
-            <a:r>
-              <a:rPr lang="ko-KR" altLang="en-US" dirty="0" smtClean="0"/>
+            <a:endParaRPr lang="ko-KR" altLang="en-US" dirty="0"/>
+          </a:p>
+          <a:p>
+            <a:r>
+              <a:rPr lang="ko-KR" altLang="en-US" dirty="0"/>
               <a:t>작업을 비동기로 실행시킴 </a:t>
             </a:r>
             <a:r>
-              <a:rPr lang="en-US" altLang="ko-KR" dirty="0" smtClean="0"/>
+              <a:rPr lang="en-US" altLang="ko-KR" dirty="0"/>
               <a:t>(</a:t>
             </a:r>
             <a:r>
-              <a:rPr lang="ko-KR" altLang="en-US" dirty="0" smtClean="0"/>
+              <a:rPr lang="ko-KR" altLang="en-US" dirty="0"/>
               <a:t>이걸 호출해야 </a:t>
             </a:r>
             <a:r>
-              <a:rPr lang="en-US" altLang="ko-KR" dirty="0" err="1" smtClean="0"/>
+              <a:rPr lang="en-US" altLang="ko-KR" dirty="0" err="1"/>
               <a:t>DoWork</a:t>
             </a:r>
             <a:r>
-              <a:rPr lang="ko-KR" altLang="en-US" dirty="0" smtClean="0"/>
+              <a:rPr lang="ko-KR" altLang="en-US" dirty="0"/>
               <a:t>가 실행됨</a:t>
             </a:r>
             <a:r>
-              <a:rPr lang="en-US" altLang="ko-KR" dirty="0" smtClean="0"/>
+              <a:rPr lang="en-US" altLang="ko-KR" dirty="0"/>
               <a:t>)</a:t>
             </a:r>
           </a:p>
           <a:p>
             <a:r>
-              <a:rPr lang="ko-KR" altLang="en-US" dirty="0" err="1" smtClean="0"/>
+              <a:rPr lang="ko-KR" altLang="en-US" dirty="0" err="1"/>
               <a:t>파라미터를</a:t>
             </a:r>
             <a:r>
-              <a:rPr lang="ko-KR" altLang="en-US" dirty="0" smtClean="0"/>
+              <a:rPr lang="ko-KR" altLang="en-US" dirty="0"/>
               <a:t> 넘길 수도 있음 </a:t>
             </a:r>
             <a:r>
-              <a:rPr lang="en-US" altLang="ko-KR" dirty="0" smtClean="0"/>
+              <a:rPr lang="en-US" altLang="ko-KR" dirty="0"/>
               <a:t>(</a:t>
             </a:r>
             <a:r>
-              <a:rPr lang="en-US" altLang="ko-KR" dirty="0" err="1" smtClean="0"/>
+              <a:rPr lang="en-US" altLang="ko-KR" dirty="0" err="1"/>
               <a:t>RunWorkerAsync</a:t>
             </a:r>
             <a:r>
-              <a:rPr lang="en-US" altLang="ko-KR" dirty="0" smtClean="0"/>
+              <a:rPr lang="en-US" altLang="ko-KR" dirty="0"/>
               <a:t>(object argument))</a:t>
             </a:r>
           </a:p>
@@ -1178,232 +1170,232 @@
           <a:lstStyle/>
           <a:p>
             <a:r>
-              <a:rPr lang="en-US" altLang="ko-KR" dirty="0" err="1" smtClean="0"/>
+              <a:rPr lang="en-US" altLang="ko-KR" dirty="0" err="1"/>
               <a:t>BackgroundWorker</a:t>
             </a:r>
             <a:r>
-              <a:rPr lang="en-US" altLang="ko-KR" dirty="0" smtClean="0"/>
+              <a:rPr lang="en-US" altLang="ko-KR" dirty="0"/>
               <a:t> </a:t>
             </a:r>
             <a:r>
-              <a:rPr lang="ko-KR" altLang="en-US" dirty="0" smtClean="0"/>
+              <a:rPr lang="ko-KR" altLang="en-US" dirty="0"/>
               <a:t>인스턴스를 생성합니다</a:t>
             </a:r>
             <a:r>
-              <a:rPr lang="en-US" altLang="ko-KR" dirty="0" smtClean="0"/>
+              <a:rPr lang="en-US" altLang="ko-KR" dirty="0"/>
               <a:t>.</a:t>
             </a:r>
           </a:p>
           <a:p>
-            <a:endParaRPr lang="en-US" altLang="ko-KR" dirty="0" smtClean="0"/>
-          </a:p>
-          <a:p>
-            <a:r>
-              <a:rPr lang="en-US" altLang="ko-KR" dirty="0" err="1" smtClean="0"/>
+            <a:endParaRPr lang="en-US" altLang="ko-KR" dirty="0"/>
+          </a:p>
+          <a:p>
+            <a:r>
+              <a:rPr lang="en-US" altLang="ko-KR" dirty="0" err="1"/>
               <a:t>WorkerReportsProgress</a:t>
             </a:r>
             <a:r>
-              <a:rPr lang="en-US" altLang="ko-KR" dirty="0" smtClean="0"/>
+              <a:rPr lang="en-US" altLang="ko-KR" dirty="0"/>
               <a:t> = true:</a:t>
             </a:r>
             <a:br>
-              <a:rPr lang="en-US" altLang="ko-KR" dirty="0" smtClean="0"/>
+              <a:rPr lang="en-US" altLang="ko-KR" dirty="0"/>
             </a:br>
             <a:r>
-              <a:rPr lang="en-US" altLang="ko-KR" dirty="0" smtClean="0"/>
+              <a:rPr lang="en-US" altLang="ko-KR" dirty="0"/>
               <a:t>- </a:t>
             </a:r>
             <a:r>
-              <a:rPr lang="en-US" altLang="ko-KR" dirty="0" err="1" smtClean="0"/>
+              <a:rPr lang="en-US" altLang="ko-KR" dirty="0" err="1"/>
               <a:t>ReportProgress</a:t>
             </a:r>
             <a:r>
-              <a:rPr lang="en-US" altLang="ko-KR" dirty="0" smtClean="0"/>
+              <a:rPr lang="en-US" altLang="ko-KR" dirty="0"/>
               <a:t>() </a:t>
             </a:r>
             <a:r>
-              <a:rPr lang="ko-KR" altLang="en-US" dirty="0" smtClean="0"/>
+              <a:rPr lang="ko-KR" altLang="en-US" dirty="0"/>
               <a:t>메서드를 사용할 수 있게 설정</a:t>
             </a:r>
           </a:p>
           <a:p>
             <a:r>
-              <a:rPr lang="en-US" altLang="ko-KR" dirty="0" err="1" smtClean="0"/>
+              <a:rPr lang="en-US" altLang="ko-KR" dirty="0" err="1"/>
               <a:t>WorkerSupportsCancellation</a:t>
             </a:r>
             <a:r>
-              <a:rPr lang="en-US" altLang="ko-KR" dirty="0" smtClean="0"/>
+              <a:rPr lang="en-US" altLang="ko-KR" dirty="0"/>
               <a:t> = true:</a:t>
             </a:r>
             <a:br>
-              <a:rPr lang="en-US" altLang="ko-KR" dirty="0" smtClean="0"/>
+              <a:rPr lang="en-US" altLang="ko-KR" dirty="0"/>
             </a:br>
             <a:r>
-              <a:rPr lang="en-US" altLang="ko-KR" dirty="0" smtClean="0"/>
+              <a:rPr lang="en-US" altLang="ko-KR" dirty="0"/>
               <a:t>- </a:t>
             </a:r>
             <a:r>
-              <a:rPr lang="ko-KR" altLang="en-US" dirty="0" smtClean="0"/>
+              <a:rPr lang="ko-KR" altLang="en-US" dirty="0"/>
               <a:t>작업 중단</a:t>
             </a:r>
             <a:r>
-              <a:rPr lang="en-US" altLang="ko-KR" dirty="0" smtClean="0"/>
+              <a:rPr lang="en-US" altLang="ko-KR" dirty="0"/>
               <a:t>(</a:t>
             </a:r>
             <a:r>
-              <a:rPr lang="en-US" altLang="ko-KR" dirty="0" err="1" smtClean="0"/>
+              <a:rPr lang="en-US" altLang="ko-KR" dirty="0" err="1"/>
               <a:t>CancelAsync</a:t>
             </a:r>
             <a:r>
-              <a:rPr lang="en-US" altLang="ko-KR" dirty="0" smtClean="0"/>
+              <a:rPr lang="en-US" altLang="ko-KR" dirty="0"/>
               <a:t>())</a:t>
             </a:r>
             <a:r>
-              <a:rPr lang="ko-KR" altLang="en-US" dirty="0" smtClean="0"/>
+              <a:rPr lang="ko-KR" altLang="en-US" dirty="0"/>
               <a:t>을 사용할 수 있도록 설정</a:t>
             </a:r>
           </a:p>
           <a:p>
-            <a:endParaRPr lang="en-US" altLang="ko-KR" dirty="0" smtClean="0"/>
-          </a:p>
-          <a:p>
-            <a:r>
-              <a:rPr lang="en-US" altLang="ko-KR" dirty="0" smtClean="0"/>
+            <a:endParaRPr lang="en-US" altLang="ko-KR" dirty="0"/>
+          </a:p>
+          <a:p>
+            <a:r>
+              <a:rPr lang="en-US" altLang="ko-KR" dirty="0"/>
               <a:t>2️⃣ </a:t>
             </a:r>
             <a:r>
-              <a:rPr lang="ko-KR" altLang="en-US" dirty="0" smtClean="0"/>
+              <a:rPr lang="ko-KR" altLang="en-US" dirty="0"/>
               <a:t>이벤트 연결</a:t>
             </a:r>
-            <a:endParaRPr lang="en-US" altLang="ko-KR" dirty="0" smtClean="0"/>
-          </a:p>
-          <a:p>
-            <a:r>
-              <a:rPr lang="en-US" altLang="ko-KR" dirty="0" err="1" smtClean="0"/>
+            <a:endParaRPr lang="en-US" altLang="ko-KR" dirty="0"/>
+          </a:p>
+          <a:p>
+            <a:r>
+              <a:rPr lang="en-US" altLang="ko-KR" dirty="0" err="1"/>
               <a:t>this.worker.DoWork</a:t>
             </a:r>
             <a:r>
-              <a:rPr lang="en-US" altLang="ko-KR" dirty="0" smtClean="0"/>
+              <a:rPr lang="en-US" altLang="ko-KR" dirty="0"/>
               <a:t> += new </a:t>
             </a:r>
             <a:r>
-              <a:rPr lang="en-US" altLang="ko-KR" dirty="0" err="1" smtClean="0"/>
+              <a:rPr lang="en-US" altLang="ko-KR" dirty="0" err="1"/>
               <a:t>DoWorkEventHandler</a:t>
             </a:r>
             <a:r>
-              <a:rPr lang="en-US" altLang="ko-KR" dirty="0" smtClean="0"/>
+              <a:rPr lang="en-US" altLang="ko-KR" dirty="0"/>
               <a:t>(</a:t>
             </a:r>
             <a:r>
-              <a:rPr lang="en-US" altLang="ko-KR" dirty="0" err="1" smtClean="0"/>
+              <a:rPr lang="en-US" altLang="ko-KR" dirty="0" err="1"/>
               <a:t>Worker_DoWork</a:t>
             </a:r>
             <a:r>
-              <a:rPr lang="en-US" altLang="ko-KR" dirty="0" smtClean="0"/>
+              <a:rPr lang="en-US" altLang="ko-KR" dirty="0"/>
               <a:t>);</a:t>
             </a:r>
           </a:p>
           <a:p>
             <a:r>
-              <a:rPr lang="ko-KR" altLang="en-US" dirty="0" smtClean="0"/>
+              <a:rPr lang="ko-KR" altLang="en-US" dirty="0"/>
               <a:t>→ 백그라운드에서 </a:t>
             </a:r>
             <a:r>
-              <a:rPr lang="ko-KR" altLang="en-US" b="1" dirty="0" smtClean="0"/>
+              <a:rPr lang="ko-KR" altLang="en-US" b="1" dirty="0"/>
               <a:t>실제 작업을 수행할 메서드</a:t>
             </a:r>
             <a:r>
-              <a:rPr lang="ko-KR" altLang="en-US" dirty="0" smtClean="0"/>
+              <a:rPr lang="ko-KR" altLang="en-US" dirty="0"/>
               <a:t> 지정</a:t>
             </a:r>
-            <a:endParaRPr lang="en-US" altLang="ko-KR" dirty="0" smtClean="0"/>
-          </a:p>
-          <a:p>
-            <a:endParaRPr lang="en-US" altLang="ko-KR" dirty="0" smtClean="0"/>
-          </a:p>
-          <a:p>
-            <a:r>
-              <a:rPr lang="en-US" altLang="ko-KR" dirty="0" err="1" smtClean="0"/>
+            <a:endParaRPr lang="en-US" altLang="ko-KR" dirty="0"/>
+          </a:p>
+          <a:p>
+            <a:endParaRPr lang="en-US" altLang="ko-KR" dirty="0"/>
+          </a:p>
+          <a:p>
+            <a:r>
+              <a:rPr lang="en-US" altLang="ko-KR" dirty="0" err="1"/>
               <a:t>this.worker.ProgressChanged</a:t>
             </a:r>
             <a:r>
-              <a:rPr lang="en-US" altLang="ko-KR" dirty="0" smtClean="0"/>
+              <a:rPr lang="en-US" altLang="ko-KR" dirty="0"/>
               <a:t> += new </a:t>
             </a:r>
             <a:r>
-              <a:rPr lang="en-US" altLang="ko-KR" dirty="0" err="1" smtClean="0"/>
+              <a:rPr lang="en-US" altLang="ko-KR" dirty="0" err="1"/>
               <a:t>ProgressChangedEventHandler</a:t>
             </a:r>
             <a:r>
-              <a:rPr lang="en-US" altLang="ko-KR" dirty="0" smtClean="0"/>
+              <a:rPr lang="en-US" altLang="ko-KR" dirty="0"/>
               <a:t>(</a:t>
             </a:r>
             <a:r>
-              <a:rPr lang="en-US" altLang="ko-KR" dirty="0" err="1" smtClean="0"/>
+              <a:rPr lang="en-US" altLang="ko-KR" dirty="0" err="1"/>
               <a:t>Worker_ProgressChanged</a:t>
             </a:r>
             <a:r>
-              <a:rPr lang="en-US" altLang="ko-KR" dirty="0" smtClean="0"/>
+              <a:rPr lang="en-US" altLang="ko-KR" dirty="0"/>
               <a:t>);</a:t>
             </a:r>
           </a:p>
           <a:p>
             <a:r>
-              <a:rPr lang="ko-KR" altLang="en-US" dirty="0" smtClean="0"/>
+              <a:rPr lang="ko-KR" altLang="en-US" dirty="0"/>
               <a:t>→ </a:t>
             </a:r>
             <a:r>
-              <a:rPr lang="en-US" altLang="ko-KR" dirty="0" err="1" smtClean="0"/>
+              <a:rPr lang="en-US" altLang="ko-KR" dirty="0" err="1"/>
               <a:t>ReportProgress</a:t>
             </a:r>
             <a:r>
-              <a:rPr lang="en-US" altLang="ko-KR" dirty="0" smtClean="0"/>
+              <a:rPr lang="en-US" altLang="ko-KR" dirty="0"/>
               <a:t>()</a:t>
             </a:r>
             <a:r>
-              <a:rPr lang="ko-KR" altLang="en-US" dirty="0" smtClean="0"/>
+              <a:rPr lang="ko-KR" altLang="en-US" dirty="0"/>
               <a:t>가 호출될 때 </a:t>
             </a:r>
             <a:r>
-              <a:rPr lang="en-US" altLang="ko-KR" b="1" dirty="0" smtClean="0"/>
+              <a:rPr lang="en-US" altLang="ko-KR" b="1" dirty="0"/>
               <a:t>UI</a:t>
             </a:r>
             <a:r>
-              <a:rPr lang="ko-KR" altLang="en-US" b="1" dirty="0" smtClean="0"/>
+              <a:rPr lang="ko-KR" altLang="en-US" b="1" dirty="0"/>
               <a:t>에서 실행할 메서드</a:t>
             </a:r>
             <a:r>
-              <a:rPr lang="ko-KR" altLang="en-US" dirty="0" smtClean="0"/>
+              <a:rPr lang="ko-KR" altLang="en-US" dirty="0"/>
               <a:t> 지정</a:t>
             </a:r>
-            <a:endParaRPr lang="en-US" altLang="ko-KR" dirty="0" smtClean="0"/>
-          </a:p>
-          <a:p>
-            <a:endParaRPr lang="en-US" altLang="ko-KR" dirty="0" smtClean="0"/>
-          </a:p>
-          <a:p>
-            <a:r>
-              <a:rPr lang="en-US" altLang="ko-KR" dirty="0" err="1" smtClean="0"/>
+            <a:endParaRPr lang="en-US" altLang="ko-KR" dirty="0"/>
+          </a:p>
+          <a:p>
+            <a:endParaRPr lang="en-US" altLang="ko-KR" dirty="0"/>
+          </a:p>
+          <a:p>
+            <a:r>
+              <a:rPr lang="en-US" altLang="ko-KR" dirty="0" err="1"/>
               <a:t>this.worker.RunWorkerCompleted</a:t>
             </a:r>
             <a:r>
-              <a:rPr lang="en-US" altLang="ko-KR" dirty="0" smtClean="0"/>
+              <a:rPr lang="en-US" altLang="ko-KR" dirty="0"/>
               <a:t> += new </a:t>
             </a:r>
             <a:r>
-              <a:rPr lang="en-US" altLang="ko-KR" dirty="0" err="1" smtClean="0"/>
+              <a:rPr lang="en-US" altLang="ko-KR" dirty="0" err="1"/>
               <a:t>RunWorkerCompletedEventHandler</a:t>
             </a:r>
             <a:r>
-              <a:rPr lang="en-US" altLang="ko-KR" dirty="0" smtClean="0"/>
+              <a:rPr lang="en-US" altLang="ko-KR" dirty="0"/>
               <a:t>(</a:t>
             </a:r>
             <a:r>
-              <a:rPr lang="en-US" altLang="ko-KR" dirty="0" err="1" smtClean="0"/>
+              <a:rPr lang="en-US" altLang="ko-KR" dirty="0" err="1"/>
               <a:t>Worker_Complete</a:t>
             </a:r>
             <a:r>
-              <a:rPr lang="en-US" altLang="ko-KR" dirty="0" smtClean="0"/>
+              <a:rPr lang="en-US" altLang="ko-KR" dirty="0"/>
               <a:t>);</a:t>
             </a:r>
           </a:p>
@@ -1426,73 +1418,73 @@
               <a:defRPr/>
             </a:pPr>
             <a:r>
-              <a:rPr lang="ko-KR" altLang="en-US" dirty="0" smtClean="0"/>
+              <a:rPr lang="ko-KR" altLang="en-US" dirty="0"/>
               <a:t>→ 작업이 </a:t>
             </a:r>
             <a:r>
-              <a:rPr lang="ko-KR" altLang="en-US" b="1" dirty="0" smtClean="0"/>
+              <a:rPr lang="ko-KR" altLang="en-US" b="1" dirty="0"/>
               <a:t>끝난 후 </a:t>
             </a:r>
             <a:r>
-              <a:rPr lang="en-US" altLang="ko-KR" b="1" dirty="0" smtClean="0"/>
+              <a:rPr lang="en-US" altLang="ko-KR" b="1" dirty="0"/>
               <a:t>1</a:t>
             </a:r>
             <a:r>
-              <a:rPr lang="ko-KR" altLang="en-US" b="1" dirty="0" smtClean="0"/>
+              <a:rPr lang="ko-KR" altLang="en-US" b="1" dirty="0"/>
               <a:t>번 실행되는 메서드</a:t>
             </a:r>
             <a:r>
-              <a:rPr lang="ko-KR" altLang="en-US" dirty="0" smtClean="0"/>
+              <a:rPr lang="ko-KR" altLang="en-US" dirty="0"/>
               <a:t> 지정</a:t>
             </a:r>
           </a:p>
           <a:p>
-            <a:endParaRPr lang="en-US" altLang="ko-KR" dirty="0" smtClean="0"/>
-          </a:p>
-          <a:p>
-            <a:r>
-              <a:rPr lang="en-US" altLang="ko-KR" dirty="0" smtClean="0"/>
+            <a:endParaRPr lang="en-US" altLang="ko-KR" dirty="0"/>
+          </a:p>
+          <a:p>
+            <a:r>
+              <a:rPr lang="en-US" altLang="ko-KR" dirty="0"/>
               <a:t>3️⃣ </a:t>
             </a:r>
             <a:r>
-              <a:rPr lang="ko-KR" altLang="en-US" dirty="0" smtClean="0"/>
+              <a:rPr lang="ko-KR" altLang="en-US" dirty="0"/>
               <a:t>각 메서드 </a:t>
             </a:r>
             <a:r>
-              <a:rPr lang="ko-KR" altLang="en-US" dirty="0" err="1" smtClean="0"/>
+              <a:rPr lang="ko-KR" altLang="en-US" dirty="0" err="1"/>
               <a:t>정의부</a:t>
             </a:r>
-            <a:endParaRPr lang="en-US" altLang="ko-KR" dirty="0" smtClean="0"/>
-          </a:p>
-          <a:p>
-            <a:r>
-              <a:rPr lang="ko-KR" altLang="en-US" dirty="0" smtClean="0"/>
+            <a:endParaRPr lang="en-US" altLang="ko-KR" dirty="0"/>
+          </a:p>
+          <a:p>
+            <a:r>
+              <a:rPr lang="ko-KR" altLang="en-US" dirty="0"/>
               <a:t>각각의 메서드는 위에서 이벤트에 연결된 이름과 같아야 하며</a:t>
             </a:r>
             <a:r>
-              <a:rPr lang="en-US" altLang="ko-KR" dirty="0" smtClean="0"/>
+              <a:rPr lang="en-US" altLang="ko-KR" dirty="0"/>
               <a:t>,</a:t>
             </a:r>
           </a:p>
           <a:p>
             <a:r>
-              <a:rPr lang="ko-KR" altLang="en-US" b="1" dirty="0" smtClean="0"/>
+              <a:rPr lang="ko-KR" altLang="en-US" b="1" dirty="0"/>
               <a:t>정해진 시점에 자동으로 호출</a:t>
             </a:r>
             <a:r>
-              <a:rPr lang="ko-KR" altLang="en-US" dirty="0" smtClean="0"/>
+              <a:rPr lang="ko-KR" altLang="en-US" dirty="0"/>
               <a:t>됩니다</a:t>
             </a:r>
             <a:r>
-              <a:rPr lang="en-US" altLang="ko-KR" dirty="0" smtClean="0"/>
+              <a:rPr lang="en-US" altLang="ko-KR" dirty="0"/>
               <a:t>.</a:t>
             </a:r>
           </a:p>
           <a:p>
-            <a:endParaRPr lang="en-US" altLang="ko-KR" dirty="0" smtClean="0"/>
-          </a:p>
-          <a:p>
-            <a:endParaRPr lang="en-US" altLang="ko-KR" dirty="0" smtClean="0"/>
+            <a:endParaRPr lang="en-US" altLang="ko-KR" dirty="0"/>
+          </a:p>
+          <a:p>
+            <a:endParaRPr lang="en-US" altLang="ko-KR" dirty="0"/>
           </a:p>
           <a:p>
             <a:endParaRPr lang="ko-KR" altLang="en-US" dirty="0"/>
@@ -1601,71 +1593,67 @@
             </a:r>
             <a:r>
               <a:rPr lang="ko-KR" altLang="en-US" dirty="0"/>
-              <a:t>을 </a:t>
-            </a:r>
-            <a:r>
-              <a:rPr lang="ko-KR" altLang="en-US" dirty="0" smtClean="0"/>
-              <a:t>의미</a:t>
-            </a:r>
-            <a:endParaRPr lang="en-US" altLang="ko-KR" dirty="0" smtClean="0"/>
-          </a:p>
-          <a:p>
-            <a:endParaRPr lang="en-US" altLang="ko-KR" dirty="0" smtClean="0"/>
-          </a:p>
-          <a:p>
-            <a:r>
-              <a:rPr lang="ko-KR" altLang="en-US" dirty="0" smtClean="0"/>
+              <a:t>을 의미</a:t>
+            </a:r>
+            <a:endParaRPr lang="en-US" altLang="ko-KR" dirty="0"/>
+          </a:p>
+          <a:p>
+            <a:endParaRPr lang="en-US" altLang="ko-KR" dirty="0"/>
+          </a:p>
+          <a:p>
+            <a:r>
+              <a:rPr lang="ko-KR" altLang="en-US" dirty="0"/>
               <a:t>→ </a:t>
             </a:r>
             <a:r>
-              <a:rPr lang="en-US" altLang="ko-KR" dirty="0" err="1" smtClean="0"/>
+              <a:rPr lang="en-US" altLang="ko-KR" dirty="0" err="1"/>
               <a:t>MyThread</a:t>
             </a:r>
             <a:r>
-              <a:rPr lang="en-US" altLang="ko-KR" dirty="0" smtClean="0"/>
+              <a:rPr lang="en-US" altLang="ko-KR" dirty="0"/>
               <a:t> </a:t>
             </a:r>
             <a:r>
-              <a:rPr lang="ko-KR" altLang="en-US" dirty="0" smtClean="0"/>
+              <a:rPr lang="ko-KR" altLang="en-US" dirty="0"/>
               <a:t>메서드를 새로운 스레드로 실행하겠다는 의미</a:t>
             </a:r>
-            <a:endParaRPr lang="en-US" altLang="ko-KR" dirty="0" smtClean="0"/>
-          </a:p>
-          <a:p>
-            <a:r>
-              <a:rPr lang="ko-KR" altLang="en-US" dirty="0" smtClean="0"/>
+            <a:endParaRPr lang="en-US" altLang="ko-KR" dirty="0"/>
+          </a:p>
+          <a:p>
+            <a:r>
+              <a:rPr lang="ko-KR" altLang="en-US" dirty="0"/>
               <a:t>메인 </a:t>
             </a:r>
             <a:r>
-              <a:rPr lang="en-US" altLang="ko-KR" dirty="0" smtClean="0"/>
+              <a:rPr lang="en-US" altLang="ko-KR" dirty="0"/>
               <a:t>UI </a:t>
             </a:r>
             <a:r>
-              <a:rPr lang="ko-KR" altLang="en-US" dirty="0" smtClean="0"/>
+              <a:rPr lang="ko-KR" altLang="en-US" dirty="0"/>
               <a:t>스레드와는 별개로 </a:t>
             </a:r>
             <a:r>
-              <a:rPr lang="en-US" altLang="ko-KR" dirty="0" err="1" smtClean="0"/>
+              <a:rPr lang="en-US" altLang="ko-KR" dirty="0" err="1"/>
               <a:t>MyThread</a:t>
             </a:r>
             <a:r>
-              <a:rPr lang="en-US" altLang="ko-KR" dirty="0" smtClean="0"/>
+              <a:rPr lang="en-US" altLang="ko-KR" dirty="0"/>
               <a:t>() </a:t>
             </a:r>
             <a:r>
-              <a:rPr lang="ko-KR" altLang="en-US" dirty="0" smtClean="0"/>
+              <a:rPr lang="ko-KR" altLang="en-US" dirty="0"/>
               <a:t>메서드가 </a:t>
             </a:r>
             <a:r>
-              <a:rPr lang="ko-KR" altLang="en-US" b="1" dirty="0" smtClean="0"/>
+              <a:rPr lang="ko-KR" altLang="en-US" b="1" dirty="0"/>
               <a:t>비동기적으로</a:t>
             </a:r>
             <a:r>
-              <a:rPr lang="ko-KR" altLang="en-US" dirty="0" smtClean="0"/>
+              <a:rPr lang="ko-KR" altLang="en-US" dirty="0"/>
               <a:t> 실행됩니다</a:t>
             </a:r>
             <a:r>
-              <a:rPr lang="en-US" altLang="ko-KR" dirty="0" smtClean="0"/>
+              <a:rPr lang="en-US" altLang="ko-KR" dirty="0"/>
               <a:t>.</a:t>
             </a:r>
             <a:endParaRPr lang="ko-KR" altLang="en-US" dirty="0"/>
@@ -1754,67 +1742,63 @@
           <a:p>
             <a:r>
               <a:rPr lang="ko-KR" altLang="en-US" dirty="0"/>
-              <a:t>컨텍스트 스위칭이 일어나면서 코드가 기대한 것과 같이 정상 작동하지 </a:t>
-            </a:r>
-            <a:r>
-              <a:rPr lang="ko-KR" altLang="en-US" dirty="0" smtClean="0"/>
-              <a:t>않음</a:t>
-            </a:r>
-            <a:endParaRPr lang="en-US" altLang="ko-KR" dirty="0" smtClean="0"/>
-          </a:p>
-          <a:p>
-            <a:r>
-              <a:rPr lang="ko-KR" altLang="en-US" dirty="0" smtClean="0"/>
+              <a:t>컨텍스트 스위칭이 일어나면서 코드가 기대한 것과 같이 정상 작동하지 않음</a:t>
+            </a:r>
+            <a:endParaRPr lang="en-US" altLang="ko-KR" dirty="0"/>
+          </a:p>
+          <a:p>
+            <a:r>
+              <a:rPr lang="ko-KR" altLang="en-US" dirty="0"/>
               <a:t>두 개의 스레드가 </a:t>
             </a:r>
             <a:r>
-              <a:rPr lang="ko-KR" altLang="en-US" b="1" dirty="0" smtClean="0"/>
+              <a:rPr lang="ko-KR" altLang="en-US" b="1" dirty="0"/>
               <a:t>공통된 변수</a:t>
             </a:r>
             <a:r>
-              <a:rPr lang="en-US" altLang="ko-KR" b="1" dirty="0" smtClean="0"/>
+              <a:rPr lang="en-US" altLang="ko-KR" b="1" dirty="0"/>
               <a:t>(</a:t>
             </a:r>
             <a:r>
-              <a:rPr lang="en-US" altLang="ko-KR" b="1" dirty="0" err="1" smtClean="0"/>
+              <a:rPr lang="en-US" altLang="ko-KR" b="1" dirty="0" err="1"/>
               <a:t>sharedData</a:t>
             </a:r>
             <a:r>
-              <a:rPr lang="en-US" altLang="ko-KR" b="1" dirty="0" smtClean="0"/>
+              <a:rPr lang="en-US" altLang="ko-KR" b="1" dirty="0"/>
               <a:t>)</a:t>
             </a:r>
             <a:r>
-              <a:rPr lang="ko-KR" altLang="en-US" dirty="0" smtClean="0"/>
+              <a:rPr lang="ko-KR" altLang="en-US" dirty="0"/>
               <a:t> 를 수정할 때 발생할 수 있는 </a:t>
             </a:r>
             <a:r>
-              <a:rPr lang="ko-KR" altLang="en-US" b="1" dirty="0" smtClean="0"/>
+              <a:rPr lang="ko-KR" altLang="en-US" b="1" dirty="0"/>
               <a:t>동기화 문제</a:t>
             </a:r>
-            <a:endParaRPr lang="en-US" altLang="ko-KR" b="1" dirty="0" smtClean="0"/>
-          </a:p>
-          <a:p>
-            <a:endParaRPr lang="en-US" altLang="ko-KR" b="1" dirty="0" smtClean="0"/>
-          </a:p>
-          <a:p>
-            <a:r>
-              <a:rPr lang="en-US" altLang="ko-KR" dirty="0" smtClean="0"/>
+            <a:endParaRPr lang="en-US" altLang="ko-KR" b="1" dirty="0"/>
+          </a:p>
+          <a:p>
+            <a:endParaRPr lang="en-US" altLang="ko-KR" b="1" dirty="0"/>
+          </a:p>
+          <a:p>
+            <a:r>
+              <a:rPr lang="en-US" altLang="ko-KR" dirty="0"/>
               <a:t>static </a:t>
             </a:r>
             <a:r>
-              <a:rPr lang="en-US" altLang="ko-KR" dirty="0" err="1" smtClean="0"/>
+              <a:rPr lang="en-US" altLang="ko-KR" dirty="0" err="1"/>
               <a:t>int</a:t>
             </a:r>
             <a:r>
-              <a:rPr lang="en-US" altLang="ko-KR" dirty="0" smtClean="0"/>
+              <a:rPr lang="en-US" altLang="ko-KR" dirty="0"/>
               <a:t> </a:t>
             </a:r>
             <a:r>
-              <a:rPr lang="en-US" altLang="ko-KR" dirty="0" err="1" smtClean="0"/>
+              <a:rPr lang="en-US" altLang="ko-KR" dirty="0" err="1"/>
               <a:t>sharedData</a:t>
             </a:r>
             <a:r>
-              <a:rPr lang="en-US" altLang="ko-KR" dirty="0" smtClean="0"/>
+              <a:rPr lang="en-US" altLang="ko-KR" dirty="0"/>
               <a:t> = 0;</a:t>
             </a:r>
           </a:p>
@@ -1824,21 +1808,21 @@
               <a:buChar char="-"/>
             </a:pPr>
             <a:r>
-              <a:rPr lang="ko-KR" altLang="en-US" dirty="0" smtClean="0"/>
+              <a:rPr lang="ko-KR" altLang="en-US" dirty="0"/>
               <a:t>두 스레드가 함께 접근하게 될 </a:t>
             </a:r>
             <a:r>
-              <a:rPr lang="ko-KR" altLang="en-US" b="1" dirty="0" smtClean="0"/>
+              <a:rPr lang="ko-KR" altLang="en-US" b="1" dirty="0"/>
               <a:t>공유 변수</a:t>
             </a:r>
-            <a:endParaRPr lang="en-US" altLang="ko-KR" b="1" dirty="0" smtClean="0"/>
+            <a:endParaRPr lang="en-US" altLang="ko-KR" b="1" dirty="0"/>
           </a:p>
           <a:p>
             <a:pPr marL="171450" indent="-171450">
               <a:buFontTx/>
               <a:buChar char="-"/>
             </a:pPr>
-            <a:endParaRPr lang="en-US" altLang="ko-KR" b="1" dirty="0" smtClean="0"/>
+            <a:endParaRPr lang="en-US" altLang="ko-KR" b="1" dirty="0"/>
           </a:p>
           <a:p>
             <a:pPr marL="0" indent="0">
@@ -1846,7 +1830,7 @@
               <a:buNone/>
             </a:pPr>
             <a:r>
-              <a:rPr lang="en-US" altLang="ko-KR" b="1" dirty="0" smtClean="0"/>
+              <a:rPr lang="en-US" altLang="ko-KR" b="1" dirty="0"/>
               <a:t>Thread thread1 = new Thread(UpdateData1);</a:t>
             </a:r>
           </a:p>
@@ -1856,7 +1840,7 @@
               <a:buNone/>
             </a:pPr>
             <a:r>
-              <a:rPr lang="en-US" altLang="ko-KR" b="1" dirty="0" smtClean="0"/>
+              <a:rPr lang="en-US" altLang="ko-KR" b="1" dirty="0"/>
               <a:t>Thread thread2 = new Thread(UpdateData2);</a:t>
             </a:r>
           </a:p>
@@ -1866,41 +1850,41 @@
               <a:buChar char="-"/>
             </a:pPr>
             <a:r>
-              <a:rPr lang="en-US" altLang="ko-KR" dirty="0" smtClean="0"/>
+              <a:rPr lang="en-US" altLang="ko-KR" dirty="0"/>
               <a:t>UpdateData1, UpdateData2</a:t>
             </a:r>
             <a:r>
-              <a:rPr lang="ko-KR" altLang="en-US" dirty="0" smtClean="0"/>
+              <a:rPr lang="ko-KR" altLang="en-US" dirty="0"/>
               <a:t>는 각각 다른 </a:t>
             </a:r>
             <a:r>
-              <a:rPr lang="ko-KR" altLang="en-US" dirty="0" err="1" smtClean="0"/>
+              <a:rPr lang="ko-KR" altLang="en-US" dirty="0" err="1"/>
               <a:t>함수지만</a:t>
             </a:r>
             <a:r>
-              <a:rPr lang="en-US" altLang="ko-KR" dirty="0" smtClean="0"/>
+              <a:rPr lang="en-US" altLang="ko-KR" dirty="0"/>
               <a:t>, </a:t>
             </a:r>
             <a:r>
-              <a:rPr lang="ko-KR" altLang="en-US" dirty="0" smtClean="0"/>
+              <a:rPr lang="ko-KR" altLang="en-US" dirty="0"/>
               <a:t>동일한 공유 변수 </a:t>
             </a:r>
             <a:r>
-              <a:rPr lang="en-US" altLang="ko-KR" dirty="0" err="1" smtClean="0"/>
+              <a:rPr lang="en-US" altLang="ko-KR" dirty="0" err="1"/>
               <a:t>sharedData</a:t>
             </a:r>
             <a:r>
-              <a:rPr lang="ko-KR" altLang="en-US" dirty="0" smtClean="0"/>
+              <a:rPr lang="ko-KR" altLang="en-US" dirty="0"/>
               <a:t>에 접근</a:t>
             </a:r>
-            <a:endParaRPr lang="en-US" altLang="ko-KR" dirty="0" smtClean="0"/>
+            <a:endParaRPr lang="en-US" altLang="ko-KR" dirty="0"/>
           </a:p>
           <a:p>
             <a:pPr marL="171450" indent="-171450">
               <a:buFontTx/>
               <a:buChar char="-"/>
             </a:pPr>
-            <a:endParaRPr lang="en-US" altLang="ko-KR" dirty="0" smtClean="0"/>
+            <a:endParaRPr lang="en-US" altLang="ko-KR" dirty="0"/>
           </a:p>
           <a:p>
             <a:pPr marL="0" indent="0">
@@ -1908,7 +1892,7 @@
               <a:buNone/>
             </a:pPr>
             <a:r>
-              <a:rPr lang="en-US" altLang="ko-KR" dirty="0" smtClean="0"/>
+              <a:rPr lang="en-US" altLang="ko-KR" dirty="0"/>
               <a:t>thread1.Join();</a:t>
             </a:r>
           </a:p>
@@ -1918,7 +1902,7 @@
               <a:buNone/>
             </a:pPr>
             <a:r>
-              <a:rPr lang="en-US" altLang="ko-KR" dirty="0" smtClean="0"/>
+              <a:rPr lang="en-US" altLang="ko-KR" dirty="0"/>
               <a:t>thread2.Join();</a:t>
             </a:r>
           </a:p>
@@ -1928,25 +1912,25 @@
               <a:buChar char="-"/>
             </a:pPr>
             <a:r>
-              <a:rPr lang="en-US" altLang="ko-KR" dirty="0" smtClean="0"/>
+              <a:rPr lang="en-US" altLang="ko-KR" dirty="0"/>
               <a:t>Join()</a:t>
             </a:r>
             <a:r>
-              <a:rPr lang="ko-KR" altLang="en-US" dirty="0" smtClean="0"/>
+              <a:rPr lang="ko-KR" altLang="en-US" dirty="0"/>
               <a:t>은 해당 스레드가 </a:t>
             </a:r>
             <a:r>
-              <a:rPr lang="ko-KR" altLang="en-US" b="1" dirty="0" smtClean="0"/>
+              <a:rPr lang="ko-KR" altLang="en-US" b="1" dirty="0"/>
               <a:t>완전히 끝날 때까지 메인 스레드를 대기시킴</a:t>
             </a:r>
-            <a:endParaRPr lang="en-US" altLang="ko-KR" b="1" dirty="0" smtClean="0"/>
+            <a:endParaRPr lang="en-US" altLang="ko-KR" b="1" dirty="0"/>
           </a:p>
           <a:p>
             <a:pPr marL="0" indent="0">
               <a:buFontTx/>
               <a:buNone/>
             </a:pPr>
-            <a:endParaRPr lang="en-US" altLang="ko-KR" b="1" dirty="0" smtClean="0"/>
+            <a:endParaRPr lang="en-US" altLang="ko-KR" b="1" dirty="0"/>
           </a:p>
           <a:p>
             <a:pPr marL="0" indent="0">
@@ -1954,42 +1938,42 @@
               <a:buNone/>
             </a:pPr>
             <a:r>
-              <a:rPr lang="ko-KR" altLang="en-US" b="1" dirty="0" err="1" smtClean="0"/>
+              <a:rPr lang="ko-KR" altLang="en-US" b="1" dirty="0" err="1"/>
               <a:t>멀티스레드</a:t>
             </a:r>
             <a:r>
-              <a:rPr lang="ko-KR" altLang="en-US" b="1" dirty="0" smtClean="0"/>
+              <a:rPr lang="ko-KR" altLang="en-US" b="1" dirty="0"/>
               <a:t> 환경에서 이 연산들이 서로 뒤섞이면</a:t>
             </a:r>
             <a:r>
-              <a:rPr lang="en-US" altLang="ko-KR" dirty="0" smtClean="0"/>
+              <a:rPr lang="en-US" altLang="ko-KR" dirty="0"/>
               <a:t>, </a:t>
             </a:r>
             <a:r>
-              <a:rPr lang="ko-KR" altLang="en-US" dirty="0" smtClean="0"/>
+              <a:rPr lang="ko-KR" altLang="en-US" dirty="0"/>
               <a:t>값이 중복되거나 </a:t>
             </a:r>
             <a:r>
-              <a:rPr lang="ko-KR" altLang="en-US" dirty="0" err="1" smtClean="0"/>
+              <a:rPr lang="ko-KR" altLang="en-US" dirty="0" err="1"/>
               <a:t>스킵될</a:t>
             </a:r>
             <a:r>
-              <a:rPr lang="ko-KR" altLang="en-US" dirty="0" smtClean="0"/>
+              <a:rPr lang="ko-KR" altLang="en-US" dirty="0"/>
               <a:t> 수 있습니다 </a:t>
             </a:r>
             <a:r>
-              <a:rPr lang="en-US" altLang="ko-KR" dirty="0" smtClean="0"/>
+              <a:rPr lang="en-US" altLang="ko-KR" dirty="0"/>
               <a:t>(</a:t>
             </a:r>
             <a:r>
-              <a:rPr lang="ko-KR" altLang="en-US" dirty="0" smtClean="0"/>
+              <a:rPr lang="ko-KR" altLang="en-US" dirty="0"/>
               <a:t>경쟁 조건 발생</a:t>
             </a:r>
             <a:r>
-              <a:rPr lang="en-US" altLang="ko-KR" dirty="0" smtClean="0"/>
+              <a:rPr lang="en-US" altLang="ko-KR" dirty="0"/>
               <a:t>)</a:t>
             </a:r>
-            <a:endParaRPr lang="en-US" altLang="ko-KR" b="1" dirty="0" smtClean="0"/>
+            <a:endParaRPr lang="en-US" altLang="ko-KR" b="1" dirty="0"/>
           </a:p>
           <a:p>
             <a:pPr marL="0" indent="0">
@@ -1997,23 +1981,23 @@
               <a:buNone/>
             </a:pPr>
             <a:r>
-              <a:rPr lang="en-US" altLang="ko-KR" dirty="0" smtClean="0"/>
+              <a:rPr lang="en-US" altLang="ko-KR" dirty="0"/>
               <a:t>Race Condition (</a:t>
             </a:r>
             <a:r>
-              <a:rPr lang="ko-KR" altLang="en-US" dirty="0" smtClean="0"/>
+              <a:rPr lang="ko-KR" altLang="en-US" dirty="0"/>
               <a:t>경쟁 조건</a:t>
             </a:r>
             <a:r>
-              <a:rPr lang="en-US" altLang="ko-KR" dirty="0" smtClean="0"/>
+              <a:rPr lang="en-US" altLang="ko-KR" dirty="0"/>
               <a:t>)</a:t>
             </a:r>
             <a:r>
-              <a:rPr lang="ko-KR" altLang="en-US" dirty="0" smtClean="0"/>
+              <a:rPr lang="ko-KR" altLang="en-US" dirty="0"/>
               <a:t>여러 스레드가 동시에 공유 데이터를 수정하면서 발생하는 </a:t>
             </a:r>
             <a:r>
-              <a:rPr lang="ko-KR" altLang="en-US" b="1" dirty="0" smtClean="0"/>
+              <a:rPr lang="ko-KR" altLang="en-US" b="1" dirty="0"/>
               <a:t>비정상적인 결과 현상</a:t>
             </a:r>
             <a:endParaRPr lang="ko-KR" altLang="en-US" dirty="0"/>
@@ -2101,136 +2085,136 @@
           <a:lstStyle/>
           <a:p>
             <a:r>
-              <a:rPr lang="en-US" altLang="ko-KR" dirty="0" smtClean="0"/>
+              <a:rPr lang="en-US" altLang="ko-KR" dirty="0"/>
               <a:t>lock</a:t>
             </a:r>
             <a:r>
-              <a:rPr lang="ko-KR" altLang="en-US" dirty="0" smtClean="0"/>
+              <a:rPr lang="ko-KR" altLang="en-US" dirty="0"/>
               <a:t>은 </a:t>
             </a:r>
             <a:r>
-              <a:rPr lang="en-US" altLang="ko-KR" dirty="0" smtClean="0"/>
+              <a:rPr lang="en-US" altLang="ko-KR" dirty="0"/>
               <a:t>C#</a:t>
             </a:r>
             <a:r>
-              <a:rPr lang="ko-KR" altLang="en-US" dirty="0" smtClean="0"/>
+              <a:rPr lang="ko-KR" altLang="en-US" dirty="0"/>
               <a:t>에서 </a:t>
             </a:r>
             <a:r>
-              <a:rPr lang="ko-KR" altLang="en-US" b="1" dirty="0" smtClean="0"/>
+              <a:rPr lang="ko-KR" altLang="en-US" b="1" dirty="0"/>
               <a:t>스레드 간의 충돌</a:t>
             </a:r>
             <a:r>
-              <a:rPr lang="en-US" altLang="ko-KR" b="1" dirty="0" smtClean="0"/>
+              <a:rPr lang="en-US" altLang="ko-KR" b="1" dirty="0"/>
               <a:t>(</a:t>
             </a:r>
             <a:r>
-              <a:rPr lang="ko-KR" altLang="en-US" b="1" dirty="0" smtClean="0"/>
+              <a:rPr lang="ko-KR" altLang="en-US" b="1" dirty="0"/>
               <a:t>동시 접근</a:t>
             </a:r>
             <a:r>
-              <a:rPr lang="en-US" altLang="ko-KR" b="1" dirty="0" smtClean="0"/>
+              <a:rPr lang="en-US" altLang="ko-KR" b="1" dirty="0"/>
               <a:t>)</a:t>
             </a:r>
             <a:r>
-              <a:rPr lang="ko-KR" altLang="en-US" b="1" dirty="0" smtClean="0"/>
+              <a:rPr lang="ko-KR" altLang="en-US" b="1" dirty="0"/>
               <a:t>을 방지하기 위해 사용하는 키워드</a:t>
             </a:r>
-            <a:endParaRPr lang="en-US" altLang="ko-KR" b="1" dirty="0" smtClean="0"/>
-          </a:p>
-          <a:p>
-            <a:endParaRPr lang="en-US" altLang="ko-KR" b="1" dirty="0" smtClean="0"/>
-          </a:p>
-          <a:p>
-            <a:r>
-              <a:rPr lang="en-US" altLang="ko-KR" dirty="0" smtClean="0"/>
+            <a:endParaRPr lang="en-US" altLang="ko-KR" b="1" dirty="0"/>
+          </a:p>
+          <a:p>
+            <a:endParaRPr lang="en-US" altLang="ko-KR" b="1" dirty="0"/>
+          </a:p>
+          <a:p>
+            <a:r>
+              <a:rPr lang="en-US" altLang="ko-KR" dirty="0"/>
               <a:t>lock</a:t>
             </a:r>
             <a:r>
-              <a:rPr lang="ko-KR" altLang="en-US" dirty="0" smtClean="0"/>
+              <a:rPr lang="ko-KR" altLang="en-US" dirty="0"/>
               <a:t>을 사용하면 </a:t>
             </a:r>
             <a:r>
-              <a:rPr lang="ko-KR" altLang="en-US" b="1" dirty="0" smtClean="0"/>
+              <a:rPr lang="ko-KR" altLang="en-US" b="1" dirty="0"/>
               <a:t>스레드가 공유 자원에 동시에 접근하는 것을 막아</a:t>
             </a:r>
             <a:r>
-              <a:rPr lang="en-US" altLang="ko-KR" dirty="0" smtClean="0"/>
+              <a:rPr lang="en-US" altLang="ko-KR" dirty="0"/>
               <a:t>, </a:t>
             </a:r>
             <a:r>
-              <a:rPr lang="ko-KR" altLang="en-US" b="1" dirty="0" smtClean="0"/>
+              <a:rPr lang="ko-KR" altLang="en-US" b="1" dirty="0"/>
               <a:t>한 번에 하나의 스레드만</a:t>
             </a:r>
             <a:r>
-              <a:rPr lang="ko-KR" altLang="en-US" dirty="0" smtClean="0"/>
+              <a:rPr lang="ko-KR" altLang="en-US" dirty="0"/>
               <a:t> 특정 코드 블록을 실행하도록 만듭니다</a:t>
             </a:r>
-            <a:endParaRPr lang="en-US" altLang="ko-KR" dirty="0" smtClean="0"/>
-          </a:p>
-          <a:p>
-            <a:endParaRPr lang="en-US" altLang="ko-KR" dirty="0" smtClean="0"/>
-          </a:p>
-          <a:p>
-            <a:endParaRPr lang="en-US" altLang="ko-KR" dirty="0" smtClean="0"/>
-          </a:p>
-          <a:p>
-            <a:r>
-              <a:rPr lang="en-US" altLang="ko-KR" dirty="0" smtClean="0"/>
+            <a:endParaRPr lang="en-US" altLang="ko-KR" dirty="0"/>
+          </a:p>
+          <a:p>
+            <a:endParaRPr lang="en-US" altLang="ko-KR" dirty="0"/>
+          </a:p>
+          <a:p>
+            <a:endParaRPr lang="en-US" altLang="ko-KR" dirty="0"/>
+          </a:p>
+          <a:p>
+            <a:r>
+              <a:rPr lang="en-US" altLang="ko-KR" dirty="0"/>
               <a:t>3. </a:t>
             </a:r>
             <a:r>
-              <a:rPr lang="ko-KR" altLang="en-US" dirty="0" smtClean="0"/>
+              <a:rPr lang="ko-KR" altLang="en-US" dirty="0"/>
               <a:t>전체 메서드에 </a:t>
             </a:r>
             <a:r>
-              <a:rPr lang="en-US" altLang="ko-KR" dirty="0" smtClean="0"/>
+              <a:rPr lang="en-US" altLang="ko-KR" dirty="0"/>
               <a:t>lock</a:t>
             </a:r>
             <a:r>
-              <a:rPr lang="ko-KR" altLang="en-US" dirty="0" smtClean="0"/>
+              <a:rPr lang="ko-KR" altLang="en-US" dirty="0"/>
               <a:t>을 걸면 결국 </a:t>
             </a:r>
             <a:r>
-              <a:rPr lang="ko-KR" altLang="en-US" b="1" dirty="0" smtClean="0"/>
+              <a:rPr lang="ko-KR" altLang="en-US" b="1" dirty="0"/>
               <a:t>동시성이 사라져서 성능 저하</a:t>
             </a:r>
             <a:r>
-              <a:rPr lang="ko-KR" altLang="en-US" dirty="0" smtClean="0"/>
+              <a:rPr lang="ko-KR" altLang="en-US" dirty="0"/>
               <a:t> 발생</a:t>
             </a:r>
-            <a:endParaRPr lang="en-US" altLang="ko-KR" dirty="0" smtClean="0"/>
-          </a:p>
-          <a:p>
-            <a:endParaRPr lang="en-US" altLang="ko-KR" dirty="0" smtClean="0"/>
-          </a:p>
-          <a:p>
-            <a:r>
-              <a:rPr lang="en-US" altLang="ko-KR" dirty="0" smtClean="0"/>
+            <a:endParaRPr lang="en-US" altLang="ko-KR" dirty="0"/>
+          </a:p>
+          <a:p>
+            <a:endParaRPr lang="en-US" altLang="ko-KR" dirty="0"/>
+          </a:p>
+          <a:p>
+            <a:r>
+              <a:rPr lang="en-US" altLang="ko-KR" dirty="0"/>
               <a:t>4. "lock</a:t>
             </a:r>
             <a:r>
-              <a:rPr lang="ko-KR" altLang="en-US" dirty="0" smtClean="0"/>
+              <a:rPr lang="ko-KR" altLang="en-US" dirty="0"/>
               <a:t>을 사용하기 위해서는 </a:t>
             </a:r>
             <a:r>
-              <a:rPr lang="ko-KR" altLang="en-US" b="1" dirty="0" smtClean="0"/>
+              <a:rPr lang="ko-KR" altLang="en-US" b="1" dirty="0"/>
               <a:t>스레드 간에 </a:t>
             </a:r>
             <a:r>
-              <a:rPr lang="en-US" altLang="ko-KR" b="1" dirty="0" smtClean="0"/>
+              <a:rPr lang="en-US" altLang="ko-KR" b="1" dirty="0"/>
               <a:t>lock </a:t>
             </a:r>
             <a:r>
-              <a:rPr lang="ko-KR" altLang="en-US" b="1" dirty="0" smtClean="0"/>
+              <a:rPr lang="ko-KR" altLang="en-US" b="1" dirty="0"/>
               <a:t>정보를 공유</a:t>
             </a:r>
             <a:r>
-              <a:rPr lang="ko-KR" altLang="en-US" dirty="0" smtClean="0"/>
+              <a:rPr lang="ko-KR" altLang="en-US" dirty="0"/>
               <a:t>해야 하기 때문</a:t>
             </a:r>
             <a:r>
-              <a:rPr lang="en-US" altLang="ko-KR" dirty="0" smtClean="0"/>
+              <a:rPr lang="en-US" altLang="ko-KR" dirty="0"/>
               <a:t>"</a:t>
             </a:r>
             <a:endParaRPr lang="ko-KR" altLang="en-US" dirty="0"/>
@@ -2318,186 +2302,186 @@
           <a:lstStyle/>
           <a:p>
             <a:r>
-              <a:rPr lang="en-US" altLang="ko-KR" dirty="0" smtClean="0"/>
+              <a:rPr lang="en-US" altLang="ko-KR" dirty="0"/>
               <a:t>lock </a:t>
             </a:r>
             <a:r>
-              <a:rPr lang="ko-KR" altLang="en-US" dirty="0" smtClean="0"/>
+              <a:rPr lang="ko-KR" altLang="en-US" dirty="0"/>
               <a:t>키워드를 적용한 개선 </a:t>
             </a:r>
             <a:r>
-              <a:rPr lang="ko-KR" altLang="en-US" dirty="0" err="1" smtClean="0"/>
+              <a:rPr lang="ko-KR" altLang="en-US" dirty="0" err="1"/>
               <a:t>버전반복문</a:t>
             </a:r>
             <a:r>
-              <a:rPr lang="ko-KR" altLang="en-US" dirty="0" smtClean="0"/>
+              <a:rPr lang="ko-KR" altLang="en-US" dirty="0"/>
               <a:t> 내부에서 </a:t>
             </a:r>
             <a:r>
-              <a:rPr lang="en-US" altLang="ko-KR" dirty="0" err="1" smtClean="0"/>
+              <a:rPr lang="en-US" altLang="ko-KR" dirty="0" err="1"/>
               <a:t>sharedData</a:t>
             </a:r>
             <a:r>
-              <a:rPr lang="en-US" altLang="ko-KR" dirty="0" smtClean="0"/>
+              <a:rPr lang="en-US" altLang="ko-KR" dirty="0"/>
               <a:t>++</a:t>
             </a:r>
             <a:r>
-              <a:rPr lang="ko-KR" altLang="en-US" dirty="0" smtClean="0"/>
+              <a:rPr lang="ko-KR" altLang="en-US" dirty="0"/>
               <a:t>을 </a:t>
             </a:r>
             <a:r>
-              <a:rPr lang="en-US" altLang="ko-KR" b="1" dirty="0" smtClean="0"/>
+              <a:rPr lang="en-US" altLang="ko-KR" b="1" dirty="0"/>
               <a:t>lock </a:t>
             </a:r>
             <a:r>
-              <a:rPr lang="ko-KR" altLang="en-US" b="1" dirty="0" smtClean="0"/>
+              <a:rPr lang="ko-KR" altLang="en-US" b="1" dirty="0"/>
               <a:t>블록으로 감쌈</a:t>
             </a:r>
-            <a:endParaRPr lang="ko-KR" altLang="en-US" dirty="0" smtClean="0"/>
-          </a:p>
-          <a:p>
-            <a:r>
-              <a:rPr lang="en-US" altLang="ko-KR" dirty="0" smtClean="0"/>
+            <a:endParaRPr lang="ko-KR" altLang="en-US" dirty="0"/>
+          </a:p>
+          <a:p>
+            <a:r>
+              <a:rPr lang="en-US" altLang="ko-KR" dirty="0"/>
               <a:t>lock (</a:t>
             </a:r>
             <a:r>
-              <a:rPr lang="en-US" altLang="ko-KR" dirty="0" err="1" smtClean="0"/>
+              <a:rPr lang="en-US" altLang="ko-KR" dirty="0" err="1"/>
               <a:t>LockObject</a:t>
             </a:r>
             <a:r>
-              <a:rPr lang="en-US" altLang="ko-KR" dirty="0" smtClean="0"/>
+              <a:rPr lang="en-US" altLang="ko-KR" dirty="0"/>
               <a:t>) → </a:t>
             </a:r>
             <a:r>
-              <a:rPr lang="ko-KR" altLang="en-US" dirty="0" smtClean="0"/>
+              <a:rPr lang="ko-KR" altLang="en-US" dirty="0"/>
               <a:t>이 블록 안에서는 </a:t>
             </a:r>
             <a:r>
-              <a:rPr lang="ko-KR" altLang="en-US" b="1" dirty="0" smtClean="0"/>
+              <a:rPr lang="ko-KR" altLang="en-US" b="1" dirty="0"/>
               <a:t>다른 스레드가 들어올 수 없음</a:t>
             </a:r>
-            <a:endParaRPr lang="ko-KR" altLang="en-US" dirty="0" smtClean="0"/>
-          </a:p>
-          <a:p>
-            <a:r>
-              <a:rPr lang="ko-KR" altLang="en-US" dirty="0" smtClean="0"/>
+            <a:endParaRPr lang="ko-KR" altLang="en-US" dirty="0"/>
+          </a:p>
+          <a:p>
+            <a:r>
+              <a:rPr lang="ko-KR" altLang="en-US" dirty="0"/>
               <a:t>즉</a:t>
             </a:r>
             <a:r>
-              <a:rPr lang="en-US" altLang="ko-KR" dirty="0" smtClean="0"/>
+              <a:rPr lang="en-US" altLang="ko-KR" dirty="0"/>
               <a:t>, </a:t>
             </a:r>
             <a:r>
-              <a:rPr lang="ko-KR" altLang="en-US" dirty="0" smtClean="0"/>
+              <a:rPr lang="ko-KR" altLang="en-US" dirty="0"/>
               <a:t>하나의 스레드가 작업을 마칠 때까지 다른 스레드는 대기</a:t>
             </a:r>
           </a:p>
           <a:p>
-            <a:endParaRPr lang="en-US" altLang="ko-KR" dirty="0" smtClean="0"/>
-          </a:p>
-          <a:p>
-            <a:r>
-              <a:rPr lang="en-US" altLang="ko-KR" dirty="0" smtClean="0"/>
+            <a:endParaRPr lang="en-US" altLang="ko-KR" dirty="0"/>
+          </a:p>
+          <a:p>
+            <a:r>
+              <a:rPr lang="en-US" altLang="ko-KR" dirty="0"/>
               <a:t>Why? –</a:t>
             </a:r>
             <a:r>
-              <a:rPr lang="en-US" altLang="ko-KR" baseline="0" dirty="0" smtClean="0"/>
+              <a:rPr lang="en-US" altLang="ko-KR" baseline="0" dirty="0"/>
               <a:t> </a:t>
             </a:r>
             <a:r>
-              <a:rPr lang="ko-KR" altLang="en-US" baseline="0" dirty="0" smtClean="0"/>
+              <a:rPr lang="ko-KR" altLang="en-US" baseline="0" dirty="0"/>
               <a:t>양쪽에 </a:t>
             </a:r>
             <a:r>
-              <a:rPr lang="en-US" altLang="ko-KR" baseline="0" dirty="0" smtClean="0"/>
+              <a:rPr lang="en-US" altLang="ko-KR" baseline="0" dirty="0"/>
               <a:t>lock </a:t>
             </a:r>
             <a:r>
-              <a:rPr lang="ko-KR" altLang="en-US" baseline="0" dirty="0" smtClean="0"/>
+              <a:rPr lang="ko-KR" altLang="en-US" baseline="0" dirty="0"/>
               <a:t>설정</a:t>
             </a:r>
-            <a:endParaRPr lang="en-US" altLang="ko-KR" dirty="0" smtClean="0"/>
-          </a:p>
-          <a:p>
-            <a:r>
-              <a:rPr lang="ko-KR" altLang="en-US" dirty="0" smtClean="0"/>
+            <a:endParaRPr lang="en-US" altLang="ko-KR" dirty="0"/>
+          </a:p>
+          <a:p>
+            <a:r>
+              <a:rPr lang="ko-KR" altLang="en-US" dirty="0"/>
               <a:t>둘 다 </a:t>
             </a:r>
             <a:r>
-              <a:rPr lang="en-US" altLang="ko-KR" dirty="0" smtClean="0"/>
+              <a:rPr lang="en-US" altLang="ko-KR" dirty="0"/>
               <a:t>lock</a:t>
             </a:r>
             <a:r>
-              <a:rPr lang="ko-KR" altLang="en-US" dirty="0" smtClean="0"/>
+              <a:rPr lang="ko-KR" altLang="en-US" dirty="0"/>
               <a:t>으로 감싸야 안전하게 동작합니다</a:t>
             </a:r>
             <a:r>
-              <a:rPr lang="en-US" altLang="ko-KR" dirty="0" smtClean="0"/>
+              <a:rPr lang="en-US" altLang="ko-KR" dirty="0"/>
               <a:t>.</a:t>
             </a:r>
           </a:p>
           <a:p>
-            <a:endParaRPr lang="en-US" altLang="ko-KR" dirty="0" smtClean="0"/>
-          </a:p>
-          <a:p>
-            <a:r>
-              <a:rPr lang="ko-KR" altLang="en-US" b="1" dirty="0" smtClean="0"/>
+            <a:endParaRPr lang="en-US" altLang="ko-KR" dirty="0"/>
+          </a:p>
+          <a:p>
+            <a:r>
+              <a:rPr lang="ko-KR" altLang="en-US" b="1" dirty="0"/>
               <a:t>✅ 전제</a:t>
             </a:r>
             <a:r>
-              <a:rPr lang="en-US" altLang="ko-KR" b="1" dirty="0" smtClean="0"/>
+              <a:rPr lang="en-US" altLang="ko-KR" b="1" dirty="0"/>
               <a:t>:</a:t>
             </a:r>
           </a:p>
           <a:p>
             <a:r>
-              <a:rPr lang="en-US" altLang="ko-KR" dirty="0" err="1" smtClean="0"/>
+              <a:rPr lang="en-US" altLang="ko-KR" dirty="0" err="1"/>
               <a:t>sharedData</a:t>
             </a:r>
             <a:r>
-              <a:rPr lang="ko-KR" altLang="en-US" dirty="0" smtClean="0"/>
+              <a:rPr lang="ko-KR" altLang="en-US" dirty="0"/>
               <a:t>는 **두 스레드 모두에서 접근하는 </a:t>
             </a:r>
             <a:r>
-              <a:rPr lang="en-US" altLang="ko-KR" dirty="0" smtClean="0"/>
+              <a:rPr lang="en-US" altLang="ko-KR" dirty="0"/>
               <a:t>"</a:t>
             </a:r>
             <a:r>
-              <a:rPr lang="ko-KR" altLang="en-US" dirty="0" smtClean="0"/>
+              <a:rPr lang="ko-KR" altLang="en-US" dirty="0"/>
               <a:t>공유 변수</a:t>
             </a:r>
             <a:r>
-              <a:rPr lang="en-US" altLang="ko-KR" dirty="0" smtClean="0"/>
+              <a:rPr lang="en-US" altLang="ko-KR" dirty="0"/>
               <a:t>"**</a:t>
             </a:r>
             <a:r>
-              <a:rPr lang="ko-KR" altLang="en-US" dirty="0" smtClean="0"/>
+              <a:rPr lang="ko-KR" altLang="en-US" dirty="0"/>
               <a:t>입니다</a:t>
             </a:r>
             <a:r>
-              <a:rPr lang="en-US" altLang="ko-KR" dirty="0" smtClean="0"/>
+              <a:rPr lang="en-US" altLang="ko-KR" dirty="0"/>
               <a:t>.</a:t>
             </a:r>
           </a:p>
           <a:p>
             <a:r>
-              <a:rPr lang="ko-KR" altLang="en-US" b="1" dirty="0" smtClean="0"/>
+              <a:rPr lang="ko-KR" altLang="en-US" b="1" dirty="0"/>
               <a:t>✅ </a:t>
             </a:r>
             <a:r>
-              <a:rPr lang="en-US" altLang="ko-KR" b="1" dirty="0" smtClean="0"/>
+              <a:rPr lang="en-US" altLang="ko-KR" b="1" dirty="0"/>
               <a:t>lock</a:t>
             </a:r>
             <a:r>
-              <a:rPr lang="ko-KR" altLang="en-US" b="1" dirty="0" smtClean="0"/>
+              <a:rPr lang="ko-KR" altLang="en-US" b="1" dirty="0"/>
               <a:t>은 스레드 간 순서를 강제하는 </a:t>
             </a:r>
             <a:r>
-              <a:rPr lang="ko-KR" altLang="en-US" b="1" dirty="0" err="1" smtClean="0"/>
+              <a:rPr lang="ko-KR" altLang="en-US" b="1" dirty="0" err="1"/>
               <a:t>장치예요</a:t>
             </a:r>
             <a:r>
-              <a:rPr lang="en-US" altLang="ko-KR" b="1" dirty="0" smtClean="0"/>
+              <a:rPr lang="en-US" altLang="ko-KR" b="1" dirty="0"/>
               <a:t>.</a:t>
             </a:r>
           </a:p>
@@ -2594,332 +2578,328 @@
           <a:p>
             <a:r>
               <a:rPr lang="en-US" altLang="ko-KR" dirty="0"/>
-              <a:t>https://</a:t>
-            </a:r>
-            <a:r>
-              <a:rPr lang="en-US" altLang="ko-KR" dirty="0" smtClean="0"/>
-              <a:t>www.sysnet.pe.kr/3/0/5262</a:t>
-            </a:r>
-          </a:p>
-          <a:p>
-            <a:endParaRPr lang="en-US" altLang="ko-KR" dirty="0" smtClean="0"/>
-          </a:p>
-          <a:p>
-            <a:r>
-              <a:rPr lang="en-US" altLang="ko-KR" dirty="0" err="1" smtClean="0"/>
+              <a:t>https://www.sysnet.pe.kr/3/0/5262</a:t>
+            </a:r>
+          </a:p>
+          <a:p>
+            <a:endParaRPr lang="en-US" altLang="ko-KR" dirty="0"/>
+          </a:p>
+          <a:p>
+            <a:r>
+              <a:rPr lang="en-US" altLang="ko-KR" dirty="0" err="1"/>
               <a:t>WinForm</a:t>
             </a:r>
             <a:r>
-              <a:rPr lang="ko-KR" altLang="en-US" dirty="0" smtClean="0"/>
+              <a:rPr lang="ko-KR" altLang="en-US" dirty="0"/>
               <a:t>의 </a:t>
             </a:r>
             <a:r>
-              <a:rPr lang="en-US" altLang="ko-KR" b="1" dirty="0" smtClean="0"/>
+              <a:rPr lang="en-US" altLang="ko-KR" b="1" dirty="0"/>
               <a:t>UI </a:t>
             </a:r>
             <a:r>
-              <a:rPr lang="ko-KR" altLang="en-US" b="1" dirty="0" smtClean="0"/>
+              <a:rPr lang="ko-KR" altLang="en-US" b="1" dirty="0"/>
               <a:t>컨트롤들은 </a:t>
             </a:r>
             <a:r>
-              <a:rPr lang="en-US" altLang="ko-KR" b="1" dirty="0" smtClean="0"/>
+              <a:rPr lang="en-US" altLang="ko-KR" b="1" dirty="0"/>
               <a:t>Main Thread(UI Thread)</a:t>
             </a:r>
             <a:r>
-              <a:rPr lang="ko-KR" altLang="en-US" dirty="0" smtClean="0"/>
+              <a:rPr lang="ko-KR" altLang="en-US" dirty="0"/>
               <a:t> 가 독점적으로 소유하기 때문입니다</a:t>
             </a:r>
             <a:r>
-              <a:rPr lang="en-US" altLang="ko-KR" dirty="0" smtClean="0"/>
+              <a:rPr lang="en-US" altLang="ko-KR" dirty="0"/>
               <a:t>.</a:t>
             </a:r>
           </a:p>
           <a:p>
             <a:r>
-              <a:rPr lang="en-US" altLang="ko-KR" dirty="0" err="1" smtClean="0"/>
+              <a:rPr lang="en-US" altLang="ko-KR" dirty="0" err="1"/>
               <a:t>textBox.Text</a:t>
             </a:r>
             <a:r>
-              <a:rPr lang="en-US" altLang="ko-KR" dirty="0" smtClean="0"/>
+              <a:rPr lang="en-US" altLang="ko-KR" dirty="0"/>
               <a:t> += ... </a:t>
             </a:r>
             <a:r>
-              <a:rPr lang="ko-KR" altLang="en-US" dirty="0" smtClean="0"/>
+              <a:rPr lang="ko-KR" altLang="en-US" dirty="0"/>
               <a:t>같은 코드는 반드시 </a:t>
             </a:r>
             <a:r>
-              <a:rPr lang="en-US" altLang="ko-KR" b="1" dirty="0" smtClean="0"/>
+              <a:rPr lang="en-US" altLang="ko-KR" b="1" dirty="0"/>
               <a:t>Main Thread</a:t>
             </a:r>
             <a:r>
-              <a:rPr lang="ko-KR" altLang="en-US" b="1" dirty="0" smtClean="0"/>
+              <a:rPr lang="ko-KR" altLang="en-US" b="1" dirty="0"/>
               <a:t>에서만 실행</a:t>
             </a:r>
             <a:r>
-              <a:rPr lang="ko-KR" altLang="en-US" dirty="0" smtClean="0"/>
+              <a:rPr lang="ko-KR" altLang="en-US" dirty="0"/>
               <a:t>되어야 함</a:t>
             </a:r>
           </a:p>
           <a:p>
             <a:r>
-              <a:rPr lang="ko-KR" altLang="en-US" dirty="0" smtClean="0"/>
+              <a:rPr lang="ko-KR" altLang="en-US" dirty="0"/>
               <a:t>하지만 우리가 만든 </a:t>
             </a:r>
             <a:r>
-              <a:rPr lang="en-US" altLang="ko-KR" dirty="0" smtClean="0"/>
+              <a:rPr lang="en-US" altLang="ko-KR" dirty="0"/>
               <a:t>Thread, Task, Timer </a:t>
             </a:r>
             <a:r>
-              <a:rPr lang="ko-KR" altLang="en-US" dirty="0" smtClean="0"/>
+              <a:rPr lang="ko-KR" altLang="en-US" dirty="0"/>
               <a:t>등의 </a:t>
             </a:r>
             <a:r>
-              <a:rPr lang="ko-KR" altLang="en-US" b="1" dirty="0" smtClean="0"/>
+              <a:rPr lang="ko-KR" altLang="en-US" b="1" dirty="0"/>
               <a:t>백그라운드 스레드</a:t>
             </a:r>
             <a:r>
-              <a:rPr lang="ko-KR" altLang="en-US" dirty="0" smtClean="0"/>
+              <a:rPr lang="ko-KR" altLang="en-US" dirty="0"/>
               <a:t>에서는 </a:t>
             </a:r>
             <a:r>
-              <a:rPr lang="en-US" altLang="ko-KR" dirty="0" smtClean="0"/>
+              <a:rPr lang="en-US" altLang="ko-KR" dirty="0"/>
               <a:t>UI </a:t>
             </a:r>
             <a:r>
-              <a:rPr lang="ko-KR" altLang="en-US" dirty="0" smtClean="0"/>
+              <a:rPr lang="ko-KR" altLang="en-US" dirty="0"/>
               <a:t>직접 조작이 </a:t>
             </a:r>
             <a:r>
-              <a:rPr lang="ko-KR" altLang="en-US" b="1" dirty="0" smtClean="0"/>
+              <a:rPr lang="ko-KR" altLang="en-US" b="1" dirty="0"/>
               <a:t>불가능</a:t>
             </a:r>
-            <a:endParaRPr lang="ko-KR" altLang="en-US" dirty="0" smtClean="0"/>
-          </a:p>
-          <a:p>
-            <a:endParaRPr lang="en-US" altLang="ko-KR" dirty="0" smtClean="0"/>
-          </a:p>
-          <a:p>
-            <a:r>
-              <a:rPr lang="en-US" altLang="ko-KR" b="1" dirty="0" smtClean="0"/>
+            <a:endParaRPr lang="ko-KR" altLang="en-US" dirty="0"/>
+          </a:p>
+          <a:p>
+            <a:endParaRPr lang="en-US" altLang="ko-KR" dirty="0"/>
+          </a:p>
+          <a:p>
+            <a:r>
+              <a:rPr lang="en-US" altLang="ko-KR" b="1" dirty="0"/>
               <a:t>1. Dispatcher</a:t>
             </a:r>
           </a:p>
           <a:p>
             <a:r>
-              <a:rPr lang="en-US" altLang="ko-KR" dirty="0" smtClean="0"/>
+              <a:rPr lang="en-US" altLang="ko-KR" dirty="0"/>
               <a:t>(※ </a:t>
             </a:r>
             <a:r>
-              <a:rPr lang="ko-KR" altLang="en-US" dirty="0" smtClean="0"/>
+              <a:rPr lang="ko-KR" altLang="en-US" dirty="0"/>
               <a:t>주로 </a:t>
             </a:r>
             <a:r>
-              <a:rPr lang="en-US" altLang="ko-KR" dirty="0" smtClean="0"/>
+              <a:rPr lang="en-US" altLang="ko-KR" dirty="0"/>
               <a:t>WPF</a:t>
             </a:r>
             <a:r>
-              <a:rPr lang="ko-KR" altLang="en-US" dirty="0" smtClean="0"/>
+              <a:rPr lang="ko-KR" altLang="en-US" dirty="0"/>
               <a:t>에서 사용</a:t>
             </a:r>
             <a:r>
-              <a:rPr lang="en-US" altLang="ko-KR" dirty="0" smtClean="0"/>
+              <a:rPr lang="en-US" altLang="ko-KR" dirty="0"/>
               <a:t>, </a:t>
             </a:r>
             <a:r>
-              <a:rPr lang="en-US" altLang="ko-KR" dirty="0" err="1" smtClean="0"/>
+              <a:rPr lang="en-US" altLang="ko-KR" dirty="0" err="1"/>
               <a:t>WinForm</a:t>
             </a:r>
             <a:r>
-              <a:rPr lang="ko-KR" altLang="en-US" dirty="0" smtClean="0"/>
+              <a:rPr lang="ko-KR" altLang="en-US" dirty="0"/>
               <a:t>에서는 </a:t>
             </a:r>
             <a:r>
-              <a:rPr lang="en-US" altLang="ko-KR" dirty="0" err="1" smtClean="0"/>
+              <a:rPr lang="en-US" altLang="ko-KR" dirty="0" err="1"/>
               <a:t>Control.Invoke</a:t>
             </a:r>
             <a:r>
-              <a:rPr lang="en-US" altLang="ko-KR" dirty="0" smtClean="0"/>
+              <a:rPr lang="en-US" altLang="ko-KR" dirty="0"/>
               <a:t>()</a:t>
             </a:r>
             <a:r>
-              <a:rPr lang="ko-KR" altLang="en-US" dirty="0" smtClean="0"/>
+              <a:rPr lang="ko-KR" altLang="en-US" dirty="0"/>
               <a:t>로 대체됨</a:t>
             </a:r>
             <a:r>
-              <a:rPr lang="en-US" altLang="ko-KR" dirty="0" smtClean="0"/>
+              <a:rPr lang="en-US" altLang="ko-KR" dirty="0"/>
               <a:t>)</a:t>
             </a:r>
           </a:p>
           <a:p>
             <a:r>
-              <a:rPr lang="en-US" altLang="ko-KR" b="1" dirty="0" smtClean="0"/>
+              <a:rPr lang="en-US" altLang="ko-KR" b="1" dirty="0"/>
               <a:t>UI </a:t>
             </a:r>
             <a:r>
-              <a:rPr lang="ko-KR" altLang="en-US" b="1" dirty="0" smtClean="0"/>
+              <a:rPr lang="ko-KR" altLang="en-US" b="1" dirty="0"/>
               <a:t>명령을 </a:t>
             </a:r>
             <a:r>
-              <a:rPr lang="en-US" altLang="ko-KR" b="1" dirty="0" smtClean="0"/>
+              <a:rPr lang="en-US" altLang="ko-KR" b="1" dirty="0"/>
               <a:t>Main Thread</a:t>
             </a:r>
             <a:r>
-              <a:rPr lang="ko-KR" altLang="en-US" b="1" dirty="0" smtClean="0"/>
+              <a:rPr lang="ko-KR" altLang="en-US" b="1" dirty="0"/>
               <a:t>로 위임</a:t>
             </a:r>
             <a:r>
-              <a:rPr lang="ko-KR" altLang="en-US" dirty="0" smtClean="0"/>
+              <a:rPr lang="ko-KR" altLang="en-US" dirty="0"/>
               <a:t>해서 실행하게 하는 방식</a:t>
             </a:r>
           </a:p>
           <a:p>
             <a:r>
-              <a:rPr lang="ko-KR" altLang="en-US" dirty="0" smtClean="0"/>
+              <a:rPr lang="ko-KR" altLang="en-US" dirty="0"/>
               <a:t>모든 </a:t>
             </a:r>
             <a:r>
-              <a:rPr lang="en-US" altLang="ko-KR" dirty="0" smtClean="0"/>
+              <a:rPr lang="en-US" altLang="ko-KR" dirty="0"/>
               <a:t>UI </a:t>
             </a:r>
             <a:r>
-              <a:rPr lang="ko-KR" altLang="en-US" dirty="0" smtClean="0"/>
+              <a:rPr lang="ko-KR" altLang="en-US" dirty="0"/>
               <a:t>컨트롤은 내부적으로 </a:t>
             </a:r>
             <a:r>
-              <a:rPr lang="en-US" altLang="ko-KR" dirty="0" smtClean="0"/>
+              <a:rPr lang="en-US" altLang="ko-KR" dirty="0"/>
               <a:t>Dispatcher</a:t>
             </a:r>
             <a:r>
-              <a:rPr lang="ko-KR" altLang="en-US" dirty="0" smtClean="0"/>
+              <a:rPr lang="ko-KR" altLang="en-US" dirty="0"/>
               <a:t>를 가지고 있으며</a:t>
             </a:r>
             <a:r>
-              <a:rPr lang="en-US" altLang="ko-KR" dirty="0" smtClean="0"/>
+              <a:rPr lang="en-US" altLang="ko-KR" dirty="0"/>
               <a:t>, </a:t>
             </a:r>
             <a:r>
-              <a:rPr lang="ko-KR" altLang="en-US" dirty="0" smtClean="0"/>
+              <a:rPr lang="ko-KR" altLang="en-US" dirty="0"/>
               <a:t>이 </a:t>
             </a:r>
             <a:r>
-              <a:rPr lang="en-US" altLang="ko-KR" dirty="0" smtClean="0"/>
+              <a:rPr lang="en-US" altLang="ko-KR" dirty="0"/>
               <a:t>Dispatcher</a:t>
             </a:r>
             <a:r>
-              <a:rPr lang="ko-KR" altLang="en-US" dirty="0" smtClean="0"/>
+              <a:rPr lang="ko-KR" altLang="en-US" dirty="0"/>
               <a:t>는 </a:t>
             </a:r>
             <a:r>
-              <a:rPr lang="en-US" altLang="ko-KR" b="1" dirty="0" err="1" smtClean="0"/>
+              <a:rPr lang="en-US" altLang="ko-KR" b="1" dirty="0" err="1"/>
               <a:t>MainThread</a:t>
             </a:r>
             <a:r>
-              <a:rPr lang="ko-KR" altLang="en-US" b="1" dirty="0" smtClean="0"/>
+              <a:rPr lang="ko-KR" altLang="en-US" b="1" dirty="0"/>
               <a:t>가 소유</a:t>
             </a:r>
-            <a:endParaRPr lang="ko-KR" altLang="en-US" dirty="0" smtClean="0"/>
-          </a:p>
-          <a:p>
-            <a:endParaRPr lang="en-US" altLang="ko-KR" dirty="0" smtClean="0"/>
-          </a:p>
-          <a:p>
-            <a:r>
-              <a:rPr lang="en-US" altLang="ko-KR" b="1" dirty="0" smtClean="0"/>
+            <a:endParaRPr lang="ko-KR" altLang="en-US" dirty="0"/>
+          </a:p>
+          <a:p>
+            <a:endParaRPr lang="en-US" altLang="ko-KR" dirty="0"/>
+          </a:p>
+          <a:p>
+            <a:r>
+              <a:rPr lang="en-US" altLang="ko-KR" b="1" dirty="0"/>
               <a:t>2. </a:t>
             </a:r>
             <a:r>
-              <a:rPr lang="en-US" altLang="ko-KR" b="1" dirty="0" err="1" smtClean="0"/>
+              <a:rPr lang="en-US" altLang="ko-KR" b="1" dirty="0" err="1"/>
               <a:t>SynchronizationContext</a:t>
             </a:r>
-            <a:endParaRPr lang="en-US" altLang="ko-KR" b="1" dirty="0" smtClean="0"/>
-          </a:p>
-          <a:p>
-            <a:r>
-              <a:rPr lang="en-US" altLang="ko-KR" dirty="0" smtClean="0"/>
+            <a:endParaRPr lang="en-US" altLang="ko-KR" b="1" dirty="0"/>
+          </a:p>
+          <a:p>
+            <a:r>
+              <a:rPr lang="en-US" altLang="ko-KR" dirty="0"/>
               <a:t>(</a:t>
             </a:r>
             <a:r>
-              <a:rPr lang="ko-KR" altLang="en-US" dirty="0" smtClean="0"/>
+              <a:rPr lang="ko-KR" altLang="en-US" dirty="0"/>
               <a:t>스레드 간 통신을 담당하는 클래스</a:t>
             </a:r>
             <a:r>
-              <a:rPr lang="en-US" altLang="ko-KR" dirty="0" smtClean="0"/>
+              <a:rPr lang="en-US" altLang="ko-KR" dirty="0"/>
               <a:t>)</a:t>
             </a:r>
           </a:p>
           <a:p>
             <a:r>
-              <a:rPr lang="ko-KR" altLang="en-US" dirty="0" smtClean="0"/>
+              <a:rPr lang="ko-KR" altLang="en-US" dirty="0"/>
               <a:t>현재 실행 중인 </a:t>
             </a:r>
             <a:r>
-              <a:rPr lang="ko-KR" altLang="en-US" b="1" dirty="0" smtClean="0"/>
+              <a:rPr lang="ko-KR" altLang="en-US" b="1" dirty="0"/>
               <a:t>스레드의 컨텍스트 정보</a:t>
             </a:r>
             <a:r>
-              <a:rPr lang="ko-KR" altLang="en-US" dirty="0" smtClean="0"/>
+              <a:rPr lang="ko-KR" altLang="en-US" dirty="0"/>
               <a:t>를 유지하고</a:t>
             </a:r>
             <a:r>
-              <a:rPr lang="en-US" altLang="ko-KR" dirty="0" smtClean="0"/>
+              <a:rPr lang="en-US" altLang="ko-KR" dirty="0"/>
               <a:t>, </a:t>
             </a:r>
             <a:r>
-              <a:rPr lang="ko-KR" altLang="en-US" b="1" dirty="0" smtClean="0"/>
+              <a:rPr lang="ko-KR" altLang="en-US" b="1" dirty="0"/>
               <a:t>다른 스레드에서 특정 스레드로 작업을 전달</a:t>
             </a:r>
             <a:r>
-              <a:rPr lang="ko-KR" altLang="en-US" dirty="0" smtClean="0"/>
+              <a:rPr lang="ko-KR" altLang="en-US" dirty="0"/>
               <a:t>할 수 있음</a:t>
             </a:r>
           </a:p>
           <a:p>
             <a:r>
-              <a:rPr lang="en-US" altLang="ko-KR" dirty="0" err="1" smtClean="0"/>
+              <a:rPr lang="en-US" altLang="ko-KR" dirty="0" err="1"/>
               <a:t>WinForm</a:t>
             </a:r>
             <a:r>
-              <a:rPr lang="ko-KR" altLang="en-US" dirty="0" smtClean="0"/>
+              <a:rPr lang="ko-KR" altLang="en-US" dirty="0"/>
               <a:t>에서 </a:t>
             </a:r>
             <a:r>
-              <a:rPr lang="en-US" altLang="ko-KR" dirty="0" err="1" smtClean="0"/>
+              <a:rPr lang="en-US" altLang="ko-KR" dirty="0" err="1"/>
               <a:t>SynchronizationContext.Current</a:t>
             </a:r>
             <a:r>
-              <a:rPr lang="ko-KR" altLang="en-US" dirty="0" smtClean="0"/>
+              <a:rPr lang="ko-KR" altLang="en-US" dirty="0"/>
               <a:t>를 통해 </a:t>
             </a:r>
             <a:r>
-              <a:rPr lang="en-US" altLang="ko-KR" dirty="0" err="1" smtClean="0"/>
+              <a:rPr lang="en-US" altLang="ko-KR" dirty="0" err="1"/>
               <a:t>MainThread</a:t>
             </a:r>
             <a:r>
-              <a:rPr lang="ko-KR" altLang="en-US" dirty="0" smtClean="0"/>
+              <a:rPr lang="ko-KR" altLang="en-US" dirty="0"/>
               <a:t>의 컨텍스트를 저장한 뒤</a:t>
             </a:r>
             <a:r>
-              <a:rPr lang="en-US" altLang="ko-KR" dirty="0" smtClean="0"/>
+              <a:rPr lang="en-US" altLang="ko-KR" dirty="0"/>
               <a:t>, </a:t>
             </a:r>
             <a:r>
-              <a:rPr lang="ko-KR" altLang="en-US" dirty="0" smtClean="0"/>
+              <a:rPr lang="ko-KR" altLang="en-US" dirty="0"/>
               <a:t>다른 스레드에서 </a:t>
             </a:r>
             <a:r>
-              <a:rPr lang="en-US" altLang="ko-KR" dirty="0" smtClean="0"/>
+              <a:rPr lang="en-US" altLang="ko-KR" dirty="0"/>
               <a:t>UI </a:t>
             </a:r>
             <a:r>
-              <a:rPr lang="ko-KR" altLang="en-US" dirty="0" smtClean="0"/>
+              <a:rPr lang="ko-KR" altLang="en-US" dirty="0"/>
               <a:t>작업을 보낼 수 있음</a:t>
             </a:r>
           </a:p>
           <a:p>
-            <a:endParaRPr lang="en-US" altLang="ko-KR" dirty="0" smtClean="0"/>
-          </a:p>
-          <a:p>
-            <a:endParaRPr lang="en-US" altLang="ko-KR" dirty="0" smtClean="0"/>
+            <a:endParaRPr lang="en-US" altLang="ko-KR" dirty="0"/>
+          </a:p>
+          <a:p>
+            <a:endParaRPr lang="en-US" altLang="ko-KR" dirty="0"/>
           </a:p>
           <a:p>
             <a:endParaRPr lang="ko-KR" altLang="en-US" dirty="0"/>
@@ -3007,68 +2987,68 @@
           <a:lstStyle/>
           <a:p>
             <a:r>
-              <a:rPr lang="en-US" altLang="ko-KR" dirty="0" err="1" smtClean="0"/>
+              <a:rPr lang="en-US" altLang="ko-KR" dirty="0" err="1"/>
               <a:t>DateTime.Now</a:t>
             </a:r>
             <a:r>
-              <a:rPr lang="en-US" altLang="ko-KR" dirty="0" smtClean="0"/>
+              <a:rPr lang="en-US" altLang="ko-KR" dirty="0"/>
               <a:t> → </a:t>
             </a:r>
             <a:r>
-              <a:rPr lang="en-US" altLang="ko-KR" dirty="0" err="1" smtClean="0"/>
+              <a:rPr lang="en-US" altLang="ko-KR" dirty="0" err="1"/>
               <a:t>TimeSpan</a:t>
             </a:r>
             <a:r>
-              <a:rPr lang="ko-KR" altLang="en-US" dirty="0" smtClean="0"/>
+              <a:rPr lang="ko-KR" altLang="en-US" dirty="0"/>
               <a:t>으로 경과 시간 계산하는 법</a:t>
             </a:r>
-            <a:endParaRPr lang="en-US" altLang="ko-KR" dirty="0" smtClean="0"/>
-          </a:p>
-          <a:p>
-            <a:r>
-              <a:rPr lang="en-US" altLang="ko-KR" dirty="0" smtClean="0"/>
+            <a:endParaRPr lang="en-US" altLang="ko-KR" dirty="0"/>
+          </a:p>
+          <a:p>
+            <a:r>
+              <a:rPr lang="en-US" altLang="ko-KR" dirty="0"/>
               <a:t>Random</a:t>
             </a:r>
             <a:r>
-              <a:rPr lang="ko-KR" altLang="en-US" dirty="0" smtClean="0"/>
+              <a:rPr lang="ko-KR" altLang="en-US" dirty="0"/>
               <a:t>을 </a:t>
             </a:r>
             <a:r>
-              <a:rPr lang="en-US" altLang="ko-KR" dirty="0" smtClean="0"/>
+              <a:rPr lang="en-US" altLang="ko-KR" dirty="0"/>
               <a:t>lock</a:t>
             </a:r>
             <a:r>
-              <a:rPr lang="ko-KR" altLang="en-US" dirty="0" smtClean="0"/>
+              <a:rPr lang="ko-KR" altLang="en-US" dirty="0"/>
               <a:t>으로 감싸는 이유</a:t>
             </a:r>
             <a:r>
-              <a:rPr lang="en-US" altLang="ko-KR" dirty="0" smtClean="0"/>
+              <a:rPr lang="en-US" altLang="ko-KR" dirty="0"/>
               <a:t>: </a:t>
             </a:r>
             <a:r>
-              <a:rPr lang="ko-KR" altLang="en-US" b="1" dirty="0" smtClean="0"/>
+              <a:rPr lang="ko-KR" altLang="en-US" b="1" dirty="0"/>
               <a:t>스레드 충돌 방지</a:t>
             </a:r>
-            <a:endParaRPr lang="en-US" altLang="ko-KR" b="1" dirty="0" smtClean="0"/>
-          </a:p>
-          <a:p>
-            <a:r>
-              <a:rPr lang="en-US" altLang="ko-KR" dirty="0" smtClean="0"/>
+            <a:endParaRPr lang="en-US" altLang="ko-KR" b="1" dirty="0"/>
+          </a:p>
+          <a:p>
+            <a:r>
+              <a:rPr lang="en-US" altLang="ko-KR" dirty="0"/>
               <a:t>Invoke</a:t>
             </a:r>
             <a:r>
-              <a:rPr lang="ko-KR" altLang="en-US" dirty="0" smtClean="0"/>
+              <a:rPr lang="ko-KR" altLang="en-US" dirty="0"/>
               <a:t>로 </a:t>
             </a:r>
             <a:r>
-              <a:rPr lang="en-US" altLang="ko-KR" dirty="0" smtClean="0"/>
+              <a:rPr lang="en-US" altLang="ko-KR" dirty="0"/>
               <a:t>UI </a:t>
             </a:r>
             <a:r>
-              <a:rPr lang="ko-KR" altLang="en-US" dirty="0" smtClean="0"/>
+              <a:rPr lang="ko-KR" altLang="en-US" dirty="0"/>
               <a:t>스레드에 안전하게 접근</a:t>
             </a:r>
-            <a:endParaRPr lang="en-US" altLang="ko-KR" dirty="0" smtClean="0"/>
+            <a:endParaRPr lang="en-US" altLang="ko-KR" dirty="0"/>
           </a:p>
           <a:p>
             <a:pPr marL="0" marR="0" indent="0" algn="l" defTabSz="914400" rtl="0" eaLnBrk="1" fontAlgn="auto" latinLnBrk="1" hangingPunct="1">
@@ -3089,27 +3069,27 @@
               <a:defRPr/>
             </a:pPr>
             <a:r>
-              <a:rPr lang="en-US" altLang="ko-KR" dirty="0" smtClean="0"/>
+              <a:rPr lang="en-US" altLang="ko-KR" dirty="0"/>
               <a:t>rank, </a:t>
             </a:r>
             <a:r>
-              <a:rPr lang="en-US" altLang="ko-KR" dirty="0" err="1" smtClean="0"/>
+              <a:rPr lang="en-US" altLang="ko-KR" dirty="0" err="1"/>
               <a:t>finishedCars</a:t>
             </a:r>
             <a:r>
-              <a:rPr lang="en-US" altLang="ko-KR" dirty="0" smtClean="0"/>
+              <a:rPr lang="en-US" altLang="ko-KR" dirty="0"/>
               <a:t> → </a:t>
             </a:r>
             <a:r>
-              <a:rPr lang="ko-KR" altLang="en-US" dirty="0" smtClean="0"/>
+              <a:rPr lang="ko-KR" altLang="en-US" dirty="0"/>
               <a:t>전역에서 </a:t>
             </a:r>
             <a:r>
-              <a:rPr lang="en-US" altLang="ko-KR" dirty="0" smtClean="0"/>
+              <a:rPr lang="en-US" altLang="ko-KR" dirty="0"/>
               <a:t>lock</a:t>
             </a:r>
             <a:r>
-              <a:rPr lang="ko-KR" altLang="en-US" dirty="0" smtClean="0"/>
+              <a:rPr lang="ko-KR" altLang="en-US" dirty="0"/>
               <a:t>을 통해 동기화</a:t>
             </a:r>
           </a:p>
@@ -3209,7 +3189,7 @@
             <a:spLocks noGrp="1"/>
           </p:cNvSpPr>
           <p:nvPr>
-            <p:ph type="sldNum" sz="quarter" idx="10"/>
+            <p:ph type="sldNum" sz="quarter" idx="5"/>
           </p:nvPr>
         </p:nvSpPr>
         <p:spPr/>
@@ -3219,7 +3199,7 @@
           <a:p>
             <a:fld id="{C09E5BFC-1559-42F1-8940-AB342D56BF02}" type="slidenum">
               <a:rPr lang="ko-KR" altLang="en-US" smtClean="0"/>
-              <a:t>27</a:t>
+              <a:t>21</a:t>
             </a:fld>
             <a:endParaRPr lang="ko-KR" altLang="en-US"/>
           </a:p>
@@ -3228,7 +3208,91 @@
     </p:spTree>
     <p:extLst>
       <p:ext uri="{BB962C8B-B14F-4D97-AF65-F5344CB8AC3E}">
-        <p14:creationId xmlns:p14="http://schemas.microsoft.com/office/powerpoint/2010/main" val="147563794"/>
+        <p14:creationId xmlns:p14="http://schemas.microsoft.com/office/powerpoint/2010/main" val="3458050105"/>
+      </p:ext>
+    </p:extLst>
+  </p:cSld>
+  <p:clrMapOvr>
+    <a:masterClrMapping/>
+  </p:clrMapOvr>
+</p:notes>
+</file>
+
+<file path=ppt/notesSlides/notesSlide19.xml><?xml version="1.0" encoding="utf-8"?>
+<p:notes xmlns:a="http://schemas.openxmlformats.org/drawingml/2006/main" xmlns:r="http://schemas.openxmlformats.org/officeDocument/2006/relationships" xmlns:p="http://schemas.openxmlformats.org/presentationml/2006/main">
+  <p:cSld>
+    <p:spTree>
+      <p:nvGrpSpPr>
+        <p:cNvPr id="1" name=""/>
+        <p:cNvGrpSpPr/>
+        <p:nvPr/>
+      </p:nvGrpSpPr>
+      <p:grpSpPr>
+        <a:xfrm>
+          <a:off x="0" y="0"/>
+          <a:ext cx="0" cy="0"/>
+          <a:chOff x="0" y="0"/>
+          <a:chExt cx="0" cy="0"/>
+        </a:xfrm>
+      </p:grpSpPr>
+      <p:sp>
+        <p:nvSpPr>
+          <p:cNvPr id="2" name="슬라이드 이미지 개체 틀 1"/>
+          <p:cNvSpPr>
+            <a:spLocks noGrp="1" noRot="1" noChangeAspect="1"/>
+          </p:cNvSpPr>
+          <p:nvPr>
+            <p:ph type="sldImg"/>
+          </p:nvPr>
+        </p:nvSpPr>
+        <p:spPr/>
+      </p:sp>
+      <p:sp>
+        <p:nvSpPr>
+          <p:cNvPr id="3" name="슬라이드 노트 개체 틀 2"/>
+          <p:cNvSpPr>
+            <a:spLocks noGrp="1"/>
+          </p:cNvSpPr>
+          <p:nvPr>
+            <p:ph type="body" idx="1"/>
+          </p:nvPr>
+        </p:nvSpPr>
+        <p:spPr/>
+        <p:txBody>
+          <a:bodyPr/>
+          <a:lstStyle/>
+          <a:p>
+            <a:endParaRPr lang="ko-KR" altLang="en-US" dirty="0"/>
+          </a:p>
+        </p:txBody>
+      </p:sp>
+      <p:sp>
+        <p:nvSpPr>
+          <p:cNvPr id="4" name="슬라이드 번호 개체 틀 3"/>
+          <p:cNvSpPr>
+            <a:spLocks noGrp="1"/>
+          </p:cNvSpPr>
+          <p:nvPr>
+            <p:ph type="sldNum" sz="quarter" idx="5"/>
+          </p:nvPr>
+        </p:nvSpPr>
+        <p:spPr/>
+        <p:txBody>
+          <a:bodyPr/>
+          <a:lstStyle/>
+          <a:p>
+            <a:fld id="{C09E5BFC-1559-42F1-8940-AB342D56BF02}" type="slidenum">
+              <a:rPr lang="ko-KR" altLang="en-US" smtClean="0"/>
+              <a:t>22</a:t>
+            </a:fld>
+            <a:endParaRPr lang="ko-KR" altLang="en-US"/>
+          </a:p>
+        </p:txBody>
+      </p:sp>
+    </p:spTree>
+    <p:extLst>
+      <p:ext uri="{BB962C8B-B14F-4D97-AF65-F5344CB8AC3E}">
+        <p14:creationId xmlns:p14="http://schemas.microsoft.com/office/powerpoint/2010/main" val="1616838779"/>
       </p:ext>
     </p:extLst>
   </p:cSld>
@@ -3283,31 +3347,31 @@
           <a:lstStyle/>
           <a:p>
             <a:r>
-              <a:rPr lang="en-US" altLang="ko-KR" dirty="0" smtClean="0"/>
+              <a:rPr lang="en-US" altLang="ko-KR" dirty="0"/>
               <a:t>"</a:t>
             </a:r>
             <a:r>
-              <a:rPr lang="ko-KR" altLang="en-US" dirty="0" smtClean="0"/>
+              <a:rPr lang="ko-KR" altLang="en-US" dirty="0"/>
               <a:t>프로그램을 실행하면 프로세스가 생성되고</a:t>
             </a:r>
             <a:r>
-              <a:rPr lang="en-US" altLang="ko-KR" dirty="0" smtClean="0"/>
+              <a:rPr lang="en-US" altLang="ko-KR" dirty="0"/>
               <a:t>, </a:t>
             </a:r>
             <a:r>
-              <a:rPr lang="ko-KR" altLang="en-US" dirty="0" smtClean="0"/>
+              <a:rPr lang="ko-KR" altLang="en-US" dirty="0"/>
               <a:t>이 프로세스는 하나 이상의 스레드로 작업을 처리한다</a:t>
             </a:r>
             <a:r>
-              <a:rPr lang="en-US" altLang="ko-KR" dirty="0" smtClean="0"/>
+              <a:rPr lang="en-US" altLang="ko-KR" dirty="0"/>
               <a:t>"</a:t>
             </a:r>
             <a:r>
-              <a:rPr lang="ko-KR" altLang="en-US" dirty="0" smtClean="0"/>
+              <a:rPr lang="ko-KR" altLang="en-US" dirty="0"/>
               <a:t>입니다</a:t>
             </a:r>
             <a:r>
-              <a:rPr lang="en-US" altLang="ko-KR" dirty="0" smtClean="0"/>
+              <a:rPr lang="en-US" altLang="ko-KR" dirty="0"/>
               <a:t>.</a:t>
             </a:r>
             <a:endParaRPr lang="ko-KR" altLang="en-US" dirty="0"/>
@@ -3341,6 +3405,359 @@
     <p:extLst>
       <p:ext uri="{BB962C8B-B14F-4D97-AF65-F5344CB8AC3E}">
         <p14:creationId xmlns:p14="http://schemas.microsoft.com/office/powerpoint/2010/main" val="3234341450"/>
+      </p:ext>
+    </p:extLst>
+  </p:cSld>
+  <p:clrMapOvr>
+    <a:masterClrMapping/>
+  </p:clrMapOvr>
+</p:notes>
+</file>
+
+<file path=ppt/notesSlides/notesSlide20.xml><?xml version="1.0" encoding="utf-8"?>
+<p:notes xmlns:a="http://schemas.openxmlformats.org/drawingml/2006/main" xmlns:r="http://schemas.openxmlformats.org/officeDocument/2006/relationships" xmlns:p="http://schemas.openxmlformats.org/presentationml/2006/main">
+  <p:cSld>
+    <p:spTree>
+      <p:nvGrpSpPr>
+        <p:cNvPr id="1" name=""/>
+        <p:cNvGrpSpPr/>
+        <p:nvPr/>
+      </p:nvGrpSpPr>
+      <p:grpSpPr>
+        <a:xfrm>
+          <a:off x="0" y="0"/>
+          <a:ext cx="0" cy="0"/>
+          <a:chOff x="0" y="0"/>
+          <a:chExt cx="0" cy="0"/>
+        </a:xfrm>
+      </p:grpSpPr>
+      <p:sp>
+        <p:nvSpPr>
+          <p:cNvPr id="2" name="슬라이드 이미지 개체 틀 1"/>
+          <p:cNvSpPr>
+            <a:spLocks noGrp="1" noRot="1" noChangeAspect="1"/>
+          </p:cNvSpPr>
+          <p:nvPr>
+            <p:ph type="sldImg"/>
+          </p:nvPr>
+        </p:nvSpPr>
+        <p:spPr/>
+      </p:sp>
+      <p:sp>
+        <p:nvSpPr>
+          <p:cNvPr id="3" name="슬라이드 노트 개체 틀 2"/>
+          <p:cNvSpPr>
+            <a:spLocks noGrp="1"/>
+          </p:cNvSpPr>
+          <p:nvPr>
+            <p:ph type="body" idx="1"/>
+          </p:nvPr>
+        </p:nvSpPr>
+        <p:spPr/>
+        <p:txBody>
+          <a:bodyPr/>
+          <a:lstStyle/>
+          <a:p>
+            <a:r>
+              <a:rPr lang="en-US" altLang="ko-KR" dirty="0"/>
+              <a:t>(Action)(() =&gt; { ... })</a:t>
+            </a:r>
+          </a:p>
+          <a:p>
+            <a:r>
+              <a:rPr lang="ko-KR" altLang="en-US" dirty="0" err="1"/>
+              <a:t>반환값</a:t>
+            </a:r>
+            <a:r>
+              <a:rPr lang="ko-KR" altLang="en-US" dirty="0"/>
+              <a:t> 없는 </a:t>
+            </a:r>
+            <a:r>
+              <a:rPr lang="en-US" altLang="ko-KR" dirty="0"/>
+              <a:t>delegate</a:t>
+            </a:r>
+            <a:r>
+              <a:rPr lang="ko-KR" altLang="en-US" dirty="0"/>
+              <a:t>를 람다식으로 작성</a:t>
+            </a:r>
+            <a:r>
+              <a:rPr lang="en-US" altLang="ko-KR" dirty="0"/>
+              <a:t>. </a:t>
+            </a:r>
+            <a:r>
+              <a:rPr lang="ko-KR" altLang="en-US" dirty="0"/>
+              <a:t>즉시 실행할 수 있는 코드 블록 전달</a:t>
+            </a:r>
+            <a:endParaRPr lang="en-US" altLang="ko-KR" dirty="0"/>
+          </a:p>
+          <a:p>
+            <a:r>
+              <a:rPr lang="en-US" altLang="ko-KR" b="1" dirty="0"/>
+              <a:t>Action:  </a:t>
+            </a:r>
+            <a:r>
+              <a:rPr lang="ko-KR" altLang="en-US" dirty="0"/>
+              <a:t>매개변수 없음</a:t>
+            </a:r>
+            <a:r>
+              <a:rPr lang="en-US" altLang="ko-KR" dirty="0"/>
+              <a:t>, </a:t>
+            </a:r>
+            <a:r>
+              <a:rPr lang="ko-KR" altLang="en-US" dirty="0" err="1"/>
+              <a:t>반환값</a:t>
+            </a:r>
+            <a:r>
+              <a:rPr lang="ko-KR" altLang="en-US" dirty="0"/>
+              <a:t> 없음인 </a:t>
+            </a:r>
+            <a:r>
+              <a:rPr lang="en-US" altLang="ko-KR" dirty="0"/>
+              <a:t>delegate </a:t>
+            </a:r>
+            <a:r>
+              <a:rPr lang="ko-KR" altLang="en-US" dirty="0"/>
+              <a:t>타입</a:t>
+            </a:r>
+            <a:endParaRPr lang="en-US" altLang="ko-KR" dirty="0"/>
+          </a:p>
+          <a:p>
+            <a:endParaRPr lang="en-US" altLang="ko-KR" dirty="0"/>
+          </a:p>
+          <a:p>
+            <a:pPr>
+              <a:buNone/>
+            </a:pPr>
+            <a:r>
+              <a:rPr lang="ko-KR" altLang="en-US" dirty="0"/>
+              <a:t>현재 실행 중인 스레드가 </a:t>
+            </a:r>
+            <a:r>
+              <a:rPr lang="en-US" altLang="ko-KR" dirty="0"/>
+              <a:t>UI </a:t>
+            </a:r>
+            <a:r>
+              <a:rPr lang="ko-KR" altLang="en-US" dirty="0"/>
+              <a:t>스레드인지 확인하기 위해 </a:t>
+            </a:r>
+            <a:r>
+              <a:rPr lang="en-US" altLang="ko-KR" dirty="0" err="1"/>
+              <a:t>InvokeRequired</a:t>
+            </a:r>
+            <a:r>
+              <a:rPr lang="en-US" altLang="ko-KR" dirty="0"/>
+              <a:t> </a:t>
+            </a:r>
+            <a:r>
+              <a:rPr lang="ko-KR" altLang="en-US" dirty="0"/>
+              <a:t>체크</a:t>
+            </a:r>
+          </a:p>
+          <a:p>
+            <a:pPr>
+              <a:buNone/>
+            </a:pPr>
+            <a:r>
+              <a:rPr lang="en-US" altLang="ko-KR" b="1" dirty="0"/>
+              <a:t>UI </a:t>
+            </a:r>
+            <a:r>
+              <a:rPr lang="ko-KR" altLang="en-US" b="1" dirty="0"/>
+              <a:t>스레드가 아니면</a:t>
+            </a:r>
+            <a:r>
+              <a:rPr lang="ko-KR" altLang="en-US" dirty="0"/>
+              <a:t> </a:t>
+            </a:r>
+            <a:r>
+              <a:rPr lang="en-US" altLang="ko-KR" dirty="0" err="1"/>
+              <a:t>this.Invoke</a:t>
+            </a:r>
+            <a:r>
+              <a:rPr lang="en-US" altLang="ko-KR" dirty="0"/>
+              <a:t>()</a:t>
+            </a:r>
+            <a:r>
+              <a:rPr lang="ko-KR" altLang="en-US" dirty="0"/>
+              <a:t>를 이용하여 </a:t>
+            </a:r>
+            <a:r>
+              <a:rPr lang="en-US" altLang="ko-KR" dirty="0"/>
+              <a:t>UI </a:t>
+            </a:r>
+            <a:r>
+              <a:rPr lang="ko-KR" altLang="en-US" dirty="0"/>
+              <a:t>스레드에서 코드를 실행</a:t>
+            </a:r>
+          </a:p>
+          <a:p>
+            <a:r>
+              <a:rPr lang="en-US" altLang="ko-KR" dirty="0"/>
+              <a:t>UI </a:t>
+            </a:r>
+            <a:r>
+              <a:rPr lang="ko-KR" altLang="en-US" dirty="0"/>
+              <a:t>스레드라면 </a:t>
+            </a:r>
+            <a:r>
+              <a:rPr lang="en-US" altLang="ko-KR" dirty="0"/>
+              <a:t>Invoke </a:t>
+            </a:r>
+            <a:r>
+              <a:rPr lang="ko-KR" altLang="en-US" dirty="0"/>
+              <a:t>없이 바로 </a:t>
+            </a:r>
+            <a:r>
+              <a:rPr lang="en-US" altLang="ko-KR" dirty="0"/>
+              <a:t>Text</a:t>
+            </a:r>
+            <a:r>
+              <a:rPr lang="ko-KR" altLang="en-US" dirty="0"/>
+              <a:t>를 수정</a:t>
+            </a:r>
+          </a:p>
+          <a:p>
+            <a:endParaRPr lang="en-US" altLang="ko-KR" dirty="0"/>
+          </a:p>
+          <a:p>
+            <a:endParaRPr lang="en-US" altLang="ko-KR" dirty="0"/>
+          </a:p>
+          <a:p>
+            <a:r>
+              <a:rPr lang="en-US" altLang="ko-KR" dirty="0"/>
+              <a:t>Invoke(): UI </a:t>
+            </a:r>
+            <a:r>
+              <a:rPr lang="ko-KR" altLang="en-US" dirty="0"/>
+              <a:t>컨트롤을 </a:t>
+            </a:r>
+            <a:r>
+              <a:rPr lang="en-US" altLang="ko-KR" b="1" dirty="0"/>
+              <a:t>UI </a:t>
+            </a:r>
+            <a:r>
+              <a:rPr lang="ko-KR" altLang="en-US" b="1"/>
+              <a:t>스레드에서 안전하게 실행</a:t>
+            </a:r>
+            <a:r>
+              <a:rPr lang="ko-KR" altLang="en-US"/>
+              <a:t>하기 위한 메서드</a:t>
+            </a:r>
+            <a:endParaRPr lang="ko-KR" altLang="en-US" dirty="0"/>
+          </a:p>
+        </p:txBody>
+      </p:sp>
+      <p:sp>
+        <p:nvSpPr>
+          <p:cNvPr id="4" name="슬라이드 번호 개체 틀 3"/>
+          <p:cNvSpPr>
+            <a:spLocks noGrp="1"/>
+          </p:cNvSpPr>
+          <p:nvPr>
+            <p:ph type="sldNum" sz="quarter" idx="5"/>
+          </p:nvPr>
+        </p:nvSpPr>
+        <p:spPr/>
+        <p:txBody>
+          <a:bodyPr/>
+          <a:lstStyle/>
+          <a:p>
+            <a:fld id="{C09E5BFC-1559-42F1-8940-AB342D56BF02}" type="slidenum">
+              <a:rPr lang="ko-KR" altLang="en-US" smtClean="0"/>
+              <a:t>25</a:t>
+            </a:fld>
+            <a:endParaRPr lang="ko-KR" altLang="en-US"/>
+          </a:p>
+        </p:txBody>
+      </p:sp>
+    </p:spTree>
+    <p:extLst>
+      <p:ext uri="{BB962C8B-B14F-4D97-AF65-F5344CB8AC3E}">
+        <p14:creationId xmlns:p14="http://schemas.microsoft.com/office/powerpoint/2010/main" val="3566757554"/>
+      </p:ext>
+    </p:extLst>
+  </p:cSld>
+  <p:clrMapOvr>
+    <a:masterClrMapping/>
+  </p:clrMapOvr>
+</p:notes>
+</file>
+
+<file path=ppt/notesSlides/notesSlide21.xml><?xml version="1.0" encoding="utf-8"?>
+<p:notes xmlns:a="http://schemas.openxmlformats.org/drawingml/2006/main" xmlns:r="http://schemas.openxmlformats.org/officeDocument/2006/relationships" xmlns:p="http://schemas.openxmlformats.org/presentationml/2006/main">
+  <p:cSld>
+    <p:spTree>
+      <p:nvGrpSpPr>
+        <p:cNvPr id="1" name=""/>
+        <p:cNvGrpSpPr/>
+        <p:nvPr/>
+      </p:nvGrpSpPr>
+      <p:grpSpPr>
+        <a:xfrm>
+          <a:off x="0" y="0"/>
+          <a:ext cx="0" cy="0"/>
+          <a:chOff x="0" y="0"/>
+          <a:chExt cx="0" cy="0"/>
+        </a:xfrm>
+      </p:grpSpPr>
+      <p:sp>
+        <p:nvSpPr>
+          <p:cNvPr id="2" name="슬라이드 이미지 개체 틀 1"/>
+          <p:cNvSpPr>
+            <a:spLocks noGrp="1" noRot="1" noChangeAspect="1"/>
+          </p:cNvSpPr>
+          <p:nvPr>
+            <p:ph type="sldImg"/>
+          </p:nvPr>
+        </p:nvSpPr>
+        <p:spPr/>
+      </p:sp>
+      <p:sp>
+        <p:nvSpPr>
+          <p:cNvPr id="3" name="슬라이드 노트 개체 틀 2"/>
+          <p:cNvSpPr>
+            <a:spLocks noGrp="1"/>
+          </p:cNvSpPr>
+          <p:nvPr>
+            <p:ph type="body" idx="1"/>
+          </p:nvPr>
+        </p:nvSpPr>
+        <p:spPr/>
+        <p:txBody>
+          <a:bodyPr/>
+          <a:lstStyle/>
+          <a:p>
+            <a:endParaRPr lang="ko-KR" altLang="en-US" dirty="0"/>
+          </a:p>
+        </p:txBody>
+      </p:sp>
+      <p:sp>
+        <p:nvSpPr>
+          <p:cNvPr id="4" name="슬라이드 번호 개체 틀 3"/>
+          <p:cNvSpPr>
+            <a:spLocks noGrp="1"/>
+          </p:cNvSpPr>
+          <p:nvPr>
+            <p:ph type="sldNum" sz="quarter" idx="10"/>
+          </p:nvPr>
+        </p:nvSpPr>
+        <p:spPr/>
+        <p:txBody>
+          <a:bodyPr/>
+          <a:lstStyle/>
+          <a:p>
+            <a:fld id="{C09E5BFC-1559-42F1-8940-AB342D56BF02}" type="slidenum">
+              <a:rPr lang="ko-KR" altLang="en-US" smtClean="0"/>
+              <a:t>27</a:t>
+            </a:fld>
+            <a:endParaRPr lang="ko-KR" altLang="en-US"/>
+          </a:p>
+        </p:txBody>
+      </p:sp>
+    </p:spTree>
+    <p:extLst>
+      <p:ext uri="{BB962C8B-B14F-4D97-AF65-F5344CB8AC3E}">
+        <p14:creationId xmlns:p14="http://schemas.microsoft.com/office/powerpoint/2010/main" val="147563794"/>
       </p:ext>
     </p:extLst>
   </p:cSld>
@@ -3395,38 +3812,38 @@
           <a:lstStyle/>
           <a:p>
             <a:r>
-              <a:rPr lang="ko-KR" altLang="en-US" dirty="0" smtClean="0"/>
+              <a:rPr lang="ko-KR" altLang="en-US" dirty="0"/>
               <a:t>성능 최적화와 동시성을 다룰 때 매우 중요한 개념</a:t>
             </a:r>
             <a:r>
-              <a:rPr lang="en-US" altLang="ko-KR" dirty="0" smtClean="0"/>
+              <a:rPr lang="en-US" altLang="ko-KR" dirty="0"/>
               <a:t>.    </a:t>
             </a:r>
           </a:p>
           <a:p>
-            <a:endParaRPr lang="en-US" altLang="ko-KR" dirty="0" smtClean="0"/>
-          </a:p>
-          <a:p>
-            <a:r>
-              <a:rPr lang="ko-KR" altLang="en-US" dirty="0" err="1" smtClean="0"/>
+            <a:endParaRPr lang="en-US" altLang="ko-KR" dirty="0"/>
+          </a:p>
+          <a:p>
+            <a:r>
+              <a:rPr lang="ko-KR" altLang="en-US" dirty="0" err="1"/>
               <a:t>스레드란</a:t>
             </a:r>
             <a:r>
-              <a:rPr lang="en-US" altLang="ko-KR" dirty="0" smtClean="0"/>
+              <a:rPr lang="en-US" altLang="ko-KR" dirty="0"/>
               <a:t>?</a:t>
             </a:r>
           </a:p>
           <a:p>
             <a:r>
-              <a:rPr lang="ko-KR" altLang="en-US" dirty="0" err="1" smtClean="0"/>
+              <a:rPr lang="ko-KR" altLang="en-US" dirty="0" err="1"/>
               <a:t>ㄴ</a:t>
             </a:r>
             <a:r>
-              <a:rPr lang="en-US" altLang="ko-KR" dirty="0" smtClean="0"/>
+              <a:rPr lang="en-US" altLang="ko-KR" dirty="0"/>
               <a:t> </a:t>
             </a:r>
             <a:r>
-              <a:rPr lang="ko-KR" altLang="en-US" b="1" dirty="0" smtClean="0"/>
+              <a:rPr lang="ko-KR" altLang="en-US" b="1" dirty="0"/>
               <a:t>프로그램이 작업을 수행하는 가장 작은 실행 단위</a:t>
             </a:r>
             <a:endParaRPr lang="ko-KR" altLang="en-US" dirty="0"/>
@@ -3598,65 +4015,65 @@
           <a:lstStyle/>
           <a:p>
             <a:r>
-              <a:rPr lang="ko-KR" altLang="en-US" dirty="0" smtClean="0"/>
+              <a:rPr lang="ko-KR" altLang="en-US" dirty="0"/>
               <a:t>싱글코어에서 단일 스레드</a:t>
             </a:r>
             <a:r>
-              <a:rPr lang="en-US" altLang="ko-KR" dirty="0" smtClean="0"/>
+              <a:rPr lang="en-US" altLang="ko-KR" dirty="0"/>
               <a:t>(single thread)</a:t>
             </a:r>
             <a:r>
-              <a:rPr lang="ko-KR" altLang="en-US" dirty="0" smtClean="0"/>
+              <a:rPr lang="ko-KR" altLang="en-US" dirty="0"/>
               <a:t>가 동작하는 방식 </a:t>
             </a:r>
             <a:r>
-              <a:rPr lang="en-US" altLang="ko-KR" dirty="0" smtClean="0"/>
+              <a:rPr lang="en-US" altLang="ko-KR" dirty="0"/>
               <a:t>– </a:t>
             </a:r>
             <a:r>
-              <a:rPr lang="ko-KR" altLang="en-US" dirty="0" smtClean="0"/>
+              <a:rPr lang="ko-KR" altLang="en-US" dirty="0"/>
               <a:t>시각적</a:t>
             </a:r>
             <a:r>
-              <a:rPr lang="ko-KR" altLang="en-US" baseline="0" dirty="0" smtClean="0"/>
+              <a:rPr lang="ko-KR" altLang="en-US" baseline="0" dirty="0"/>
               <a:t> 설명 그림</a:t>
             </a:r>
             <a:r>
-              <a:rPr lang="en-US" altLang="ko-KR" baseline="0" dirty="0" smtClean="0"/>
+              <a:rPr lang="en-US" altLang="ko-KR" baseline="0" dirty="0"/>
               <a:t>.</a:t>
             </a:r>
           </a:p>
           <a:p>
-            <a:endParaRPr lang="en-US" altLang="ko-KR" dirty="0" smtClean="0"/>
-          </a:p>
-          <a:p>
-            <a:r>
-              <a:rPr lang="ko-KR" altLang="en-US" dirty="0" smtClean="0"/>
+            <a:endParaRPr lang="en-US" altLang="ko-KR" dirty="0"/>
+          </a:p>
+          <a:p>
+            <a:r>
+              <a:rPr lang="ko-KR" altLang="en-US" dirty="0"/>
               <a:t>가로방향 </a:t>
             </a:r>
             <a:r>
-              <a:rPr lang="en-US" altLang="ko-KR" dirty="0" smtClean="0"/>
+              <a:rPr lang="en-US" altLang="ko-KR" dirty="0"/>
               <a:t>: CPU </a:t>
             </a:r>
             <a:r>
-              <a:rPr lang="ko-KR" altLang="en-US" dirty="0" smtClean="0"/>
+              <a:rPr lang="ko-KR" altLang="en-US" dirty="0"/>
               <a:t>시간 흐름 </a:t>
             </a:r>
             <a:r>
-              <a:rPr lang="en-US" altLang="ko-KR" dirty="0" smtClean="0"/>
+              <a:rPr lang="en-US" altLang="ko-KR" dirty="0"/>
               <a:t>(</a:t>
             </a:r>
             <a:r>
-              <a:rPr lang="ko-KR" altLang="en-US" dirty="0" smtClean="0"/>
+              <a:rPr lang="ko-KR" altLang="en-US" dirty="0"/>
               <a:t>오른쪽으로 갈 수록 시간이 흐름</a:t>
             </a:r>
             <a:r>
-              <a:rPr lang="en-US" altLang="ko-KR" dirty="0" smtClean="0"/>
+              <a:rPr lang="en-US" altLang="ko-KR" dirty="0"/>
               <a:t>)</a:t>
             </a:r>
           </a:p>
           <a:p>
-            <a:endParaRPr lang="en-US" altLang="ko-KR" dirty="0" smtClean="0"/>
+            <a:endParaRPr lang="en-US" altLang="ko-KR" dirty="0"/>
           </a:p>
           <a:p>
             <a:pPr marL="171450" indent="-171450">
@@ -3664,19 +4081,19 @@
               <a:buChar char="-"/>
             </a:pPr>
             <a:r>
-              <a:rPr lang="ko-KR" altLang="en-US" baseline="0" dirty="0" smtClean="0"/>
+              <a:rPr lang="ko-KR" altLang="en-US" baseline="0" dirty="0"/>
               <a:t>여러 작업을 처리하지만</a:t>
             </a:r>
             <a:r>
-              <a:rPr lang="en-US" altLang="ko-KR" baseline="0" dirty="0" smtClean="0"/>
+              <a:rPr lang="en-US" altLang="ko-KR" baseline="0" dirty="0"/>
               <a:t>, </a:t>
             </a:r>
             <a:r>
-              <a:rPr lang="ko-KR" altLang="en-US" baseline="0" dirty="0" smtClean="0"/>
+              <a:rPr lang="ko-KR" altLang="en-US" baseline="0" dirty="0"/>
               <a:t>한 번에 하나씩만 실행되는 구조</a:t>
             </a:r>
             <a:r>
-              <a:rPr lang="en-US" altLang="ko-KR" baseline="0" dirty="0" smtClean="0"/>
+              <a:rPr lang="en-US" altLang="ko-KR" baseline="0" dirty="0"/>
               <a:t>.</a:t>
             </a:r>
           </a:p>
@@ -3685,7 +4102,7 @@
               <a:buFontTx/>
               <a:buChar char="-"/>
             </a:pPr>
-            <a:endParaRPr lang="en-US" altLang="ko-KR" baseline="0" dirty="0" smtClean="0"/>
+            <a:endParaRPr lang="en-US" altLang="ko-KR" baseline="0" dirty="0"/>
           </a:p>
           <a:p>
             <a:pPr marL="171450" indent="-171450">
@@ -3693,30 +4110,30 @@
               <a:buChar char="-"/>
             </a:pPr>
             <a:r>
-              <a:rPr lang="ko-KR" altLang="en-US" baseline="0" dirty="0" smtClean="0"/>
+              <a:rPr lang="ko-KR" altLang="en-US" baseline="0" dirty="0"/>
               <a:t>여러 프로그램이 실행 중이지만</a:t>
             </a:r>
             <a:r>
-              <a:rPr lang="en-US" altLang="ko-KR" baseline="0" dirty="0" smtClean="0"/>
+              <a:rPr lang="en-US" altLang="ko-KR" baseline="0" dirty="0"/>
               <a:t>, </a:t>
             </a:r>
             <a:r>
-              <a:rPr lang="ko-KR" altLang="en-US" baseline="0" dirty="0" smtClean="0"/>
+              <a:rPr lang="ko-KR" altLang="en-US" baseline="0" dirty="0"/>
               <a:t>실제로는 </a:t>
             </a:r>
             <a:r>
-              <a:rPr lang="en-US" altLang="ko-KR" baseline="0" dirty="0" smtClean="0"/>
+              <a:rPr lang="en-US" altLang="ko-KR" baseline="0" dirty="0"/>
               <a:t>CPU</a:t>
             </a:r>
             <a:r>
-              <a:rPr lang="ko-KR" altLang="en-US" baseline="0" dirty="0" smtClean="0"/>
+              <a:rPr lang="ko-KR" altLang="en-US" baseline="0" dirty="0"/>
               <a:t>가 </a:t>
             </a:r>
             <a:r>
-              <a:rPr lang="ko-KR" altLang="en-US" b="1" baseline="0" dirty="0" smtClean="0"/>
+              <a:rPr lang="ko-KR" altLang="en-US" b="1" baseline="0" dirty="0"/>
               <a:t>순서대로 조금씩 나눠서 처리하는 구조</a:t>
             </a:r>
-            <a:endParaRPr lang="en-US" altLang="ko-KR" b="1" baseline="0" dirty="0" smtClean="0"/>
+            <a:endParaRPr lang="en-US" altLang="ko-KR" b="1" baseline="0" dirty="0"/>
           </a:p>
           <a:p>
             <a:pPr marL="171450" indent="-171450">
@@ -3724,23 +4141,23 @@
               <a:buChar char="-"/>
             </a:pPr>
             <a:r>
-              <a:rPr lang="en-US" altLang="ko-KR" b="1" baseline="0" dirty="0" smtClean="0"/>
+              <a:rPr lang="en-US" altLang="ko-KR" b="1" baseline="0" dirty="0"/>
               <a:t>= </a:t>
             </a:r>
             <a:r>
-              <a:rPr lang="ko-KR" altLang="en-US" b="1" baseline="0" dirty="0" smtClean="0"/>
+              <a:rPr lang="ko-KR" altLang="en-US" b="1" baseline="0" dirty="0"/>
               <a:t>시분할</a:t>
             </a:r>
             <a:r>
-              <a:rPr lang="en-US" altLang="ko-KR" b="1" baseline="0" dirty="0" smtClean="0"/>
+              <a:rPr lang="en-US" altLang="ko-KR" b="1" baseline="0" dirty="0"/>
               <a:t>(Time Sharing) </a:t>
             </a:r>
             <a:r>
-              <a:rPr lang="ko-KR" altLang="en-US" b="1" baseline="0" dirty="0" smtClean="0"/>
+              <a:rPr lang="ko-KR" altLang="en-US" b="1" baseline="0" dirty="0"/>
               <a:t>이라고 함</a:t>
             </a:r>
             <a:r>
-              <a:rPr lang="en-US" altLang="ko-KR" b="1" baseline="0" dirty="0" smtClean="0"/>
+              <a:rPr lang="en-US" altLang="ko-KR" b="1" baseline="0" dirty="0"/>
               <a:t>.</a:t>
             </a:r>
           </a:p>
@@ -3749,7 +4166,7 @@
               <a:buFontTx/>
               <a:buChar char="-"/>
             </a:pPr>
-            <a:endParaRPr lang="en-US" altLang="ko-KR" b="1" baseline="0" dirty="0" smtClean="0"/>
+            <a:endParaRPr lang="en-US" altLang="ko-KR" b="1" baseline="0" dirty="0"/>
           </a:p>
           <a:p>
             <a:pPr marL="171450" indent="-171450">
@@ -3757,402 +4174,392 @@
               <a:buChar char="-"/>
             </a:pPr>
             <a:r>
-              <a:rPr lang="ko-KR" altLang="en-US" b="0" baseline="0" dirty="0" smtClean="0"/>
+              <a:rPr lang="ko-KR" altLang="en-US" b="0" baseline="0" dirty="0"/>
               <a:t>구글 크롬 실행하다가 </a:t>
             </a:r>
             <a:r>
-              <a:rPr lang="en-US" altLang="ko-KR" b="0" baseline="0" dirty="0" smtClean="0"/>
+              <a:rPr lang="en-US" altLang="ko-KR" b="0" baseline="0" dirty="0"/>
               <a:t>VS </a:t>
             </a:r>
             <a:r>
-              <a:rPr lang="ko-KR" altLang="en-US" b="0" baseline="0" dirty="0" smtClean="0"/>
+              <a:rPr lang="ko-KR" altLang="en-US" b="0" baseline="0" dirty="0"/>
               <a:t>실행하다가 음악 재생하다가 다시 구글 크롬 실행하다가 </a:t>
             </a:r>
             <a:r>
-              <a:rPr lang="en-US" altLang="ko-KR" b="0" baseline="0" dirty="0" smtClean="0"/>
+              <a:rPr lang="en-US" altLang="ko-KR" b="0" baseline="0" dirty="0"/>
               <a:t>--&gt; </a:t>
             </a:r>
             <a:r>
-              <a:rPr lang="ko-KR" altLang="en-US" b="0" baseline="0" dirty="0" smtClean="0"/>
+              <a:rPr lang="ko-KR" altLang="en-US" b="0" baseline="0" dirty="0"/>
               <a:t>각각을 조금씩 </a:t>
             </a:r>
             <a:r>
-              <a:rPr lang="ko-KR" altLang="en-US" b="0" baseline="0" dirty="0" err="1" smtClean="0"/>
+              <a:rPr lang="ko-KR" altLang="en-US" b="0" baseline="0" dirty="0" err="1"/>
               <a:t>번갈아가며</a:t>
             </a:r>
             <a:r>
-              <a:rPr lang="ko-KR" altLang="en-US" b="0" baseline="0" dirty="0" smtClean="0"/>
+              <a:rPr lang="ko-KR" altLang="en-US" b="0" baseline="0" dirty="0"/>
               <a:t> 처리 </a:t>
             </a:r>
             <a:r>
-              <a:rPr lang="en-US" altLang="ko-KR" b="0" baseline="0" dirty="0" smtClean="0"/>
+              <a:rPr lang="en-US" altLang="ko-KR" b="0" baseline="0" dirty="0"/>
               <a:t>= </a:t>
             </a:r>
             <a:r>
-              <a:rPr lang="ko-KR" altLang="en-US" dirty="0" smtClean="0"/>
+              <a:rPr lang="ko-KR" altLang="en-US" dirty="0"/>
               <a:t>동시에 실행되는 것처럼 느껴지는 이유</a:t>
             </a:r>
             <a:r>
-              <a:rPr lang="en-US" altLang="ko-KR" dirty="0" smtClean="0"/>
+              <a:rPr lang="en-US" altLang="ko-KR" dirty="0"/>
               <a:t>: </a:t>
             </a:r>
             <a:r>
-              <a:rPr lang="ko-KR" altLang="en-US" b="1" dirty="0" smtClean="0"/>
+              <a:rPr lang="ko-KR" altLang="en-US" b="1" dirty="0"/>
               <a:t>너무 빠르게 번갈아 처리하기 때문</a:t>
             </a:r>
-            <a:endParaRPr lang="ko-KR" altLang="en-US" b="0" dirty="0" smtClean="0"/>
-          </a:p>
-          <a:p>
-            <a:endParaRPr lang="en-US" altLang="ko-KR" dirty="0" smtClean="0"/>
-          </a:p>
-          <a:p>
-            <a:r>
-              <a:rPr lang="en-US" altLang="ko-KR" dirty="0" smtClean="0"/>
+            <a:endParaRPr lang="ko-KR" altLang="en-US" b="0" dirty="0"/>
+          </a:p>
+          <a:p>
+            <a:endParaRPr lang="en-US" altLang="ko-KR" dirty="0"/>
+          </a:p>
+          <a:p>
+            <a:r>
+              <a:rPr lang="en-US" altLang="ko-KR" dirty="0"/>
               <a:t>"</a:t>
             </a:r>
             <a:r>
-              <a:rPr lang="ko-KR" altLang="en-US" dirty="0" smtClean="0"/>
+              <a:rPr lang="ko-KR" altLang="en-US" dirty="0"/>
               <a:t>코어</a:t>
             </a:r>
             <a:r>
-              <a:rPr lang="en-US" altLang="ko-KR" dirty="0" smtClean="0"/>
+              <a:rPr lang="en-US" altLang="ko-KR" dirty="0"/>
               <a:t>(Core)"</a:t>
             </a:r>
             <a:r>
-              <a:rPr lang="ko-KR" altLang="en-US" dirty="0" smtClean="0"/>
+              <a:rPr lang="ko-KR" altLang="en-US" dirty="0"/>
               <a:t>는 </a:t>
             </a:r>
             <a:r>
-              <a:rPr lang="en-US" altLang="ko-KR" dirty="0" smtClean="0"/>
+              <a:rPr lang="en-US" altLang="ko-KR" dirty="0"/>
               <a:t>CPU </a:t>
             </a:r>
             <a:r>
-              <a:rPr lang="ko-KR" altLang="en-US" dirty="0" smtClean="0"/>
+              <a:rPr lang="ko-KR" altLang="en-US" dirty="0"/>
               <a:t>속에서 **실제로 계산하고 처리하는 유닛</a:t>
             </a:r>
             <a:r>
-              <a:rPr lang="en-US" altLang="ko-KR" dirty="0" smtClean="0"/>
+              <a:rPr lang="en-US" altLang="ko-KR" dirty="0"/>
               <a:t>(</a:t>
             </a:r>
             <a:r>
-              <a:rPr lang="ko-KR" altLang="en-US" dirty="0" smtClean="0"/>
+              <a:rPr lang="ko-KR" altLang="en-US" dirty="0"/>
               <a:t>단위</a:t>
             </a:r>
             <a:r>
-              <a:rPr lang="en-US" altLang="ko-KR" dirty="0" smtClean="0"/>
+              <a:rPr lang="en-US" altLang="ko-KR" dirty="0"/>
               <a:t>)**</a:t>
             </a:r>
             <a:r>
-              <a:rPr lang="ko-KR" altLang="en-US" dirty="0" smtClean="0"/>
+              <a:rPr lang="ko-KR" altLang="en-US" dirty="0"/>
               <a:t>입니다</a:t>
             </a:r>
             <a:r>
-              <a:rPr lang="en-US" altLang="ko-KR" dirty="0" smtClean="0"/>
+              <a:rPr lang="en-US" altLang="ko-KR" dirty="0"/>
               <a:t>.</a:t>
             </a:r>
-            <a:endParaRPr lang="en-US" altLang="ko-KR" dirty="0" smtClean="0"/>
-          </a:p>
-          <a:p>
-            <a:endParaRPr lang="en-US" altLang="ko-KR" dirty="0" smtClean="0"/>
-          </a:p>
-          <a:p>
-            <a:r>
-              <a:rPr lang="ko-KR" altLang="en-US" dirty="0" smtClean="0"/>
+          </a:p>
+          <a:p>
+            <a:endParaRPr lang="en-US" altLang="ko-KR" dirty="0"/>
+          </a:p>
+          <a:p>
+            <a:r>
+              <a:rPr lang="ko-KR" altLang="en-US" dirty="0"/>
               <a:t>싱글 코어 </a:t>
             </a:r>
             <a:r>
-              <a:rPr lang="en-US" altLang="ko-KR" dirty="0" smtClean="0"/>
+              <a:rPr lang="en-US" altLang="ko-KR" dirty="0"/>
               <a:t>+ </a:t>
             </a:r>
             <a:r>
-              <a:rPr lang="ko-KR" altLang="en-US" dirty="0" smtClean="0"/>
+              <a:rPr lang="ko-KR" altLang="en-US" dirty="0"/>
               <a:t>싱글 스레드</a:t>
             </a:r>
             <a:br>
-              <a:rPr lang="ko-KR" altLang="en-US" dirty="0" smtClean="0"/>
+              <a:rPr lang="ko-KR" altLang="en-US" dirty="0"/>
             </a:br>
             <a:r>
-              <a:rPr lang="ko-KR" altLang="en-US" dirty="0" smtClean="0"/>
+              <a:rPr lang="ko-KR" altLang="en-US" dirty="0"/>
               <a:t>→ 요리사 </a:t>
             </a:r>
             <a:r>
-              <a:rPr lang="en-US" altLang="ko-KR" dirty="0" smtClean="0"/>
+              <a:rPr lang="en-US" altLang="ko-KR" dirty="0"/>
               <a:t>1</a:t>
             </a:r>
             <a:r>
-              <a:rPr lang="ko-KR" altLang="en-US" dirty="0" smtClean="0"/>
+              <a:rPr lang="ko-KR" altLang="en-US" dirty="0"/>
               <a:t>명 </a:t>
             </a:r>
             <a:r>
-              <a:rPr lang="en-US" altLang="ko-KR" dirty="0" smtClean="0"/>
+              <a:rPr lang="en-US" altLang="ko-KR" dirty="0"/>
               <a:t>+ </a:t>
             </a:r>
             <a:r>
-              <a:rPr lang="ko-KR" altLang="en-US" dirty="0" smtClean="0"/>
+              <a:rPr lang="ko-KR" altLang="en-US" dirty="0"/>
               <a:t>요리 하나씩만 함</a:t>
             </a:r>
-            <a:endParaRPr lang="en-US" altLang="ko-KR" dirty="0" smtClean="0"/>
-          </a:p>
-          <a:p>
-            <a:endParaRPr lang="en-US" altLang="ko-KR" dirty="0" smtClean="0"/>
-          </a:p>
-          <a:p>
-            <a:r>
-              <a:rPr lang="ko-KR" altLang="en-US" b="1" dirty="0" smtClean="0"/>
+            <a:endParaRPr lang="en-US" altLang="ko-KR" dirty="0"/>
+          </a:p>
+          <a:p>
+            <a:endParaRPr lang="en-US" altLang="ko-KR" dirty="0"/>
+          </a:p>
+          <a:p>
+            <a:r>
+              <a:rPr lang="ko-KR" altLang="en-US" b="1" dirty="0"/>
               <a:t>멀티 </a:t>
             </a:r>
             <a:r>
-              <a:rPr lang="ko-KR" altLang="en-US" b="1" dirty="0" err="1" smtClean="0"/>
+              <a:rPr lang="ko-KR" altLang="en-US" b="1" dirty="0" err="1"/>
               <a:t>스레드지만</a:t>
             </a:r>
             <a:r>
-              <a:rPr lang="ko-KR" altLang="en-US" b="1" dirty="0" smtClean="0"/>
+              <a:rPr lang="ko-KR" altLang="en-US" b="1" dirty="0"/>
               <a:t> 싱글 코어</a:t>
             </a:r>
-            <a:r>
-              <a:rPr lang="ko-KR" altLang="en-US" dirty="0" smtClean="0"/>
-              <a:t/>
-            </a:r>
             <a:br>
-              <a:rPr lang="ko-KR" altLang="en-US" dirty="0" smtClean="0"/>
+              <a:rPr lang="ko-KR" altLang="en-US" dirty="0"/>
             </a:br>
             <a:r>
-              <a:rPr lang="ko-KR" altLang="en-US" dirty="0" smtClean="0"/>
+              <a:rPr lang="ko-KR" altLang="en-US" dirty="0"/>
               <a:t>→ 요리사 </a:t>
             </a:r>
             <a:r>
-              <a:rPr lang="en-US" altLang="ko-KR" dirty="0" smtClean="0"/>
+              <a:rPr lang="en-US" altLang="ko-KR" dirty="0"/>
               <a:t>1</a:t>
             </a:r>
             <a:r>
-              <a:rPr lang="ko-KR" altLang="en-US" dirty="0" smtClean="0"/>
+              <a:rPr lang="ko-KR" altLang="en-US" dirty="0"/>
               <a:t>명이 여러 가지 요리를 조금씩 나눠서 함 </a:t>
             </a:r>
             <a:r>
-              <a:rPr lang="en-US" altLang="ko-KR" dirty="0" smtClean="0"/>
+              <a:rPr lang="en-US" altLang="ko-KR" dirty="0"/>
               <a:t>(</a:t>
             </a:r>
             <a:r>
-              <a:rPr lang="ko-KR" altLang="en-US" dirty="0" smtClean="0"/>
+              <a:rPr lang="ko-KR" altLang="en-US" dirty="0"/>
               <a:t>시간 나눠서 번갈아 처리</a:t>
             </a:r>
             <a:r>
-              <a:rPr lang="en-US" altLang="ko-KR" dirty="0" smtClean="0"/>
+              <a:rPr lang="en-US" altLang="ko-KR" dirty="0"/>
               <a:t>)</a:t>
             </a:r>
           </a:p>
           <a:p>
-            <a:endParaRPr lang="en-US" altLang="ko-KR" dirty="0" smtClean="0"/>
-          </a:p>
-          <a:p>
-            <a:r>
-              <a:rPr lang="ko-KR" altLang="en-US" b="1" dirty="0" smtClean="0"/>
+            <a:endParaRPr lang="en-US" altLang="ko-KR" dirty="0"/>
+          </a:p>
+          <a:p>
+            <a:r>
+              <a:rPr lang="ko-KR" altLang="en-US" b="1" dirty="0"/>
               <a:t>멀티 코어 </a:t>
             </a:r>
             <a:r>
-              <a:rPr lang="en-US" altLang="ko-KR" b="1" dirty="0" smtClean="0"/>
+              <a:rPr lang="en-US" altLang="ko-KR" b="1" dirty="0"/>
               <a:t>+ </a:t>
             </a:r>
             <a:r>
-              <a:rPr lang="ko-KR" altLang="en-US" b="1" dirty="0" smtClean="0"/>
+              <a:rPr lang="ko-KR" altLang="en-US" b="1" dirty="0"/>
               <a:t>멀티 스레드</a:t>
             </a:r>
-            <a:r>
-              <a:rPr lang="ko-KR" altLang="en-US" dirty="0" smtClean="0"/>
-              <a:t/>
-            </a:r>
             <a:br>
-              <a:rPr lang="ko-KR" altLang="en-US" dirty="0" smtClean="0"/>
+              <a:rPr lang="ko-KR" altLang="en-US" dirty="0"/>
             </a:br>
             <a:r>
-              <a:rPr lang="ko-KR" altLang="en-US" dirty="0" smtClean="0"/>
+              <a:rPr lang="ko-KR" altLang="en-US" dirty="0"/>
               <a:t>→ 요리사 여러 명이 동시에 각각의 요리를 맡아 처리</a:t>
             </a:r>
             <a:br>
-              <a:rPr lang="ko-KR" altLang="en-US" dirty="0" smtClean="0"/>
+              <a:rPr lang="ko-KR" altLang="en-US" dirty="0"/>
             </a:br>
             <a:r>
-              <a:rPr lang="ko-KR" altLang="en-US" dirty="0" smtClean="0"/>
+              <a:rPr lang="ko-KR" altLang="en-US" dirty="0"/>
               <a:t>👉 </a:t>
             </a:r>
             <a:r>
-              <a:rPr lang="ko-KR" altLang="en-US" b="1" dirty="0" smtClean="0"/>
+              <a:rPr lang="ko-KR" altLang="en-US" b="1" dirty="0"/>
               <a:t>진짜 병렬 처리</a:t>
             </a:r>
-            <a:endParaRPr lang="en-US" altLang="ko-KR" b="1" dirty="0" smtClean="0"/>
-          </a:p>
-          <a:p>
-            <a:endParaRPr lang="en-US" altLang="ko-KR" b="1" dirty="0" smtClean="0"/>
-          </a:p>
-          <a:p>
-            <a:endParaRPr lang="en-US" altLang="ko-KR" b="1" dirty="0" smtClean="0"/>
-          </a:p>
-          <a:p>
-            <a:r>
-              <a:rPr lang="ko-KR" altLang="en-US" b="1" dirty="0" smtClean="0"/>
+            <a:endParaRPr lang="en-US" altLang="ko-KR" b="1" dirty="0"/>
+          </a:p>
+          <a:p>
+            <a:endParaRPr lang="en-US" altLang="ko-KR" b="1" dirty="0"/>
+          </a:p>
+          <a:p>
+            <a:endParaRPr lang="en-US" altLang="ko-KR" b="1" dirty="0"/>
+          </a:p>
+          <a:p>
+            <a:r>
+              <a:rPr lang="ko-KR" altLang="en-US" b="1" dirty="0"/>
               <a:t>각 줄은 하나의 </a:t>
             </a:r>
             <a:r>
-              <a:rPr lang="en-US" altLang="ko-KR" b="1" dirty="0" smtClean="0"/>
+              <a:rPr lang="en-US" altLang="ko-KR" b="1" dirty="0"/>
               <a:t>CPU </a:t>
             </a:r>
             <a:r>
-              <a:rPr lang="ko-KR" altLang="en-US" b="1" dirty="0" smtClean="0"/>
+              <a:rPr lang="ko-KR" altLang="en-US" b="1" dirty="0"/>
               <a:t>코어</a:t>
             </a:r>
           </a:p>
           <a:p>
             <a:r>
-              <a:rPr lang="en-US" altLang="ko-KR" dirty="0" smtClean="0"/>
+              <a:rPr lang="en-US" altLang="ko-KR" dirty="0"/>
               <a:t>Core 1, Core 2, Core 3 → </a:t>
             </a:r>
             <a:r>
-              <a:rPr lang="ko-KR" altLang="en-US" dirty="0" smtClean="0"/>
+              <a:rPr lang="ko-KR" altLang="en-US" dirty="0"/>
               <a:t>총 </a:t>
             </a:r>
             <a:r>
-              <a:rPr lang="en-US" altLang="ko-KR" dirty="0" smtClean="0"/>
+              <a:rPr lang="en-US" altLang="ko-KR" dirty="0"/>
               <a:t>3</a:t>
             </a:r>
             <a:r>
-              <a:rPr lang="ko-KR" altLang="en-US" dirty="0" smtClean="0"/>
+              <a:rPr lang="ko-KR" altLang="en-US" dirty="0"/>
               <a:t>개의 코어가 있음</a:t>
             </a:r>
-            <a:endParaRPr lang="en-US" altLang="ko-KR" dirty="0" smtClean="0"/>
-          </a:p>
-          <a:p>
-            <a:endParaRPr lang="ko-KR" altLang="en-US" dirty="0" smtClean="0"/>
-          </a:p>
-          <a:p>
-            <a:r>
-              <a:rPr lang="ko-KR" altLang="en-US" dirty="0" smtClean="0"/>
+            <a:endParaRPr lang="en-US" altLang="ko-KR" dirty="0"/>
+          </a:p>
+          <a:p>
+            <a:endParaRPr lang="ko-KR" altLang="en-US" dirty="0"/>
+          </a:p>
+          <a:p>
+            <a:r>
+              <a:rPr lang="ko-KR" altLang="en-US" dirty="0"/>
               <a:t>👉 같은 </a:t>
             </a:r>
             <a:r>
-              <a:rPr lang="ko-KR" altLang="en-US" dirty="0" err="1" smtClean="0"/>
+              <a:rPr lang="ko-KR" altLang="en-US" dirty="0" err="1"/>
               <a:t>쓰레드</a:t>
             </a:r>
             <a:r>
-              <a:rPr lang="ko-KR" altLang="en-US" dirty="0" smtClean="0"/>
+              <a:rPr lang="ko-KR" altLang="en-US" dirty="0"/>
               <a:t> 번호라도 </a:t>
             </a:r>
             <a:r>
-              <a:rPr lang="ko-KR" altLang="en-US" b="1" dirty="0" smtClean="0"/>
+              <a:rPr lang="ko-KR" altLang="en-US" b="1" dirty="0"/>
               <a:t>다른 코어에서 동시에</a:t>
             </a:r>
             <a:r>
-              <a:rPr lang="ko-KR" altLang="en-US" dirty="0" smtClean="0"/>
+              <a:rPr lang="ko-KR" altLang="en-US" dirty="0"/>
               <a:t> 실행될 수 있습니다</a:t>
             </a:r>
             <a:r>
-              <a:rPr lang="en-US" altLang="ko-KR" dirty="0" smtClean="0"/>
+              <a:rPr lang="en-US" altLang="ko-KR" dirty="0"/>
               <a:t>.</a:t>
             </a:r>
-            <a:endParaRPr lang="en-US" altLang="ko-KR" b="1" dirty="0" smtClean="0"/>
-          </a:p>
-          <a:p>
-            <a:r>
-              <a:rPr lang="ko-KR" altLang="en-US" dirty="0" smtClean="0"/>
+            <a:endParaRPr lang="en-US" altLang="ko-KR" b="1" dirty="0"/>
+          </a:p>
+          <a:p>
+            <a:r>
+              <a:rPr lang="ko-KR" altLang="en-US" dirty="0"/>
               <a:t>단순히 “</a:t>
             </a:r>
             <a:r>
-              <a:rPr lang="ko-KR" altLang="en-US" dirty="0" err="1" smtClean="0"/>
+              <a:rPr lang="ko-KR" altLang="en-US" dirty="0" err="1"/>
               <a:t>번호”가</a:t>
             </a:r>
             <a:r>
-              <a:rPr lang="ko-KR" altLang="en-US" dirty="0" smtClean="0"/>
+              <a:rPr lang="ko-KR" altLang="en-US" dirty="0"/>
               <a:t> 같다고 해서 **동일한 스레드 인스턴스</a:t>
             </a:r>
             <a:r>
-              <a:rPr lang="en-US" altLang="ko-KR" dirty="0" smtClean="0"/>
+              <a:rPr lang="en-US" altLang="ko-KR" dirty="0"/>
               <a:t>(</a:t>
             </a:r>
             <a:r>
-              <a:rPr lang="ko-KR" altLang="en-US" dirty="0" smtClean="0"/>
+              <a:rPr lang="ko-KR" altLang="en-US" dirty="0"/>
               <a:t>실체</a:t>
             </a:r>
             <a:r>
-              <a:rPr lang="en-US" altLang="ko-KR" dirty="0" smtClean="0"/>
+              <a:rPr lang="en-US" altLang="ko-KR" dirty="0"/>
               <a:t>)**</a:t>
             </a:r>
             <a:r>
-              <a:rPr lang="ko-KR" altLang="en-US" dirty="0" smtClean="0"/>
+              <a:rPr lang="ko-KR" altLang="en-US" dirty="0"/>
               <a:t>를 의미하지 않기 때문</a:t>
             </a:r>
-            <a:endParaRPr lang="en-US" altLang="ko-KR" dirty="0" smtClean="0"/>
-          </a:p>
-          <a:p>
-            <a:endParaRPr lang="en-US" altLang="ko-KR" dirty="0" smtClean="0"/>
-          </a:p>
-          <a:p>
-            <a:r>
-              <a:rPr lang="ko-KR" altLang="en-US" dirty="0" smtClean="0"/>
+            <a:endParaRPr lang="en-US" altLang="ko-KR" dirty="0"/>
+          </a:p>
+          <a:p>
+            <a:endParaRPr lang="en-US" altLang="ko-KR" dirty="0"/>
+          </a:p>
+          <a:p>
+            <a:r>
+              <a:rPr lang="ko-KR" altLang="en-US" dirty="0"/>
               <a:t>**여러 명의 요리사</a:t>
             </a:r>
             <a:r>
-              <a:rPr lang="en-US" altLang="ko-KR" dirty="0" smtClean="0"/>
+              <a:rPr lang="en-US" altLang="ko-KR" dirty="0"/>
               <a:t>(Core)**</a:t>
             </a:r>
             <a:r>
-              <a:rPr lang="ko-KR" altLang="en-US" dirty="0" smtClean="0"/>
+              <a:rPr lang="ko-KR" altLang="en-US" dirty="0"/>
               <a:t>가 **같은 요리</a:t>
             </a:r>
             <a:r>
-              <a:rPr lang="en-US" altLang="ko-KR" dirty="0" smtClean="0"/>
+              <a:rPr lang="en-US" altLang="ko-KR" dirty="0"/>
               <a:t>(</a:t>
             </a:r>
             <a:r>
-              <a:rPr lang="ko-KR" altLang="en-US" dirty="0" smtClean="0"/>
+              <a:rPr lang="ko-KR" altLang="en-US" dirty="0"/>
               <a:t>예</a:t>
             </a:r>
             <a:r>
-              <a:rPr lang="en-US" altLang="ko-KR" dirty="0" smtClean="0"/>
+              <a:rPr lang="en-US" altLang="ko-KR" dirty="0"/>
               <a:t>: </a:t>
             </a:r>
             <a:r>
-              <a:rPr lang="ko-KR" altLang="en-US" dirty="0" smtClean="0"/>
+              <a:rPr lang="ko-KR" altLang="en-US" dirty="0"/>
               <a:t>음악 재생</a:t>
             </a:r>
             <a:r>
-              <a:rPr lang="en-US" altLang="ko-KR" dirty="0" smtClean="0"/>
+              <a:rPr lang="en-US" altLang="ko-KR" dirty="0"/>
               <a:t>)**</a:t>
             </a:r>
             <a:r>
-              <a:rPr lang="ko-KR" altLang="en-US" dirty="0" smtClean="0"/>
+              <a:rPr lang="ko-KR" altLang="en-US" dirty="0"/>
               <a:t>를</a:t>
             </a:r>
             <a:br>
-              <a:rPr lang="ko-KR" altLang="en-US" dirty="0" smtClean="0"/>
+              <a:rPr lang="ko-KR" altLang="en-US" dirty="0"/>
             </a:br>
             <a:r>
-              <a:rPr lang="ko-KR" altLang="en-US" dirty="0" smtClean="0"/>
+              <a:rPr lang="ko-KR" altLang="en-US" dirty="0"/>
               <a:t>**분담해서 처리</a:t>
             </a:r>
             <a:r>
-              <a:rPr lang="en-US" altLang="ko-KR" dirty="0" smtClean="0"/>
+              <a:rPr lang="en-US" altLang="ko-KR" dirty="0"/>
               <a:t>(</a:t>
             </a:r>
             <a:r>
-              <a:rPr lang="ko-KR" altLang="en-US" dirty="0" smtClean="0"/>
+              <a:rPr lang="ko-KR" altLang="en-US" dirty="0"/>
               <a:t>스레드</a:t>
             </a:r>
             <a:r>
-              <a:rPr lang="en-US" altLang="ko-KR" dirty="0" smtClean="0"/>
+              <a:rPr lang="en-US" altLang="ko-KR" dirty="0"/>
               <a:t>)**</a:t>
             </a:r>
             <a:r>
-              <a:rPr lang="ko-KR" altLang="en-US" dirty="0" smtClean="0"/>
+              <a:rPr lang="ko-KR" altLang="en-US" dirty="0"/>
               <a:t>하고 있으므로</a:t>
             </a:r>
             <a:r>
-              <a:rPr lang="en-US" altLang="ko-KR" dirty="0" smtClean="0"/>
+              <a:rPr lang="en-US" altLang="ko-KR" dirty="0"/>
               <a:t>, </a:t>
             </a:r>
             <a:r>
-              <a:rPr lang="ko-KR" altLang="en-US" dirty="0" smtClean="0"/>
+              <a:rPr lang="ko-KR" altLang="en-US" dirty="0"/>
               <a:t>빠르고 효율적</a:t>
             </a:r>
-            <a:endParaRPr lang="ko-KR" altLang="en-US" dirty="0"/>
           </a:p>
         </p:txBody>
       </p:sp>
@@ -4237,312 +4644,308 @@
           <a:lstStyle/>
           <a:p>
             <a:r>
-              <a:rPr lang="ko-KR" altLang="en-US" b="1" dirty="0" err="1" smtClean="0"/>
+              <a:rPr lang="ko-KR" altLang="en-US" b="1" dirty="0" err="1"/>
               <a:t>멀티스레드</a:t>
             </a:r>
             <a:r>
-              <a:rPr lang="ko-KR" altLang="en-US" b="1" dirty="0" smtClean="0"/>
+              <a:rPr lang="ko-KR" altLang="en-US" b="1" dirty="0"/>
               <a:t> 환경에서 메모리가 어떻게 관리되는지</a:t>
             </a:r>
             <a:r>
-              <a:rPr lang="ko-KR" altLang="en-US" dirty="0" smtClean="0"/>
+              <a:rPr lang="ko-KR" altLang="en-US" dirty="0"/>
               <a:t>를 시각적으로 보여주는 구조도</a:t>
             </a:r>
-            <a:endParaRPr lang="en-US" altLang="ko-KR" dirty="0" smtClean="0"/>
-          </a:p>
-          <a:p>
-            <a:endParaRPr lang="en-US" altLang="ko-KR" dirty="0" smtClean="0"/>
-          </a:p>
-          <a:p>
-            <a:r>
-              <a:rPr lang="ko-KR" altLang="en-US" dirty="0" smtClean="0"/>
+            <a:endParaRPr lang="en-US" altLang="ko-KR" dirty="0"/>
+          </a:p>
+          <a:p>
+            <a:endParaRPr lang="en-US" altLang="ko-KR" dirty="0"/>
+          </a:p>
+          <a:p>
+            <a:r>
+              <a:rPr lang="ko-KR" altLang="en-US" dirty="0"/>
               <a:t>왼쪽</a:t>
             </a:r>
             <a:r>
-              <a:rPr lang="en-US" altLang="ko-KR" dirty="0" smtClean="0"/>
+              <a:rPr lang="en-US" altLang="ko-KR" dirty="0"/>
               <a:t>) </a:t>
             </a:r>
             <a:r>
-              <a:rPr lang="ko-KR" altLang="en-US" dirty="0" smtClean="0"/>
+              <a:rPr lang="ko-KR" altLang="en-US" dirty="0"/>
               <a:t>싱글 스레드 구조</a:t>
             </a:r>
-            <a:endParaRPr lang="en-US" altLang="ko-KR" dirty="0" smtClean="0"/>
-          </a:p>
-          <a:p>
-            <a:r>
-              <a:rPr lang="ko-KR" altLang="en-US" dirty="0" smtClean="0"/>
+            <a:endParaRPr lang="en-US" altLang="ko-KR" dirty="0"/>
+          </a:p>
+          <a:p>
+            <a:r>
+              <a:rPr lang="ko-KR" altLang="en-US" dirty="0"/>
               <a:t>하나의 프로세스가 실행되면 다음과 같은 메모리 영역이 생김</a:t>
             </a:r>
             <a:r>
-              <a:rPr lang="en-US" altLang="ko-KR" dirty="0" smtClean="0"/>
+              <a:rPr lang="en-US" altLang="ko-KR" dirty="0"/>
               <a:t>.</a:t>
             </a:r>
           </a:p>
           <a:p>
             <a:r>
-              <a:rPr lang="en-US" altLang="ko-KR" b="1" dirty="0" smtClean="0"/>
+              <a:rPr lang="en-US" altLang="ko-KR" b="1" dirty="0"/>
               <a:t>Code</a:t>
             </a:r>
             <a:r>
-              <a:rPr lang="en-US" altLang="ko-KR" dirty="0" smtClean="0"/>
+              <a:rPr lang="en-US" altLang="ko-KR" dirty="0"/>
               <a:t>: </a:t>
             </a:r>
             <a:r>
-              <a:rPr lang="ko-KR" altLang="en-US" dirty="0" smtClean="0"/>
+              <a:rPr lang="ko-KR" altLang="en-US" dirty="0"/>
               <a:t>실행할 코드가 저장됨</a:t>
             </a:r>
-            <a:endParaRPr lang="en-US" altLang="ko-KR" dirty="0" smtClean="0"/>
-          </a:p>
-          <a:p>
-            <a:r>
-              <a:rPr lang="en-US" altLang="ko-KR" b="1" dirty="0" smtClean="0"/>
+            <a:endParaRPr lang="en-US" altLang="ko-KR" dirty="0"/>
+          </a:p>
+          <a:p>
+            <a:r>
+              <a:rPr lang="en-US" altLang="ko-KR" b="1" dirty="0"/>
               <a:t>Static</a:t>
             </a:r>
             <a:r>
-              <a:rPr lang="en-US" altLang="ko-KR" dirty="0" smtClean="0"/>
+              <a:rPr lang="en-US" altLang="ko-KR" dirty="0"/>
               <a:t>: static </a:t>
             </a:r>
             <a:r>
-              <a:rPr lang="ko-KR" altLang="en-US" dirty="0" smtClean="0"/>
+              <a:rPr lang="ko-KR" altLang="en-US" dirty="0"/>
               <a:t>변수들이 저장되는 영역</a:t>
             </a:r>
-            <a:endParaRPr lang="en-US" altLang="ko-KR" dirty="0" smtClean="0"/>
-          </a:p>
-          <a:p>
-            <a:r>
-              <a:rPr lang="en-US" altLang="ko-KR" b="1" dirty="0" smtClean="0"/>
+            <a:endParaRPr lang="en-US" altLang="ko-KR" dirty="0"/>
+          </a:p>
+          <a:p>
+            <a:r>
+              <a:rPr lang="en-US" altLang="ko-KR" b="1" dirty="0"/>
               <a:t>Heap</a:t>
             </a:r>
             <a:r>
-              <a:rPr lang="en-US" altLang="ko-KR" dirty="0" smtClean="0"/>
+              <a:rPr lang="en-US" altLang="ko-KR" dirty="0"/>
               <a:t>: new</a:t>
             </a:r>
             <a:r>
-              <a:rPr lang="ko-KR" altLang="en-US" dirty="0" smtClean="0"/>
+              <a:rPr lang="ko-KR" altLang="en-US" dirty="0"/>
               <a:t>로 할당된 객체들이 저장됨 </a:t>
             </a:r>
             <a:r>
-              <a:rPr lang="en-US" altLang="ko-KR" dirty="0" smtClean="0"/>
+              <a:rPr lang="en-US" altLang="ko-KR" dirty="0"/>
               <a:t>(</a:t>
             </a:r>
             <a:r>
-              <a:rPr lang="ko-KR" altLang="en-US" dirty="0" smtClean="0"/>
+              <a:rPr lang="ko-KR" altLang="en-US" dirty="0"/>
               <a:t>동적 메모리</a:t>
             </a:r>
             <a:r>
-              <a:rPr lang="en-US" altLang="ko-KR" dirty="0" smtClean="0"/>
+              <a:rPr lang="en-US" altLang="ko-KR" dirty="0"/>
               <a:t>)</a:t>
             </a:r>
           </a:p>
           <a:p>
             <a:r>
-              <a:rPr lang="en-US" altLang="ko-KR" b="1" dirty="0" smtClean="0"/>
+              <a:rPr lang="en-US" altLang="ko-KR" b="1" dirty="0"/>
               <a:t>Stack</a:t>
             </a:r>
             <a:r>
-              <a:rPr lang="en-US" altLang="ko-KR" dirty="0" smtClean="0"/>
+              <a:rPr lang="en-US" altLang="ko-KR" dirty="0"/>
               <a:t>: </a:t>
             </a:r>
             <a:r>
-              <a:rPr lang="ko-KR" altLang="en-US" dirty="0" smtClean="0"/>
+              <a:rPr lang="ko-KR" altLang="en-US" dirty="0"/>
               <a:t>지역변수</a:t>
             </a:r>
             <a:r>
-              <a:rPr lang="en-US" altLang="ko-KR" dirty="0" smtClean="0"/>
+              <a:rPr lang="en-US" altLang="ko-KR" dirty="0"/>
               <a:t>, </a:t>
             </a:r>
             <a:r>
-              <a:rPr lang="ko-KR" altLang="en-US" dirty="0" smtClean="0"/>
+              <a:rPr lang="ko-KR" altLang="en-US" dirty="0"/>
               <a:t>함수 호출 정보 등이 저장됨</a:t>
             </a:r>
-            <a:endParaRPr lang="en-US" altLang="ko-KR" dirty="0" smtClean="0"/>
-          </a:p>
-          <a:p>
-            <a:r>
-              <a:rPr lang="en-US" altLang="ko-KR" b="1" dirty="0" smtClean="0"/>
+            <a:endParaRPr lang="en-US" altLang="ko-KR" dirty="0"/>
+          </a:p>
+          <a:p>
+            <a:r>
+              <a:rPr lang="en-US" altLang="ko-KR" b="1" dirty="0"/>
               <a:t>Registers</a:t>
             </a:r>
             <a:r>
-              <a:rPr lang="en-US" altLang="ko-KR" dirty="0" smtClean="0"/>
+              <a:rPr lang="en-US" altLang="ko-KR" dirty="0"/>
               <a:t>: CPU </a:t>
             </a:r>
             <a:r>
-              <a:rPr lang="ko-KR" altLang="en-US" dirty="0" smtClean="0"/>
+              <a:rPr lang="ko-KR" altLang="en-US" dirty="0"/>
               <a:t>내부의 임시 </a:t>
             </a:r>
             <a:r>
-              <a:rPr lang="ko-KR" altLang="en-US" dirty="0" err="1" smtClean="0"/>
+              <a:rPr lang="ko-KR" altLang="en-US" dirty="0" err="1"/>
               <a:t>계산값</a:t>
             </a:r>
             <a:r>
-              <a:rPr lang="ko-KR" altLang="en-US" dirty="0" smtClean="0"/>
+              <a:rPr lang="ko-KR" altLang="en-US" dirty="0"/>
               <a:t> 저장</a:t>
             </a:r>
-            <a:endParaRPr lang="en-US" altLang="ko-KR" dirty="0" smtClean="0"/>
-          </a:p>
-          <a:p>
-            <a:endParaRPr lang="en-US" altLang="ko-KR" dirty="0" smtClean="0"/>
-          </a:p>
-          <a:p>
-            <a:r>
-              <a:rPr lang="ko-KR" altLang="en-US" dirty="0" smtClean="0"/>
+            <a:endParaRPr lang="en-US" altLang="ko-KR" dirty="0"/>
+          </a:p>
+          <a:p>
+            <a:endParaRPr lang="en-US" altLang="ko-KR" dirty="0"/>
+          </a:p>
+          <a:p>
+            <a:r>
+              <a:rPr lang="ko-KR" altLang="en-US" dirty="0"/>
               <a:t>오른쪽</a:t>
             </a:r>
             <a:r>
-              <a:rPr lang="en-US" altLang="ko-KR" dirty="0" smtClean="0"/>
+              <a:rPr lang="en-US" altLang="ko-KR" dirty="0"/>
               <a:t>) </a:t>
             </a:r>
             <a:r>
-              <a:rPr lang="ko-KR" altLang="en-US" dirty="0" smtClean="0"/>
+              <a:rPr lang="ko-KR" altLang="en-US" dirty="0"/>
               <a:t>멀티 스레드 구조</a:t>
             </a:r>
-            <a:endParaRPr lang="en-US" altLang="ko-KR" dirty="0" smtClean="0"/>
-          </a:p>
-          <a:p>
-            <a:r>
-              <a:rPr lang="ko-KR" altLang="en-US" dirty="0" smtClean="0"/>
+            <a:endParaRPr lang="en-US" altLang="ko-KR" dirty="0"/>
+          </a:p>
+          <a:p>
+            <a:r>
+              <a:rPr lang="ko-KR" altLang="en-US" dirty="0"/>
               <a:t>하나의 프로세스 내에 여러 개의 스레드가 있는 경우를 나타냄</a:t>
             </a:r>
-            <a:endParaRPr lang="en-US" altLang="ko-KR" dirty="0" smtClean="0"/>
-          </a:p>
-          <a:p>
-            <a:r>
-              <a:rPr lang="ko-KR" altLang="en-US" dirty="0" smtClean="0"/>
+            <a:endParaRPr lang="en-US" altLang="ko-KR" dirty="0"/>
+          </a:p>
+          <a:p>
+            <a:r>
+              <a:rPr lang="ko-KR" altLang="en-US" dirty="0"/>
               <a:t>각각의 스레드는 다음을 </a:t>
             </a:r>
             <a:r>
-              <a:rPr lang="ko-KR" altLang="en-US" b="1" dirty="0" smtClean="0"/>
+              <a:rPr lang="ko-KR" altLang="en-US" b="1" dirty="0"/>
               <a:t>자신만 따로 가지고 있음</a:t>
             </a:r>
             <a:r>
-              <a:rPr lang="en-US" altLang="ko-KR" dirty="0" smtClean="0"/>
+              <a:rPr lang="en-US" altLang="ko-KR" dirty="0"/>
               <a:t>:</a:t>
             </a:r>
           </a:p>
           <a:p>
             <a:r>
-              <a:rPr lang="en-US" altLang="ko-KR" b="1" dirty="0" smtClean="0"/>
+              <a:rPr lang="en-US" altLang="ko-KR" b="1" dirty="0"/>
               <a:t>Registers</a:t>
             </a:r>
             <a:r>
-              <a:rPr lang="ko-KR" altLang="en-US" dirty="0" smtClean="0"/>
+              <a:rPr lang="ko-KR" altLang="en-US" dirty="0"/>
               <a:t> </a:t>
             </a:r>
             <a:r>
-              <a:rPr lang="en-US" altLang="ko-KR" dirty="0" smtClean="0"/>
+              <a:rPr lang="en-US" altLang="ko-KR" dirty="0"/>
               <a:t>(CPU </a:t>
             </a:r>
             <a:r>
-              <a:rPr lang="ko-KR" altLang="en-US" dirty="0" smtClean="0"/>
+              <a:rPr lang="ko-KR" altLang="en-US" dirty="0"/>
               <a:t>레지스터 상태</a:t>
             </a:r>
             <a:r>
-              <a:rPr lang="en-US" altLang="ko-KR" dirty="0" smtClean="0"/>
+              <a:rPr lang="en-US" altLang="ko-KR" dirty="0"/>
               <a:t>)</a:t>
             </a:r>
           </a:p>
           <a:p>
             <a:r>
-              <a:rPr lang="en-US" altLang="ko-KR" b="1" dirty="0" smtClean="0"/>
+              <a:rPr lang="en-US" altLang="ko-KR" b="1" dirty="0"/>
               <a:t>Stack:</a:t>
             </a:r>
             <a:r>
-              <a:rPr lang="ko-KR" altLang="en-US" dirty="0" smtClean="0"/>
+              <a:rPr lang="ko-KR" altLang="en-US" dirty="0"/>
               <a:t> 공유 안 됨 </a:t>
             </a:r>
             <a:r>
-              <a:rPr lang="en-US" altLang="ko-KR" dirty="0" smtClean="0"/>
+              <a:rPr lang="en-US" altLang="ko-KR" dirty="0"/>
               <a:t>- </a:t>
             </a:r>
             <a:r>
-              <a:rPr lang="ko-KR" altLang="en-US" dirty="0" smtClean="0"/>
+              <a:rPr lang="ko-KR" altLang="en-US" dirty="0"/>
               <a:t>각 </a:t>
             </a:r>
             <a:r>
-              <a:rPr lang="ko-KR" altLang="en-US" dirty="0" err="1" smtClean="0"/>
+              <a:rPr lang="ko-KR" altLang="en-US" dirty="0" err="1"/>
               <a:t>스레드마다</a:t>
             </a:r>
             <a:r>
-              <a:rPr lang="ko-KR" altLang="en-US" dirty="0" smtClean="0"/>
+              <a:rPr lang="ko-KR" altLang="en-US" dirty="0"/>
               <a:t> 독립적인 스택 </a:t>
             </a:r>
             <a:r>
-              <a:rPr lang="en-US" altLang="ko-KR" dirty="0" smtClean="0"/>
+              <a:rPr lang="en-US" altLang="ko-KR" dirty="0"/>
               <a:t>(</a:t>
             </a:r>
             <a:r>
-              <a:rPr lang="ko-KR" altLang="en-US" dirty="0" smtClean="0"/>
+              <a:rPr lang="ko-KR" altLang="en-US" dirty="0"/>
               <a:t>지역 변수</a:t>
             </a:r>
             <a:r>
-              <a:rPr lang="en-US" altLang="ko-KR" dirty="0" smtClean="0"/>
+              <a:rPr lang="en-US" altLang="ko-KR" dirty="0"/>
               <a:t>, </a:t>
             </a:r>
             <a:r>
-              <a:rPr lang="ko-KR" altLang="en-US" dirty="0" smtClean="0"/>
+              <a:rPr lang="ko-KR" altLang="en-US" dirty="0"/>
               <a:t>함수 </a:t>
             </a:r>
             <a:r>
-              <a:rPr lang="ko-KR" altLang="en-US" dirty="0" err="1" smtClean="0"/>
+              <a:rPr lang="ko-KR" altLang="en-US" dirty="0" err="1"/>
               <a:t>호출용</a:t>
             </a:r>
             <a:r>
-              <a:rPr lang="en-US" altLang="ko-KR" dirty="0" smtClean="0"/>
+              <a:rPr lang="en-US" altLang="ko-KR" dirty="0"/>
               <a:t>)</a:t>
             </a:r>
           </a:p>
           <a:p>
             <a:r>
-              <a:rPr lang="ko-KR" altLang="en-US" dirty="0" smtClean="0"/>
+              <a:rPr lang="ko-KR" altLang="en-US" dirty="0"/>
               <a:t>나머지 </a:t>
             </a:r>
             <a:r>
-              <a:rPr lang="en-US" altLang="ko-KR" dirty="0" smtClean="0"/>
+              <a:rPr lang="en-US" altLang="ko-KR" dirty="0"/>
               <a:t>3</a:t>
             </a:r>
             <a:r>
-              <a:rPr lang="ko-KR" altLang="en-US" dirty="0" smtClean="0"/>
+              <a:rPr lang="ko-KR" altLang="en-US" dirty="0"/>
               <a:t>개는 공유</a:t>
             </a:r>
-            <a:endParaRPr lang="en-US" altLang="ko-KR" dirty="0" smtClean="0"/>
-          </a:p>
-          <a:p>
-            <a:r>
-              <a:rPr lang="en-US" altLang="ko-KR" dirty="0" smtClean="0"/>
+            <a:endParaRPr lang="en-US" altLang="ko-KR" dirty="0"/>
+          </a:p>
+          <a:p>
+            <a:r>
+              <a:rPr lang="en-US" altLang="ko-KR" dirty="0"/>
               <a:t>Heap: </a:t>
             </a:r>
             <a:r>
-              <a:rPr lang="ko-KR" altLang="en-US" dirty="0" smtClean="0"/>
+              <a:rPr lang="ko-KR" altLang="en-US" dirty="0"/>
               <a:t>모든 스레드가 접근 가능한 동적 메모리 영역</a:t>
             </a:r>
-            <a:endParaRPr lang="en-US" altLang="ko-KR" dirty="0" smtClean="0"/>
-          </a:p>
-          <a:p>
-            <a:r>
-              <a:rPr lang="en-US" altLang="ko-KR" dirty="0" smtClean="0"/>
-              <a:t>static: </a:t>
-            </a:r>
-            <a:r>
-              <a:rPr lang="en-US" altLang="ko-KR" dirty="0" smtClean="0"/>
-              <a:t>static </a:t>
-            </a:r>
-            <a:r>
-              <a:rPr lang="ko-KR" altLang="en-US" dirty="0" smtClean="0"/>
+            <a:endParaRPr lang="en-US" altLang="ko-KR" dirty="0"/>
+          </a:p>
+          <a:p>
+            <a:r>
+              <a:rPr lang="en-US" altLang="ko-KR" dirty="0"/>
+              <a:t>static: static </a:t>
+            </a:r>
+            <a:r>
+              <a:rPr lang="ko-KR" altLang="en-US" dirty="0"/>
               <a:t>변수는 하나만 존재하며 모든 스레드가 접근</a:t>
             </a:r>
-            <a:endParaRPr lang="en-US" altLang="ko-KR" dirty="0" smtClean="0"/>
-          </a:p>
-          <a:p>
-            <a:r>
-              <a:rPr lang="en-US" altLang="ko-KR" dirty="0" smtClean="0"/>
+            <a:endParaRPr lang="en-US" altLang="ko-KR" dirty="0"/>
+          </a:p>
+          <a:p>
+            <a:r>
+              <a:rPr lang="en-US" altLang="ko-KR" dirty="0"/>
               <a:t>code :</a:t>
             </a:r>
             <a:r>
-              <a:rPr lang="en-US" altLang="ko-KR" baseline="0" dirty="0" smtClean="0"/>
+              <a:rPr lang="en-US" altLang="ko-KR" baseline="0" dirty="0"/>
               <a:t> </a:t>
             </a:r>
             <a:r>
-              <a:rPr lang="ko-KR" altLang="en-US" baseline="0" dirty="0" smtClean="0"/>
+              <a:rPr lang="ko-KR" altLang="en-US" baseline="0" dirty="0"/>
               <a:t>실행중인 프로그램 코드 자체</a:t>
             </a:r>
             <a:endParaRPr lang="ko-KR" altLang="en-US" dirty="0"/>
@@ -4630,75 +5033,75 @@
           <a:lstStyle/>
           <a:p>
             <a:r>
-              <a:rPr lang="ko-KR" altLang="en-US" dirty="0" smtClean="0"/>
+              <a:rPr lang="ko-KR" altLang="en-US" dirty="0"/>
               <a:t>멀티스레드는 **하나의 프로그램</a:t>
             </a:r>
             <a:r>
-              <a:rPr lang="en-US" altLang="ko-KR" dirty="0" smtClean="0"/>
+              <a:rPr lang="en-US" altLang="ko-KR" dirty="0"/>
               <a:t>(</a:t>
             </a:r>
             <a:r>
-              <a:rPr lang="ko-KR" altLang="en-US" dirty="0" smtClean="0"/>
+              <a:rPr lang="ko-KR" altLang="en-US" dirty="0"/>
               <a:t>프로세스</a:t>
             </a:r>
             <a:r>
-              <a:rPr lang="en-US" altLang="ko-KR" dirty="0" smtClean="0"/>
+              <a:rPr lang="en-US" altLang="ko-KR" dirty="0"/>
               <a:t>)**</a:t>
             </a:r>
             <a:r>
-              <a:rPr lang="ko-KR" altLang="en-US" dirty="0" smtClean="0"/>
+              <a:rPr lang="ko-KR" altLang="en-US" dirty="0"/>
               <a:t>이 **여러 개의 작업 흐름</a:t>
             </a:r>
             <a:r>
-              <a:rPr lang="en-US" altLang="ko-KR" dirty="0" smtClean="0"/>
+              <a:rPr lang="en-US" altLang="ko-KR" dirty="0"/>
               <a:t>(</a:t>
             </a:r>
             <a:r>
-              <a:rPr lang="ko-KR" altLang="en-US" dirty="0" smtClean="0"/>
+              <a:rPr lang="ko-KR" altLang="en-US" dirty="0"/>
               <a:t>스레드</a:t>
             </a:r>
             <a:r>
-              <a:rPr lang="en-US" altLang="ko-KR" dirty="0" smtClean="0"/>
+              <a:rPr lang="en-US" altLang="ko-KR" dirty="0"/>
               <a:t>)**</a:t>
             </a:r>
             <a:r>
-              <a:rPr lang="ko-KR" altLang="en-US" dirty="0" smtClean="0"/>
+              <a:rPr lang="ko-KR" altLang="en-US" dirty="0"/>
               <a:t>을 동시에 실행하는 방식입니다</a:t>
             </a:r>
             <a:r>
-              <a:rPr lang="en-US" altLang="ko-KR" dirty="0" smtClean="0"/>
+              <a:rPr lang="en-US" altLang="ko-KR" dirty="0"/>
               <a:t>.</a:t>
             </a:r>
           </a:p>
           <a:p>
-            <a:endParaRPr lang="en-US" altLang="ko-KR" dirty="0" smtClean="0"/>
+            <a:endParaRPr lang="en-US" altLang="ko-KR" dirty="0"/>
           </a:p>
           <a:p>
             <a:pPr marL="228600" indent="-228600">
               <a:buAutoNum type="arabicPeriod"/>
             </a:pPr>
             <a:r>
-              <a:rPr lang="ko-KR" altLang="en-US" dirty="0" smtClean="0"/>
+              <a:rPr lang="ko-KR" altLang="en-US" dirty="0"/>
               <a:t>스레드는 보통 **메서드</a:t>
             </a:r>
             <a:r>
-              <a:rPr lang="en-US" altLang="ko-KR" dirty="0" smtClean="0"/>
+              <a:rPr lang="en-US" altLang="ko-KR" dirty="0"/>
               <a:t>(</a:t>
             </a:r>
             <a:r>
-              <a:rPr lang="ko-KR" altLang="en-US" dirty="0" smtClean="0"/>
+              <a:rPr lang="ko-KR" altLang="en-US" dirty="0"/>
               <a:t>함수</a:t>
             </a:r>
             <a:r>
-              <a:rPr lang="en-US" altLang="ko-KR" dirty="0" smtClean="0"/>
+              <a:rPr lang="en-US" altLang="ko-KR" dirty="0"/>
               <a:t>)**</a:t>
             </a:r>
             <a:r>
-              <a:rPr lang="ko-KR" altLang="en-US" dirty="0" smtClean="0"/>
+              <a:rPr lang="ko-KR" altLang="en-US" dirty="0"/>
               <a:t>를 하나 실행하는 단위로 만들어집니다</a:t>
             </a:r>
             <a:r>
-              <a:rPr lang="en-US" altLang="ko-KR" dirty="0" smtClean="0"/>
+              <a:rPr lang="en-US" altLang="ko-KR" dirty="0"/>
               <a:t>.</a:t>
             </a:r>
           </a:p>
@@ -4707,65 +5110,65 @@
               <a:buAutoNum type="arabicPeriod"/>
             </a:pPr>
             <a:r>
-              <a:rPr lang="ko-KR" altLang="en-US" dirty="0" smtClean="0"/>
+              <a:rPr lang="ko-KR" altLang="en-US" dirty="0"/>
               <a:t>스레드의 실행 순서는 </a:t>
             </a:r>
             <a:r>
-              <a:rPr lang="en-US" altLang="ko-KR" dirty="0" smtClean="0"/>
+              <a:rPr lang="en-US" altLang="ko-KR" dirty="0"/>
               <a:t>OS(</a:t>
             </a:r>
             <a:r>
-              <a:rPr lang="ko-KR" altLang="en-US" dirty="0" smtClean="0"/>
+              <a:rPr lang="ko-KR" altLang="en-US" dirty="0"/>
               <a:t>운영체제</a:t>
             </a:r>
             <a:r>
-              <a:rPr lang="en-US" altLang="ko-KR" dirty="0" smtClean="0"/>
+              <a:rPr lang="en-US" altLang="ko-KR" dirty="0"/>
               <a:t>)</a:t>
             </a:r>
             <a:r>
-              <a:rPr lang="ko-KR" altLang="en-US" dirty="0" smtClean="0"/>
+              <a:rPr lang="ko-KR" altLang="en-US" dirty="0"/>
               <a:t>가 결정함</a:t>
             </a:r>
-            <a:endParaRPr lang="en-US" altLang="ko-KR" dirty="0" smtClean="0"/>
+            <a:endParaRPr lang="en-US" altLang="ko-KR" dirty="0"/>
           </a:p>
           <a:p>
             <a:pPr marL="685800" lvl="1" indent="-228600">
               <a:buAutoNum type="arabicPeriod"/>
             </a:pPr>
             <a:r>
-              <a:rPr lang="ko-KR" altLang="en-US" dirty="0" smtClean="0"/>
+              <a:rPr lang="ko-KR" altLang="en-US" dirty="0"/>
               <a:t>개발자가 여러 스레드를 만들어도</a:t>
             </a:r>
             <a:r>
-              <a:rPr lang="en-US" altLang="ko-KR" dirty="0" smtClean="0"/>
+              <a:rPr lang="en-US" altLang="ko-KR" dirty="0"/>
               <a:t>, </a:t>
             </a:r>
             <a:r>
-              <a:rPr lang="ko-KR" altLang="en-US" b="1" dirty="0" smtClean="0"/>
+              <a:rPr lang="ko-KR" altLang="en-US" b="1" dirty="0"/>
               <a:t>실제로 어떤 스레드가 먼저 </a:t>
             </a:r>
             <a:r>
-              <a:rPr lang="ko-KR" altLang="en-US" b="1" dirty="0" err="1" smtClean="0"/>
+              <a:rPr lang="ko-KR" altLang="en-US" b="1" dirty="0" err="1"/>
               <a:t>실행될지</a:t>
             </a:r>
             <a:r>
-              <a:rPr lang="ko-KR" altLang="en-US" dirty="0" err="1" smtClean="0"/>
+              <a:rPr lang="ko-KR" altLang="en-US" dirty="0" err="1"/>
               <a:t>는</a:t>
             </a:r>
             <a:r>
-              <a:rPr lang="ko-KR" altLang="en-US" dirty="0" smtClean="0"/>
+              <a:rPr lang="ko-KR" altLang="en-US" dirty="0"/>
               <a:t> </a:t>
             </a:r>
             <a:r>
-              <a:rPr lang="ko-KR" altLang="en-US" b="1" dirty="0" smtClean="0"/>
+              <a:rPr lang="ko-KR" altLang="en-US" b="1" dirty="0"/>
               <a:t>운영체제가 결정</a:t>
             </a:r>
             <a:r>
-              <a:rPr lang="ko-KR" altLang="en-US" dirty="0" smtClean="0"/>
+              <a:rPr lang="ko-KR" altLang="en-US" dirty="0"/>
               <a:t>합니다</a:t>
             </a:r>
             <a:r>
-              <a:rPr lang="en-US" altLang="ko-KR" dirty="0" smtClean="0"/>
+              <a:rPr lang="en-US" altLang="ko-KR" dirty="0"/>
               <a:t>.</a:t>
             </a:r>
           </a:p>
@@ -4774,15 +5177,15 @@
               <a:buAutoNum type="arabicPeriod"/>
             </a:pPr>
             <a:r>
-              <a:rPr lang="ko-KR" altLang="en-US" dirty="0" smtClean="0"/>
+              <a:rPr lang="ko-KR" altLang="en-US" dirty="0"/>
               <a:t>우리가 </a:t>
             </a:r>
             <a:r>
-              <a:rPr lang="ko-KR" altLang="en-US" b="1" dirty="0" smtClean="0"/>
+              <a:rPr lang="ko-KR" altLang="en-US" b="1" dirty="0"/>
               <a:t>스레드의 실행 순서를 정확히 제어할 수는 없습니다</a:t>
             </a:r>
             <a:r>
-              <a:rPr lang="en-US" altLang="ko-KR" b="1" dirty="0" smtClean="0"/>
+              <a:rPr lang="en-US" altLang="ko-KR" b="1" dirty="0"/>
               <a:t>.</a:t>
             </a:r>
           </a:p>
@@ -4805,19 +5208,19 @@
               <a:defRPr/>
             </a:pPr>
             <a:r>
-              <a:rPr lang="en-US" altLang="ko-KR" dirty="0" smtClean="0"/>
+              <a:rPr lang="en-US" altLang="ko-KR" dirty="0"/>
               <a:t>CPU </a:t>
             </a:r>
             <a:r>
-              <a:rPr lang="ko-KR" altLang="en-US" dirty="0" smtClean="0"/>
+              <a:rPr lang="ko-KR" altLang="en-US" dirty="0"/>
               <a:t>자원을 어떤 스레드에 배정할지 </a:t>
             </a:r>
             <a:r>
-              <a:rPr lang="en-US" altLang="ko-KR" dirty="0" smtClean="0"/>
+              <a:rPr lang="en-US" altLang="ko-KR" dirty="0"/>
               <a:t>OS</a:t>
             </a:r>
             <a:r>
-              <a:rPr lang="ko-KR" altLang="en-US" dirty="0" smtClean="0"/>
+              <a:rPr lang="ko-KR" altLang="en-US" dirty="0"/>
               <a:t>가 관리하기 때문</a:t>
             </a:r>
           </a:p>
@@ -4826,15 +5229,15 @@
               <a:buAutoNum type="arabicPeriod"/>
             </a:pPr>
             <a:r>
-              <a:rPr lang="en-US" altLang="ko-KR" dirty="0" smtClean="0"/>
+              <a:rPr lang="en-US" altLang="ko-KR" dirty="0"/>
               <a:t>Context Switching (</a:t>
             </a:r>
             <a:r>
-              <a:rPr lang="ko-KR" altLang="en-US" dirty="0" smtClean="0"/>
+              <a:rPr lang="ko-KR" altLang="en-US" dirty="0"/>
               <a:t>컨텍스트 스위칭</a:t>
             </a:r>
             <a:r>
-              <a:rPr lang="en-US" altLang="ko-KR" dirty="0" smtClean="0"/>
+              <a:rPr lang="en-US" altLang="ko-KR" dirty="0"/>
               <a:t>)</a:t>
             </a:r>
           </a:p>
@@ -4843,209 +5246,209 @@
               <a:buAutoNum type="arabicPeriod"/>
             </a:pPr>
             <a:r>
-              <a:rPr lang="ko-KR" altLang="en-US" dirty="0" smtClean="0"/>
+              <a:rPr lang="ko-KR" altLang="en-US" dirty="0"/>
               <a:t>어떤 스레드가 실행 중인데</a:t>
             </a:r>
             <a:r>
-              <a:rPr lang="en-US" altLang="ko-KR" dirty="0" smtClean="0"/>
+              <a:rPr lang="en-US" altLang="ko-KR" dirty="0"/>
               <a:t>, OS</a:t>
             </a:r>
             <a:r>
-              <a:rPr lang="ko-KR" altLang="en-US" dirty="0" smtClean="0"/>
+              <a:rPr lang="ko-KR" altLang="en-US" dirty="0"/>
               <a:t>가 다른 스레드로 </a:t>
             </a:r>
             <a:r>
-              <a:rPr lang="ko-KR" altLang="en-US" b="1" dirty="0" smtClean="0"/>
+              <a:rPr lang="ko-KR" altLang="en-US" b="1" dirty="0"/>
               <a:t>갑자기 전환</a:t>
             </a:r>
             <a:r>
-              <a:rPr lang="ko-KR" altLang="en-US" dirty="0" smtClean="0"/>
+              <a:rPr lang="ko-KR" altLang="en-US" dirty="0"/>
               <a:t>시키는 현상</a:t>
             </a:r>
-            <a:endParaRPr lang="en-US" altLang="ko-KR" dirty="0" smtClean="0"/>
+            <a:endParaRPr lang="en-US" altLang="ko-KR" dirty="0"/>
           </a:p>
           <a:p>
             <a:pPr marL="685800" lvl="1" indent="-228600">
               <a:buAutoNum type="arabicPeriod"/>
             </a:pPr>
             <a:r>
-              <a:rPr lang="ko-KR" altLang="en-US" dirty="0" smtClean="0"/>
+              <a:rPr lang="ko-KR" altLang="en-US" dirty="0"/>
               <a:t>이 과정에서는 </a:t>
             </a:r>
             <a:r>
-              <a:rPr lang="en-US" altLang="ko-KR" b="1" dirty="0" smtClean="0"/>
+              <a:rPr lang="en-US" altLang="ko-KR" b="1" dirty="0"/>
               <a:t>CPU </a:t>
             </a:r>
             <a:r>
-              <a:rPr lang="ko-KR" altLang="en-US" b="1" dirty="0" smtClean="0"/>
+              <a:rPr lang="ko-KR" altLang="en-US" b="1" dirty="0"/>
               <a:t>상태</a:t>
             </a:r>
             <a:r>
-              <a:rPr lang="en-US" altLang="ko-KR" b="1" dirty="0" smtClean="0"/>
+              <a:rPr lang="en-US" altLang="ko-KR" b="1" dirty="0"/>
               <a:t>(</a:t>
             </a:r>
             <a:r>
-              <a:rPr lang="ko-KR" altLang="en-US" b="1" dirty="0" smtClean="0"/>
+              <a:rPr lang="ko-KR" altLang="en-US" b="1" dirty="0"/>
               <a:t>레지스터</a:t>
             </a:r>
             <a:r>
-              <a:rPr lang="en-US" altLang="ko-KR" b="1" dirty="0" smtClean="0"/>
+              <a:rPr lang="en-US" altLang="ko-KR" b="1" dirty="0"/>
               <a:t>, </a:t>
             </a:r>
             <a:r>
-              <a:rPr lang="ko-KR" altLang="en-US" b="1" dirty="0" smtClean="0"/>
+              <a:rPr lang="ko-KR" altLang="en-US" b="1" dirty="0"/>
               <a:t>스택 등</a:t>
             </a:r>
             <a:r>
-              <a:rPr lang="en-US" altLang="ko-KR" b="1" dirty="0" smtClean="0"/>
+              <a:rPr lang="en-US" altLang="ko-KR" b="1" dirty="0"/>
               <a:t>)</a:t>
             </a:r>
             <a:r>
-              <a:rPr lang="ko-KR" altLang="en-US" b="1" dirty="0" smtClean="0"/>
+              <a:rPr lang="ko-KR" altLang="en-US" b="1" dirty="0"/>
               <a:t>를 저장하고 불러오는 작업</a:t>
             </a:r>
             <a:r>
-              <a:rPr lang="ko-KR" altLang="en-US" dirty="0" smtClean="0"/>
+              <a:rPr lang="ko-KR" altLang="en-US" dirty="0"/>
               <a:t>이 필요함</a:t>
             </a:r>
-            <a:endParaRPr lang="en-US" altLang="ko-KR" dirty="0" smtClean="0"/>
+            <a:endParaRPr lang="en-US" altLang="ko-KR" dirty="0"/>
           </a:p>
           <a:p>
             <a:pPr marL="228600" lvl="0" indent="-228600">
               <a:buAutoNum type="arabicPeriod"/>
             </a:pPr>
             <a:r>
-              <a:rPr lang="ko-KR" altLang="en-US" dirty="0" smtClean="0"/>
+              <a:rPr lang="ko-KR" altLang="en-US" dirty="0"/>
               <a:t>장점</a:t>
             </a:r>
-            <a:endParaRPr lang="en-US" altLang="ko-KR" dirty="0" smtClean="0"/>
+            <a:endParaRPr lang="en-US" altLang="ko-KR" dirty="0"/>
           </a:p>
           <a:p>
             <a:pPr marL="685800" lvl="1" indent="-228600">
               <a:buAutoNum type="arabicPeriod"/>
             </a:pPr>
             <a:r>
-              <a:rPr lang="ko-KR" altLang="en-US" b="1" dirty="0" smtClean="0"/>
+              <a:rPr lang="ko-KR" altLang="en-US" b="1" dirty="0"/>
               <a:t>메모리 절약</a:t>
             </a:r>
             <a:r>
-              <a:rPr lang="en-US" altLang="ko-KR" dirty="0" smtClean="0"/>
+              <a:rPr lang="en-US" altLang="ko-KR" dirty="0"/>
               <a:t>: </a:t>
             </a:r>
             <a:r>
-              <a:rPr lang="ko-KR" altLang="en-US" dirty="0" smtClean="0"/>
+              <a:rPr lang="ko-KR" altLang="en-US" dirty="0"/>
               <a:t>여러 스레드가 </a:t>
             </a:r>
             <a:r>
-              <a:rPr lang="en-US" altLang="ko-KR" dirty="0" smtClean="0"/>
+              <a:rPr lang="en-US" altLang="ko-KR" dirty="0"/>
               <a:t>Heap/Static </a:t>
             </a:r>
             <a:r>
-              <a:rPr lang="ko-KR" altLang="en-US" dirty="0" smtClean="0"/>
+              <a:rPr lang="ko-KR" altLang="en-US" dirty="0"/>
               <a:t>메모리를 공유하므로</a:t>
             </a:r>
-            <a:endParaRPr lang="en-US" altLang="ko-KR" dirty="0" smtClean="0"/>
+            <a:endParaRPr lang="en-US" altLang="ko-KR" dirty="0"/>
           </a:p>
           <a:p>
             <a:pPr marL="685800" lvl="1" indent="-228600">
               <a:buAutoNum type="arabicPeriod"/>
             </a:pPr>
             <a:r>
-              <a:rPr lang="ko-KR" altLang="en-US" b="1" dirty="0" smtClean="0"/>
+              <a:rPr lang="ko-KR" altLang="en-US" b="1" dirty="0"/>
               <a:t>속도 향상</a:t>
             </a:r>
             <a:r>
-              <a:rPr lang="en-US" altLang="ko-KR" dirty="0" smtClean="0"/>
+              <a:rPr lang="en-US" altLang="ko-KR" dirty="0"/>
               <a:t>: </a:t>
             </a:r>
             <a:r>
-              <a:rPr lang="ko-KR" altLang="en-US" dirty="0" smtClean="0"/>
+              <a:rPr lang="ko-KR" altLang="en-US" dirty="0"/>
               <a:t>병렬 처리를 통해 여러 작업을 빠르게 처리할 수 있음</a:t>
             </a:r>
-            <a:endParaRPr lang="en-US" altLang="ko-KR" dirty="0" smtClean="0"/>
+            <a:endParaRPr lang="en-US" altLang="ko-KR" dirty="0"/>
           </a:p>
           <a:p>
             <a:pPr marL="228600" lvl="0" indent="-228600">
               <a:buAutoNum type="arabicPeriod"/>
             </a:pPr>
             <a:r>
-              <a:rPr lang="ko-KR" altLang="en-US" dirty="0" smtClean="0"/>
+              <a:rPr lang="ko-KR" altLang="en-US" dirty="0"/>
               <a:t>대부분 운영체제는 </a:t>
             </a:r>
             <a:r>
-              <a:rPr lang="ko-KR" altLang="en-US" dirty="0" err="1" smtClean="0"/>
+              <a:rPr lang="ko-KR" altLang="en-US" dirty="0" err="1"/>
               <a:t>멀티스레드</a:t>
             </a:r>
             <a:r>
-              <a:rPr lang="ko-KR" altLang="en-US" dirty="0" smtClean="0"/>
+              <a:rPr lang="ko-KR" altLang="en-US" dirty="0"/>
               <a:t> 지원</a:t>
             </a:r>
-            <a:endParaRPr lang="en-US" altLang="ko-KR" dirty="0" smtClean="0"/>
-          </a:p>
-          <a:p>
-            <a:r>
-              <a:rPr lang="ko-KR" altLang="en-US" dirty="0" smtClean="0"/>
+            <a:endParaRPr lang="en-US" altLang="ko-KR" dirty="0"/>
+          </a:p>
+          <a:p>
+            <a:r>
+              <a:rPr lang="ko-KR" altLang="en-US" dirty="0"/>
               <a:t>윈도우</a:t>
             </a:r>
             <a:r>
-              <a:rPr lang="en-US" altLang="ko-KR" dirty="0" smtClean="0"/>
+              <a:rPr lang="en-US" altLang="ko-KR" dirty="0"/>
               <a:t>, </a:t>
             </a:r>
             <a:r>
-              <a:rPr lang="en-US" altLang="ko-KR" dirty="0" err="1" smtClean="0"/>
+              <a:rPr lang="en-US" altLang="ko-KR" dirty="0" err="1"/>
               <a:t>macOS</a:t>
             </a:r>
             <a:r>
-              <a:rPr lang="en-US" altLang="ko-KR" dirty="0" smtClean="0"/>
+              <a:rPr lang="en-US" altLang="ko-KR" dirty="0"/>
               <a:t>, </a:t>
             </a:r>
             <a:r>
-              <a:rPr lang="ko-KR" altLang="en-US" dirty="0" smtClean="0"/>
+              <a:rPr lang="ko-KR" altLang="en-US" dirty="0"/>
               <a:t>안드로이드</a:t>
             </a:r>
             <a:r>
-              <a:rPr lang="en-US" altLang="ko-KR" dirty="0" smtClean="0"/>
+              <a:rPr lang="en-US" altLang="ko-KR" dirty="0"/>
               <a:t>, iOS </a:t>
             </a:r>
             <a:r>
-              <a:rPr lang="ko-KR" altLang="en-US" dirty="0" smtClean="0"/>
+              <a:rPr lang="ko-KR" altLang="en-US" dirty="0"/>
               <a:t>등</a:t>
             </a:r>
             <a:br>
-              <a:rPr lang="ko-KR" altLang="en-US" dirty="0" smtClean="0"/>
+              <a:rPr lang="ko-KR" altLang="en-US" dirty="0"/>
             </a:br>
             <a:r>
-              <a:rPr lang="ko-KR" altLang="en-US" dirty="0" smtClean="0"/>
+              <a:rPr lang="ko-KR" altLang="en-US" dirty="0"/>
               <a:t>거의 모든 </a:t>
             </a:r>
             <a:r>
-              <a:rPr lang="en-US" altLang="ko-KR" dirty="0" smtClean="0"/>
+              <a:rPr lang="en-US" altLang="ko-KR" dirty="0"/>
               <a:t>OS</a:t>
             </a:r>
             <a:r>
-              <a:rPr lang="ko-KR" altLang="en-US" dirty="0" smtClean="0"/>
+              <a:rPr lang="ko-KR" altLang="en-US" dirty="0"/>
               <a:t>는 멀티스레드를 기반으로 동작합니다</a:t>
             </a:r>
             <a:r>
-              <a:rPr lang="en-US" altLang="ko-KR" dirty="0" smtClean="0"/>
+              <a:rPr lang="en-US" altLang="ko-KR" dirty="0"/>
               <a:t>.</a:t>
             </a:r>
           </a:p>
           <a:p>
             <a:r>
-              <a:rPr lang="ko-KR" altLang="en-US" dirty="0" smtClean="0"/>
+              <a:rPr lang="ko-KR" altLang="en-US" dirty="0"/>
               <a:t>실제로 우리가 사용하는 대부분의 프로그램은 내부적으로 </a:t>
             </a:r>
             <a:r>
-              <a:rPr lang="ko-KR" altLang="en-US" b="1" dirty="0" smtClean="0"/>
+              <a:rPr lang="ko-KR" altLang="en-US" b="1" dirty="0"/>
               <a:t>여러 개의 스레드</a:t>
             </a:r>
             <a:r>
-              <a:rPr lang="ko-KR" altLang="en-US" dirty="0" smtClean="0"/>
+              <a:rPr lang="ko-KR" altLang="en-US" dirty="0"/>
               <a:t>를 사용하고 있습니다</a:t>
             </a:r>
             <a:r>
-              <a:rPr lang="en-US" altLang="ko-KR" dirty="0" smtClean="0"/>
+              <a:rPr lang="en-US" altLang="ko-KR" dirty="0"/>
               <a:t>.</a:t>
             </a:r>
           </a:p>
@@ -5156,296 +5559,296 @@
           <a:lstStyle/>
           <a:p>
             <a:r>
-              <a:rPr lang="en-US" altLang="ko-KR" b="1" dirty="0" smtClean="0"/>
+              <a:rPr lang="en-US" altLang="ko-KR" b="1" dirty="0"/>
               <a:t>1. </a:t>
             </a:r>
             <a:r>
-              <a:rPr lang="ko-KR" altLang="en-US" b="1" dirty="0" smtClean="0"/>
+              <a:rPr lang="ko-KR" altLang="en-US" b="1" dirty="0"/>
               <a:t>🌀 </a:t>
             </a:r>
             <a:r>
-              <a:rPr lang="en-US" altLang="ko-KR" b="1" dirty="0" smtClean="0"/>
+              <a:rPr lang="en-US" altLang="ko-KR" b="1" dirty="0"/>
               <a:t>Context Switching (</a:t>
             </a:r>
             <a:r>
-              <a:rPr lang="ko-KR" altLang="en-US" b="1" dirty="0" smtClean="0"/>
+              <a:rPr lang="ko-KR" altLang="en-US" b="1" dirty="0"/>
               <a:t>컨텍스트 스위칭</a:t>
             </a:r>
             <a:r>
-              <a:rPr lang="en-US" altLang="ko-KR" b="1" dirty="0" smtClean="0"/>
+              <a:rPr lang="en-US" altLang="ko-KR" b="1" dirty="0"/>
               <a:t>)</a:t>
             </a:r>
           </a:p>
           <a:p>
             <a:r>
-              <a:rPr lang="ko-KR" altLang="en-US" dirty="0" smtClean="0"/>
+              <a:rPr lang="ko-KR" altLang="en-US" dirty="0"/>
               <a:t>실행 중이던 스레드를 </a:t>
             </a:r>
             <a:r>
-              <a:rPr lang="ko-KR" altLang="en-US" b="1" dirty="0" smtClean="0"/>
+              <a:rPr lang="ko-KR" altLang="en-US" b="1" dirty="0"/>
               <a:t>중단</a:t>
             </a:r>
             <a:r>
-              <a:rPr lang="ko-KR" altLang="en-US" dirty="0" smtClean="0"/>
+              <a:rPr lang="ko-KR" altLang="en-US" dirty="0"/>
               <a:t>하고</a:t>
             </a:r>
             <a:r>
-              <a:rPr lang="en-US" altLang="ko-KR" dirty="0" smtClean="0"/>
+              <a:rPr lang="en-US" altLang="ko-KR" dirty="0"/>
               <a:t>, </a:t>
             </a:r>
             <a:r>
-              <a:rPr lang="ko-KR" altLang="en-US" dirty="0" smtClean="0"/>
+              <a:rPr lang="ko-KR" altLang="en-US" dirty="0"/>
               <a:t>다른 스레드로 </a:t>
             </a:r>
             <a:r>
-              <a:rPr lang="ko-KR" altLang="en-US" b="1" dirty="0" smtClean="0"/>
+              <a:rPr lang="ko-KR" altLang="en-US" b="1" dirty="0"/>
               <a:t>전환</a:t>
             </a:r>
             <a:r>
-              <a:rPr lang="ko-KR" altLang="en-US" dirty="0" smtClean="0"/>
+              <a:rPr lang="ko-KR" altLang="en-US" dirty="0"/>
               <a:t>하는 현상</a:t>
             </a:r>
           </a:p>
           <a:p>
             <a:r>
-              <a:rPr lang="ko-KR" altLang="en-US" dirty="0" smtClean="0"/>
+              <a:rPr lang="ko-KR" altLang="en-US" dirty="0"/>
               <a:t>스레드가 </a:t>
             </a:r>
             <a:r>
-              <a:rPr lang="ko-KR" altLang="en-US" b="1" dirty="0" smtClean="0"/>
+              <a:rPr lang="ko-KR" altLang="en-US" b="1" dirty="0"/>
               <a:t>아직 끝나지 않았는데</a:t>
             </a:r>
             <a:r>
-              <a:rPr lang="en-US" altLang="ko-KR" dirty="0" smtClean="0"/>
+              <a:rPr lang="en-US" altLang="ko-KR" dirty="0"/>
               <a:t>,</a:t>
             </a:r>
             <a:br>
-              <a:rPr lang="en-US" altLang="ko-KR" dirty="0" smtClean="0"/>
+              <a:rPr lang="en-US" altLang="ko-KR" dirty="0"/>
             </a:br>
             <a:r>
-              <a:rPr lang="en-US" altLang="ko-KR" dirty="0" smtClean="0"/>
+              <a:rPr lang="en-US" altLang="ko-KR" dirty="0"/>
               <a:t>OS</a:t>
             </a:r>
             <a:r>
-              <a:rPr lang="ko-KR" altLang="en-US" dirty="0" smtClean="0"/>
+              <a:rPr lang="ko-KR" altLang="en-US" dirty="0"/>
               <a:t>가 </a:t>
             </a:r>
             <a:r>
-              <a:rPr lang="ko-KR" altLang="en-US" b="1" dirty="0" smtClean="0"/>
+              <a:rPr lang="ko-KR" altLang="en-US" b="1" dirty="0"/>
               <a:t>다른 스레드</a:t>
             </a:r>
             <a:r>
-              <a:rPr lang="ko-KR" altLang="en-US" dirty="0" smtClean="0"/>
+              <a:rPr lang="ko-KR" altLang="en-US" dirty="0"/>
               <a:t>를 먼저 실행시킴</a:t>
             </a:r>
           </a:p>
           <a:p>
             <a:r>
-              <a:rPr lang="ko-KR" altLang="en-US" dirty="0" smtClean="0"/>
+              <a:rPr lang="ko-KR" altLang="en-US" dirty="0"/>
               <a:t>이 전환 과정에서 </a:t>
             </a:r>
             <a:r>
-              <a:rPr lang="en-US" altLang="ko-KR" dirty="0" smtClean="0"/>
+              <a:rPr lang="en-US" altLang="ko-KR" dirty="0"/>
               <a:t>CPU</a:t>
             </a:r>
             <a:r>
-              <a:rPr lang="ko-KR" altLang="en-US" dirty="0" smtClean="0"/>
+              <a:rPr lang="ko-KR" altLang="en-US" dirty="0"/>
               <a:t>는 이전 스레드의 상태를 저장하고</a:t>
             </a:r>
             <a:r>
-              <a:rPr lang="en-US" altLang="ko-KR" dirty="0" smtClean="0"/>
+              <a:rPr lang="en-US" altLang="ko-KR" dirty="0"/>
               <a:t>,</a:t>
             </a:r>
             <a:br>
-              <a:rPr lang="en-US" altLang="ko-KR" dirty="0" smtClean="0"/>
+              <a:rPr lang="en-US" altLang="ko-KR" dirty="0"/>
             </a:br>
             <a:r>
-              <a:rPr lang="ko-KR" altLang="en-US" dirty="0" smtClean="0"/>
+              <a:rPr lang="ko-KR" altLang="en-US" dirty="0"/>
               <a:t>다음 스레드의 상태를 불러와야 하므로 약간의 비용이 발생함</a:t>
             </a:r>
-            <a:endParaRPr lang="en-US" altLang="ko-KR" dirty="0" smtClean="0"/>
-          </a:p>
-          <a:p>
-            <a:endParaRPr lang="en-US" altLang="ko-KR" dirty="0" smtClean="0"/>
-          </a:p>
-          <a:p>
-            <a:r>
-              <a:rPr lang="ko-KR" altLang="en-US" b="1" dirty="0" smtClean="0"/>
+            <a:endParaRPr lang="en-US" altLang="ko-KR" dirty="0"/>
+          </a:p>
+          <a:p>
+            <a:endParaRPr lang="en-US" altLang="ko-KR" dirty="0"/>
+          </a:p>
+          <a:p>
+            <a:r>
+              <a:rPr lang="ko-KR" altLang="en-US" b="1" dirty="0"/>
               <a:t>동기</a:t>
             </a:r>
             <a:r>
-              <a:rPr lang="en-US" altLang="ko-KR" b="1" dirty="0" smtClean="0"/>
+              <a:rPr lang="en-US" altLang="ko-KR" b="1" dirty="0"/>
               <a:t>/</a:t>
             </a:r>
             <a:r>
-              <a:rPr lang="ko-KR" altLang="en-US" b="1" dirty="0" smtClean="0"/>
+              <a:rPr lang="ko-KR" altLang="en-US" b="1" dirty="0"/>
               <a:t>비동기 </a:t>
             </a:r>
             <a:r>
-              <a:rPr lang="en-US" altLang="ko-KR" b="1" dirty="0" smtClean="0"/>
+              <a:rPr lang="en-US" altLang="ko-KR" b="1" dirty="0"/>
               <a:t>: </a:t>
             </a:r>
             <a:r>
-              <a:rPr lang="ko-KR" altLang="en-US" b="1" dirty="0" smtClean="0"/>
+              <a:rPr lang="ko-KR" altLang="en-US" b="1" dirty="0"/>
               <a:t>작업 실행 순서와 흐름</a:t>
             </a:r>
             <a:r>
-              <a:rPr lang="ko-KR" altLang="en-US" dirty="0" smtClean="0"/>
+              <a:rPr lang="ko-KR" altLang="en-US" dirty="0"/>
               <a:t>을 다루는 개념</a:t>
             </a:r>
-            <a:endParaRPr lang="en-US" altLang="ko-KR" dirty="0" smtClean="0"/>
-          </a:p>
-          <a:p>
-            <a:endParaRPr lang="ko-KR" altLang="en-US" dirty="0" smtClean="0"/>
-          </a:p>
-          <a:p>
-            <a:r>
-              <a:rPr lang="en-US" altLang="ko-KR" dirty="0" smtClean="0"/>
+            <a:endParaRPr lang="en-US" altLang="ko-KR" dirty="0"/>
+          </a:p>
+          <a:p>
+            <a:endParaRPr lang="ko-KR" altLang="en-US" dirty="0"/>
+          </a:p>
+          <a:p>
+            <a:r>
+              <a:rPr lang="en-US" altLang="ko-KR" dirty="0"/>
               <a:t>2. </a:t>
             </a:r>
             <a:r>
-              <a:rPr lang="ko-KR" altLang="en-US" dirty="0" smtClean="0"/>
+              <a:rPr lang="ko-KR" altLang="en-US" dirty="0"/>
               <a:t>동기 처리 </a:t>
             </a:r>
             <a:r>
-              <a:rPr lang="en-US" altLang="ko-KR" dirty="0" smtClean="0"/>
+              <a:rPr lang="en-US" altLang="ko-KR" dirty="0"/>
               <a:t>(Synchronous)</a:t>
             </a:r>
           </a:p>
           <a:p>
             <a:r>
-              <a:rPr lang="ko-KR" altLang="en-US" dirty="0" smtClean="0"/>
+              <a:rPr lang="ko-KR" altLang="en-US" dirty="0"/>
               <a:t>한 작업이 </a:t>
             </a:r>
             <a:r>
-              <a:rPr lang="ko-KR" altLang="en-US" b="1" dirty="0" smtClean="0"/>
+              <a:rPr lang="ko-KR" altLang="en-US" b="1" dirty="0"/>
               <a:t>끝나야 다음 작업이 실행</a:t>
             </a:r>
             <a:r>
-              <a:rPr lang="ko-KR" altLang="en-US" dirty="0" smtClean="0"/>
+              <a:rPr lang="ko-KR" altLang="en-US" dirty="0"/>
               <a:t>되는 방식</a:t>
             </a:r>
-            <a:endParaRPr lang="en-US" altLang="ko-KR" dirty="0" smtClean="0"/>
-          </a:p>
-          <a:p>
-            <a:r>
-              <a:rPr lang="ko-KR" altLang="en-US" b="1" dirty="0" smtClean="0"/>
+            <a:endParaRPr lang="en-US" altLang="ko-KR" dirty="0"/>
+          </a:p>
+          <a:p>
+            <a:r>
+              <a:rPr lang="ko-KR" altLang="en-US" b="1" dirty="0"/>
               <a:t>단일 스레드 환경</a:t>
             </a:r>
             <a:r>
-              <a:rPr lang="ko-KR" altLang="en-US" dirty="0" smtClean="0"/>
+              <a:rPr lang="ko-KR" altLang="en-US" dirty="0"/>
               <a:t>에서 많이 사용됨</a:t>
             </a:r>
-            <a:endParaRPr lang="en-US" altLang="ko-KR" dirty="0" smtClean="0"/>
-          </a:p>
-          <a:p>
-            <a:r>
-              <a:rPr lang="ko-KR" altLang="en-US" dirty="0" smtClean="0"/>
+            <a:endParaRPr lang="en-US" altLang="ko-KR" dirty="0"/>
+          </a:p>
+          <a:p>
+            <a:r>
+              <a:rPr lang="ko-KR" altLang="en-US" dirty="0"/>
               <a:t>작업이 </a:t>
             </a:r>
             <a:r>
-              <a:rPr lang="ko-KR" altLang="en-US" b="1" dirty="0" smtClean="0"/>
+              <a:rPr lang="ko-KR" altLang="en-US" b="1" dirty="0"/>
               <a:t>순차적</a:t>
             </a:r>
             <a:r>
-              <a:rPr lang="ko-KR" altLang="en-US" dirty="0" smtClean="0"/>
+              <a:rPr lang="ko-KR" altLang="en-US" dirty="0"/>
               <a:t>으로 일어나므로 예측하기 쉬움</a:t>
             </a:r>
-            <a:endParaRPr lang="en-US" altLang="ko-KR" dirty="0" smtClean="0"/>
-          </a:p>
-          <a:p>
-            <a:endParaRPr lang="en-US" altLang="ko-KR" dirty="0" smtClean="0"/>
-          </a:p>
-          <a:p>
-            <a:r>
-              <a:rPr lang="en-US" altLang="ko-KR" dirty="0" smtClean="0"/>
+            <a:endParaRPr lang="en-US" altLang="ko-KR" dirty="0"/>
+          </a:p>
+          <a:p>
+            <a:endParaRPr lang="en-US" altLang="ko-KR" dirty="0"/>
+          </a:p>
+          <a:p>
+            <a:r>
+              <a:rPr lang="en-US" altLang="ko-KR" dirty="0"/>
               <a:t>3. </a:t>
             </a:r>
             <a:r>
-              <a:rPr lang="ko-KR" altLang="en-US" b="1" dirty="0" smtClean="0"/>
+              <a:rPr lang="ko-KR" altLang="en-US" b="1" dirty="0"/>
               <a:t>비동기 처리</a:t>
             </a:r>
-            <a:endParaRPr lang="en-US" altLang="ko-KR" b="1" dirty="0" smtClean="0"/>
-          </a:p>
-          <a:p>
-            <a:r>
-              <a:rPr lang="ko-KR" altLang="en-US" dirty="0" smtClean="0"/>
+            <a:endParaRPr lang="en-US" altLang="ko-KR" b="1" dirty="0"/>
+          </a:p>
+          <a:p>
+            <a:r>
+              <a:rPr lang="ko-KR" altLang="en-US" dirty="0"/>
               <a:t>여러 작업이 </a:t>
             </a:r>
             <a:r>
-              <a:rPr lang="ko-KR" altLang="en-US" b="1" dirty="0" smtClean="0"/>
+              <a:rPr lang="ko-KR" altLang="en-US" b="1" dirty="0"/>
               <a:t>병렬</a:t>
             </a:r>
             <a:r>
-              <a:rPr lang="ko-KR" altLang="en-US" dirty="0" smtClean="0"/>
+              <a:rPr lang="ko-KR" altLang="en-US" dirty="0"/>
               <a:t>로 일어나고</a:t>
             </a:r>
             <a:r>
-              <a:rPr lang="en-US" altLang="ko-KR" dirty="0" smtClean="0"/>
+              <a:rPr lang="en-US" altLang="ko-KR" dirty="0"/>
               <a:t>,</a:t>
             </a:r>
             <a:br>
-              <a:rPr lang="en-US" altLang="ko-KR" dirty="0" smtClean="0"/>
+              <a:rPr lang="en-US" altLang="ko-KR" dirty="0"/>
             </a:br>
             <a:r>
-              <a:rPr lang="ko-KR" altLang="en-US" dirty="0" smtClean="0"/>
+              <a:rPr lang="ko-KR" altLang="en-US" dirty="0"/>
               <a:t>하나가 끝날 때까지 </a:t>
             </a:r>
             <a:r>
-              <a:rPr lang="ko-KR" altLang="en-US" b="1" dirty="0" smtClean="0"/>
+              <a:rPr lang="ko-KR" altLang="en-US" b="1" dirty="0"/>
               <a:t>기다리지 않아도 되는 방식</a:t>
             </a:r>
-            <a:endParaRPr lang="en-US" altLang="ko-KR" b="1" dirty="0" smtClean="0"/>
-          </a:p>
-          <a:p>
-            <a:r>
-              <a:rPr lang="en-US" altLang="ko-KR" b="1" dirty="0" smtClean="0"/>
+            <a:endParaRPr lang="en-US" altLang="ko-KR" b="1" dirty="0"/>
+          </a:p>
+          <a:p>
+            <a:r>
+              <a:rPr lang="en-US" altLang="ko-KR" b="1" dirty="0"/>
               <a:t>1.</a:t>
             </a:r>
             <a:r>
-              <a:rPr lang="en-US" altLang="ko-KR" b="1" baseline="0" dirty="0" smtClean="0"/>
+              <a:rPr lang="en-US" altLang="ko-KR" b="1" baseline="0" dirty="0"/>
               <a:t> </a:t>
             </a:r>
             <a:r>
-              <a:rPr lang="ko-KR" altLang="en-US" b="1" dirty="0" smtClean="0"/>
+              <a:rPr lang="ko-KR" altLang="en-US" b="1" dirty="0"/>
               <a:t>멀티스레드</a:t>
             </a:r>
             <a:r>
-              <a:rPr lang="ko-KR" altLang="en-US" dirty="0" smtClean="0"/>
+              <a:rPr lang="ko-KR" altLang="en-US" dirty="0"/>
               <a:t>를 기반으로 하거나</a:t>
             </a:r>
             <a:r>
-              <a:rPr lang="en-US" altLang="ko-KR" dirty="0" smtClean="0"/>
+              <a:rPr lang="en-US" altLang="ko-KR" dirty="0"/>
               <a:t>, </a:t>
             </a:r>
             <a:r>
-              <a:rPr lang="en-US" altLang="ko-KR" dirty="0" err="1" smtClean="0"/>
+              <a:rPr lang="en-US" altLang="ko-KR" dirty="0" err="1"/>
               <a:t>async</a:t>
             </a:r>
             <a:r>
-              <a:rPr lang="en-US" altLang="ko-KR" dirty="0" smtClean="0"/>
+              <a:rPr lang="en-US" altLang="ko-KR" dirty="0"/>
               <a:t>/await </a:t>
             </a:r>
             <a:r>
-              <a:rPr lang="ko-KR" altLang="en-US" dirty="0" smtClean="0"/>
+              <a:rPr lang="ko-KR" altLang="en-US" dirty="0"/>
               <a:t>키워드를 통해 구현됨</a:t>
             </a:r>
           </a:p>
           <a:p>
             <a:r>
-              <a:rPr lang="en-US" altLang="ko-KR" dirty="0" smtClean="0"/>
+              <a:rPr lang="en-US" altLang="ko-KR" dirty="0"/>
               <a:t>2. Context Switching</a:t>
             </a:r>
             <a:r>
-              <a:rPr lang="ko-KR" altLang="en-US" dirty="0" smtClean="0"/>
+              <a:rPr lang="ko-KR" altLang="en-US" dirty="0"/>
               <a:t>을 활용해 하나의 스레드에서 여러 작업을 교대로 수행하기도 함</a:t>
             </a:r>
           </a:p>
           <a:p>
-            <a:endParaRPr lang="en-US" altLang="ko-KR" dirty="0" smtClean="0"/>
-          </a:p>
-          <a:p>
-            <a:endParaRPr lang="en-US" altLang="ko-KR" dirty="0" smtClean="0"/>
+            <a:endParaRPr lang="en-US" altLang="ko-KR" dirty="0"/>
+          </a:p>
+          <a:p>
+            <a:endParaRPr lang="en-US" altLang="ko-KR" dirty="0"/>
           </a:p>
           <a:p>
             <a:pPr marL="0" marR="0" indent="0" algn="l" defTabSz="914400" rtl="0" eaLnBrk="1" fontAlgn="auto" latinLnBrk="1" hangingPunct="1">
@@ -5466,42 +5869,42 @@
               <a:defRPr/>
             </a:pPr>
             <a:r>
-              <a:rPr lang="ko-KR" altLang="en-US" dirty="0" smtClean="0"/>
+              <a:rPr lang="ko-KR" altLang="en-US" dirty="0"/>
               <a:t>✔️ </a:t>
             </a:r>
             <a:r>
-              <a:rPr lang="en-US" altLang="ko-KR" b="1" dirty="0" smtClean="0"/>
+              <a:rPr lang="en-US" altLang="ko-KR" b="1" dirty="0"/>
               <a:t>Context Switching</a:t>
             </a:r>
             <a:r>
-              <a:rPr lang="ko-KR" altLang="en-US" b="1" dirty="0" smtClean="0"/>
+              <a:rPr lang="ko-KR" altLang="en-US" b="1" dirty="0"/>
               <a:t>은 스레드 수와 무관하게 발생할 수 있지만</a:t>
             </a:r>
             <a:r>
-              <a:rPr lang="en-US" altLang="ko-KR" dirty="0" smtClean="0"/>
+              <a:rPr lang="en-US" altLang="ko-KR" dirty="0"/>
               <a:t>,</a:t>
             </a:r>
             <a:br>
-              <a:rPr lang="en-US" altLang="ko-KR" dirty="0" smtClean="0"/>
+              <a:rPr lang="en-US" altLang="ko-KR" dirty="0"/>
             </a:br>
             <a:r>
-              <a:rPr lang="en-US" altLang="ko-KR" dirty="0" smtClean="0"/>
+              <a:rPr lang="en-US" altLang="ko-KR" dirty="0"/>
               <a:t>✔️ </a:t>
             </a:r>
             <a:r>
-              <a:rPr lang="ko-KR" altLang="en-US" b="1" dirty="0" err="1" smtClean="0"/>
+              <a:rPr lang="ko-KR" altLang="en-US" b="1" dirty="0" err="1"/>
               <a:t>멀티스레드</a:t>
             </a:r>
             <a:r>
-              <a:rPr lang="ko-KR" altLang="en-US" b="1" dirty="0" smtClean="0"/>
+              <a:rPr lang="ko-KR" altLang="en-US" b="1" dirty="0"/>
               <a:t> 환경에서는 훨씬 자주</a:t>
             </a:r>
             <a:r>
-              <a:rPr lang="ko-KR" altLang="en-US" dirty="0" smtClean="0"/>
+              <a:rPr lang="ko-KR" altLang="en-US" dirty="0"/>
               <a:t> 발생합니다</a:t>
             </a:r>
             <a:r>
-              <a:rPr lang="en-US" altLang="ko-KR" dirty="0" smtClean="0"/>
+              <a:rPr lang="en-US" altLang="ko-KR" dirty="0"/>
               <a:t>.</a:t>
             </a:r>
           </a:p>
@@ -5523,104 +5926,103 @@
               <a:tabLst/>
               <a:defRPr/>
             </a:pPr>
-            <a:endParaRPr lang="en-US" altLang="ko-KR" dirty="0" smtClean="0"/>
-          </a:p>
-          <a:p>
-            <a:r>
-              <a:rPr lang="ko-KR" altLang="en-US" dirty="0" err="1" smtClean="0"/>
+            <a:endParaRPr lang="en-US" altLang="ko-KR" dirty="0"/>
+          </a:p>
+          <a:p>
+            <a:r>
+              <a:rPr lang="ko-KR" altLang="en-US" dirty="0" err="1"/>
               <a:t>싱글스레드</a:t>
             </a:r>
             <a:r>
-              <a:rPr lang="ko-KR" altLang="en-US" dirty="0" smtClean="0"/>
+              <a:rPr lang="ko-KR" altLang="en-US" dirty="0"/>
               <a:t> </a:t>
             </a:r>
             <a:r>
-              <a:rPr lang="en-US" altLang="ko-KR" dirty="0" smtClean="0"/>
+              <a:rPr lang="en-US" altLang="ko-KR" dirty="0"/>
               <a:t>: </a:t>
             </a:r>
             <a:r>
-              <a:rPr lang="ko-KR" altLang="en-US" b="1" dirty="0" smtClean="0"/>
+              <a:rPr lang="ko-KR" altLang="en-US" b="1" dirty="0"/>
               <a:t>스레드는 </a:t>
             </a:r>
             <a:r>
-              <a:rPr lang="en-US" altLang="ko-KR" b="1" dirty="0" smtClean="0"/>
+              <a:rPr lang="en-US" altLang="ko-KR" b="1" dirty="0"/>
               <a:t>1</a:t>
             </a:r>
             <a:r>
-              <a:rPr lang="ko-KR" altLang="en-US" b="1" dirty="0" smtClean="0"/>
+              <a:rPr lang="ko-KR" altLang="en-US" b="1" dirty="0"/>
               <a:t>개지만</a:t>
             </a:r>
             <a:r>
-              <a:rPr lang="en-US" altLang="ko-KR" dirty="0" smtClean="0"/>
+              <a:rPr lang="en-US" altLang="ko-KR" dirty="0"/>
               <a:t>, OS</a:t>
             </a:r>
             <a:r>
-              <a:rPr lang="ko-KR" altLang="en-US" dirty="0" smtClean="0"/>
+              <a:rPr lang="ko-KR" altLang="en-US" dirty="0"/>
               <a:t>는 다른 </a:t>
             </a:r>
             <a:r>
-              <a:rPr lang="ko-KR" altLang="en-US" b="1" dirty="0" smtClean="0"/>
+              <a:rPr lang="ko-KR" altLang="en-US" b="1" dirty="0"/>
               <a:t>프로세스 또는 인터럽트</a:t>
             </a:r>
             <a:r>
-              <a:rPr lang="ko-KR" altLang="en-US" dirty="0" smtClean="0"/>
+              <a:rPr lang="ko-KR" altLang="en-US" dirty="0"/>
               <a:t>로 인해</a:t>
             </a:r>
             <a:br>
-              <a:rPr lang="ko-KR" altLang="en-US" dirty="0" smtClean="0"/>
+              <a:rPr lang="ko-KR" altLang="en-US" dirty="0"/>
             </a:br>
             <a:r>
-              <a:rPr lang="ko-KR" altLang="en-US" dirty="0" smtClean="0"/>
+              <a:rPr lang="ko-KR" altLang="en-US" dirty="0"/>
               <a:t>지금 실행 중인 작업을 중단시키고</a:t>
             </a:r>
             <a:r>
-              <a:rPr lang="en-US" altLang="ko-KR" dirty="0" smtClean="0"/>
+              <a:rPr lang="en-US" altLang="ko-KR" dirty="0"/>
               <a:t>, </a:t>
             </a:r>
             <a:r>
-              <a:rPr lang="ko-KR" altLang="en-US" b="1" dirty="0" smtClean="0"/>
+              <a:rPr lang="ko-KR" altLang="en-US" b="1" dirty="0"/>
               <a:t>다른 작업으로 전환</a:t>
             </a:r>
             <a:r>
-              <a:rPr lang="ko-KR" altLang="en-US" dirty="0" smtClean="0"/>
+              <a:rPr lang="ko-KR" altLang="en-US" dirty="0"/>
               <a:t>할 수 있기 때문</a:t>
             </a:r>
-            <a:endParaRPr lang="en-US" altLang="ko-KR" dirty="0" smtClean="0"/>
-          </a:p>
-          <a:p>
-            <a:endParaRPr lang="en-US" altLang="ko-KR" dirty="0" smtClean="0"/>
-          </a:p>
-          <a:p>
-            <a:r>
-              <a:rPr lang="ko-KR" altLang="en-US" dirty="0" err="1" smtClean="0"/>
+            <a:endParaRPr lang="en-US" altLang="ko-KR" dirty="0"/>
+          </a:p>
+          <a:p>
+            <a:endParaRPr lang="en-US" altLang="ko-KR" dirty="0"/>
+          </a:p>
+          <a:p>
+            <a:r>
+              <a:rPr lang="ko-KR" altLang="en-US" dirty="0" err="1"/>
               <a:t>멀티스레드</a:t>
             </a:r>
             <a:r>
-              <a:rPr lang="ko-KR" altLang="en-US" dirty="0" smtClean="0"/>
+              <a:rPr lang="ko-KR" altLang="en-US" dirty="0"/>
               <a:t> </a:t>
             </a:r>
             <a:r>
-              <a:rPr lang="en-US" altLang="ko-KR" dirty="0" smtClean="0"/>
+              <a:rPr lang="en-US" altLang="ko-KR" dirty="0"/>
               <a:t>: </a:t>
             </a:r>
           </a:p>
           <a:p>
             <a:r>
-              <a:rPr lang="en-US" altLang="ko-KR" dirty="0" smtClean="0"/>
+              <a:rPr lang="en-US" altLang="ko-KR" dirty="0"/>
               <a:t>OS</a:t>
             </a:r>
             <a:r>
-              <a:rPr lang="ko-KR" altLang="en-US" dirty="0" smtClean="0"/>
+              <a:rPr lang="ko-KR" altLang="en-US" dirty="0"/>
               <a:t>가 일정 시간마다 스레드를 번갈아 실행해야 하므로</a:t>
             </a:r>
             <a:br>
-              <a:rPr lang="ko-KR" altLang="en-US" dirty="0" smtClean="0"/>
+              <a:rPr lang="ko-KR" altLang="en-US" dirty="0"/>
             </a:br>
             <a:r>
-              <a:rPr lang="ko-KR" altLang="en-US" dirty="0" smtClean="0"/>
+              <a:rPr lang="ko-KR" altLang="en-US" dirty="0"/>
               <a:t>👉 아주 빠른 속도로 스레드를 바꿔가며 실행함</a:t>
             </a:r>
-            <a:endParaRPr lang="ko-KR" altLang="en-US" dirty="0"/>
           </a:p>
         </p:txBody>
       </p:sp>
@@ -5711,88 +6113,88 @@
           <a:lstStyle/>
           <a:p>
             <a:r>
-              <a:rPr lang="en-US" altLang="ko-KR" b="1" dirty="0" smtClean="0"/>
+              <a:rPr lang="en-US" altLang="ko-KR" b="1" dirty="0"/>
               <a:t>.NET Framework</a:t>
             </a:r>
             <a:r>
-              <a:rPr lang="ko-KR" altLang="en-US" b="1" dirty="0" smtClean="0"/>
+              <a:rPr lang="ko-KR" altLang="en-US" b="1" dirty="0"/>
               <a:t>에서 제공하는 </a:t>
             </a:r>
             <a:r>
-              <a:rPr lang="ko-KR" altLang="en-US" b="1" dirty="0" err="1" smtClean="0"/>
+              <a:rPr lang="ko-KR" altLang="en-US" b="1" dirty="0" err="1"/>
               <a:t>멀티스레드</a:t>
             </a:r>
             <a:r>
-              <a:rPr lang="ko-KR" altLang="en-US" b="1" dirty="0" smtClean="0"/>
+              <a:rPr lang="ko-KR" altLang="en-US" b="1" dirty="0"/>
               <a:t> 클래스</a:t>
             </a:r>
-            <a:endParaRPr lang="en-US" altLang="ko-KR" b="1" dirty="0" smtClean="0"/>
-          </a:p>
-          <a:p>
-            <a:endParaRPr lang="en-US" altLang="ko-KR" b="1" dirty="0" smtClean="0"/>
-          </a:p>
-          <a:p>
-            <a:r>
-              <a:rPr lang="ko-KR" altLang="en-US" b="1" dirty="0" smtClean="0"/>
+            <a:endParaRPr lang="en-US" altLang="ko-KR" b="1" dirty="0"/>
+          </a:p>
+          <a:p>
+            <a:endParaRPr lang="en-US" altLang="ko-KR" b="1" dirty="0"/>
+          </a:p>
+          <a:p>
+            <a:r>
+              <a:rPr lang="ko-KR" altLang="en-US" b="1" dirty="0"/>
               <a:t>✅ </a:t>
             </a:r>
             <a:r>
-              <a:rPr lang="en-US" altLang="ko-KR" b="1" dirty="0" smtClean="0"/>
+              <a:rPr lang="en-US" altLang="ko-KR" b="1" dirty="0"/>
               <a:t>1. </a:t>
             </a:r>
             <a:r>
-              <a:rPr lang="en-US" altLang="ko-KR" b="1" dirty="0" err="1" smtClean="0"/>
+              <a:rPr lang="en-US" altLang="ko-KR" b="1" dirty="0" err="1"/>
               <a:t>BackgroundWorker</a:t>
             </a:r>
-            <a:endParaRPr lang="en-US" altLang="ko-KR" b="1" dirty="0" smtClean="0"/>
-          </a:p>
-          <a:p>
-            <a:r>
-              <a:rPr lang="ko-KR" altLang="en-US" b="1" dirty="0" smtClean="0"/>
+            <a:endParaRPr lang="en-US" altLang="ko-KR" b="1" dirty="0"/>
+          </a:p>
+          <a:p>
+            <a:r>
+              <a:rPr lang="ko-KR" altLang="en-US" b="1" dirty="0"/>
               <a:t>🔹 목적</a:t>
             </a:r>
           </a:p>
           <a:p>
             <a:r>
-              <a:rPr lang="en-US" altLang="ko-KR" dirty="0" err="1" smtClean="0"/>
+              <a:rPr lang="en-US" altLang="ko-KR" dirty="0" err="1"/>
               <a:t>WinForm</a:t>
             </a:r>
             <a:r>
-              <a:rPr lang="ko-KR" altLang="en-US" dirty="0" smtClean="0"/>
+              <a:rPr lang="ko-KR" altLang="en-US" dirty="0"/>
               <a:t>이나 </a:t>
             </a:r>
             <a:r>
-              <a:rPr lang="en-US" altLang="ko-KR" dirty="0" smtClean="0"/>
+              <a:rPr lang="en-US" altLang="ko-KR" dirty="0"/>
               <a:t>WPF</a:t>
             </a:r>
             <a:r>
-              <a:rPr lang="ko-KR" altLang="en-US" dirty="0" smtClean="0"/>
+              <a:rPr lang="ko-KR" altLang="en-US" dirty="0"/>
               <a:t>에서 </a:t>
             </a:r>
             <a:r>
-              <a:rPr lang="en-US" altLang="ko-KR" b="1" dirty="0" smtClean="0"/>
+              <a:rPr lang="en-US" altLang="ko-KR" b="1" dirty="0"/>
               <a:t>UI </a:t>
             </a:r>
             <a:r>
-              <a:rPr lang="ko-KR" altLang="en-US" b="1" dirty="0" smtClean="0"/>
+              <a:rPr lang="ko-KR" altLang="en-US" b="1" dirty="0"/>
               <a:t>스레드와 분리된 작업</a:t>
             </a:r>
             <a:r>
-              <a:rPr lang="ko-KR" altLang="en-US" dirty="0" smtClean="0"/>
+              <a:rPr lang="ko-KR" altLang="en-US" dirty="0"/>
               <a:t>을 처리하는 데 사용</a:t>
             </a:r>
           </a:p>
           <a:p>
             <a:r>
-              <a:rPr lang="en-US" altLang="ko-KR" b="1" dirty="0" smtClean="0"/>
+              <a:rPr lang="en-US" altLang="ko-KR" b="1" dirty="0"/>
               <a:t>UI</a:t>
             </a:r>
             <a:r>
-              <a:rPr lang="ko-KR" altLang="en-US" b="1" dirty="0" smtClean="0"/>
+              <a:rPr lang="ko-KR" altLang="en-US" b="1" dirty="0"/>
               <a:t>가 멈추지 않게 백그라운드에서 코드 실행</a:t>
             </a:r>
             <a:r>
-              <a:rPr lang="ko-KR" altLang="en-US" dirty="0" smtClean="0"/>
+              <a:rPr lang="ko-KR" altLang="en-US" dirty="0"/>
               <a:t> 가능</a:t>
             </a:r>
           </a:p>
@@ -5802,203 +6204,203 @@
               <a:buChar char="-"/>
             </a:pPr>
             <a:r>
-              <a:rPr lang="ko-KR" altLang="en-US" dirty="0" smtClean="0"/>
+              <a:rPr lang="ko-KR" altLang="en-US" dirty="0"/>
               <a:t>프로그램이 느려지지 않도록</a:t>
             </a:r>
             <a:r>
-              <a:rPr lang="en-US" altLang="ko-KR" dirty="0" smtClean="0"/>
+              <a:rPr lang="en-US" altLang="ko-KR" dirty="0"/>
               <a:t>, </a:t>
             </a:r>
             <a:r>
-              <a:rPr lang="ko-KR" altLang="en-US" b="1" dirty="0" smtClean="0"/>
+              <a:rPr lang="ko-KR" altLang="en-US" b="1" dirty="0"/>
               <a:t>시간이 오래 걸리는 작업을 따로 실행</a:t>
             </a:r>
             <a:r>
-              <a:rPr lang="ko-KR" altLang="en-US" dirty="0" smtClean="0"/>
+              <a:rPr lang="ko-KR" altLang="en-US" dirty="0"/>
               <a:t>할 때 사용</a:t>
             </a:r>
-            <a:endParaRPr lang="en-US" altLang="ko-KR" dirty="0" smtClean="0"/>
-          </a:p>
-          <a:p>
-            <a:r>
-              <a:rPr lang="ko-KR" altLang="en-US" b="1" dirty="0" smtClean="0"/>
+            <a:endParaRPr lang="en-US" altLang="ko-KR" dirty="0"/>
+          </a:p>
+          <a:p>
+            <a:r>
+              <a:rPr lang="ko-KR" altLang="en-US" b="1" dirty="0"/>
               <a:t>🔹 장점</a:t>
             </a:r>
           </a:p>
           <a:p>
             <a:r>
-              <a:rPr lang="en-US" altLang="ko-KR" dirty="0" smtClean="0"/>
+              <a:rPr lang="en-US" altLang="ko-KR" dirty="0"/>
               <a:t>UI</a:t>
             </a:r>
             <a:r>
-              <a:rPr lang="ko-KR" altLang="en-US" dirty="0" smtClean="0"/>
+              <a:rPr lang="ko-KR" altLang="en-US" dirty="0"/>
               <a:t>와 스레드를 자동으로 연동해주므로 </a:t>
             </a:r>
             <a:r>
-              <a:rPr lang="ko-KR" altLang="en-US" b="1" dirty="0" smtClean="0"/>
+              <a:rPr lang="ko-KR" altLang="en-US" b="1" dirty="0"/>
               <a:t>개발이 간단</a:t>
             </a:r>
-            <a:endParaRPr lang="ko-KR" altLang="en-US" dirty="0" smtClean="0"/>
+            <a:endParaRPr lang="ko-KR" altLang="en-US" dirty="0"/>
           </a:p>
           <a:p>
             <a:pPr marL="171450" indent="-171450">
               <a:buFontTx/>
               <a:buChar char="-"/>
             </a:pPr>
-            <a:endParaRPr lang="en-US" altLang="ko-KR" dirty="0" smtClean="0"/>
+            <a:endParaRPr lang="en-US" altLang="ko-KR" dirty="0"/>
           </a:p>
           <a:p>
             <a:pPr marL="171450" indent="-171450">
               <a:buFontTx/>
               <a:buChar char="-"/>
             </a:pPr>
-            <a:endParaRPr lang="en-US" altLang="ko-KR" dirty="0" smtClean="0"/>
-          </a:p>
-          <a:p>
-            <a:r>
-              <a:rPr lang="ko-KR" altLang="en-US" b="1" dirty="0" smtClean="0"/>
+            <a:endParaRPr lang="en-US" altLang="ko-KR" dirty="0"/>
+          </a:p>
+          <a:p>
+            <a:r>
+              <a:rPr lang="ko-KR" altLang="en-US" b="1" dirty="0"/>
               <a:t>✅ </a:t>
             </a:r>
             <a:r>
-              <a:rPr lang="en-US" altLang="ko-KR" b="1" dirty="0" smtClean="0"/>
+              <a:rPr lang="en-US" altLang="ko-KR" b="1" dirty="0"/>
               <a:t>2. Thread</a:t>
             </a:r>
           </a:p>
           <a:p>
             <a:r>
-              <a:rPr lang="ko-KR" altLang="en-US" b="1" dirty="0" smtClean="0"/>
+              <a:rPr lang="ko-KR" altLang="en-US" b="1" dirty="0"/>
               <a:t>🔹 목적</a:t>
             </a:r>
           </a:p>
           <a:p>
             <a:r>
-              <a:rPr lang="ko-KR" altLang="en-US" b="1" dirty="0" smtClean="0"/>
+              <a:rPr lang="ko-KR" altLang="en-US" b="1" dirty="0"/>
               <a:t>스레드를 직접 생성하고 제어</a:t>
             </a:r>
             <a:r>
-              <a:rPr lang="ko-KR" altLang="en-US" dirty="0" smtClean="0"/>
+              <a:rPr lang="ko-KR" altLang="en-US" dirty="0"/>
               <a:t>하고 싶을 때 사용</a:t>
             </a:r>
           </a:p>
           <a:p>
             <a:r>
-              <a:rPr lang="ko-KR" altLang="en-US" dirty="0" smtClean="0"/>
+              <a:rPr lang="ko-KR" altLang="en-US" dirty="0"/>
               <a:t>보다 정밀하고 유연한 제어 가능</a:t>
             </a:r>
           </a:p>
           <a:p>
             <a:r>
-              <a:rPr lang="ko-KR" altLang="en-US" b="1" dirty="0" smtClean="0"/>
+              <a:rPr lang="ko-KR" altLang="en-US" b="1" dirty="0"/>
               <a:t>🔹 장점</a:t>
             </a:r>
           </a:p>
           <a:p>
             <a:r>
-              <a:rPr lang="en-US" altLang="ko-KR" dirty="0" err="1" smtClean="0"/>
+              <a:rPr lang="en-US" altLang="ko-KR" dirty="0" err="1"/>
               <a:t>BackgroundWorker</a:t>
             </a:r>
             <a:r>
-              <a:rPr lang="ko-KR" altLang="en-US" dirty="0" smtClean="0"/>
+              <a:rPr lang="ko-KR" altLang="en-US" dirty="0"/>
               <a:t>보다 </a:t>
             </a:r>
             <a:r>
-              <a:rPr lang="ko-KR" altLang="en-US" b="1" dirty="0" smtClean="0"/>
+              <a:rPr lang="ko-KR" altLang="en-US" b="1" dirty="0"/>
               <a:t>세밀한 제어</a:t>
             </a:r>
             <a:r>
-              <a:rPr lang="ko-KR" altLang="en-US" dirty="0" smtClean="0"/>
+              <a:rPr lang="ko-KR" altLang="en-US" dirty="0"/>
               <a:t> 가능 </a:t>
             </a:r>
             <a:r>
-              <a:rPr lang="en-US" altLang="ko-KR" dirty="0" smtClean="0"/>
+              <a:rPr lang="en-US" altLang="ko-KR" dirty="0"/>
               <a:t>(</a:t>
             </a:r>
             <a:r>
-              <a:rPr lang="ko-KR" altLang="en-US" dirty="0" smtClean="0"/>
+              <a:rPr lang="ko-KR" altLang="en-US" dirty="0"/>
               <a:t>예</a:t>
             </a:r>
             <a:r>
-              <a:rPr lang="en-US" altLang="ko-KR" dirty="0" smtClean="0"/>
+              <a:rPr lang="en-US" altLang="ko-KR" dirty="0"/>
               <a:t>: </a:t>
             </a:r>
             <a:r>
-              <a:rPr lang="ko-KR" altLang="en-US" dirty="0" err="1" smtClean="0"/>
+              <a:rPr lang="ko-KR" altLang="en-US" dirty="0" err="1"/>
               <a:t>반복문</a:t>
             </a:r>
             <a:r>
-              <a:rPr lang="ko-KR" altLang="en-US" dirty="0" smtClean="0"/>
+              <a:rPr lang="ko-KR" altLang="en-US" dirty="0"/>
               <a:t> 제어</a:t>
             </a:r>
             <a:r>
-              <a:rPr lang="en-US" altLang="ko-KR" dirty="0" smtClean="0"/>
+              <a:rPr lang="en-US" altLang="ko-KR" dirty="0"/>
               <a:t>, </a:t>
             </a:r>
             <a:r>
-              <a:rPr lang="ko-KR" altLang="en-US" dirty="0" smtClean="0"/>
+              <a:rPr lang="ko-KR" altLang="en-US" dirty="0"/>
               <a:t>중지 조건 등</a:t>
             </a:r>
             <a:r>
-              <a:rPr lang="en-US" altLang="ko-KR" dirty="0" smtClean="0"/>
+              <a:rPr lang="en-US" altLang="ko-KR" dirty="0"/>
               <a:t>)</a:t>
             </a:r>
           </a:p>
           <a:p>
             <a:r>
-              <a:rPr lang="en-US" altLang="ko-KR" dirty="0" smtClean="0"/>
+              <a:rPr lang="en-US" altLang="ko-KR" dirty="0"/>
               <a:t>Start(), Abort(), Suspend(), Resume() </a:t>
             </a:r>
             <a:r>
-              <a:rPr lang="ko-KR" altLang="en-US" dirty="0" smtClean="0"/>
+              <a:rPr lang="ko-KR" altLang="en-US" dirty="0"/>
               <a:t>등을 직접 호출 가능</a:t>
             </a:r>
-            <a:endParaRPr lang="en-US" altLang="ko-KR" dirty="0" smtClean="0"/>
-          </a:p>
-          <a:p>
-            <a:r>
-              <a:rPr lang="ko-KR" altLang="en-US" dirty="0" smtClean="0"/>
+            <a:endParaRPr lang="en-US" altLang="ko-KR" dirty="0"/>
+          </a:p>
+          <a:p>
+            <a:r>
+              <a:rPr lang="ko-KR" altLang="en-US" dirty="0"/>
               <a:t>🔹 </a:t>
             </a:r>
             <a:r>
-              <a:rPr lang="ko-KR" altLang="en-US" b="1" dirty="0" smtClean="0"/>
+              <a:rPr lang="ko-KR" altLang="en-US" b="1" dirty="0"/>
               <a:t>단점</a:t>
             </a:r>
           </a:p>
           <a:p>
             <a:r>
-              <a:rPr lang="ko-KR" altLang="en-US" dirty="0" smtClean="0"/>
+              <a:rPr lang="ko-KR" altLang="en-US" dirty="0"/>
               <a:t>생명 주기</a:t>
             </a:r>
             <a:r>
-              <a:rPr lang="en-US" altLang="ko-KR" dirty="0" smtClean="0"/>
+              <a:rPr lang="en-US" altLang="ko-KR" dirty="0"/>
               <a:t>, </a:t>
             </a:r>
             <a:r>
-              <a:rPr lang="ko-KR" altLang="en-US" dirty="0" smtClean="0"/>
+              <a:rPr lang="ko-KR" altLang="en-US" dirty="0"/>
               <a:t>예외 처리</a:t>
             </a:r>
             <a:r>
-              <a:rPr lang="en-US" altLang="ko-KR" dirty="0" smtClean="0"/>
+              <a:rPr lang="en-US" altLang="ko-KR" dirty="0"/>
               <a:t>, </a:t>
             </a:r>
             <a:r>
-              <a:rPr lang="ko-KR" altLang="en-US" dirty="0" smtClean="0"/>
+              <a:rPr lang="ko-KR" altLang="en-US" dirty="0"/>
               <a:t>동기화 등을 </a:t>
             </a:r>
             <a:r>
-              <a:rPr lang="ko-KR" altLang="en-US" b="1" dirty="0" smtClean="0"/>
+              <a:rPr lang="ko-KR" altLang="en-US" b="1" dirty="0"/>
               <a:t>직접 관리해야 함</a:t>
             </a:r>
-            <a:endParaRPr lang="ko-KR" altLang="en-US" dirty="0" smtClean="0"/>
-          </a:p>
-          <a:p>
-            <a:r>
-              <a:rPr lang="ko-KR" altLang="en-US" b="1" dirty="0" smtClean="0"/>
+            <a:endParaRPr lang="ko-KR" altLang="en-US" dirty="0"/>
+          </a:p>
+          <a:p>
+            <a:r>
+              <a:rPr lang="ko-KR" altLang="en-US" b="1" dirty="0"/>
               <a:t>복잡도 증가</a:t>
             </a:r>
-            <a:endParaRPr lang="ko-KR" altLang="en-US" dirty="0" smtClean="0"/>
-          </a:p>
-          <a:p>
-            <a:endParaRPr lang="ko-KR" altLang="en-US" dirty="0" smtClean="0"/>
+            <a:endParaRPr lang="ko-KR" altLang="en-US" dirty="0"/>
+          </a:p>
+          <a:p>
+            <a:endParaRPr lang="ko-KR" altLang="en-US" dirty="0"/>
           </a:p>
           <a:p>
             <a:pPr marL="171450" indent="-171450">
@@ -6186,7 +6588,7 @@
           <a:p>
             <a:fld id="{442BEE3F-2E9A-4FD8-8B8A-8619F3E161C0}" type="datetime1">
               <a:rPr lang="ko-KR" altLang="en-US" smtClean="0"/>
-              <a:t>2025-05-18</a:t>
+              <a:t>2025-05-19</a:t>
             </a:fld>
             <a:endParaRPr lang="ko-KR" altLang="en-US"/>
           </a:p>
@@ -6372,7 +6774,7 @@
           <a:p>
             <a:fld id="{2EAE422B-0E68-47B5-84BB-CA2BDA8EE46C}" type="datetime1">
               <a:rPr lang="ko-KR" altLang="en-US" smtClean="0"/>
-              <a:t>2025-05-18</a:t>
+              <a:t>2025-05-19</a:t>
             </a:fld>
             <a:endParaRPr lang="ko-KR" altLang="en-US"/>
           </a:p>
@@ -6580,7 +6982,7 @@
           <a:p>
             <a:fld id="{AF7C623F-179B-417F-99B6-50F6DF228D4B}" type="datetime1">
               <a:rPr lang="ko-KR" altLang="en-US" smtClean="0"/>
-              <a:t>2025-05-18</a:t>
+              <a:t>2025-05-19</a:t>
             </a:fld>
             <a:endParaRPr lang="ko-KR" altLang="en-US"/>
           </a:p>
@@ -6822,7 +7224,7 @@
           <a:p>
             <a:fld id="{0F78D9C4-20C1-4B15-A116-16DC77AD9A1E}" type="datetime1">
               <a:rPr lang="ko-KR" altLang="en-US" smtClean="0"/>
-              <a:t>2025-05-18</a:t>
+              <a:t>2025-05-19</a:t>
             </a:fld>
             <a:endParaRPr lang="ko-KR" altLang="en-US"/>
           </a:p>
@@ -7097,7 +7499,7 @@
           <a:p>
             <a:fld id="{C7F43723-C509-4DEA-8428-B50818F79709}" type="datetime1">
               <a:rPr lang="ko-KR" altLang="en-US" smtClean="0"/>
-              <a:t>2025-05-18</a:t>
+              <a:t>2025-05-19</a:t>
             </a:fld>
             <a:endParaRPr lang="ko-KR" altLang="en-US"/>
           </a:p>
@@ -7362,7 +7764,7 @@
           <a:p>
             <a:fld id="{5D2B7482-EE74-4DBD-97F4-D0DAC0C0E4E5}" type="datetime1">
               <a:rPr lang="ko-KR" altLang="en-US" smtClean="0"/>
-              <a:t>2025-05-18</a:t>
+              <a:t>2025-05-19</a:t>
             </a:fld>
             <a:endParaRPr lang="ko-KR" altLang="en-US"/>
           </a:p>
@@ -7775,7 +8177,7 @@
           <a:p>
             <a:fld id="{051A8C49-CED7-4A86-9B4A-621D7F62EE92}" type="datetime1">
               <a:rPr lang="ko-KR" altLang="en-US" smtClean="0"/>
-              <a:t>2025-05-18</a:t>
+              <a:t>2025-05-19</a:t>
             </a:fld>
             <a:endParaRPr lang="ko-KR" altLang="en-US"/>
           </a:p>
@@ -7922,7 +8324,7 @@
           <a:p>
             <a:fld id="{84082D76-7079-412D-848B-E1B9E7A6A286}" type="datetime1">
               <a:rPr lang="ko-KR" altLang="en-US" smtClean="0"/>
-              <a:t>2025-05-18</a:t>
+              <a:t>2025-05-19</a:t>
             </a:fld>
             <a:endParaRPr lang="ko-KR" altLang="en-US"/>
           </a:p>
@@ -8035,7 +8437,7 @@
           <a:p>
             <a:fld id="{10C5FEB5-5F88-4F49-9108-1795E314F09F}" type="datetime1">
               <a:rPr lang="ko-KR" altLang="en-US" smtClean="0"/>
-              <a:t>2025-05-18</a:t>
+              <a:t>2025-05-19</a:t>
             </a:fld>
             <a:endParaRPr lang="ko-KR" altLang="en-US"/>
           </a:p>
@@ -8346,7 +8748,7 @@
           <a:p>
             <a:fld id="{E37ABBEE-D8D4-48AD-9887-4DC578B8A684}" type="datetime1">
               <a:rPr lang="ko-KR" altLang="en-US" smtClean="0"/>
-              <a:t>2025-05-18</a:t>
+              <a:t>2025-05-19</a:t>
             </a:fld>
             <a:endParaRPr lang="ko-KR" altLang="en-US"/>
           </a:p>
@@ -8637,7 +9039,7 @@
           <a:p>
             <a:fld id="{A2D6A55C-F3DD-45DD-9D50-F8680410167D}" type="datetime1">
               <a:rPr lang="ko-KR" altLang="en-US" smtClean="0"/>
-              <a:t>2025-05-18</a:t>
+              <a:t>2025-05-19</a:t>
             </a:fld>
             <a:endParaRPr lang="ko-KR" altLang="en-US"/>
           </a:p>
@@ -8881,7 +9283,7 @@
             <a:fld id="{7F5E23C3-0E3D-4E4E-8486-D7FB4C073DC1}" type="datetime1">
               <a:rPr lang="ko-KR" altLang="en-US" smtClean="0"/>
               <a:pPr/>
-              <a:t>2025-05-18</a:t>
+              <a:t>2025-05-19</a:t>
             </a:fld>
             <a:endParaRPr lang="ko-KR" altLang="en-US" dirty="0"/>
           </a:p>
@@ -9410,7 +9812,7 @@
           <a:p>
             <a:fld id="{2E2BEDFA-D8AA-4914-9440-7DF713C99FA9}" type="datetime1">
               <a:rPr lang="ko-KR" altLang="en-US" smtClean="0"/>
-              <a:t>2025-05-18</a:t>
+              <a:t>2025-05-19</a:t>
             </a:fld>
             <a:endParaRPr lang="ko-KR" altLang="en-US"/>
           </a:p>
@@ -10565,7 +10967,7 @@
           <a:p>
             <a:fld id="{0F78D9C4-20C1-4B15-A116-16DC77AD9A1E}" type="datetime1">
               <a:rPr lang="ko-KR" altLang="en-US" smtClean="0"/>
-              <a:t>2025-05-18</a:t>
+              <a:t>2025-05-19</a:t>
             </a:fld>
             <a:endParaRPr lang="ko-KR" altLang="en-US"/>
           </a:p>
@@ -11049,7 +11451,7 @@
           <a:p>
             <a:fld id="{0F78D9C4-20C1-4B15-A116-16DC77AD9A1E}" type="datetime1">
               <a:rPr lang="ko-KR" altLang="en-US" smtClean="0"/>
-              <a:t>2025-05-18</a:t>
+              <a:t>2025-05-19</a:t>
             </a:fld>
             <a:endParaRPr lang="ko-KR" altLang="en-US"/>
           </a:p>
@@ -12666,10 +13068,9 @@
           <a:lstStyle/>
           <a:p>
             <a:r>
-              <a:rPr lang="ko-KR" altLang="en-US" dirty="0" smtClean="0"/>
+              <a:rPr lang="ko-KR" altLang="en-US" dirty="0"/>
               <a:t>용어 정리</a:t>
             </a:r>
-            <a:endParaRPr lang="ko-KR" altLang="en-US" dirty="0"/>
           </a:p>
         </p:txBody>
       </p:sp>
@@ -12689,7 +13090,7 @@
           <a:lstStyle/>
           <a:p>
             <a:r>
-              <a:rPr lang="ko-KR" altLang="en-US" b="1" dirty="0" smtClean="0">
+              <a:rPr lang="ko-KR" altLang="en-US" b="1" dirty="0">
                 <a:latin typeface="Pretendard" panose="02000503000000020004" pitchFamily="2" charset="-127"/>
                 <a:ea typeface="Pretendard" panose="02000503000000020004" pitchFamily="2" charset="-127"/>
                 <a:cs typeface="Pretendard" panose="02000503000000020004" pitchFamily="2" charset="-127"/>
@@ -12697,7 +13098,7 @@
               <a:t>프로그램</a:t>
             </a:r>
             <a:r>
-              <a:rPr lang="ko-KR" altLang="en-US" dirty="0" smtClean="0">
+              <a:rPr lang="ko-KR" altLang="en-US" dirty="0">
                 <a:latin typeface="Pretendard" panose="02000503000000020004" pitchFamily="2" charset="-127"/>
                 <a:ea typeface="Pretendard" panose="02000503000000020004" pitchFamily="2" charset="-127"/>
                 <a:cs typeface="Pretendard" panose="02000503000000020004" pitchFamily="2" charset="-127"/>
@@ -12705,7 +13106,7 @@
               <a:t> </a:t>
             </a:r>
             <a:r>
-              <a:rPr lang="en-US" altLang="ko-KR" dirty="0" smtClean="0">
+              <a:rPr lang="en-US" altLang="ko-KR" dirty="0">
                 <a:latin typeface="Pretendard" panose="02000503000000020004" pitchFamily="2" charset="-127"/>
                 <a:ea typeface="Pretendard" panose="02000503000000020004" pitchFamily="2" charset="-127"/>
                 <a:cs typeface="Pretendard" panose="02000503000000020004" pitchFamily="2" charset="-127"/>
@@ -12713,7 +13114,7 @@
               <a:t>: </a:t>
             </a:r>
             <a:r>
-              <a:rPr lang="ko-KR" altLang="en-US" dirty="0" smtClean="0">
+              <a:rPr lang="ko-KR" altLang="en-US" dirty="0">
                 <a:latin typeface="Pretendard" panose="02000503000000020004" pitchFamily="2" charset="-127"/>
                 <a:ea typeface="Pretendard" panose="02000503000000020004" pitchFamily="2" charset="-127"/>
                 <a:cs typeface="Pretendard" panose="02000503000000020004" pitchFamily="2" charset="-127"/>
@@ -12721,7 +13122,7 @@
               <a:t>우리가 실행할 수 있는 </a:t>
             </a:r>
             <a:r>
-              <a:rPr lang="en-US" altLang="ko-KR" dirty="0" smtClean="0">
+              <a:rPr lang="en-US" altLang="ko-KR" dirty="0">
                 <a:latin typeface="Pretendard" panose="02000503000000020004" pitchFamily="2" charset="-127"/>
                 <a:ea typeface="Pretendard" panose="02000503000000020004" pitchFamily="2" charset="-127"/>
                 <a:cs typeface="Pretendard" panose="02000503000000020004" pitchFamily="2" charset="-127"/>
@@ -12729,21 +13130,21 @@
               <a:t>.exe </a:t>
             </a:r>
             <a:r>
-              <a:rPr lang="ko-KR" altLang="en-US" dirty="0" smtClean="0">
+              <a:rPr lang="ko-KR" altLang="en-US" dirty="0">
                 <a:latin typeface="Pretendard" panose="02000503000000020004" pitchFamily="2" charset="-127"/>
                 <a:ea typeface="Pretendard" panose="02000503000000020004" pitchFamily="2" charset="-127"/>
                 <a:cs typeface="Pretendard" panose="02000503000000020004" pitchFamily="2" charset="-127"/>
               </a:rPr>
               <a:t>같은 파일</a:t>
             </a:r>
-            <a:endParaRPr lang="en-US" altLang="ko-KR" dirty="0" smtClean="0">
+            <a:endParaRPr lang="en-US" altLang="ko-KR" dirty="0">
               <a:latin typeface="Pretendard" panose="02000503000000020004" pitchFamily="2" charset="-127"/>
               <a:ea typeface="Pretendard" panose="02000503000000020004" pitchFamily="2" charset="-127"/>
               <a:cs typeface="Pretendard" panose="02000503000000020004" pitchFamily="2" charset="-127"/>
             </a:endParaRPr>
           </a:p>
           <a:p>
-            <a:endParaRPr lang="en-US" altLang="ko-KR" dirty="0" smtClean="0">
+            <a:endParaRPr lang="en-US" altLang="ko-KR" dirty="0">
               <a:latin typeface="Pretendard" panose="02000503000000020004" pitchFamily="2" charset="-127"/>
               <a:ea typeface="Pretendard" panose="02000503000000020004" pitchFamily="2" charset="-127"/>
               <a:cs typeface="Pretendard" panose="02000503000000020004" pitchFamily="2" charset="-127"/>
@@ -12751,7 +13152,7 @@
           </a:p>
           <a:p>
             <a:r>
-              <a:rPr lang="ko-KR" altLang="en-US" b="1" dirty="0" smtClean="0">
+              <a:rPr lang="ko-KR" altLang="en-US" b="1" dirty="0">
                 <a:latin typeface="Pretendard" panose="02000503000000020004" pitchFamily="2" charset="-127"/>
                 <a:ea typeface="Pretendard" panose="02000503000000020004" pitchFamily="2" charset="-127"/>
                 <a:cs typeface="Pretendard" panose="02000503000000020004" pitchFamily="2" charset="-127"/>
@@ -12759,7 +13160,7 @@
               <a:t>프로세스</a:t>
             </a:r>
             <a:r>
-              <a:rPr lang="en-US" altLang="ko-KR" dirty="0" smtClean="0">
+              <a:rPr lang="en-US" altLang="ko-KR" dirty="0">
                 <a:latin typeface="Pretendard" panose="02000503000000020004" pitchFamily="2" charset="-127"/>
                 <a:ea typeface="Pretendard" panose="02000503000000020004" pitchFamily="2" charset="-127"/>
                 <a:cs typeface="Pretendard" panose="02000503000000020004" pitchFamily="2" charset="-127"/>
@@ -12767,7 +13168,7 @@
               <a:t>(Process) : </a:t>
             </a:r>
             <a:r>
-              <a:rPr lang="ko-KR" altLang="en-US" dirty="0" smtClean="0">
+              <a:rPr lang="ko-KR" altLang="en-US" dirty="0">
                 <a:latin typeface="Pretendard" panose="02000503000000020004" pitchFamily="2" charset="-127"/>
                 <a:ea typeface="Pretendard" panose="02000503000000020004" pitchFamily="2" charset="-127"/>
                 <a:cs typeface="Pretendard" panose="02000503000000020004" pitchFamily="2" charset="-127"/>
@@ -12775,7 +13176,7 @@
               <a:t>프로그램이 실행되어 메모리 상에 올라간 것</a:t>
             </a:r>
             <a:r>
-              <a:rPr lang="en-US" altLang="ko-KR" dirty="0" smtClean="0">
+              <a:rPr lang="en-US" altLang="ko-KR" dirty="0">
                 <a:latin typeface="Pretendard" panose="02000503000000020004" pitchFamily="2" charset="-127"/>
                 <a:ea typeface="Pretendard" panose="02000503000000020004" pitchFamily="2" charset="-127"/>
                 <a:cs typeface="Pretendard" panose="02000503000000020004" pitchFamily="2" charset="-127"/>
@@ -12789,7 +13190,7 @@
               <a:buChar char="-"/>
             </a:pPr>
             <a:r>
-              <a:rPr lang="ko-KR" altLang="en-US" dirty="0" smtClean="0">
+              <a:rPr lang="ko-KR" altLang="en-US" dirty="0">
                 <a:latin typeface="Pretendard" panose="02000503000000020004" pitchFamily="2" charset="-127"/>
                 <a:ea typeface="Pretendard" panose="02000503000000020004" pitchFamily="2" charset="-127"/>
                 <a:cs typeface="Pretendard" panose="02000503000000020004" pitchFamily="2" charset="-127"/>
@@ -12797,7 +13198,7 @@
               <a:t>이 프로세스는 </a:t>
             </a:r>
             <a:r>
-              <a:rPr lang="ko-KR" altLang="en-US" b="1" dirty="0" smtClean="0">
+              <a:rPr lang="ko-KR" altLang="en-US" b="1" dirty="0">
                 <a:latin typeface="Pretendard" panose="02000503000000020004" pitchFamily="2" charset="-127"/>
                 <a:ea typeface="Pretendard" panose="02000503000000020004" pitchFamily="2" charset="-127"/>
                 <a:cs typeface="Pretendard" panose="02000503000000020004" pitchFamily="2" charset="-127"/>
@@ -12805,7 +13206,7 @@
               <a:t>하나 이상의 스레드</a:t>
             </a:r>
             <a:r>
-              <a:rPr lang="en-US" altLang="ko-KR" b="1" dirty="0" smtClean="0">
+              <a:rPr lang="en-US" altLang="ko-KR" b="1" dirty="0">
                 <a:latin typeface="Pretendard" panose="02000503000000020004" pitchFamily="2" charset="-127"/>
                 <a:ea typeface="Pretendard" panose="02000503000000020004" pitchFamily="2" charset="-127"/>
                 <a:cs typeface="Pretendard" panose="02000503000000020004" pitchFamily="2" charset="-127"/>
@@ -12813,7 +13214,7 @@
               <a:t>(Thread)</a:t>
             </a:r>
             <a:r>
-              <a:rPr lang="ko-KR" altLang="en-US" dirty="0" smtClean="0">
+              <a:rPr lang="ko-KR" altLang="en-US" dirty="0">
                 <a:latin typeface="Pretendard" panose="02000503000000020004" pitchFamily="2" charset="-127"/>
                 <a:ea typeface="Pretendard" panose="02000503000000020004" pitchFamily="2" charset="-127"/>
                 <a:cs typeface="Pretendard" panose="02000503000000020004" pitchFamily="2" charset="-127"/>
@@ -12821,7 +13222,7 @@
               <a:t>를 포함할 수 있음</a:t>
             </a:r>
             <a:r>
-              <a:rPr lang="en-US" altLang="ko-KR" dirty="0" smtClean="0">
+              <a:rPr lang="en-US" altLang="ko-KR" dirty="0">
                 <a:latin typeface="Pretendard" panose="02000503000000020004" pitchFamily="2" charset="-127"/>
                 <a:ea typeface="Pretendard" panose="02000503000000020004" pitchFamily="2" charset="-127"/>
                 <a:cs typeface="Pretendard" panose="02000503000000020004" pitchFamily="2" charset="-127"/>
@@ -12834,7 +13235,7 @@
               <a:buFontTx/>
               <a:buChar char="-"/>
             </a:pPr>
-            <a:endParaRPr lang="en-US" altLang="ko-KR" dirty="0" smtClean="0">
+            <a:endParaRPr lang="en-US" altLang="ko-KR" dirty="0">
               <a:latin typeface="Pretendard" panose="02000503000000020004" pitchFamily="2" charset="-127"/>
               <a:ea typeface="Pretendard" panose="02000503000000020004" pitchFamily="2" charset="-127"/>
               <a:cs typeface="Pretendard" panose="02000503000000020004" pitchFamily="2" charset="-127"/>
@@ -12842,7 +13243,7 @@
           </a:p>
           <a:p>
             <a:r>
-              <a:rPr lang="ko-KR" altLang="en-US" b="1" dirty="0" smtClean="0">
+              <a:rPr lang="ko-KR" altLang="en-US" b="1" dirty="0">
                 <a:latin typeface="Pretendard" panose="02000503000000020004" pitchFamily="2" charset="-127"/>
                 <a:ea typeface="Pretendard" panose="02000503000000020004" pitchFamily="2" charset="-127"/>
                 <a:cs typeface="Pretendard" panose="02000503000000020004" pitchFamily="2" charset="-127"/>
@@ -12850,7 +13251,7 @@
               <a:t>스레드</a:t>
             </a:r>
             <a:r>
-              <a:rPr lang="en-US" altLang="ko-KR" dirty="0" smtClean="0">
+              <a:rPr lang="en-US" altLang="ko-KR" dirty="0">
                 <a:latin typeface="Pretendard" panose="02000503000000020004" pitchFamily="2" charset="-127"/>
                 <a:ea typeface="Pretendard" panose="02000503000000020004" pitchFamily="2" charset="-127"/>
                 <a:cs typeface="Pretendard" panose="02000503000000020004" pitchFamily="2" charset="-127"/>
@@ -12858,7 +13259,7 @@
               <a:t>(Thread) : </a:t>
             </a:r>
             <a:r>
-              <a:rPr lang="ko-KR" altLang="en-US" dirty="0" smtClean="0">
+              <a:rPr lang="ko-KR" altLang="en-US" dirty="0">
                 <a:latin typeface="Pretendard" panose="02000503000000020004" pitchFamily="2" charset="-127"/>
                 <a:ea typeface="Pretendard" panose="02000503000000020004" pitchFamily="2" charset="-127"/>
                 <a:cs typeface="Pretendard" panose="02000503000000020004" pitchFamily="2" charset="-127"/>
@@ -12866,7 +13267,7 @@
               <a:t>프로세스 내에서 실제로 </a:t>
             </a:r>
             <a:r>
-              <a:rPr lang="ko-KR" altLang="en-US" b="1" dirty="0" smtClean="0">
+              <a:rPr lang="ko-KR" altLang="en-US" b="1" dirty="0">
                 <a:solidFill>
                   <a:schemeClr val="accent5"/>
                 </a:solidFill>
@@ -12876,7 +13277,7 @@
               </a:rPr>
               <a:t>코드를 실행하는 작업 단위</a:t>
             </a:r>
-            <a:endParaRPr lang="en-US" altLang="ko-KR" b="1" dirty="0" smtClean="0">
+            <a:endParaRPr lang="en-US" altLang="ko-KR" b="1" dirty="0">
               <a:solidFill>
                 <a:schemeClr val="accent5"/>
               </a:solidFill>
@@ -12891,7 +13292,7 @@
               <a:buChar char="-"/>
             </a:pPr>
             <a:r>
-              <a:rPr lang="ko-KR" altLang="en-US" dirty="0" smtClean="0">
+              <a:rPr lang="ko-KR" altLang="en-US" dirty="0">
                 <a:latin typeface="Pretendard" panose="02000503000000020004" pitchFamily="2" charset="-127"/>
                 <a:ea typeface="Pretendard" panose="02000503000000020004" pitchFamily="2" charset="-127"/>
                 <a:cs typeface="Pretendard" panose="02000503000000020004" pitchFamily="2" charset="-127"/>
@@ -12899,7 +13300,7 @@
               <a:t>하나의 프로세스는 최소 하나의 스레드를 갖고 있음</a:t>
             </a:r>
             <a:r>
-              <a:rPr lang="en-US" altLang="ko-KR" dirty="0" smtClean="0">
+              <a:rPr lang="en-US" altLang="ko-KR" dirty="0">
                 <a:latin typeface="Pretendard" panose="02000503000000020004" pitchFamily="2" charset="-127"/>
                 <a:ea typeface="Pretendard" panose="02000503000000020004" pitchFamily="2" charset="-127"/>
                 <a:cs typeface="Pretendard" panose="02000503000000020004" pitchFamily="2" charset="-127"/>
@@ -12931,7 +13332,7 @@
           <a:p>
             <a:fld id="{0F78D9C4-20C1-4B15-A116-16DC77AD9A1E}" type="datetime1">
               <a:rPr lang="ko-KR" altLang="en-US" smtClean="0"/>
-              <a:t>2025-05-18</a:t>
+              <a:t>2025-05-19</a:t>
             </a:fld>
             <a:endParaRPr lang="ko-KR" altLang="en-US"/>
           </a:p>
@@ -13142,18 +13543,10 @@
                 <a:ea typeface="Pretendard" panose="02000503000000020004" pitchFamily="2" charset="-127"/>
                 <a:cs typeface="Pretendard" panose="02000503000000020004" pitchFamily="2" charset="-127"/>
               </a:rPr>
-              <a:t>명의 </a:t>
-            </a:r>
-            <a:r>
-              <a:rPr lang="ko-KR" altLang="en-US" dirty="0" smtClean="0">
-                <a:latin typeface="Pretendard" panose="02000503000000020004" pitchFamily="2" charset="-127"/>
-                <a:ea typeface="Pretendard" panose="02000503000000020004" pitchFamily="2" charset="-127"/>
-                <a:cs typeface="Pretendard" panose="02000503000000020004" pitchFamily="2" charset="-127"/>
-              </a:rPr>
-              <a:t>참가자</a:t>
-            </a:r>
-            <a:r>
-              <a:rPr lang="en-US" altLang="ko-KR" dirty="0" smtClean="0">
+              <a:t>명의 참가자</a:t>
+            </a:r>
+            <a:r>
+              <a:rPr lang="en-US" altLang="ko-KR" dirty="0">
                 <a:latin typeface="Pretendard" panose="02000503000000020004" pitchFamily="2" charset="-127"/>
                 <a:ea typeface="Pretendard" panose="02000503000000020004" pitchFamily="2" charset="-127"/>
                 <a:cs typeface="Pretendard" panose="02000503000000020004" pitchFamily="2" charset="-127"/>
@@ -13161,7 +13554,7 @@
               <a:t>(</a:t>
             </a:r>
             <a:r>
-              <a:rPr lang="ko-KR" altLang="en-US" dirty="0" smtClean="0">
+              <a:rPr lang="ko-KR" altLang="en-US" dirty="0">
                 <a:latin typeface="Pretendard" panose="02000503000000020004" pitchFamily="2" charset="-127"/>
                 <a:ea typeface="Pretendard" panose="02000503000000020004" pitchFamily="2" charset="-127"/>
                 <a:cs typeface="Pretendard" panose="02000503000000020004" pitchFamily="2" charset="-127"/>
@@ -13169,7 +13562,7 @@
               <a:t>차량</a:t>
             </a:r>
             <a:r>
-              <a:rPr lang="en-US" altLang="ko-KR" dirty="0" smtClean="0">
+              <a:rPr lang="en-US" altLang="ko-KR" dirty="0">
                 <a:latin typeface="Pretendard" panose="02000503000000020004" pitchFamily="2" charset="-127"/>
                 <a:ea typeface="Pretendard" panose="02000503000000020004" pitchFamily="2" charset="-127"/>
                 <a:cs typeface="Pretendard" panose="02000503000000020004" pitchFamily="2" charset="-127"/>
@@ -13177,7 +13570,7 @@
               <a:t>)</a:t>
             </a:r>
             <a:r>
-              <a:rPr lang="ko-KR" altLang="en-US" dirty="0" smtClean="0">
+              <a:rPr lang="ko-KR" altLang="en-US" dirty="0">
                 <a:latin typeface="Pretendard" panose="02000503000000020004" pitchFamily="2" charset="-127"/>
                 <a:ea typeface="Pretendard" panose="02000503000000020004" pitchFamily="2" charset="-127"/>
                 <a:cs typeface="Pretendard" panose="02000503000000020004" pitchFamily="2" charset="-127"/>
@@ -13185,7 +13578,7 @@
               <a:t>가 동시에 경주 시작</a:t>
             </a:r>
             <a:r>
-              <a:rPr lang="en-US" altLang="ko-KR" dirty="0" smtClean="0">
+              <a:rPr lang="en-US" altLang="ko-KR" dirty="0">
                 <a:latin typeface="Pretendard" panose="02000503000000020004" pitchFamily="2" charset="-127"/>
                 <a:ea typeface="Pretendard" panose="02000503000000020004" pitchFamily="2" charset="-127"/>
                 <a:cs typeface="Pretendard" panose="02000503000000020004" pitchFamily="2" charset="-127"/>
@@ -13193,7 +13586,7 @@
               <a:t>. (</a:t>
             </a:r>
             <a:r>
-              <a:rPr lang="ko-KR" altLang="en-US" dirty="0" smtClean="0">
+              <a:rPr lang="ko-KR" altLang="en-US" dirty="0">
                 <a:latin typeface="Pretendard" panose="02000503000000020004" pitchFamily="2" charset="-127"/>
                 <a:ea typeface="Pretendard" panose="02000503000000020004" pitchFamily="2" charset="-127"/>
                 <a:cs typeface="Pretendard" panose="02000503000000020004" pitchFamily="2" charset="-127"/>
@@ -13201,18 +13594,13 @@
               <a:t>차량마다 스레드 생성</a:t>
             </a:r>
             <a:r>
-              <a:rPr lang="en-US" altLang="ko-KR" dirty="0" smtClean="0">
+              <a:rPr lang="en-US" altLang="ko-KR" dirty="0">
                 <a:latin typeface="Pretendard" panose="02000503000000020004" pitchFamily="2" charset="-127"/>
                 <a:ea typeface="Pretendard" panose="02000503000000020004" pitchFamily="2" charset="-127"/>
                 <a:cs typeface="Pretendard" panose="02000503000000020004" pitchFamily="2" charset="-127"/>
               </a:rPr>
               <a:t>)</a:t>
             </a:r>
-            <a:endParaRPr lang="en-US" altLang="ko-KR" dirty="0">
-              <a:latin typeface="Pretendard" panose="02000503000000020004" pitchFamily="2" charset="-127"/>
-              <a:ea typeface="Pretendard" panose="02000503000000020004" pitchFamily="2" charset="-127"/>
-              <a:cs typeface="Pretendard" panose="02000503000000020004" pitchFamily="2" charset="-127"/>
-            </a:endParaRPr>
           </a:p>
           <a:p>
             <a:pPr marL="514350" indent="-514350">
@@ -13241,18 +13629,10 @@
                 <a:ea typeface="Pretendard" panose="02000503000000020004" pitchFamily="2" charset="-127"/>
                 <a:cs typeface="Pretendard" panose="02000503000000020004" pitchFamily="2" charset="-127"/>
               </a:rPr>
-              <a:t> 시간 간격으로 </a:t>
-            </a:r>
-            <a:r>
-              <a:rPr lang="ko-KR" altLang="en-US" dirty="0" smtClean="0">
-                <a:latin typeface="Pretendard" panose="02000503000000020004" pitchFamily="2" charset="-127"/>
-                <a:ea typeface="Pretendard" panose="02000503000000020004" pitchFamily="2" charset="-127"/>
-                <a:cs typeface="Pretendard" panose="02000503000000020004" pitchFamily="2" charset="-127"/>
-              </a:rPr>
-              <a:t>전진함</a:t>
-            </a:r>
-            <a:r>
-              <a:rPr lang="en-US" altLang="ko-KR" dirty="0" smtClean="0">
+              <a:t> 시간 간격으로 전진함</a:t>
+            </a:r>
+            <a:r>
+              <a:rPr lang="en-US" altLang="ko-KR" dirty="0">
                 <a:latin typeface="Pretendard" panose="02000503000000020004" pitchFamily="2" charset="-127"/>
                 <a:ea typeface="Pretendard" panose="02000503000000020004" pitchFamily="2" charset="-127"/>
                 <a:cs typeface="Pretendard" panose="02000503000000020004" pitchFamily="2" charset="-127"/>
@@ -13260,7 +13640,7 @@
               <a:t>.</a:t>
             </a:r>
             <a:r>
-              <a:rPr lang="ko-KR" altLang="en-US" dirty="0" smtClean="0">
+              <a:rPr lang="ko-KR" altLang="en-US" dirty="0">
                 <a:latin typeface="Pretendard" panose="02000503000000020004" pitchFamily="2" charset="-127"/>
                 <a:ea typeface="Pretendard" panose="02000503000000020004" pitchFamily="2" charset="-127"/>
                 <a:cs typeface="Pretendard" panose="02000503000000020004" pitchFamily="2" charset="-127"/>
@@ -13338,44 +13718,28 @@
                 <a:ea typeface="Pretendard" panose="02000503000000020004" pitchFamily="2" charset="-127"/>
                 <a:cs typeface="Pretendard" panose="02000503000000020004" pitchFamily="2" charset="-127"/>
               </a:rPr>
-              <a:t>모든 차량이 결승선에 도달하면 </a:t>
-            </a:r>
-            <a:r>
-              <a:rPr lang="ko-KR" altLang="en-US" dirty="0" smtClean="0">
+              <a:t>모든 차량이 결승선에 도달하면 레이스 종료 메시지 출력 및 경기 종료</a:t>
+            </a:r>
+            <a:endParaRPr lang="en-US" altLang="ko-KR" dirty="0">
+              <a:latin typeface="Pretendard" panose="02000503000000020004" pitchFamily="2" charset="-127"/>
+              <a:ea typeface="Pretendard" panose="02000503000000020004" pitchFamily="2" charset="-127"/>
+              <a:cs typeface="Pretendard" panose="02000503000000020004" pitchFamily="2" charset="-127"/>
+            </a:endParaRPr>
+          </a:p>
+          <a:p>
+            <a:pPr marL="0" indent="0">
+              <a:buNone/>
+            </a:pPr>
+            <a:r>
+              <a:rPr lang="en-US" altLang="ko-KR" dirty="0">
                 <a:latin typeface="Pretendard" panose="02000503000000020004" pitchFamily="2" charset="-127"/>
                 <a:ea typeface="Pretendard" panose="02000503000000020004" pitchFamily="2" charset="-127"/>
                 <a:cs typeface="Pretendard" panose="02000503000000020004" pitchFamily="2" charset="-127"/>
               </a:rPr>
-              <a:t>레이스 종료 메시지 출력 및 경기 종료</a:t>
-            </a:r>
-            <a:endParaRPr lang="en-US" altLang="ko-KR" dirty="0" smtClean="0">
-              <a:latin typeface="Pretendard" panose="02000503000000020004" pitchFamily="2" charset="-127"/>
-              <a:ea typeface="Pretendard" panose="02000503000000020004" pitchFamily="2" charset="-127"/>
-              <a:cs typeface="Pretendard" panose="02000503000000020004" pitchFamily="2" charset="-127"/>
-            </a:endParaRPr>
-          </a:p>
-          <a:p>
-            <a:pPr marL="0" indent="0">
-              <a:buNone/>
-            </a:pPr>
-            <a:r>
-              <a:rPr lang="en-US" altLang="ko-KR" dirty="0" smtClean="0">
-                <a:latin typeface="Pretendard" panose="02000503000000020004" pitchFamily="2" charset="-127"/>
-                <a:ea typeface="Pretendard" panose="02000503000000020004" pitchFamily="2" charset="-127"/>
-                <a:cs typeface="Pretendard" panose="02000503000000020004" pitchFamily="2" charset="-127"/>
-              </a:rPr>
-              <a:t>5.   </a:t>
-            </a:r>
-            <a:r>
-              <a:rPr lang="en-US" altLang="ko-KR" dirty="0" smtClean="0">
-                <a:latin typeface="Pretendard" panose="02000503000000020004" pitchFamily="2" charset="-127"/>
-                <a:ea typeface="Pretendard" panose="02000503000000020004" pitchFamily="2" charset="-127"/>
-                <a:cs typeface="Pretendard" panose="02000503000000020004" pitchFamily="2" charset="-127"/>
-              </a:rPr>
-              <a:t>(Hint) </a:t>
-            </a:r>
-            <a:r>
-              <a:rPr lang="en-US" altLang="ko-KR" dirty="0" err="1" smtClean="0">
+              <a:t>5.   (Hint) </a:t>
+            </a:r>
+            <a:r>
+              <a:rPr lang="en-US" altLang="ko-KR" dirty="0" err="1">
                 <a:latin typeface="Pretendard" panose="02000503000000020004" pitchFamily="2" charset="-127"/>
                 <a:ea typeface="Pretendard" panose="02000503000000020004" pitchFamily="2" charset="-127"/>
                 <a:cs typeface="Pretendard" panose="02000503000000020004" pitchFamily="2" charset="-127"/>
@@ -13383,7 +13747,7 @@
               <a:t>DateTime</a:t>
             </a:r>
             <a:r>
-              <a:rPr lang="en-US" altLang="ko-KR" dirty="0" smtClean="0">
+              <a:rPr lang="en-US" altLang="ko-KR" dirty="0">
                 <a:latin typeface="Pretendard" panose="02000503000000020004" pitchFamily="2" charset="-127"/>
                 <a:ea typeface="Pretendard" panose="02000503000000020004" pitchFamily="2" charset="-127"/>
                 <a:cs typeface="Pretendard" panose="02000503000000020004" pitchFamily="2" charset="-127"/>
@@ -13391,7 +13755,7 @@
               <a:t>, </a:t>
             </a:r>
             <a:r>
-              <a:rPr lang="en-US" altLang="ko-KR" dirty="0" err="1" smtClean="0">
+              <a:rPr lang="en-US" altLang="ko-KR" dirty="0" err="1">
                 <a:latin typeface="Pretendard" panose="02000503000000020004" pitchFamily="2" charset="-127"/>
                 <a:ea typeface="Pretendard" panose="02000503000000020004" pitchFamily="2" charset="-127"/>
                 <a:cs typeface="Pretendard" panose="02000503000000020004" pitchFamily="2" charset="-127"/>
@@ -13399,7 +13763,7 @@
               <a:t>TimeSpan</a:t>
             </a:r>
             <a:r>
-              <a:rPr lang="en-US" altLang="ko-KR" dirty="0" smtClean="0">
+              <a:rPr lang="en-US" altLang="ko-KR" dirty="0">
                 <a:latin typeface="Pretendard" panose="02000503000000020004" pitchFamily="2" charset="-127"/>
                 <a:ea typeface="Pretendard" panose="02000503000000020004" pitchFamily="2" charset="-127"/>
                 <a:cs typeface="Pretendard" panose="02000503000000020004" pitchFamily="2" charset="-127"/>
@@ -13407,7 +13771,7 @@
               <a:t>, List&lt;Thread&gt; </a:t>
             </a:r>
             <a:r>
-              <a:rPr lang="ko-KR" altLang="en-US" dirty="0" smtClean="0">
+              <a:rPr lang="ko-KR" altLang="en-US" dirty="0">
                 <a:latin typeface="Pretendard" panose="02000503000000020004" pitchFamily="2" charset="-127"/>
                 <a:ea typeface="Pretendard" panose="02000503000000020004" pitchFamily="2" charset="-127"/>
                 <a:cs typeface="Pretendard" panose="02000503000000020004" pitchFamily="2" charset="-127"/>
@@ -13415,7 +13779,7 @@
               <a:t>활용</a:t>
             </a:r>
             <a:r>
-              <a:rPr lang="en-US" altLang="ko-KR" dirty="0" smtClean="0">
+              <a:rPr lang="en-US" altLang="ko-KR" dirty="0">
                 <a:latin typeface="Pretendard" panose="02000503000000020004" pitchFamily="2" charset="-127"/>
                 <a:ea typeface="Pretendard" panose="02000503000000020004" pitchFamily="2" charset="-127"/>
                 <a:cs typeface="Pretendard" panose="02000503000000020004" pitchFamily="2" charset="-127"/>
@@ -13438,7 +13802,7 @@
               <a:buNone/>
             </a:pPr>
             <a:r>
-              <a:rPr lang="ko-KR" altLang="en-US" dirty="0" err="1" smtClean="0">
+              <a:rPr lang="ko-KR" altLang="en-US" dirty="0" err="1">
                 <a:latin typeface="Pretendard" panose="02000503000000020004" pitchFamily="2" charset="-127"/>
                 <a:ea typeface="Pretendard" panose="02000503000000020004" pitchFamily="2" charset="-127"/>
                 <a:cs typeface="Pretendard" panose="02000503000000020004" pitchFamily="2" charset="-127"/>
@@ -13451,39 +13815,7 @@
                 <a:ea typeface="Pretendard" panose="02000503000000020004" pitchFamily="2" charset="-127"/>
                 <a:cs typeface="Pretendard" panose="02000503000000020004" pitchFamily="2" charset="-127"/>
               </a:rPr>
-              <a:t> </a:t>
-            </a:r>
-            <a:r>
-              <a:rPr lang="ko-KR" altLang="en-US" dirty="0" smtClean="0">
-                <a:latin typeface="Pretendard" panose="02000503000000020004" pitchFamily="2" charset="-127"/>
-                <a:ea typeface="Pretendard" panose="02000503000000020004" pitchFamily="2" charset="-127"/>
-                <a:cs typeface="Pretendard" panose="02000503000000020004" pitchFamily="2" charset="-127"/>
-              </a:rPr>
-              <a:t>캡</a:t>
-            </a:r>
-            <a:r>
-              <a:rPr lang="ko-KR" altLang="en-US" dirty="0" smtClean="0">
-                <a:latin typeface="Pretendard" panose="02000503000000020004" pitchFamily="2" charset="-127"/>
-                <a:ea typeface="Pretendard" panose="02000503000000020004" pitchFamily="2" charset="-127"/>
-                <a:cs typeface="Pretendard" panose="02000503000000020004" pitchFamily="2" charset="-127"/>
-              </a:rPr>
-              <a:t>처</a:t>
-            </a:r>
-            <a:r>
-              <a:rPr lang="en-US" altLang="ko-KR" dirty="0" smtClean="0">
-                <a:latin typeface="Pretendard" panose="02000503000000020004" pitchFamily="2" charset="-127"/>
-                <a:ea typeface="Pretendard" panose="02000503000000020004" pitchFamily="2" charset="-127"/>
-                <a:cs typeface="Pretendard" panose="02000503000000020004" pitchFamily="2" charset="-127"/>
-              </a:rPr>
-              <a:t>&amp; </a:t>
-            </a:r>
-            <a:r>
-              <a:rPr lang="en-US" altLang="ko-KR" dirty="0" smtClean="0">
-                <a:latin typeface="Pretendard" panose="02000503000000020004" pitchFamily="2" charset="-127"/>
-                <a:ea typeface="Pretendard" panose="02000503000000020004" pitchFamily="2" charset="-127"/>
-                <a:cs typeface="Pretendard" panose="02000503000000020004" pitchFamily="2" charset="-127"/>
-              </a:rPr>
-              <a:t>GitHub </a:t>
+              <a:t> 캡처</a:t>
             </a:r>
             <a:r>
               <a:rPr lang="en-US" altLang="ko-KR" dirty="0">
@@ -13491,7 +13823,7 @@
                 <a:ea typeface="Pretendard" panose="02000503000000020004" pitchFamily="2" charset="-127"/>
                 <a:cs typeface="Pretendard" panose="02000503000000020004" pitchFamily="2" charset="-127"/>
               </a:rPr>
-              <a:t>Repo. URL</a:t>
+              <a:t>&amp; GitHub Repo. URL</a:t>
             </a:r>
             <a:r>
               <a:rPr lang="ko-KR" altLang="en-US" dirty="0">
@@ -14106,7 +14438,7 @@
           <a:p>
             <a:fld id="{0F78D9C4-20C1-4B15-A116-16DC77AD9A1E}" type="datetime1">
               <a:rPr lang="ko-KR" altLang="en-US" smtClean="0"/>
-              <a:t>2025-05-18</a:t>
+              <a:t>2025-05-19</a:t>
             </a:fld>
             <a:endParaRPr lang="ko-KR" altLang="en-US"/>
           </a:p>
@@ -14287,7 +14619,7 @@
           <a:p>
             <a:fld id="{0F78D9C4-20C1-4B15-A116-16DC77AD9A1E}" type="datetime1">
               <a:rPr lang="ko-KR" altLang="en-US" smtClean="0"/>
-              <a:t>2025-05-18</a:t>
+              <a:t>2025-05-19</a:t>
             </a:fld>
             <a:endParaRPr lang="ko-KR" altLang="en-US"/>
           </a:p>
@@ -14337,7 +14669,7 @@
           <p:nvPr/>
         </p:nvPicPr>
         <p:blipFill>
-          <a:blip r:embed="rId2"/>
+          <a:blip r:embed="rId3"/>
           <a:stretch>
             <a:fillRect/>
           </a:stretch>
@@ -14367,7 +14699,7 @@
           <p:nvPr/>
         </p:nvPicPr>
         <p:blipFill>
-          <a:blip r:embed="rId3"/>
+          <a:blip r:embed="rId4"/>
           <a:stretch>
             <a:fillRect/>
           </a:stretch>
@@ -14636,7 +14968,7 @@
           <a:p>
             <a:fld id="{0F78D9C4-20C1-4B15-A116-16DC77AD9A1E}" type="datetime1">
               <a:rPr lang="ko-KR" altLang="en-US" smtClean="0"/>
-              <a:t>2025-05-18</a:t>
+              <a:t>2025-05-19</a:t>
             </a:fld>
             <a:endParaRPr lang="ko-KR" altLang="en-US"/>
           </a:p>
@@ -14839,7 +15171,7 @@
           <a:p>
             <a:fld id="{0F78D9C4-20C1-4B15-A116-16DC77AD9A1E}" type="datetime1">
               <a:rPr lang="ko-KR" altLang="en-US" smtClean="0"/>
-              <a:t>2025-05-18</a:t>
+              <a:t>2025-05-19</a:t>
             </a:fld>
             <a:endParaRPr lang="ko-KR" altLang="en-US"/>
           </a:p>
@@ -15102,7 +15434,7 @@
           <a:p>
             <a:fld id="{0F78D9C4-20C1-4B15-A116-16DC77AD9A1E}" type="datetime1">
               <a:rPr lang="ko-KR" altLang="en-US" smtClean="0"/>
-              <a:t>2025-05-18</a:t>
+              <a:t>2025-05-19</a:t>
             </a:fld>
             <a:endParaRPr lang="ko-KR" altLang="en-US"/>
           </a:p>
@@ -15152,7 +15484,7 @@
           <p:nvPr/>
         </p:nvPicPr>
         <p:blipFill>
-          <a:blip r:embed="rId2"/>
+          <a:blip r:embed="rId3"/>
           <a:stretch>
             <a:fillRect/>
           </a:stretch>
@@ -15406,7 +15738,7 @@
           <a:p>
             <a:fld id="{0F78D9C4-20C1-4B15-A116-16DC77AD9A1E}" type="datetime1">
               <a:rPr lang="ko-KR" altLang="en-US" smtClean="0"/>
-              <a:t>2025-05-18</a:t>
+              <a:t>2025-05-19</a:t>
             </a:fld>
             <a:endParaRPr lang="ko-KR" altLang="en-US"/>
           </a:p>
@@ -15634,7 +15966,7 @@
               <a:t>텍스트 파일을 비동기적으로 읽어오는 </a:t>
             </a:r>
             <a:r>
-              <a:rPr lang="en-US" altLang="ko-KR" dirty="0" err="1">
+              <a:rPr lang="en-US" altLang="ko-KR" b="1" dirty="0" err="1">
                 <a:latin typeface="Pretendard" panose="02000503000000020004" pitchFamily="2" charset="-127"/>
                 <a:ea typeface="Pretendard" panose="02000503000000020004" pitchFamily="2" charset="-127"/>
                 <a:cs typeface="Pretendard" panose="02000503000000020004" pitchFamily="2" charset="-127"/>
@@ -15717,7 +16049,7 @@
               <a:t> </a:t>
             </a:r>
             <a:r>
-              <a:rPr lang="en-US" altLang="ko-KR" dirty="0" err="1">
+              <a:rPr lang="en-US" altLang="ko-KR" b="1" dirty="0" err="1">
                 <a:latin typeface="Pretendard" panose="02000503000000020004" pitchFamily="2" charset="-127"/>
                 <a:ea typeface="Pretendard" panose="02000503000000020004" pitchFamily="2" charset="-127"/>
                 <a:cs typeface="Pretendard" panose="02000503000000020004" pitchFamily="2" charset="-127"/>
@@ -15725,7 +16057,7 @@
               <a:t>ReadToEndAsync</a:t>
             </a:r>
             <a:r>
-              <a:rPr lang="en-US" altLang="ko-KR" dirty="0">
+              <a:rPr lang="en-US" altLang="ko-KR" b="1" dirty="0">
                 <a:latin typeface="Pretendard" panose="02000503000000020004" pitchFamily="2" charset="-127"/>
                 <a:ea typeface="Pretendard" panose="02000503000000020004" pitchFamily="2" charset="-127"/>
                 <a:cs typeface="Pretendard" panose="02000503000000020004" pitchFamily="2" charset="-127"/>
@@ -15739,14 +16071,6 @@
                 <a:cs typeface="Pretendard" panose="02000503000000020004" pitchFamily="2" charset="-127"/>
               </a:rPr>
               <a:t>메소드를 사용하여 읽어오는 부분도 비동기처리</a:t>
-            </a:r>
-            <a:r>
-              <a:rPr lang="en-US" altLang="ko-KR" dirty="0">
-                <a:latin typeface="Pretendard" panose="02000503000000020004" pitchFamily="2" charset="-127"/>
-                <a:ea typeface="Pretendard" panose="02000503000000020004" pitchFamily="2" charset="-127"/>
-                <a:cs typeface="Pretendard" panose="02000503000000020004" pitchFamily="2" charset="-127"/>
-              </a:rPr>
-              <a:t/>
             </a:r>
             <a:br>
               <a:rPr lang="en-US" altLang="ko-KR" dirty="0">
@@ -15836,7 +16160,7 @@
           <a:p>
             <a:fld id="{0F78D9C4-20C1-4B15-A116-16DC77AD9A1E}" type="datetime1">
               <a:rPr lang="ko-KR" altLang="en-US" smtClean="0"/>
-              <a:t>2025-05-18</a:t>
+              <a:t>2025-05-19</a:t>
             </a:fld>
             <a:endParaRPr lang="ko-KR" altLang="en-US"/>
           </a:p>
@@ -15953,10 +16277,9 @@
           <a:lstStyle/>
           <a:p>
             <a:r>
-              <a:rPr lang="ko-KR" altLang="en-US" dirty="0" smtClean="0"/>
+              <a:rPr lang="ko-KR" altLang="en-US" dirty="0"/>
               <a:t>스레드</a:t>
             </a:r>
-            <a:endParaRPr lang="ko-KR" altLang="en-US" dirty="0"/>
           </a:p>
         </p:txBody>
       </p:sp>
@@ -16029,7 +16352,7 @@
           <a:p>
             <a:fld id="{0F78D9C4-20C1-4B15-A116-16DC77AD9A1E}" type="datetime1">
               <a:rPr lang="ko-KR" altLang="en-US" smtClean="0"/>
-              <a:t>2025-05-18</a:t>
+              <a:t>2025-05-19</a:t>
             </a:fld>
             <a:endParaRPr lang="ko-KR" altLang="en-US"/>
           </a:p>
@@ -16257,10 +16580,6 @@
               <a:rPr lang="ko-KR" altLang="en-US" sz="1600" dirty="0"/>
               <a:t>프로세스 내부에서 작동하는 기능</a:t>
             </a:r>
-            <a:r>
-              <a:rPr lang="en-US" altLang="ko-KR" sz="1600" dirty="0"/>
-              <a:t/>
-            </a:r>
             <a:br>
               <a:rPr lang="en-US" altLang="ko-KR" sz="1600" dirty="0"/>
             </a:br>
@@ -16364,10 +16683,9 @@
           <a:lstStyle/>
           <a:p>
             <a:r>
-              <a:rPr lang="ko-KR" altLang="en-US" dirty="0" smtClean="0"/>
+              <a:rPr lang="ko-KR" altLang="en-US" dirty="0"/>
               <a:t>싱글 스레드</a:t>
             </a:r>
-            <a:endParaRPr lang="ko-KR" altLang="en-US" dirty="0"/>
           </a:p>
         </p:txBody>
       </p:sp>
@@ -16389,14 +16707,14 @@
           <a:lstStyle/>
           <a:p>
             <a:r>
-              <a:rPr lang="ko-KR" altLang="en-US" sz="3200" b="1" dirty="0" smtClean="0">
+              <a:rPr lang="ko-KR" altLang="en-US" sz="3200" b="1" dirty="0">
                 <a:latin typeface="Pretendard" panose="02000503000000020004" pitchFamily="2" charset="-127"/>
                 <a:ea typeface="Pretendard" panose="02000503000000020004" pitchFamily="2" charset="-127"/>
                 <a:cs typeface="Pretendard" panose="02000503000000020004" pitchFamily="2" charset="-127"/>
               </a:rPr>
               <a:t>싱글 스레드</a:t>
             </a:r>
-            <a:endParaRPr lang="en-US" altLang="ko-KR" sz="3200" b="1" dirty="0" smtClean="0">
+            <a:endParaRPr lang="en-US" altLang="ko-KR" sz="3200" b="1" dirty="0">
               <a:latin typeface="Pretendard" panose="02000503000000020004" pitchFamily="2" charset="-127"/>
               <a:ea typeface="Pretendard" panose="02000503000000020004" pitchFamily="2" charset="-127"/>
               <a:cs typeface="Pretendard" panose="02000503000000020004" pitchFamily="2" charset="-127"/>
@@ -16405,14 +16723,14 @@
           <a:p>
             <a:pPr lvl="1"/>
             <a:r>
-              <a:rPr lang="ko-KR" altLang="en-US" sz="2800" dirty="0" smtClean="0">
+              <a:rPr lang="ko-KR" altLang="en-US" sz="2800" dirty="0">
                 <a:latin typeface="Pretendard" panose="02000503000000020004" pitchFamily="2" charset="-127"/>
                 <a:ea typeface="Pretendard" panose="02000503000000020004" pitchFamily="2" charset="-127"/>
                 <a:cs typeface="Pretendard" panose="02000503000000020004" pitchFamily="2" charset="-127"/>
               </a:rPr>
               <a:t>하나의 작업만 순차적으로 처리하는 방식</a:t>
             </a:r>
-            <a:endParaRPr lang="en-US" altLang="ko-KR" sz="2800" dirty="0" smtClean="0">
+            <a:endParaRPr lang="en-US" altLang="ko-KR" sz="2800" dirty="0">
               <a:latin typeface="Pretendard" panose="02000503000000020004" pitchFamily="2" charset="-127"/>
               <a:ea typeface="Pretendard" panose="02000503000000020004" pitchFamily="2" charset="-127"/>
               <a:cs typeface="Pretendard" panose="02000503000000020004" pitchFamily="2" charset="-127"/>
@@ -16420,14 +16738,14 @@
           </a:p>
           <a:p>
             <a:r>
-              <a:rPr lang="ko-KR" altLang="en-US" sz="3200" dirty="0" smtClean="0">
+              <a:rPr lang="ko-KR" altLang="en-US" sz="3200" dirty="0">
                 <a:latin typeface="Pretendard" panose="02000503000000020004" pitchFamily="2" charset="-127"/>
                 <a:ea typeface="Pretendard" panose="02000503000000020004" pitchFamily="2" charset="-127"/>
                 <a:cs typeface="Pretendard" panose="02000503000000020004" pitchFamily="2" charset="-127"/>
               </a:rPr>
               <a:t>특징</a:t>
             </a:r>
-            <a:endParaRPr lang="en-US" altLang="ko-KR" sz="3200" dirty="0" smtClean="0">
+            <a:endParaRPr lang="en-US" altLang="ko-KR" sz="3200" dirty="0">
               <a:latin typeface="Pretendard" panose="02000503000000020004" pitchFamily="2" charset="-127"/>
               <a:ea typeface="Pretendard" panose="02000503000000020004" pitchFamily="2" charset="-127"/>
               <a:cs typeface="Pretendard" panose="02000503000000020004" pitchFamily="2" charset="-127"/>
@@ -16436,14 +16754,14 @@
           <a:p>
             <a:pPr lvl="1"/>
             <a:r>
-              <a:rPr lang="ko-KR" altLang="en-US" sz="2800" dirty="0" smtClean="0">
+              <a:rPr lang="ko-KR" altLang="en-US" sz="2800" dirty="0">
                 <a:latin typeface="Pretendard" panose="02000503000000020004" pitchFamily="2" charset="-127"/>
                 <a:ea typeface="Pretendard" panose="02000503000000020004" pitchFamily="2" charset="-127"/>
                 <a:cs typeface="Pretendard" panose="02000503000000020004" pitchFamily="2" charset="-127"/>
               </a:rPr>
               <a:t>한 번에 한 작업만 실행 가능</a:t>
             </a:r>
-            <a:endParaRPr lang="en-US" altLang="ko-KR" sz="2800" dirty="0" smtClean="0">
+            <a:endParaRPr lang="en-US" altLang="ko-KR" sz="2800" dirty="0">
               <a:latin typeface="Pretendard" panose="02000503000000020004" pitchFamily="2" charset="-127"/>
               <a:ea typeface="Pretendard" panose="02000503000000020004" pitchFamily="2" charset="-127"/>
               <a:cs typeface="Pretendard" panose="02000503000000020004" pitchFamily="2" charset="-127"/>
@@ -16452,7 +16770,7 @@
           <a:p>
             <a:pPr lvl="1"/>
             <a:r>
-              <a:rPr lang="ko-KR" altLang="en-US" sz="2800" dirty="0" smtClean="0">
+              <a:rPr lang="ko-KR" altLang="en-US" sz="2800" dirty="0">
                 <a:latin typeface="Pretendard" panose="02000503000000020004" pitchFamily="2" charset="-127"/>
                 <a:ea typeface="Pretendard" panose="02000503000000020004" pitchFamily="2" charset="-127"/>
                 <a:cs typeface="Pretendard" panose="02000503000000020004" pitchFamily="2" charset="-127"/>
@@ -16460,7 +16778,7 @@
               <a:t>이전 작업이 끝나야 다음 작업이 실행됨</a:t>
             </a:r>
             <a:r>
-              <a:rPr lang="en-US" altLang="ko-KR" sz="2800" dirty="0" smtClean="0">
+              <a:rPr lang="en-US" altLang="ko-KR" sz="2800" dirty="0">
                 <a:latin typeface="Pretendard" panose="02000503000000020004" pitchFamily="2" charset="-127"/>
                 <a:ea typeface="Pretendard" panose="02000503000000020004" pitchFamily="2" charset="-127"/>
                 <a:cs typeface="Pretendard" panose="02000503000000020004" pitchFamily="2" charset="-127"/>
@@ -16471,7 +16789,7 @@
           <a:p>
             <a:pPr lvl="1"/>
             <a:r>
-              <a:rPr lang="ko-KR" altLang="en-US" sz="2800" dirty="0" smtClean="0">
+              <a:rPr lang="ko-KR" altLang="en-US" sz="2800" dirty="0">
                 <a:latin typeface="Pretendard" panose="02000503000000020004" pitchFamily="2" charset="-127"/>
                 <a:ea typeface="Pretendard" panose="02000503000000020004" pitchFamily="2" charset="-127"/>
                 <a:cs typeface="Pretendard" panose="02000503000000020004" pitchFamily="2" charset="-127"/>
@@ -16479,7 +16797,7 @@
               <a:t>코드 실행 흐름이 직선형</a:t>
             </a:r>
             <a:r>
-              <a:rPr lang="en-US" altLang="ko-KR" sz="2800" dirty="0" smtClean="0">
+              <a:rPr lang="en-US" altLang="ko-KR" sz="2800" dirty="0">
                 <a:latin typeface="Pretendard" panose="02000503000000020004" pitchFamily="2" charset="-127"/>
                 <a:ea typeface="Pretendard" panose="02000503000000020004" pitchFamily="2" charset="-127"/>
                 <a:cs typeface="Pretendard" panose="02000503000000020004" pitchFamily="2" charset="-127"/>
@@ -16487,7 +16805,7 @@
               <a:t>(</a:t>
             </a:r>
             <a:r>
-              <a:rPr lang="ko-KR" altLang="en-US" sz="2800" dirty="0" smtClean="0">
+              <a:rPr lang="ko-KR" altLang="en-US" sz="2800" dirty="0">
                 <a:latin typeface="Pretendard" panose="02000503000000020004" pitchFamily="2" charset="-127"/>
                 <a:ea typeface="Pretendard" panose="02000503000000020004" pitchFamily="2" charset="-127"/>
                 <a:cs typeface="Pretendard" panose="02000503000000020004" pitchFamily="2" charset="-127"/>
@@ -16495,7 +16813,7 @@
               <a:t>순차적</a:t>
             </a:r>
             <a:r>
-              <a:rPr lang="en-US" altLang="ko-KR" sz="2800" dirty="0" smtClean="0">
+              <a:rPr lang="en-US" altLang="ko-KR" sz="2800" dirty="0">
                 <a:latin typeface="Pretendard" panose="02000503000000020004" pitchFamily="2" charset="-127"/>
                 <a:ea typeface="Pretendard" panose="02000503000000020004" pitchFamily="2" charset="-127"/>
                 <a:cs typeface="Pretendard" panose="02000503000000020004" pitchFamily="2" charset="-127"/>
@@ -16527,7 +16845,7 @@
           <a:p>
             <a:fld id="{0F78D9C4-20C1-4B15-A116-16DC77AD9A1E}" type="datetime1">
               <a:rPr lang="ko-KR" altLang="en-US" smtClean="0"/>
-              <a:t>2025-05-18</a:t>
+              <a:t>2025-05-19</a:t>
             </a:fld>
             <a:endParaRPr lang="ko-KR" altLang="en-US"/>
           </a:p>
@@ -16602,10 +16920,9 @@
           <a:lstStyle/>
           <a:p>
             <a:r>
-              <a:rPr lang="ko-KR" altLang="en-US" dirty="0" smtClean="0"/>
+              <a:rPr lang="ko-KR" altLang="en-US" dirty="0"/>
               <a:t>멀티 스레드</a:t>
             </a:r>
-            <a:endParaRPr lang="ko-KR" altLang="en-US" dirty="0"/>
           </a:p>
         </p:txBody>
       </p:sp>
@@ -16627,14 +16944,14 @@
           <a:lstStyle/>
           <a:p>
             <a:r>
-              <a:rPr lang="ko-KR" altLang="en-US" sz="3200" b="1" dirty="0" smtClean="0">
+              <a:rPr lang="ko-KR" altLang="en-US" sz="3200" b="1" dirty="0">
                 <a:latin typeface="Pretendard" panose="02000503000000020004" pitchFamily="2" charset="-127"/>
                 <a:ea typeface="Pretendard" panose="02000503000000020004" pitchFamily="2" charset="-127"/>
                 <a:cs typeface="Pretendard" panose="02000503000000020004" pitchFamily="2" charset="-127"/>
               </a:rPr>
               <a:t>멀티 스레드</a:t>
             </a:r>
-            <a:endParaRPr lang="en-US" altLang="ko-KR" sz="3200" b="1" dirty="0" smtClean="0">
+            <a:endParaRPr lang="en-US" altLang="ko-KR" sz="3200" b="1" dirty="0">
               <a:latin typeface="Pretendard" panose="02000503000000020004" pitchFamily="2" charset="-127"/>
               <a:ea typeface="Pretendard" panose="02000503000000020004" pitchFamily="2" charset="-127"/>
               <a:cs typeface="Pretendard" panose="02000503000000020004" pitchFamily="2" charset="-127"/>
@@ -16643,14 +16960,14 @@
           <a:p>
             <a:pPr lvl="1"/>
             <a:r>
-              <a:rPr lang="ko-KR" altLang="en-US" sz="2800" dirty="0" smtClean="0">
+              <a:rPr lang="ko-KR" altLang="en-US" sz="2800" dirty="0">
                 <a:latin typeface="Pretendard" panose="02000503000000020004" pitchFamily="2" charset="-127"/>
                 <a:ea typeface="Pretendard" panose="02000503000000020004" pitchFamily="2" charset="-127"/>
                 <a:cs typeface="Pretendard" panose="02000503000000020004" pitchFamily="2" charset="-127"/>
               </a:rPr>
               <a:t>여러 작업을 동시에 처리하는 방식</a:t>
             </a:r>
-            <a:endParaRPr lang="en-US" altLang="ko-KR" sz="2800" dirty="0" smtClean="0">
+            <a:endParaRPr lang="en-US" altLang="ko-KR" sz="2800" dirty="0">
               <a:latin typeface="Pretendard" panose="02000503000000020004" pitchFamily="2" charset="-127"/>
               <a:ea typeface="Pretendard" panose="02000503000000020004" pitchFamily="2" charset="-127"/>
               <a:cs typeface="Pretendard" panose="02000503000000020004" pitchFamily="2" charset="-127"/>
@@ -16658,14 +16975,14 @@
           </a:p>
           <a:p>
             <a:r>
-              <a:rPr lang="ko-KR" altLang="en-US" sz="3200" dirty="0" smtClean="0">
+              <a:rPr lang="ko-KR" altLang="en-US" sz="3200" dirty="0">
                 <a:latin typeface="Pretendard" panose="02000503000000020004" pitchFamily="2" charset="-127"/>
                 <a:ea typeface="Pretendard" panose="02000503000000020004" pitchFamily="2" charset="-127"/>
                 <a:cs typeface="Pretendard" panose="02000503000000020004" pitchFamily="2" charset="-127"/>
               </a:rPr>
               <a:t>특징</a:t>
             </a:r>
-            <a:endParaRPr lang="en-US" altLang="ko-KR" sz="3200" dirty="0" smtClean="0">
+            <a:endParaRPr lang="en-US" altLang="ko-KR" sz="3200" dirty="0">
               <a:latin typeface="Pretendard" panose="02000503000000020004" pitchFamily="2" charset="-127"/>
               <a:ea typeface="Pretendard" panose="02000503000000020004" pitchFamily="2" charset="-127"/>
               <a:cs typeface="Pretendard" panose="02000503000000020004" pitchFamily="2" charset="-127"/>
@@ -16674,14 +16991,14 @@
           <a:p>
             <a:pPr lvl="1"/>
             <a:r>
-              <a:rPr lang="ko-KR" altLang="en-US" sz="2800" dirty="0" smtClean="0">
+              <a:rPr lang="ko-KR" altLang="en-US" sz="2800" dirty="0">
                 <a:latin typeface="Pretendard" panose="02000503000000020004" pitchFamily="2" charset="-127"/>
                 <a:ea typeface="Pretendard" panose="02000503000000020004" pitchFamily="2" charset="-127"/>
                 <a:cs typeface="Pretendard" panose="02000503000000020004" pitchFamily="2" charset="-127"/>
               </a:rPr>
               <a:t>두 개 이상의 작업을 병렬로 실행</a:t>
             </a:r>
-            <a:endParaRPr lang="en-US" altLang="ko-KR" sz="2800" dirty="0" smtClean="0">
+            <a:endParaRPr lang="en-US" altLang="ko-KR" sz="2800" dirty="0">
               <a:latin typeface="Pretendard" panose="02000503000000020004" pitchFamily="2" charset="-127"/>
               <a:ea typeface="Pretendard" panose="02000503000000020004" pitchFamily="2" charset="-127"/>
               <a:cs typeface="Pretendard" panose="02000503000000020004" pitchFamily="2" charset="-127"/>
@@ -16690,7 +17007,7 @@
           <a:p>
             <a:pPr lvl="1"/>
             <a:r>
-              <a:rPr lang="ko-KR" altLang="en-US" sz="2800" dirty="0" smtClean="0">
+              <a:rPr lang="ko-KR" altLang="en-US" sz="2800" dirty="0">
                 <a:latin typeface="Pretendard" panose="02000503000000020004" pitchFamily="2" charset="-127"/>
                 <a:ea typeface="Pretendard" panose="02000503000000020004" pitchFamily="2" charset="-127"/>
                 <a:cs typeface="Pretendard" panose="02000503000000020004" pitchFamily="2" charset="-127"/>
@@ -16698,7 +17015,7 @@
               <a:t>백그라운드 작업을 수행하면서도 </a:t>
             </a:r>
             <a:r>
-              <a:rPr lang="en-US" altLang="ko-KR" sz="2800" dirty="0" smtClean="0">
+              <a:rPr lang="en-US" altLang="ko-KR" sz="2800" dirty="0">
                 <a:latin typeface="Pretendard" panose="02000503000000020004" pitchFamily="2" charset="-127"/>
                 <a:ea typeface="Pretendard" panose="02000503000000020004" pitchFamily="2" charset="-127"/>
                 <a:cs typeface="Pretendard" panose="02000503000000020004" pitchFamily="2" charset="-127"/>
@@ -16706,7 +17023,7 @@
               <a:t>UI</a:t>
             </a:r>
             <a:r>
-              <a:rPr lang="ko-KR" altLang="en-US" sz="2800" dirty="0" smtClean="0">
+              <a:rPr lang="ko-KR" altLang="en-US" sz="2800" dirty="0">
                 <a:latin typeface="Pretendard" panose="02000503000000020004" pitchFamily="2" charset="-127"/>
                 <a:ea typeface="Pretendard" panose="02000503000000020004" pitchFamily="2" charset="-127"/>
                 <a:cs typeface="Pretendard" panose="02000503000000020004" pitchFamily="2" charset="-127"/>
@@ -16714,7 +17031,7 @@
               <a:t>가 멈추지 않음</a:t>
             </a:r>
             <a:r>
-              <a:rPr lang="en-US" altLang="ko-KR" sz="2800" dirty="0" smtClean="0">
+              <a:rPr lang="en-US" altLang="ko-KR" sz="2800" dirty="0">
                 <a:latin typeface="Pretendard" panose="02000503000000020004" pitchFamily="2" charset="-127"/>
                 <a:ea typeface="Pretendard" panose="02000503000000020004" pitchFamily="2" charset="-127"/>
                 <a:cs typeface="Pretendard" panose="02000503000000020004" pitchFamily="2" charset="-127"/>
@@ -16725,7 +17042,7 @@
           <a:p>
             <a:pPr lvl="1"/>
             <a:r>
-              <a:rPr lang="ko-KR" altLang="en-US" sz="2800" dirty="0" smtClean="0">
+              <a:rPr lang="ko-KR" altLang="en-US" sz="2800" dirty="0">
                 <a:latin typeface="Pretendard" panose="02000503000000020004" pitchFamily="2" charset="-127"/>
                 <a:ea typeface="Pretendard" panose="02000503000000020004" pitchFamily="2" charset="-127"/>
                 <a:cs typeface="Pretendard" panose="02000503000000020004" pitchFamily="2" charset="-127"/>
@@ -16733,7 +17050,7 @@
               <a:t>처리 속도 향상 </a:t>
             </a:r>
             <a:r>
-              <a:rPr lang="en-US" altLang="ko-KR" sz="2800" dirty="0" smtClean="0">
+              <a:rPr lang="en-US" altLang="ko-KR" sz="2800" dirty="0">
                 <a:latin typeface="Pretendard" panose="02000503000000020004" pitchFamily="2" charset="-127"/>
                 <a:ea typeface="Pretendard" panose="02000503000000020004" pitchFamily="2" charset="-127"/>
                 <a:cs typeface="Pretendard" panose="02000503000000020004" pitchFamily="2" charset="-127"/>
@@ -16741,7 +17058,7 @@
               <a:t>(CPU </a:t>
             </a:r>
             <a:r>
-              <a:rPr lang="ko-KR" altLang="en-US" sz="2800" dirty="0" smtClean="0">
+              <a:rPr lang="ko-KR" altLang="en-US" sz="2800" dirty="0">
                 <a:latin typeface="Pretendard" panose="02000503000000020004" pitchFamily="2" charset="-127"/>
                 <a:ea typeface="Pretendard" panose="02000503000000020004" pitchFamily="2" charset="-127"/>
                 <a:cs typeface="Pretendard" panose="02000503000000020004" pitchFamily="2" charset="-127"/>
@@ -16749,7 +17066,7 @@
               <a:t>효율 증가</a:t>
             </a:r>
             <a:r>
-              <a:rPr lang="en-US" altLang="ko-KR" sz="2800" dirty="0" smtClean="0">
+              <a:rPr lang="en-US" altLang="ko-KR" sz="2800" dirty="0">
                 <a:latin typeface="Pretendard" panose="02000503000000020004" pitchFamily="2" charset="-127"/>
                 <a:ea typeface="Pretendard" panose="02000503000000020004" pitchFamily="2" charset="-127"/>
                 <a:cs typeface="Pretendard" panose="02000503000000020004" pitchFamily="2" charset="-127"/>

--- a/material/16_CSharp_심화문법 (멀티스레드).pptx
+++ b/material/16_CSharp_심화문법 (멀티스레드).pptx
@@ -247,7 +247,7 @@
           <a:p>
             <a:fld id="{2EF3F159-7250-4DD4-91C2-13B35D56E1AF}" type="datetimeFigureOut">
               <a:rPr lang="ko-KR" altLang="en-US" smtClean="0"/>
-              <a:t>2025-05-19</a:t>
+              <a:t>2025-05-20</a:t>
             </a:fld>
             <a:endParaRPr lang="ko-KR" altLang="en-US"/>
           </a:p>
@@ -1572,89 +1572,8 @@
           <a:lstStyle/>
           <a:p>
             <a:r>
-              <a:rPr lang="en-US" altLang="ko-KR" dirty="0"/>
-              <a:t>1</a:t>
-            </a:r>
-            <a:r>
-              <a:rPr lang="ko-KR" altLang="en-US" dirty="0"/>
-              <a:t>번 스레드는 </a:t>
-            </a:r>
-            <a:r>
-              <a:rPr lang="en-US" altLang="ko-KR" dirty="0" err="1"/>
-              <a:t>MainThread</a:t>
-            </a:r>
-            <a:r>
-              <a:rPr lang="ko-KR" altLang="en-US" dirty="0"/>
-              <a:t>인 </a:t>
-            </a:r>
-            <a:r>
-              <a:rPr lang="en-US" altLang="ko-KR" dirty="0"/>
-              <a:t>From</a:t>
-            </a:r>
-            <a:r>
-              <a:rPr lang="ko-KR" altLang="en-US" dirty="0"/>
-              <a:t>을 의미</a:t>
-            </a:r>
-            <a:endParaRPr lang="en-US" altLang="ko-KR" dirty="0"/>
-          </a:p>
-          <a:p>
-            <a:endParaRPr lang="en-US" altLang="ko-KR" dirty="0"/>
-          </a:p>
-          <a:p>
-            <a:r>
-              <a:rPr lang="ko-KR" altLang="en-US" dirty="0"/>
-              <a:t>→ </a:t>
-            </a:r>
-            <a:r>
-              <a:rPr lang="en-US" altLang="ko-KR" dirty="0" err="1"/>
-              <a:t>MyThread</a:t>
-            </a:r>
-            <a:r>
-              <a:rPr lang="en-US" altLang="ko-KR" dirty="0"/>
-              <a:t> </a:t>
-            </a:r>
-            <a:r>
-              <a:rPr lang="ko-KR" altLang="en-US" dirty="0"/>
-              <a:t>메서드를 새로운 스레드로 실행하겠다는 의미</a:t>
-            </a:r>
-            <a:endParaRPr lang="en-US" altLang="ko-KR" dirty="0"/>
-          </a:p>
-          <a:p>
-            <a:r>
-              <a:rPr lang="ko-KR" altLang="en-US" dirty="0"/>
-              <a:t>메인 </a:t>
-            </a:r>
-            <a:r>
-              <a:rPr lang="en-US" altLang="ko-KR" dirty="0"/>
-              <a:t>UI </a:t>
-            </a:r>
-            <a:r>
-              <a:rPr lang="ko-KR" altLang="en-US" dirty="0"/>
-              <a:t>스레드와는 별개로 </a:t>
-            </a:r>
-            <a:r>
-              <a:rPr lang="en-US" altLang="ko-KR" dirty="0" err="1"/>
-              <a:t>MyThread</a:t>
-            </a:r>
-            <a:r>
-              <a:rPr lang="en-US" altLang="ko-KR" dirty="0"/>
-              <a:t>() </a:t>
-            </a:r>
-            <a:r>
-              <a:rPr lang="ko-KR" altLang="en-US" dirty="0"/>
-              <a:t>메서드가 </a:t>
-            </a:r>
-            <a:r>
-              <a:rPr lang="ko-KR" altLang="en-US" b="1" dirty="0"/>
-              <a:t>비동기적으로</a:t>
-            </a:r>
-            <a:r>
-              <a:rPr lang="ko-KR" altLang="en-US" dirty="0"/>
-              <a:t> 실행됩니다</a:t>
-            </a:r>
-            <a:r>
-              <a:rPr lang="en-US" altLang="ko-KR" dirty="0"/>
-              <a:t>.</a:t>
+              <a:rPr lang="ko-KR" altLang="en-US" dirty="0" err="1"/>
+              <a:t>ㄴㅇㄹㄴㅇㄹ</a:t>
             </a:r>
             <a:endParaRPr lang="ko-KR" altLang="en-US" dirty="0"/>
           </a:p>
@@ -1677,7 +1596,7 @@
           <a:p>
             <a:fld id="{C09E5BFC-1559-42F1-8940-AB342D56BF02}" type="slidenum">
               <a:rPr lang="ko-KR" altLang="en-US" smtClean="0"/>
-              <a:t>15</a:t>
+              <a:t>14</a:t>
             </a:fld>
             <a:endParaRPr lang="ko-KR" altLang="en-US"/>
           </a:p>
@@ -1686,7 +1605,7 @@
     </p:spTree>
     <p:extLst>
       <p:ext uri="{BB962C8B-B14F-4D97-AF65-F5344CB8AC3E}">
-        <p14:creationId xmlns:p14="http://schemas.microsoft.com/office/powerpoint/2010/main" val="2039142964"/>
+        <p14:creationId xmlns:p14="http://schemas.microsoft.com/office/powerpoint/2010/main" val="2813757903"/>
       </p:ext>
     </p:extLst>
   </p:cSld>
@@ -1741,264 +1660,89 @@
           <a:lstStyle/>
           <a:p>
             <a:r>
-              <a:rPr lang="ko-KR" altLang="en-US" dirty="0"/>
-              <a:t>컨텍스트 스위칭이 일어나면서 코드가 기대한 것과 같이 정상 작동하지 않음</a:t>
+              <a:rPr lang="en-US" altLang="ko-KR" dirty="0"/>
+              <a:t>1</a:t>
+            </a:r>
+            <a:r>
+              <a:rPr lang="ko-KR" altLang="en-US" dirty="0"/>
+              <a:t>번 스레드는 </a:t>
+            </a:r>
+            <a:r>
+              <a:rPr lang="en-US" altLang="ko-KR" dirty="0" err="1"/>
+              <a:t>MainThread</a:t>
+            </a:r>
+            <a:r>
+              <a:rPr lang="ko-KR" altLang="en-US" dirty="0"/>
+              <a:t>인 </a:t>
+            </a:r>
+            <a:r>
+              <a:rPr lang="en-US" altLang="ko-KR" dirty="0"/>
+              <a:t>From</a:t>
+            </a:r>
+            <a:r>
+              <a:rPr lang="ko-KR" altLang="en-US" dirty="0"/>
+              <a:t>을 의미</a:t>
             </a:r>
             <a:endParaRPr lang="en-US" altLang="ko-KR" dirty="0"/>
           </a:p>
           <a:p>
-            <a:r>
-              <a:rPr lang="ko-KR" altLang="en-US" dirty="0"/>
-              <a:t>두 개의 스레드가 </a:t>
+            <a:endParaRPr lang="en-US" altLang="ko-KR" dirty="0"/>
+          </a:p>
+          <a:p>
+            <a:r>
+              <a:rPr lang="ko-KR" altLang="en-US" dirty="0"/>
+              <a:t>→ </a:t>
+            </a:r>
+            <a:r>
+              <a:rPr lang="en-US" altLang="ko-KR" dirty="0" err="1"/>
+              <a:t>MyThread</a:t>
+            </a:r>
+            <a:r>
+              <a:rPr lang="en-US" altLang="ko-KR" dirty="0"/>
+              <a:t> </a:t>
+            </a:r>
+            <a:r>
+              <a:rPr lang="ko-KR" altLang="en-US" dirty="0"/>
+              <a:t>메서드를 새로운 스레드로 실행하겠다는 의미</a:t>
+            </a:r>
+            <a:endParaRPr lang="en-US" altLang="ko-KR" dirty="0"/>
+          </a:p>
+          <a:p>
+            <a:r>
+              <a:rPr lang="ko-KR" altLang="en-US" dirty="0"/>
+              <a:t>메인 </a:t>
+            </a:r>
+            <a:r>
+              <a:rPr lang="en-US" altLang="ko-KR" dirty="0"/>
+              <a:t>UI </a:t>
+            </a:r>
+            <a:r>
+              <a:rPr lang="ko-KR" altLang="en-US" dirty="0"/>
+              <a:t>스레드와는 별개로 </a:t>
+            </a:r>
+            <a:r>
+              <a:rPr lang="en-US" altLang="ko-KR" dirty="0" err="1"/>
+              <a:t>MyThread</a:t>
+            </a:r>
+            <a:r>
+              <a:rPr lang="en-US" altLang="ko-KR" dirty="0"/>
+              <a:t>() </a:t>
+            </a:r>
+            <a:r>
+              <a:rPr lang="ko-KR" altLang="en-US" dirty="0"/>
+              <a:t>메서드가 </a:t>
             </a:r>
             <a:r>
               <a:rPr lang="ko-KR" altLang="en-US" b="1" dirty="0"/>
-              <a:t>공통된 변수</a:t>
-            </a:r>
-            <a:r>
-              <a:rPr lang="en-US" altLang="ko-KR" b="1" dirty="0"/>
-              <a:t>(</a:t>
-            </a:r>
-            <a:r>
-              <a:rPr lang="en-US" altLang="ko-KR" b="1" dirty="0" err="1"/>
-              <a:t>sharedData</a:t>
-            </a:r>
-            <a:r>
-              <a:rPr lang="en-US" altLang="ko-KR" b="1" dirty="0"/>
-              <a:t>)</a:t>
-            </a:r>
-            <a:r>
-              <a:rPr lang="ko-KR" altLang="en-US" dirty="0"/>
-              <a:t> 를 수정할 때 발생할 수 있는 </a:t>
-            </a:r>
-            <a:r>
-              <a:rPr lang="ko-KR" altLang="en-US" b="1" dirty="0"/>
-              <a:t>동기화 문제</a:t>
-            </a:r>
-            <a:endParaRPr lang="en-US" altLang="ko-KR" b="1" dirty="0"/>
-          </a:p>
-          <a:p>
-            <a:endParaRPr lang="en-US" altLang="ko-KR" b="1" dirty="0"/>
-          </a:p>
-          <a:p>
-            <a:r>
-              <a:rPr lang="en-US" altLang="ko-KR" dirty="0"/>
-              <a:t>static </a:t>
-            </a:r>
-            <a:r>
-              <a:rPr lang="en-US" altLang="ko-KR" dirty="0" err="1"/>
-              <a:t>int</a:t>
-            </a:r>
-            <a:r>
-              <a:rPr lang="en-US" altLang="ko-KR" dirty="0"/>
-              <a:t> </a:t>
-            </a:r>
-            <a:r>
-              <a:rPr lang="en-US" altLang="ko-KR" dirty="0" err="1"/>
-              <a:t>sharedData</a:t>
-            </a:r>
-            <a:r>
-              <a:rPr lang="en-US" altLang="ko-KR" dirty="0"/>
-              <a:t> = 0;</a:t>
-            </a:r>
-          </a:p>
-          <a:p>
-            <a:pPr marL="171450" indent="-171450">
-              <a:buFontTx/>
-              <a:buChar char="-"/>
-            </a:pPr>
-            <a:r>
-              <a:rPr lang="ko-KR" altLang="en-US" dirty="0"/>
-              <a:t>두 스레드가 함께 접근하게 될 </a:t>
-            </a:r>
-            <a:r>
-              <a:rPr lang="ko-KR" altLang="en-US" b="1" dirty="0"/>
-              <a:t>공유 변수</a:t>
-            </a:r>
-            <a:endParaRPr lang="en-US" altLang="ko-KR" b="1" dirty="0"/>
-          </a:p>
-          <a:p>
-            <a:pPr marL="171450" indent="-171450">
-              <a:buFontTx/>
-              <a:buChar char="-"/>
-            </a:pPr>
-            <a:endParaRPr lang="en-US" altLang="ko-KR" b="1" dirty="0"/>
-          </a:p>
-          <a:p>
-            <a:pPr marL="0" indent="0">
-              <a:buFontTx/>
-              <a:buNone/>
-            </a:pPr>
-            <a:r>
-              <a:rPr lang="en-US" altLang="ko-KR" b="1" dirty="0"/>
-              <a:t>Thread thread1 = new Thread(UpdateData1);</a:t>
-            </a:r>
-          </a:p>
-          <a:p>
-            <a:pPr marL="0" indent="0">
-              <a:buFontTx/>
-              <a:buNone/>
-            </a:pPr>
-            <a:r>
-              <a:rPr lang="en-US" altLang="ko-KR" b="1" dirty="0"/>
-              <a:t>Thread thread2 = new Thread(UpdateData2);</a:t>
-            </a:r>
-          </a:p>
-          <a:p>
-            <a:pPr marL="171450" indent="-171450">
-              <a:buFontTx/>
-              <a:buChar char="-"/>
-            </a:pPr>
-            <a:r>
-              <a:rPr lang="en-US" altLang="ko-KR" dirty="0"/>
-              <a:t>UpdateData1, UpdateData2</a:t>
-            </a:r>
-            <a:r>
-              <a:rPr lang="ko-KR" altLang="en-US" dirty="0"/>
-              <a:t>는 각각 다른 </a:t>
-            </a:r>
-            <a:r>
-              <a:rPr lang="ko-KR" altLang="en-US" dirty="0" err="1"/>
-              <a:t>함수지만</a:t>
-            </a:r>
-            <a:r>
-              <a:rPr lang="en-US" altLang="ko-KR" dirty="0"/>
-              <a:t>, </a:t>
-            </a:r>
-            <a:r>
-              <a:rPr lang="ko-KR" altLang="en-US" dirty="0"/>
-              <a:t>동일한 공유 변수 </a:t>
-            </a:r>
-            <a:r>
-              <a:rPr lang="en-US" altLang="ko-KR" dirty="0" err="1"/>
-              <a:t>sharedData</a:t>
-            </a:r>
-            <a:r>
-              <a:rPr lang="ko-KR" altLang="en-US" dirty="0"/>
-              <a:t>에 접근</a:t>
-            </a:r>
-            <a:endParaRPr lang="en-US" altLang="ko-KR" dirty="0"/>
-          </a:p>
-          <a:p>
-            <a:pPr marL="171450" indent="-171450">
-              <a:buFontTx/>
-              <a:buChar char="-"/>
-            </a:pPr>
-            <a:endParaRPr lang="en-US" altLang="ko-KR" dirty="0"/>
-          </a:p>
-          <a:p>
-            <a:pPr marL="0" indent="0">
-              <a:buFontTx/>
-              <a:buNone/>
-            </a:pPr>
-            <a:r>
-              <a:rPr lang="en-US" altLang="ko-KR" dirty="0"/>
-              <a:t>thread1.Join();</a:t>
-            </a:r>
-          </a:p>
-          <a:p>
-            <a:pPr marL="0" indent="0">
-              <a:buFontTx/>
-              <a:buNone/>
-            </a:pPr>
-            <a:r>
-              <a:rPr lang="en-US" altLang="ko-KR" dirty="0"/>
-              <a:t>thread2.Join();</a:t>
-            </a:r>
-          </a:p>
-          <a:p>
-            <a:pPr marL="171450" indent="-171450">
-              <a:buFontTx/>
-              <a:buChar char="-"/>
-            </a:pPr>
-            <a:r>
-              <a:rPr lang="en-US" altLang="ko-KR" dirty="0"/>
-              <a:t>Join()</a:t>
-            </a:r>
-            <a:r>
-              <a:rPr lang="ko-KR" altLang="en-US" dirty="0"/>
-              <a:t>은 해당 스레드가 </a:t>
-            </a:r>
-            <a:r>
-              <a:rPr lang="ko-KR" altLang="en-US" b="1" dirty="0"/>
-              <a:t>완전히 끝날 때까지 메인 스레드를 대기시킴</a:t>
-            </a:r>
-            <a:endParaRPr lang="en-US" altLang="ko-KR" b="1" dirty="0"/>
-          </a:p>
-          <a:p>
-            <a:pPr marL="0" indent="0">
-              <a:buFontTx/>
-              <a:buNone/>
-            </a:pPr>
-            <a:endParaRPr lang="en-US" altLang="ko-KR" b="1" dirty="0"/>
-          </a:p>
-          <a:p>
-            <a:pPr marL="0" indent="0">
-              <a:buFontTx/>
-              <a:buNone/>
-            </a:pPr>
-            <a:r>
-              <a:rPr lang="ko-KR" altLang="en-US" b="1" dirty="0" err="1"/>
-              <a:t>멀티스레드</a:t>
-            </a:r>
-            <a:r>
-              <a:rPr lang="ko-KR" altLang="en-US" b="1" dirty="0"/>
-              <a:t> 환경에서 이 연산들이 서로 뒤섞이면</a:t>
-            </a:r>
-            <a:r>
-              <a:rPr lang="en-US" altLang="ko-KR" dirty="0"/>
-              <a:t>, </a:t>
-            </a:r>
-            <a:r>
-              <a:rPr lang="ko-KR" altLang="en-US" dirty="0"/>
-              <a:t>값이 중복되거나 </a:t>
-            </a:r>
-            <a:r>
-              <a:rPr lang="ko-KR" altLang="en-US" dirty="0" err="1"/>
-              <a:t>스킵될</a:t>
-            </a:r>
-            <a:r>
-              <a:rPr lang="ko-KR" altLang="en-US" dirty="0"/>
-              <a:t> 수 있습니다 </a:t>
-            </a:r>
-            <a:r>
-              <a:rPr lang="en-US" altLang="ko-KR" dirty="0"/>
-              <a:t>(</a:t>
-            </a:r>
-            <a:r>
-              <a:rPr lang="ko-KR" altLang="en-US" dirty="0"/>
-              <a:t>경쟁 조건 발생</a:t>
-            </a:r>
-            <a:r>
-              <a:rPr lang="en-US" altLang="ko-KR" dirty="0"/>
-              <a:t>)</a:t>
-            </a:r>
-            <a:endParaRPr lang="en-US" altLang="ko-KR" b="1" dirty="0"/>
-          </a:p>
-          <a:p>
-            <a:pPr marL="0" indent="0">
-              <a:buFontTx/>
-              <a:buNone/>
-            </a:pPr>
-            <a:r>
-              <a:rPr lang="en-US" altLang="ko-KR" dirty="0"/>
-              <a:t>Race Condition (</a:t>
-            </a:r>
-            <a:r>
-              <a:rPr lang="ko-KR" altLang="en-US" dirty="0"/>
-              <a:t>경쟁 조건</a:t>
-            </a:r>
-            <a:r>
-              <a:rPr lang="en-US" altLang="ko-KR" dirty="0"/>
-              <a:t>)</a:t>
-            </a:r>
-            <a:r>
-              <a:rPr lang="ko-KR" altLang="en-US" dirty="0"/>
-              <a:t>여러 스레드가 동시에 공유 데이터를 수정하면서 발생하는 </a:t>
-            </a:r>
-            <a:r>
-              <a:rPr lang="ko-KR" altLang="en-US" b="1" dirty="0"/>
-              <a:t>비정상적인 결과 현상</a:t>
+              <a:t>비동기적으로</a:t>
+            </a:r>
+            <a:r>
+              <a:rPr lang="ko-KR" altLang="en-US" dirty="0"/>
+              <a:t> 실행됩니다</a:t>
+            </a:r>
+            <a:r>
+              <a:rPr lang="en-US" altLang="ko-KR" dirty="0"/>
+              <a:t>.</a:t>
             </a:r>
             <a:endParaRPr lang="ko-KR" altLang="en-US" dirty="0"/>
           </a:p>
@@ -2021,7 +1765,7 @@
           <a:p>
             <a:fld id="{C09E5BFC-1559-42F1-8940-AB342D56BF02}" type="slidenum">
               <a:rPr lang="ko-KR" altLang="en-US" smtClean="0"/>
-              <a:t>16</a:t>
+              <a:t>15</a:t>
             </a:fld>
             <a:endParaRPr lang="ko-KR" altLang="en-US"/>
           </a:p>
@@ -2030,7 +1774,7 @@
     </p:spTree>
     <p:extLst>
       <p:ext uri="{BB962C8B-B14F-4D97-AF65-F5344CB8AC3E}">
-        <p14:creationId xmlns:p14="http://schemas.microsoft.com/office/powerpoint/2010/main" val="1028731136"/>
+        <p14:creationId xmlns:p14="http://schemas.microsoft.com/office/powerpoint/2010/main" val="2039142964"/>
       </p:ext>
     </p:extLst>
   </p:cSld>
@@ -2085,40 +1829,39 @@
           <a:lstStyle/>
           <a:p>
             <a:r>
-              <a:rPr lang="en-US" altLang="ko-KR" dirty="0"/>
-              <a:t>lock</a:t>
-            </a:r>
-            <a:r>
-              <a:rPr lang="ko-KR" altLang="en-US" dirty="0"/>
-              <a:t>은 </a:t>
-            </a:r>
-            <a:r>
-              <a:rPr lang="en-US" altLang="ko-KR" dirty="0"/>
-              <a:t>C#</a:t>
-            </a:r>
-            <a:r>
-              <a:rPr lang="ko-KR" altLang="en-US" dirty="0"/>
-              <a:t>에서 </a:t>
+              <a:rPr lang="ko-KR" altLang="en-US" dirty="0"/>
+              <a:t>컨텍스트 스위칭이 일어나면서 코드가 기대한 것과 같이 정상 작동하지 않음</a:t>
+            </a:r>
+            <a:endParaRPr lang="en-US" altLang="ko-KR" dirty="0"/>
+          </a:p>
+          <a:p>
+            <a:r>
+              <a:rPr lang="ko-KR" altLang="en-US" dirty="0"/>
+              <a:t>두 개의 스레드가 </a:t>
             </a:r>
             <a:r>
               <a:rPr lang="ko-KR" altLang="en-US" b="1" dirty="0"/>
-              <a:t>스레드 간의 충돌</a:t>
+              <a:t>공통된 변수</a:t>
             </a:r>
             <a:r>
               <a:rPr lang="en-US" altLang="ko-KR" b="1" dirty="0"/>
               <a:t>(</a:t>
             </a:r>
             <a:r>
-              <a:rPr lang="ko-KR" altLang="en-US" b="1" dirty="0"/>
-              <a:t>동시 접근</a:t>
+              <a:rPr lang="en-US" altLang="ko-KR" b="1" dirty="0" err="1"/>
+              <a:t>sharedData</a:t>
             </a:r>
             <a:r>
               <a:rPr lang="en-US" altLang="ko-KR" b="1" dirty="0"/>
               <a:t>)</a:t>
             </a:r>
             <a:r>
+              <a:rPr lang="ko-KR" altLang="en-US" dirty="0"/>
+              <a:t> 를 수정할 때 발생할 수 있는 </a:t>
+            </a:r>
+            <a:r>
               <a:rPr lang="ko-KR" altLang="en-US" b="1" dirty="0"/>
-              <a:t>을 방지하기 위해 사용하는 키워드</a:t>
+              <a:t>동기화 문제</a:t>
             </a:r>
             <a:endParaRPr lang="en-US" altLang="ko-KR" b="1" dirty="0"/>
           </a:p>
@@ -2128,94 +1871,222 @@
           <a:p>
             <a:r>
               <a:rPr lang="en-US" altLang="ko-KR" dirty="0"/>
-              <a:t>lock</a:t>
-            </a:r>
-            <a:r>
-              <a:rPr lang="ko-KR" altLang="en-US" dirty="0"/>
-              <a:t>을 사용하면 </a:t>
+              <a:t>static </a:t>
+            </a:r>
+            <a:r>
+              <a:rPr lang="en-US" altLang="ko-KR" dirty="0" err="1"/>
+              <a:t>int</a:t>
+            </a:r>
+            <a:r>
+              <a:rPr lang="en-US" altLang="ko-KR" dirty="0"/>
+              <a:t> </a:t>
+            </a:r>
+            <a:r>
+              <a:rPr lang="en-US" altLang="ko-KR" dirty="0" err="1"/>
+              <a:t>sharedData</a:t>
+            </a:r>
+            <a:r>
+              <a:rPr lang="en-US" altLang="ko-KR" dirty="0"/>
+              <a:t> = 0;</a:t>
+            </a:r>
+          </a:p>
+          <a:p>
+            <a:pPr marL="171450" indent="-171450">
+              <a:buFontTx/>
+              <a:buChar char="-"/>
+            </a:pPr>
+            <a:r>
+              <a:rPr lang="ko-KR" altLang="en-US" dirty="0"/>
+              <a:t>두 스레드가 함께 접근하게 될 </a:t>
             </a:r>
             <a:r>
               <a:rPr lang="ko-KR" altLang="en-US" b="1" dirty="0"/>
-              <a:t>스레드가 공유 자원에 동시에 접근하는 것을 막아</a:t>
+              <a:t>공유 변수</a:t>
+            </a:r>
+            <a:endParaRPr lang="en-US" altLang="ko-KR" b="1" dirty="0"/>
+          </a:p>
+          <a:p>
+            <a:pPr marL="171450" indent="-171450">
+              <a:buFontTx/>
+              <a:buChar char="-"/>
+            </a:pPr>
+            <a:endParaRPr lang="en-US" altLang="ko-KR" b="1" dirty="0"/>
+          </a:p>
+          <a:p>
+            <a:pPr marL="0" indent="0">
+              <a:buFontTx/>
+              <a:buNone/>
+            </a:pPr>
+            <a:r>
+              <a:rPr lang="en-US" altLang="ko-KR" b="1" dirty="0"/>
+              <a:t>Thread thread1 = new Thread(UpdateData1);</a:t>
+            </a:r>
+          </a:p>
+          <a:p>
+            <a:pPr marL="0" indent="0">
+              <a:buFontTx/>
+              <a:buNone/>
+            </a:pPr>
+            <a:r>
+              <a:rPr lang="en-US" altLang="ko-KR" b="1" dirty="0"/>
+              <a:t>Thread thread2 = new Thread(UpdateData2);</a:t>
+            </a:r>
+          </a:p>
+          <a:p>
+            <a:pPr marL="171450" indent="-171450">
+              <a:buFontTx/>
+              <a:buChar char="-"/>
+            </a:pPr>
+            <a:r>
+              <a:rPr lang="en-US" altLang="ko-KR" dirty="0"/>
+              <a:t>UpdateData1, UpdateData2</a:t>
+            </a:r>
+            <a:r>
+              <a:rPr lang="ko-KR" altLang="en-US" dirty="0"/>
+              <a:t>는 각각 다른 </a:t>
+            </a:r>
+            <a:r>
+              <a:rPr lang="ko-KR" altLang="en-US" dirty="0" err="1"/>
+              <a:t>함수지만</a:t>
             </a:r>
             <a:r>
               <a:rPr lang="en-US" altLang="ko-KR" dirty="0"/>
               <a:t>, </a:t>
             </a:r>
             <a:r>
+              <a:rPr lang="ko-KR" altLang="en-US" dirty="0"/>
+              <a:t>동일한 공유 변수 </a:t>
+            </a:r>
+            <a:r>
+              <a:rPr lang="en-US" altLang="ko-KR" dirty="0" err="1"/>
+              <a:t>sharedData</a:t>
+            </a:r>
+            <a:r>
+              <a:rPr lang="ko-KR" altLang="en-US" dirty="0"/>
+              <a:t>에 접근</a:t>
+            </a:r>
+            <a:endParaRPr lang="en-US" altLang="ko-KR" dirty="0"/>
+          </a:p>
+          <a:p>
+            <a:pPr marL="171450" indent="-171450">
+              <a:buFontTx/>
+              <a:buChar char="-"/>
+            </a:pPr>
+            <a:endParaRPr lang="en-US" altLang="ko-KR" dirty="0"/>
+          </a:p>
+          <a:p>
+            <a:pPr marL="0" indent="0">
+              <a:buFontTx/>
+              <a:buNone/>
+            </a:pPr>
+            <a:r>
+              <a:rPr lang="en-US" altLang="ko-KR" dirty="0"/>
+              <a:t>thread1.Join();</a:t>
+            </a:r>
+          </a:p>
+          <a:p>
+            <a:pPr marL="0" indent="0">
+              <a:buFontTx/>
+              <a:buNone/>
+            </a:pPr>
+            <a:r>
+              <a:rPr lang="en-US" altLang="ko-KR" dirty="0"/>
+              <a:t>thread2.Join();</a:t>
+            </a:r>
+          </a:p>
+          <a:p>
+            <a:pPr marL="171450" indent="-171450">
+              <a:buFontTx/>
+              <a:buChar char="-"/>
+            </a:pPr>
+            <a:r>
+              <a:rPr lang="en-US" altLang="ko-KR" dirty="0"/>
+              <a:t>Join()</a:t>
+            </a:r>
+            <a:r>
+              <a:rPr lang="ko-KR" altLang="en-US" dirty="0"/>
+              <a:t>은 해당 스레드가 </a:t>
+            </a:r>
+            <a:r>
               <a:rPr lang="ko-KR" altLang="en-US" b="1" dirty="0"/>
-              <a:t>한 번에 하나의 스레드만</a:t>
-            </a:r>
-            <a:r>
-              <a:rPr lang="ko-KR" altLang="en-US" dirty="0"/>
-              <a:t> 특정 코드 블록을 실행하도록 만듭니다</a:t>
-            </a:r>
-            <a:endParaRPr lang="en-US" altLang="ko-KR" dirty="0"/>
-          </a:p>
-          <a:p>
-            <a:endParaRPr lang="en-US" altLang="ko-KR" dirty="0"/>
-          </a:p>
-          <a:p>
-            <a:endParaRPr lang="en-US" altLang="ko-KR" dirty="0"/>
-          </a:p>
-          <a:p>
-            <a:r>
-              <a:rPr lang="en-US" altLang="ko-KR" dirty="0"/>
-              <a:t>3. </a:t>
-            </a:r>
-            <a:r>
-              <a:rPr lang="ko-KR" altLang="en-US" dirty="0"/>
-              <a:t>전체 메서드에 </a:t>
-            </a:r>
-            <a:r>
-              <a:rPr lang="en-US" altLang="ko-KR" dirty="0"/>
-              <a:t>lock</a:t>
-            </a:r>
-            <a:r>
-              <a:rPr lang="ko-KR" altLang="en-US" dirty="0"/>
-              <a:t>을 걸면 결국 </a:t>
+              <a:t>완전히 끝날 때까지 메인 스레드를 대기시킴</a:t>
+            </a:r>
+            <a:endParaRPr lang="en-US" altLang="ko-KR" b="1" dirty="0"/>
+          </a:p>
+          <a:p>
+            <a:pPr marL="0" indent="0">
+              <a:buFontTx/>
+              <a:buNone/>
+            </a:pPr>
+            <a:endParaRPr lang="en-US" altLang="ko-KR" b="1" dirty="0"/>
+          </a:p>
+          <a:p>
+            <a:pPr marL="0" indent="0">
+              <a:buFontTx/>
+              <a:buNone/>
+            </a:pPr>
+            <a:r>
+              <a:rPr lang="ko-KR" altLang="en-US" b="1" dirty="0" err="1"/>
+              <a:t>멀티스레드</a:t>
             </a:r>
             <a:r>
               <a:rPr lang="ko-KR" altLang="en-US" b="1" dirty="0"/>
-              <a:t>동시성이 사라져서 성능 저하</a:t>
-            </a:r>
-            <a:r>
-              <a:rPr lang="ko-KR" altLang="en-US" dirty="0"/>
-              <a:t> 발생</a:t>
-            </a:r>
-            <a:endParaRPr lang="en-US" altLang="ko-KR" dirty="0"/>
-          </a:p>
-          <a:p>
-            <a:endParaRPr lang="en-US" altLang="ko-KR" dirty="0"/>
-          </a:p>
-          <a:p>
-            <a:r>
-              <a:rPr lang="en-US" altLang="ko-KR" dirty="0"/>
-              <a:t>4. "lock</a:t>
-            </a:r>
-            <a:r>
-              <a:rPr lang="ko-KR" altLang="en-US" dirty="0"/>
-              <a:t>을 사용하기 위해서는 </a:t>
+              <a:t> 환경에서 이 연산들이 서로 뒤섞이면</a:t>
+            </a:r>
+            <a:r>
+              <a:rPr lang="en-US" altLang="ko-KR" dirty="0"/>
+              <a:t>, </a:t>
+            </a:r>
+            <a:r>
+              <a:rPr lang="ko-KR" altLang="en-US" dirty="0"/>
+              <a:t>값이 중복되거나 </a:t>
+            </a:r>
+            <a:r>
+              <a:rPr lang="ko-KR" altLang="en-US" dirty="0" err="1"/>
+              <a:t>스킵될</a:t>
+            </a:r>
+            <a:r>
+              <a:rPr lang="ko-KR" altLang="en-US" dirty="0"/>
+              <a:t> 수 있습니다 </a:t>
+            </a:r>
+            <a:r>
+              <a:rPr lang="en-US" altLang="ko-KR" dirty="0"/>
+              <a:t>(</a:t>
+            </a:r>
+            <a:r>
+              <a:rPr lang="ko-KR" altLang="en-US" dirty="0"/>
+              <a:t>경쟁 조건 발생</a:t>
+            </a:r>
+            <a:r>
+              <a:rPr lang="en-US" altLang="ko-KR" dirty="0"/>
+              <a:t>)</a:t>
+            </a:r>
+            <a:endParaRPr lang="en-US" altLang="ko-KR" b="1" dirty="0"/>
+          </a:p>
+          <a:p>
+            <a:pPr marL="0" indent="0">
+              <a:buFontTx/>
+              <a:buNone/>
+            </a:pPr>
+            <a:r>
+              <a:rPr lang="en-US" altLang="ko-KR" dirty="0"/>
+              <a:t>Race Condition (</a:t>
+            </a:r>
+            <a:r>
+              <a:rPr lang="ko-KR" altLang="en-US" dirty="0"/>
+              <a:t>경쟁 조건</a:t>
+            </a:r>
+            <a:r>
+              <a:rPr lang="en-US" altLang="ko-KR" dirty="0"/>
+              <a:t>)</a:t>
+            </a:r>
+            <a:r>
+              <a:rPr lang="ko-KR" altLang="en-US" dirty="0"/>
+              <a:t>여러 스레드가 동시에 공유 데이터를 수정하면서 발생하는 </a:t>
             </a:r>
             <a:r>
               <a:rPr lang="ko-KR" altLang="en-US" b="1" dirty="0"/>
-              <a:t>스레드 간에 </a:t>
-            </a:r>
-            <a:r>
-              <a:rPr lang="en-US" altLang="ko-KR" b="1" dirty="0"/>
-              <a:t>lock </a:t>
-            </a:r>
-            <a:r>
-              <a:rPr lang="ko-KR" altLang="en-US" b="1" dirty="0"/>
-              <a:t>정보를 공유</a:t>
-            </a:r>
-            <a:r>
-              <a:rPr lang="ko-KR" altLang="en-US" dirty="0"/>
-              <a:t>해야 하기 때문</a:t>
-            </a:r>
-            <a:r>
-              <a:rPr lang="en-US" altLang="ko-KR" dirty="0"/>
-              <a:t>"</a:t>
+              <a:t>비정상적인 결과 현상</a:t>
             </a:r>
             <a:endParaRPr lang="ko-KR" altLang="en-US" dirty="0"/>
           </a:p>
@@ -2228,7 +2099,7 @@
             <a:spLocks noGrp="1"/>
           </p:cNvSpPr>
           <p:nvPr>
-            <p:ph type="sldNum" sz="quarter" idx="10"/>
+            <p:ph type="sldNum" sz="quarter" idx="5"/>
           </p:nvPr>
         </p:nvSpPr>
         <p:spPr/>
@@ -2238,7 +2109,7 @@
           <a:p>
             <a:fld id="{C09E5BFC-1559-42F1-8940-AB342D56BF02}" type="slidenum">
               <a:rPr lang="ko-KR" altLang="en-US" smtClean="0"/>
-              <a:t>17</a:t>
+              <a:t>16</a:t>
             </a:fld>
             <a:endParaRPr lang="ko-KR" altLang="en-US"/>
           </a:p>
@@ -2247,7 +2118,7 @@
     </p:spTree>
     <p:extLst>
       <p:ext uri="{BB962C8B-B14F-4D97-AF65-F5344CB8AC3E}">
-        <p14:creationId xmlns:p14="http://schemas.microsoft.com/office/powerpoint/2010/main" val="1277930609"/>
+        <p14:creationId xmlns:p14="http://schemas.microsoft.com/office/powerpoint/2010/main" val="1028731136"/>
       </p:ext>
     </p:extLst>
   </p:cSld>
@@ -2303,31 +2174,120 @@
           <a:p>
             <a:r>
               <a:rPr lang="en-US" altLang="ko-KR" dirty="0"/>
-              <a:t>lock </a:t>
-            </a:r>
-            <a:r>
-              <a:rPr lang="ko-KR" altLang="en-US" dirty="0"/>
-              <a:t>키워드를 적용한 개선 </a:t>
-            </a:r>
-            <a:r>
-              <a:rPr lang="ko-KR" altLang="en-US" dirty="0" err="1"/>
-              <a:t>버전반복문</a:t>
-            </a:r>
-            <a:r>
-              <a:rPr lang="ko-KR" altLang="en-US" dirty="0"/>
-              <a:t> 내부에서 </a:t>
-            </a:r>
-            <a:r>
-              <a:rPr lang="en-US" altLang="ko-KR" dirty="0" err="1"/>
-              <a:t>sharedData</a:t>
-            </a:r>
-            <a:r>
-              <a:rPr lang="en-US" altLang="ko-KR" dirty="0"/>
-              <a:t>++</a:t>
-            </a:r>
-            <a:r>
-              <a:rPr lang="ko-KR" altLang="en-US" dirty="0"/>
-              <a:t>을 </a:t>
+              <a:t>lock</a:t>
+            </a:r>
+            <a:r>
+              <a:rPr lang="ko-KR" altLang="en-US" dirty="0"/>
+              <a:t>은 </a:t>
+            </a:r>
+            <a:r>
+              <a:rPr lang="en-US" altLang="ko-KR" dirty="0"/>
+              <a:t>C#</a:t>
+            </a:r>
+            <a:r>
+              <a:rPr lang="ko-KR" altLang="en-US" dirty="0"/>
+              <a:t>에서 </a:t>
+            </a:r>
+            <a:r>
+              <a:rPr lang="ko-KR" altLang="en-US" b="1" dirty="0"/>
+              <a:t>스레드 간의 충돌</a:t>
+            </a:r>
+            <a:r>
+              <a:rPr lang="en-US" altLang="ko-KR" b="1" dirty="0"/>
+              <a:t>(</a:t>
+            </a:r>
+            <a:r>
+              <a:rPr lang="ko-KR" altLang="en-US" b="1" dirty="0"/>
+              <a:t>동시 접근</a:t>
+            </a:r>
+            <a:r>
+              <a:rPr lang="en-US" altLang="ko-KR" b="1" dirty="0"/>
+              <a:t>)</a:t>
+            </a:r>
+            <a:r>
+              <a:rPr lang="ko-KR" altLang="en-US" b="1" dirty="0"/>
+              <a:t>을 방지하기 위해 사용하는 키워드</a:t>
+            </a:r>
+            <a:endParaRPr lang="en-US" altLang="ko-KR" b="1" dirty="0"/>
+          </a:p>
+          <a:p>
+            <a:endParaRPr lang="en-US" altLang="ko-KR" b="1" dirty="0"/>
+          </a:p>
+          <a:p>
+            <a:r>
+              <a:rPr lang="en-US" altLang="ko-KR" dirty="0"/>
+              <a:t>lock</a:t>
+            </a:r>
+            <a:r>
+              <a:rPr lang="ko-KR" altLang="en-US" dirty="0"/>
+              <a:t>을 사용하면 </a:t>
+            </a:r>
+            <a:r>
+              <a:rPr lang="ko-KR" altLang="en-US" b="1" dirty="0"/>
+              <a:t>스레드가 공유 자원에 동시에 접근하는 것을 막아</a:t>
+            </a:r>
+            <a:r>
+              <a:rPr lang="en-US" altLang="ko-KR" dirty="0"/>
+              <a:t>, </a:t>
+            </a:r>
+            <a:r>
+              <a:rPr lang="ko-KR" altLang="en-US" b="1" dirty="0"/>
+              <a:t>한 번에 하나의 스레드만</a:t>
+            </a:r>
+            <a:r>
+              <a:rPr lang="ko-KR" altLang="en-US" dirty="0"/>
+              <a:t> 특정 코드 블록을 실행하도록 만듭니다</a:t>
+            </a:r>
+            <a:endParaRPr lang="en-US" altLang="ko-KR" dirty="0"/>
+          </a:p>
+          <a:p>
+            <a:endParaRPr lang="en-US" altLang="ko-KR" dirty="0"/>
+          </a:p>
+          <a:p>
+            <a:endParaRPr lang="en-US" altLang="ko-KR" dirty="0"/>
+          </a:p>
+          <a:p>
+            <a:r>
+              <a:rPr lang="en-US" altLang="ko-KR" dirty="0"/>
+              <a:t>3. </a:t>
+            </a:r>
+            <a:r>
+              <a:rPr lang="ko-KR" altLang="en-US" dirty="0"/>
+              <a:t>전체 메서드에 </a:t>
+            </a:r>
+            <a:r>
+              <a:rPr lang="en-US" altLang="ko-KR" dirty="0"/>
+              <a:t>lock</a:t>
+            </a:r>
+            <a:r>
+              <a:rPr lang="ko-KR" altLang="en-US" dirty="0"/>
+              <a:t>을 걸면 결국 </a:t>
+            </a:r>
+            <a:r>
+              <a:rPr lang="ko-KR" altLang="en-US" b="1" dirty="0"/>
+              <a:t>동시성이 사라져서 성능 저하</a:t>
+            </a:r>
+            <a:r>
+              <a:rPr lang="ko-KR" altLang="en-US" dirty="0"/>
+              <a:t> 발생</a:t>
+            </a:r>
+            <a:endParaRPr lang="en-US" altLang="ko-KR" dirty="0"/>
+          </a:p>
+          <a:p>
+            <a:endParaRPr lang="en-US" altLang="ko-KR" dirty="0"/>
+          </a:p>
+          <a:p>
+            <a:r>
+              <a:rPr lang="en-US" altLang="ko-KR" dirty="0"/>
+              <a:t>4. "lock</a:t>
+            </a:r>
+            <a:r>
+              <a:rPr lang="ko-KR" altLang="en-US" dirty="0"/>
+              <a:t>을 사용하기 위해서는 </a:t>
+            </a:r>
+            <a:r>
+              <a:rPr lang="ko-KR" altLang="en-US" b="1" dirty="0"/>
+              <a:t>스레드 간에 </a:t>
             </a:r>
             <a:r>
               <a:rPr lang="en-US" altLang="ko-KR" b="1" dirty="0"/>
@@ -2335,159 +2295,18 @@
             </a:r>
             <a:r>
               <a:rPr lang="ko-KR" altLang="en-US" b="1" dirty="0"/>
-              <a:t>블록으로 감쌈</a:t>
+              <a:t>정보를 공유</a:t>
+            </a:r>
+            <a:r>
+              <a:rPr lang="ko-KR" altLang="en-US" dirty="0"/>
+              <a:t>해야 하기 때문</a:t>
+            </a:r>
+            <a:r>
+              <a:rPr lang="en-US" altLang="ko-KR" dirty="0"/>
+              <a:t>"</a:t>
             </a:r>
             <a:endParaRPr lang="ko-KR" altLang="en-US" dirty="0"/>
           </a:p>
-          <a:p>
-            <a:r>
-              <a:rPr lang="en-US" altLang="ko-KR" dirty="0"/>
-              <a:t>lock (</a:t>
-            </a:r>
-            <a:r>
-              <a:rPr lang="en-US" altLang="ko-KR" dirty="0" err="1"/>
-              <a:t>LockObject</a:t>
-            </a:r>
-            <a:r>
-              <a:rPr lang="en-US" altLang="ko-KR" dirty="0"/>
-              <a:t>) → </a:t>
-            </a:r>
-            <a:r>
-              <a:rPr lang="ko-KR" altLang="en-US" dirty="0"/>
-              <a:t>이 블록 안에서는 </a:t>
-            </a:r>
-            <a:r>
-              <a:rPr lang="ko-KR" altLang="en-US" b="1" dirty="0"/>
-              <a:t>다른 스레드가 들어올 수 없음</a:t>
-            </a:r>
-            <a:endParaRPr lang="ko-KR" altLang="en-US" dirty="0"/>
-          </a:p>
-          <a:p>
-            <a:r>
-              <a:rPr lang="ko-KR" altLang="en-US" dirty="0"/>
-              <a:t>즉</a:t>
-            </a:r>
-            <a:r>
-              <a:rPr lang="en-US" altLang="ko-KR" dirty="0"/>
-              <a:t>, </a:t>
-            </a:r>
-            <a:r>
-              <a:rPr lang="ko-KR" altLang="en-US" dirty="0"/>
-              <a:t>하나의 스레드가 작업을 마칠 때까지 다른 스레드는 대기</a:t>
-            </a:r>
-          </a:p>
-          <a:p>
-            <a:endParaRPr lang="en-US" altLang="ko-KR" dirty="0"/>
-          </a:p>
-          <a:p>
-            <a:r>
-              <a:rPr lang="en-US" altLang="ko-KR" dirty="0"/>
-              <a:t>Why? –</a:t>
-            </a:r>
-            <a:r>
-              <a:rPr lang="en-US" altLang="ko-KR" baseline="0" dirty="0"/>
-              <a:t> </a:t>
-            </a:r>
-            <a:r>
-              <a:rPr lang="ko-KR" altLang="en-US" baseline="0" dirty="0"/>
-              <a:t>양쪽에 </a:t>
-            </a:r>
-            <a:r>
-              <a:rPr lang="en-US" altLang="ko-KR" baseline="0" dirty="0"/>
-              <a:t>lock </a:t>
-            </a:r>
-            <a:r>
-              <a:rPr lang="ko-KR" altLang="en-US" baseline="0" dirty="0"/>
-              <a:t>설정</a:t>
-            </a:r>
-            <a:endParaRPr lang="en-US" altLang="ko-KR" dirty="0"/>
-          </a:p>
-          <a:p>
-            <a:r>
-              <a:rPr lang="ko-KR" altLang="en-US" dirty="0"/>
-              <a:t>둘 다 </a:t>
-            </a:r>
-            <a:r>
-              <a:rPr lang="en-US" altLang="ko-KR" dirty="0"/>
-              <a:t>lock</a:t>
-            </a:r>
-            <a:r>
-              <a:rPr lang="ko-KR" altLang="en-US" dirty="0"/>
-              <a:t>으로 감싸야 안전하게 동작합니다</a:t>
-            </a:r>
-            <a:r>
-              <a:rPr lang="en-US" altLang="ko-KR" dirty="0"/>
-              <a:t>.</a:t>
-            </a:r>
-          </a:p>
-          <a:p>
-            <a:endParaRPr lang="en-US" altLang="ko-KR" dirty="0"/>
-          </a:p>
-          <a:p>
-            <a:r>
-              <a:rPr lang="ko-KR" altLang="en-US" b="1" dirty="0"/>
-              <a:t>✅ 전제</a:t>
-            </a:r>
-            <a:r>
-              <a:rPr lang="en-US" altLang="ko-KR" b="1" dirty="0"/>
-              <a:t>:</a:t>
-            </a:r>
-          </a:p>
-          <a:p>
-            <a:r>
-              <a:rPr lang="en-US" altLang="ko-KR" dirty="0" err="1"/>
-              <a:t>sharedData</a:t>
-            </a:r>
-            <a:r>
-              <a:rPr lang="ko-KR" altLang="en-US" dirty="0"/>
-              <a:t>는 **두 스레드 모두에서 접근하는 </a:t>
-            </a:r>
-            <a:r>
-              <a:rPr lang="en-US" altLang="ko-KR" dirty="0"/>
-              <a:t>"</a:t>
-            </a:r>
-            <a:r>
-              <a:rPr lang="ko-KR" altLang="en-US" dirty="0"/>
-              <a:t>공유 변수</a:t>
-            </a:r>
-            <a:r>
-              <a:rPr lang="en-US" altLang="ko-KR" dirty="0"/>
-              <a:t>"**</a:t>
-            </a:r>
-            <a:r>
-              <a:rPr lang="ko-KR" altLang="en-US" dirty="0"/>
-              <a:t>입니다</a:t>
-            </a:r>
-            <a:r>
-              <a:rPr lang="en-US" altLang="ko-KR" dirty="0"/>
-              <a:t>.</a:t>
-            </a:r>
-          </a:p>
-          <a:p>
-            <a:r>
-              <a:rPr lang="ko-KR" altLang="en-US" b="1" dirty="0"/>
-              <a:t>✅ </a:t>
-            </a:r>
-            <a:r>
-              <a:rPr lang="en-US" altLang="ko-KR" b="1" dirty="0"/>
-              <a:t>lock</a:t>
-            </a:r>
-            <a:r>
-              <a:rPr lang="ko-KR" altLang="en-US" b="1" dirty="0"/>
-              <a:t>은 스레드 간 순서를 강제하는 </a:t>
-            </a:r>
-            <a:r>
-              <a:rPr lang="ko-KR" altLang="en-US" b="1" dirty="0" err="1"/>
-              <a:t>장치예요</a:t>
-            </a:r>
-            <a:r>
-              <a:rPr lang="en-US" altLang="ko-KR" b="1" dirty="0"/>
-              <a:t>.</a:t>
-            </a:r>
-          </a:p>
-          <a:p>
-            <a:endParaRPr lang="ko-KR" altLang="en-US" dirty="0"/>
-          </a:p>
         </p:txBody>
       </p:sp>
       <p:sp>
@@ -2497,7 +2316,7 @@
             <a:spLocks noGrp="1"/>
           </p:cNvSpPr>
           <p:nvPr>
-            <p:ph type="sldNum" sz="quarter" idx="5"/>
+            <p:ph type="sldNum" sz="quarter" idx="10"/>
           </p:nvPr>
         </p:nvSpPr>
         <p:spPr/>
@@ -2507,7 +2326,7 @@
           <a:p>
             <a:fld id="{C09E5BFC-1559-42F1-8940-AB342D56BF02}" type="slidenum">
               <a:rPr lang="ko-KR" altLang="en-US" smtClean="0"/>
-              <a:t>18</a:t>
+              <a:t>17</a:t>
             </a:fld>
             <a:endParaRPr lang="ko-KR" altLang="en-US"/>
           </a:p>
@@ -2516,7 +2335,7 @@
     </p:spTree>
     <p:extLst>
       <p:ext uri="{BB962C8B-B14F-4D97-AF65-F5344CB8AC3E}">
-        <p14:creationId xmlns:p14="http://schemas.microsoft.com/office/powerpoint/2010/main" val="3920967191"/>
+        <p14:creationId xmlns:p14="http://schemas.microsoft.com/office/powerpoint/2010/main" val="1277930609"/>
       </p:ext>
     </p:extLst>
   </p:cSld>
@@ -2572,13 +2391,77 @@
           <a:p>
             <a:r>
               <a:rPr lang="en-US" altLang="ko-KR" dirty="0"/>
-              <a:t>https://ehdrn.tistory.com/234</a:t>
-            </a:r>
-          </a:p>
-          <a:p>
-            <a:r>
-              <a:rPr lang="en-US" altLang="ko-KR" dirty="0"/>
-              <a:t>https://www.sysnet.pe.kr/3/0/5262</a:t>
+              <a:t>lock </a:t>
+            </a:r>
+            <a:r>
+              <a:rPr lang="ko-KR" altLang="en-US" dirty="0"/>
+              <a:t>키워드를 적용한 개선 </a:t>
+            </a:r>
+            <a:r>
+              <a:rPr lang="ko-KR" altLang="en-US" dirty="0" err="1"/>
+              <a:t>버전반복문</a:t>
+            </a:r>
+            <a:r>
+              <a:rPr lang="ko-KR" altLang="en-US" dirty="0"/>
+              <a:t> 내부에서 </a:t>
+            </a:r>
+            <a:r>
+              <a:rPr lang="en-US" altLang="ko-KR" dirty="0" err="1"/>
+              <a:t>sharedData</a:t>
+            </a:r>
+            <a:r>
+              <a:rPr lang="en-US" altLang="ko-KR" dirty="0"/>
+              <a:t>++</a:t>
+            </a:r>
+            <a:r>
+              <a:rPr lang="ko-KR" altLang="en-US" dirty="0"/>
+              <a:t>을 </a:t>
+            </a:r>
+            <a:r>
+              <a:rPr lang="en-US" altLang="ko-KR" b="1" dirty="0"/>
+              <a:t>lock </a:t>
+            </a:r>
+            <a:r>
+              <a:rPr lang="ko-KR" altLang="en-US" b="1" dirty="0"/>
+              <a:t>블록으로 감쌈</a:t>
+            </a:r>
+            <a:endParaRPr lang="ko-KR" altLang="en-US" dirty="0"/>
+          </a:p>
+          <a:p>
+            <a:r>
+              <a:rPr lang="en-US" altLang="ko-KR" dirty="0"/>
+              <a:t>lock (</a:t>
+            </a:r>
+            <a:r>
+              <a:rPr lang="en-US" altLang="ko-KR" dirty="0" err="1"/>
+              <a:t>LockObject</a:t>
+            </a:r>
+            <a:r>
+              <a:rPr lang="en-US" altLang="ko-KR" dirty="0"/>
+              <a:t>) → </a:t>
+            </a:r>
+            <a:r>
+              <a:rPr lang="ko-KR" altLang="en-US" dirty="0"/>
+              <a:t>이 블록 안에서는 </a:t>
+            </a:r>
+            <a:r>
+              <a:rPr lang="ko-KR" altLang="en-US" b="1" dirty="0"/>
+              <a:t>다른 스레드가 들어올 수 없음</a:t>
+            </a:r>
+            <a:endParaRPr lang="ko-KR" altLang="en-US" dirty="0"/>
+          </a:p>
+          <a:p>
+            <a:r>
+              <a:rPr lang="ko-KR" altLang="en-US" dirty="0"/>
+              <a:t>즉</a:t>
+            </a:r>
+            <a:r>
+              <a:rPr lang="en-US" altLang="ko-KR" dirty="0"/>
+              <a:t>, </a:t>
+            </a:r>
+            <a:r>
+              <a:rPr lang="ko-KR" altLang="en-US" dirty="0"/>
+              <a:t>하나의 스레드가 작업을 마칠 때까지 다른 스레드는 대기</a:t>
             </a:r>
           </a:p>
           <a:p>
@@ -2586,320 +2469,109 @@
           </a:p>
           <a:p>
             <a:r>
+              <a:rPr lang="en-US" altLang="ko-KR" dirty="0"/>
+              <a:t>Why? –</a:t>
+            </a:r>
+            <a:r>
+              <a:rPr lang="en-US" altLang="ko-KR" baseline="0" dirty="0"/>
+              <a:t> </a:t>
+            </a:r>
+            <a:r>
+              <a:rPr lang="ko-KR" altLang="en-US" baseline="0" dirty="0"/>
+              <a:t>양쪽에 </a:t>
+            </a:r>
+            <a:r>
+              <a:rPr lang="en-US" altLang="ko-KR" baseline="0" dirty="0"/>
+              <a:t>lock </a:t>
+            </a:r>
+            <a:r>
+              <a:rPr lang="ko-KR" altLang="en-US" baseline="0" dirty="0"/>
+              <a:t>설정</a:t>
+            </a:r>
+            <a:endParaRPr lang="en-US" altLang="ko-KR" dirty="0"/>
+          </a:p>
+          <a:p>
+            <a:r>
+              <a:rPr lang="ko-KR" altLang="en-US" dirty="0"/>
+              <a:t>둘 다 </a:t>
+            </a:r>
+            <a:r>
+              <a:rPr lang="en-US" altLang="ko-KR" dirty="0"/>
+              <a:t>lock</a:t>
+            </a:r>
+            <a:r>
+              <a:rPr lang="ko-KR" altLang="en-US" dirty="0"/>
+              <a:t>으로 감싸야 안전하게 동작합니다</a:t>
+            </a:r>
+            <a:r>
+              <a:rPr lang="en-US" altLang="ko-KR" dirty="0"/>
+              <a:t>.</a:t>
+            </a:r>
+          </a:p>
+          <a:p>
+            <a:endParaRPr lang="en-US" altLang="ko-KR" dirty="0"/>
+          </a:p>
+          <a:p>
+            <a:r>
+              <a:rPr lang="ko-KR" altLang="en-US" b="1" dirty="0"/>
+              <a:t>✅ 전제</a:t>
+            </a:r>
+            <a:r>
+              <a:rPr lang="en-US" altLang="ko-KR" b="1" dirty="0"/>
+              <a:t>:</a:t>
+            </a:r>
+          </a:p>
+          <a:p>
+            <a:r>
               <a:rPr lang="en-US" altLang="ko-KR" dirty="0" err="1"/>
-              <a:t>WinForm</a:t>
-            </a:r>
-            <a:r>
-              <a:rPr lang="ko-KR" altLang="en-US" dirty="0"/>
-              <a:t>의 </a:t>
+              <a:t>sharedData</a:t>
+            </a:r>
+            <a:r>
+              <a:rPr lang="ko-KR" altLang="en-US" dirty="0"/>
+              <a:t>는 **두 스레드 모두에서 접근하는 </a:t>
+            </a:r>
+            <a:r>
+              <a:rPr lang="en-US" altLang="ko-KR" dirty="0"/>
+              <a:t>"</a:t>
+            </a:r>
+            <a:r>
+              <a:rPr lang="ko-KR" altLang="en-US" dirty="0"/>
+              <a:t>공유 변수</a:t>
+            </a:r>
+            <a:r>
+              <a:rPr lang="en-US" altLang="ko-KR" dirty="0"/>
+              <a:t>"**</a:t>
+            </a:r>
+            <a:r>
+              <a:rPr lang="ko-KR" altLang="en-US" dirty="0"/>
+              <a:t>입니다</a:t>
+            </a:r>
+            <a:r>
+              <a:rPr lang="en-US" altLang="ko-KR" dirty="0"/>
+              <a:t>.</a:t>
+            </a:r>
+          </a:p>
+          <a:p>
+            <a:r>
+              <a:rPr lang="ko-KR" altLang="en-US" b="1" dirty="0"/>
+              <a:t>✅ </a:t>
             </a:r>
             <a:r>
               <a:rPr lang="en-US" altLang="ko-KR" b="1" dirty="0"/>
-              <a:t>UI </a:t>
+              <a:t>lock</a:t>
             </a:r>
             <a:r>
               <a:rPr lang="ko-KR" altLang="en-US" b="1" dirty="0"/>
-              <a:t>컨트롤들은 </a:t>
+              <a:t>은 스레드 간 순서를 강제하는 </a:t>
+            </a:r>
+            <a:r>
+              <a:rPr lang="ko-KR" altLang="en-US" b="1" dirty="0" err="1"/>
+              <a:t>장치예요</a:t>
             </a:r>
             <a:r>
               <a:rPr lang="en-US" altLang="ko-KR" b="1" dirty="0"/>
-              <a:t>Main Thread(UI Thread)</a:t>
-            </a:r>
-            <a:r>
-              <a:rPr lang="ko-KR" altLang="en-US" dirty="0"/>
-              <a:t> 가 독점적으로 소유하기 때문입니다</a:t>
-            </a:r>
-            <a:r>
-              <a:rPr lang="en-US" altLang="ko-KR" dirty="0"/>
               <a:t>.</a:t>
             </a:r>
-          </a:p>
-          <a:p>
-            <a:r>
-              <a:rPr lang="en-US" altLang="ko-KR" dirty="0" err="1"/>
-              <a:t>textBox.Text</a:t>
-            </a:r>
-            <a:r>
-              <a:rPr lang="en-US" altLang="ko-KR" dirty="0"/>
-              <a:t> += ... </a:t>
-            </a:r>
-            <a:r>
-              <a:rPr lang="ko-KR" altLang="en-US" dirty="0"/>
-              <a:t>같은 코드는 반드시 </a:t>
-            </a:r>
-            <a:r>
-              <a:rPr lang="en-US" altLang="ko-KR" b="1" dirty="0"/>
-              <a:t>Main Thread</a:t>
-            </a:r>
-            <a:r>
-              <a:rPr lang="ko-KR" altLang="en-US" b="1" dirty="0"/>
-              <a:t>에서만 실행</a:t>
-            </a:r>
-            <a:r>
-              <a:rPr lang="ko-KR" altLang="en-US" dirty="0"/>
-              <a:t>되어야 함</a:t>
-            </a:r>
-          </a:p>
-          <a:p>
-            <a:r>
-              <a:rPr lang="ko-KR" altLang="en-US" dirty="0"/>
-              <a:t>하지만 우리가 만든 </a:t>
-            </a:r>
-            <a:r>
-              <a:rPr lang="en-US" altLang="ko-KR" dirty="0"/>
-              <a:t>Thread, Task, Timer </a:t>
-            </a:r>
-            <a:r>
-              <a:rPr lang="ko-KR" altLang="en-US" dirty="0"/>
-              <a:t>등의 </a:t>
-            </a:r>
-            <a:r>
-              <a:rPr lang="ko-KR" altLang="en-US" b="1" dirty="0"/>
-              <a:t>백그라운드 스레드</a:t>
-            </a:r>
-            <a:r>
-              <a:rPr lang="ko-KR" altLang="en-US" dirty="0"/>
-              <a:t>에서는 </a:t>
-            </a:r>
-            <a:r>
-              <a:rPr lang="en-US" altLang="ko-KR" dirty="0"/>
-              <a:t>UI </a:t>
-            </a:r>
-            <a:r>
-              <a:rPr lang="ko-KR" altLang="en-US" dirty="0"/>
-              <a:t>직접 조작이 </a:t>
-            </a:r>
-            <a:r>
-              <a:rPr lang="ko-KR" altLang="en-US" b="1" dirty="0"/>
-              <a:t>불가능</a:t>
-            </a:r>
-            <a:endParaRPr lang="ko-KR" altLang="en-US" dirty="0"/>
-          </a:p>
-          <a:p>
-            <a:endParaRPr lang="en-US" altLang="ko-KR" dirty="0"/>
-          </a:p>
-          <a:p>
-            <a:r>
-              <a:rPr lang="en-US" altLang="ko-KR" b="1" dirty="0"/>
-              <a:t>1. Dispatcher</a:t>
-            </a:r>
-          </a:p>
-          <a:p>
-            <a:r>
-              <a:rPr lang="en-US" altLang="ko-KR" dirty="0"/>
-              <a:t>(※ </a:t>
-            </a:r>
-            <a:r>
-              <a:rPr lang="ko-KR" altLang="en-US" dirty="0"/>
-              <a:t>주로 </a:t>
-            </a:r>
-            <a:r>
-              <a:rPr lang="en-US" altLang="ko-KR" dirty="0"/>
-              <a:t>WPF</a:t>
-            </a:r>
-            <a:r>
-              <a:rPr lang="ko-KR" altLang="en-US" dirty="0"/>
-              <a:t>에서 사용</a:t>
-            </a:r>
-            <a:r>
-              <a:rPr lang="en-US" altLang="ko-KR" dirty="0"/>
-              <a:t>, </a:t>
-            </a:r>
-            <a:r>
-              <a:rPr lang="en-US" altLang="ko-KR" dirty="0" err="1"/>
-              <a:t>WinForm</a:t>
-            </a:r>
-            <a:r>
-              <a:rPr lang="ko-KR" altLang="en-US" dirty="0"/>
-              <a:t>에서는 </a:t>
-            </a:r>
-            <a:r>
-              <a:rPr lang="en-US" altLang="ko-KR" dirty="0" err="1"/>
-              <a:t>Control.Invoke</a:t>
-            </a:r>
-            <a:r>
-              <a:rPr lang="en-US" altLang="ko-KR" dirty="0"/>
-              <a:t>()</a:t>
-            </a:r>
-            <a:r>
-              <a:rPr lang="ko-KR" altLang="en-US" dirty="0"/>
-              <a:t>로 대체됨</a:t>
-            </a:r>
-            <a:r>
-              <a:rPr lang="en-US" altLang="ko-KR" dirty="0"/>
-              <a:t>)</a:t>
-            </a:r>
-          </a:p>
-          <a:p>
-            <a:r>
-              <a:rPr lang="en-US" altLang="ko-KR" b="1" dirty="0"/>
-              <a:t>UI </a:t>
-            </a:r>
-            <a:r>
-              <a:rPr lang="ko-KR" altLang="en-US" b="1" dirty="0"/>
-              <a:t>명령을 </a:t>
-            </a:r>
-            <a:r>
-              <a:rPr lang="en-US" altLang="ko-KR" b="1" dirty="0"/>
-              <a:t>Main Thread</a:t>
-            </a:r>
-            <a:r>
-              <a:rPr lang="ko-KR" altLang="en-US" b="1" dirty="0"/>
-              <a:t>로 위임</a:t>
-            </a:r>
-            <a:r>
-              <a:rPr lang="ko-KR" altLang="en-US" dirty="0"/>
-              <a:t>해서 실행하게 하는 방식</a:t>
-            </a:r>
-          </a:p>
-          <a:p>
-            <a:r>
-              <a:rPr lang="ko-KR" altLang="en-US" dirty="0"/>
-              <a:t>모든 </a:t>
-            </a:r>
-            <a:r>
-              <a:rPr lang="en-US" altLang="ko-KR" dirty="0"/>
-              <a:t>UI </a:t>
-            </a:r>
-            <a:r>
-              <a:rPr lang="ko-KR" altLang="en-US" dirty="0"/>
-              <a:t>컨트롤은 내부적으로 </a:t>
-            </a:r>
-            <a:r>
-              <a:rPr lang="en-US" altLang="ko-KR" dirty="0"/>
-              <a:t>Dispatcher</a:t>
-            </a:r>
-            <a:r>
-              <a:rPr lang="ko-KR" altLang="en-US" dirty="0"/>
-              <a:t>를 가지고 있으며</a:t>
-            </a:r>
-            <a:r>
-              <a:rPr lang="en-US" altLang="ko-KR" dirty="0"/>
-              <a:t>, </a:t>
-            </a:r>
-            <a:r>
-              <a:rPr lang="ko-KR" altLang="en-US" dirty="0"/>
-              <a:t>이 </a:t>
-            </a:r>
-            <a:r>
-              <a:rPr lang="en-US" altLang="ko-KR" dirty="0"/>
-              <a:t>Dispatcher</a:t>
-            </a:r>
-            <a:r>
-              <a:rPr lang="ko-KR" altLang="en-US" dirty="0"/>
-              <a:t>는 </a:t>
-            </a:r>
-            <a:r>
-              <a:rPr lang="en-US" altLang="ko-KR" b="1" dirty="0" err="1"/>
-              <a:t>MainThread</a:t>
-            </a:r>
-            <a:r>
-              <a:rPr lang="ko-KR" altLang="en-US" b="1" dirty="0"/>
-              <a:t>가 소유</a:t>
-            </a:r>
-            <a:endParaRPr lang="ko-KR" altLang="en-US" dirty="0"/>
-          </a:p>
-          <a:p>
-            <a:endParaRPr lang="en-US" altLang="ko-KR" dirty="0"/>
-          </a:p>
-          <a:p>
-            <a:r>
-              <a:rPr lang="en-US" altLang="ko-KR" b="1" dirty="0"/>
-              <a:t>2. </a:t>
-            </a:r>
-            <a:r>
-              <a:rPr lang="en-US" altLang="ko-KR" b="1" dirty="0" err="1"/>
-              <a:t>SynchronizationContext</a:t>
-            </a:r>
-            <a:endParaRPr lang="en-US" altLang="ko-KR" b="1" dirty="0"/>
-          </a:p>
-          <a:p>
-            <a:r>
-              <a:rPr lang="en-US" altLang="ko-KR" dirty="0"/>
-              <a:t>(</a:t>
-            </a:r>
-            <a:r>
-              <a:rPr lang="ko-KR" altLang="en-US" dirty="0"/>
-              <a:t>스레드 간 통신을 담당하는 클래스</a:t>
-            </a:r>
-            <a:r>
-              <a:rPr lang="en-US" altLang="ko-KR" dirty="0"/>
-              <a:t>)</a:t>
-            </a:r>
-          </a:p>
-          <a:p>
-            <a:r>
-              <a:rPr lang="ko-KR" altLang="en-US" dirty="0"/>
-              <a:t>현재 실행 중인 </a:t>
-            </a:r>
-            <a:r>
-              <a:rPr lang="ko-KR" altLang="en-US" b="1" dirty="0"/>
-              <a:t>스레드의 컨텍스트 정보</a:t>
-            </a:r>
-            <a:r>
-              <a:rPr lang="ko-KR" altLang="en-US" dirty="0"/>
-              <a:t>를 유지하고</a:t>
-            </a:r>
-            <a:r>
-              <a:rPr lang="en-US" altLang="ko-KR" dirty="0"/>
-              <a:t>, </a:t>
-            </a:r>
-            <a:r>
-              <a:rPr lang="ko-KR" altLang="en-US" b="1" dirty="0"/>
-              <a:t>다른 스레드에서 특정 스레드로 작업을 전달</a:t>
-            </a:r>
-            <a:r>
-              <a:rPr lang="ko-KR" altLang="en-US" dirty="0"/>
-              <a:t>할 수 있음</a:t>
-            </a:r>
-          </a:p>
-          <a:p>
-            <a:r>
-              <a:rPr lang="en-US" altLang="ko-KR" dirty="0" err="1"/>
-              <a:t>WinForm</a:t>
-            </a:r>
-            <a:r>
-              <a:rPr lang="ko-KR" altLang="en-US" dirty="0"/>
-              <a:t>에서 </a:t>
-            </a:r>
-            <a:r>
-              <a:rPr lang="en-US" altLang="ko-KR" dirty="0" err="1"/>
-              <a:t>SynchronizationContext.Current</a:t>
-            </a:r>
-            <a:r>
-              <a:rPr lang="ko-KR" altLang="en-US" dirty="0"/>
-              <a:t>를 통해 </a:t>
-            </a:r>
-            <a:r>
-              <a:rPr lang="en-US" altLang="ko-KR" dirty="0" err="1"/>
-              <a:t>MainThread</a:t>
-            </a:r>
-            <a:r>
-              <a:rPr lang="ko-KR" altLang="en-US" dirty="0"/>
-              <a:t>의 컨텍스트를 저장한 뒤</a:t>
-            </a:r>
-            <a:r>
-              <a:rPr lang="en-US" altLang="ko-KR" dirty="0"/>
-              <a:t>, </a:t>
-            </a:r>
-            <a:r>
-              <a:rPr lang="ko-KR" altLang="en-US" dirty="0"/>
-              <a:t>다른 스레드에서 </a:t>
-            </a:r>
-            <a:r>
-              <a:rPr lang="en-US" altLang="ko-KR" dirty="0"/>
-              <a:t>UI </a:t>
-            </a:r>
-            <a:r>
-              <a:rPr lang="ko-KR" altLang="en-US" dirty="0"/>
-              <a:t>작업을 보낼 수 있음</a:t>
-            </a:r>
-          </a:p>
-          <a:p>
-            <a:endParaRPr lang="en-US" altLang="ko-KR" dirty="0"/>
-          </a:p>
-          <a:p>
-            <a:endParaRPr lang="en-US" altLang="ko-KR" dirty="0"/>
           </a:p>
           <a:p>
             <a:endParaRPr lang="ko-KR" altLang="en-US" dirty="0"/>
@@ -2923,7 +2595,7 @@
           <a:p>
             <a:fld id="{C09E5BFC-1559-42F1-8940-AB342D56BF02}" type="slidenum">
               <a:rPr lang="ko-KR" altLang="en-US" smtClean="0"/>
-              <a:t>19</a:t>
+              <a:t>18</a:t>
             </a:fld>
             <a:endParaRPr lang="ko-KR" altLang="en-US"/>
           </a:p>
@@ -2932,7 +2604,7 @@
     </p:spTree>
     <p:extLst>
       <p:ext uri="{BB962C8B-B14F-4D97-AF65-F5344CB8AC3E}">
-        <p14:creationId xmlns:p14="http://schemas.microsoft.com/office/powerpoint/2010/main" val="2088461962"/>
+        <p14:creationId xmlns:p14="http://schemas.microsoft.com/office/powerpoint/2010/main" val="3920967191"/>
       </p:ext>
     </p:extLst>
   </p:cSld>
@@ -2987,58 +2659,320 @@
           <a:lstStyle/>
           <a:p>
             <a:r>
+              <a:rPr lang="en-US" altLang="ko-KR" dirty="0"/>
+              <a:t>https://ehdrn.tistory.com/234</a:t>
+            </a:r>
+          </a:p>
+          <a:p>
+            <a:r>
+              <a:rPr lang="en-US" altLang="ko-KR" dirty="0"/>
+              <a:t>https://www.sysnet.pe.kr/3/0/5262</a:t>
+            </a:r>
+          </a:p>
+          <a:p>
+            <a:endParaRPr lang="en-US" altLang="ko-KR" dirty="0"/>
+          </a:p>
+          <a:p>
+            <a:r>
               <a:rPr lang="en-US" altLang="ko-KR" dirty="0" err="1"/>
-              <a:t>DateTime.Now</a:t>
-            </a:r>
-            <a:r>
-              <a:rPr lang="en-US" altLang="ko-KR" dirty="0"/>
-              <a:t> → </a:t>
-            </a:r>
+              <a:t>WinForm</a:t>
+            </a:r>
+            <a:r>
+              <a:rPr lang="ko-KR" altLang="en-US" dirty="0"/>
+              <a:t>의 </a:t>
+            </a:r>
+            <a:r>
+              <a:rPr lang="en-US" altLang="ko-KR" b="1" dirty="0"/>
+              <a:t>UI </a:t>
+            </a:r>
+            <a:r>
+              <a:rPr lang="ko-KR" altLang="en-US" b="1" dirty="0"/>
+              <a:t>컨트롤들은 </a:t>
+            </a:r>
+            <a:r>
+              <a:rPr lang="en-US" altLang="ko-KR" b="1" dirty="0"/>
+              <a:t>Main Thread(UI Thread)</a:t>
+            </a:r>
+            <a:r>
+              <a:rPr lang="ko-KR" altLang="en-US" dirty="0"/>
+              <a:t> 가 독점적으로 소유하기 때문입니다</a:t>
+            </a:r>
+            <a:r>
+              <a:rPr lang="en-US" altLang="ko-KR" dirty="0"/>
+              <a:t>.</a:t>
+            </a:r>
+          </a:p>
+          <a:p>
             <a:r>
               <a:rPr lang="en-US" altLang="ko-KR" dirty="0" err="1"/>
-              <a:t>TimeSpan</a:t>
-            </a:r>
-            <a:r>
-              <a:rPr lang="ko-KR" altLang="en-US" dirty="0"/>
-              <a:t>으로 경과 시간 계산하는 법</a:t>
-            </a:r>
+              <a:t>textBox.Text</a:t>
+            </a:r>
+            <a:r>
+              <a:rPr lang="en-US" altLang="ko-KR" dirty="0"/>
+              <a:t> += ... </a:t>
+            </a:r>
+            <a:r>
+              <a:rPr lang="ko-KR" altLang="en-US" dirty="0"/>
+              <a:t>같은 코드는 반드시 </a:t>
+            </a:r>
+            <a:r>
+              <a:rPr lang="en-US" altLang="ko-KR" b="1" dirty="0"/>
+              <a:t>Main Thread</a:t>
+            </a:r>
+            <a:r>
+              <a:rPr lang="ko-KR" altLang="en-US" b="1" dirty="0"/>
+              <a:t>에서만 실행</a:t>
+            </a:r>
+            <a:r>
+              <a:rPr lang="ko-KR" altLang="en-US" dirty="0"/>
+              <a:t>되어야 함</a:t>
+            </a:r>
+          </a:p>
+          <a:p>
+            <a:r>
+              <a:rPr lang="ko-KR" altLang="en-US" dirty="0"/>
+              <a:t>하지만 우리가 만든 </a:t>
+            </a:r>
+            <a:r>
+              <a:rPr lang="en-US" altLang="ko-KR" dirty="0"/>
+              <a:t>Thread, Task, Timer </a:t>
+            </a:r>
+            <a:r>
+              <a:rPr lang="ko-KR" altLang="en-US" dirty="0"/>
+              <a:t>등의 </a:t>
+            </a:r>
+            <a:r>
+              <a:rPr lang="ko-KR" altLang="en-US" b="1" dirty="0"/>
+              <a:t>백그라운드 스레드</a:t>
+            </a:r>
+            <a:r>
+              <a:rPr lang="ko-KR" altLang="en-US" dirty="0"/>
+              <a:t>에서는 </a:t>
+            </a:r>
+            <a:r>
+              <a:rPr lang="en-US" altLang="ko-KR" dirty="0"/>
+              <a:t>UI </a:t>
+            </a:r>
+            <a:r>
+              <a:rPr lang="ko-KR" altLang="en-US" dirty="0"/>
+              <a:t>직접 조작이 </a:t>
+            </a:r>
+            <a:r>
+              <a:rPr lang="ko-KR" altLang="en-US" b="1" dirty="0"/>
+              <a:t>불가능</a:t>
+            </a:r>
+            <a:endParaRPr lang="ko-KR" altLang="en-US" dirty="0"/>
+          </a:p>
+          <a:p>
             <a:endParaRPr lang="en-US" altLang="ko-KR" dirty="0"/>
           </a:p>
           <a:p>
             <a:r>
-              <a:rPr lang="en-US" altLang="ko-KR" dirty="0"/>
-              <a:t>Random</a:t>
-            </a:r>
-            <a:r>
-              <a:rPr lang="ko-KR" altLang="en-US" dirty="0"/>
-              <a:t>을 </a:t>
-            </a:r>
-            <a:r>
-              <a:rPr lang="en-US" altLang="ko-KR" dirty="0"/>
-              <a:t>lock</a:t>
-            </a:r>
-            <a:r>
-              <a:rPr lang="ko-KR" altLang="en-US" dirty="0"/>
-              <a:t>으로 감싸는 이유</a:t>
-            </a:r>
-            <a:r>
-              <a:rPr lang="en-US" altLang="ko-KR" dirty="0"/>
-              <a:t>: </a:t>
+              <a:rPr lang="en-US" altLang="ko-KR" b="1" dirty="0"/>
+              <a:t>1. Dispatcher</a:t>
+            </a:r>
+          </a:p>
+          <a:p>
+            <a:r>
+              <a:rPr lang="en-US" altLang="ko-KR" dirty="0"/>
+              <a:t>(※ </a:t>
+            </a:r>
+            <a:r>
+              <a:rPr lang="ko-KR" altLang="en-US" dirty="0"/>
+              <a:t>주로 </a:t>
+            </a:r>
+            <a:r>
+              <a:rPr lang="en-US" altLang="ko-KR" dirty="0"/>
+              <a:t>WPF</a:t>
+            </a:r>
+            <a:r>
+              <a:rPr lang="ko-KR" altLang="en-US" dirty="0"/>
+              <a:t>에서 사용</a:t>
+            </a:r>
+            <a:r>
+              <a:rPr lang="en-US" altLang="ko-KR" dirty="0"/>
+              <a:t>, </a:t>
+            </a:r>
+            <a:r>
+              <a:rPr lang="en-US" altLang="ko-KR" dirty="0" err="1"/>
+              <a:t>WinForm</a:t>
+            </a:r>
+            <a:r>
+              <a:rPr lang="ko-KR" altLang="en-US" dirty="0"/>
+              <a:t>에서는 </a:t>
+            </a:r>
+            <a:r>
+              <a:rPr lang="en-US" altLang="ko-KR" dirty="0" err="1"/>
+              <a:t>Control.Invoke</a:t>
+            </a:r>
+            <a:r>
+              <a:rPr lang="en-US" altLang="ko-KR" dirty="0"/>
+              <a:t>()</a:t>
+            </a:r>
+            <a:r>
+              <a:rPr lang="ko-KR" altLang="en-US" dirty="0"/>
+              <a:t>로 대체됨</a:t>
+            </a:r>
+            <a:r>
+              <a:rPr lang="en-US" altLang="ko-KR" dirty="0"/>
+              <a:t>)</a:t>
+            </a:r>
+          </a:p>
+          <a:p>
+            <a:r>
+              <a:rPr lang="en-US" altLang="ko-KR" b="1" dirty="0"/>
+              <a:t>UI </a:t>
             </a:r>
             <a:r>
               <a:rPr lang="ko-KR" altLang="en-US" b="1" dirty="0"/>
-              <a:t>스레드 충돌 방지</a:t>
+              <a:t>명령을 </a:t>
+            </a:r>
+            <a:r>
+              <a:rPr lang="en-US" altLang="ko-KR" b="1" dirty="0"/>
+              <a:t>Main Thread</a:t>
+            </a:r>
+            <a:r>
+              <a:rPr lang="ko-KR" altLang="en-US" b="1" dirty="0"/>
+              <a:t>로 위임</a:t>
+            </a:r>
+            <a:r>
+              <a:rPr lang="ko-KR" altLang="en-US" dirty="0"/>
+              <a:t>해서 실행하게 하는 방식</a:t>
+            </a:r>
+          </a:p>
+          <a:p>
+            <a:r>
+              <a:rPr lang="ko-KR" altLang="en-US" dirty="0"/>
+              <a:t>모든 </a:t>
+            </a:r>
+            <a:r>
+              <a:rPr lang="en-US" altLang="ko-KR" dirty="0"/>
+              <a:t>UI </a:t>
+            </a:r>
+            <a:r>
+              <a:rPr lang="ko-KR" altLang="en-US" dirty="0"/>
+              <a:t>컨트롤은 내부적으로 </a:t>
+            </a:r>
+            <a:r>
+              <a:rPr lang="en-US" altLang="ko-KR" dirty="0"/>
+              <a:t>Dispatcher</a:t>
+            </a:r>
+            <a:r>
+              <a:rPr lang="ko-KR" altLang="en-US" dirty="0"/>
+              <a:t>를 가지고 있으며</a:t>
+            </a:r>
+            <a:r>
+              <a:rPr lang="en-US" altLang="ko-KR" dirty="0"/>
+              <a:t>, </a:t>
+            </a:r>
+            <a:r>
+              <a:rPr lang="ko-KR" altLang="en-US" dirty="0"/>
+              <a:t>이 </a:t>
+            </a:r>
+            <a:r>
+              <a:rPr lang="en-US" altLang="ko-KR" dirty="0"/>
+              <a:t>Dispatcher</a:t>
+            </a:r>
+            <a:r>
+              <a:rPr lang="ko-KR" altLang="en-US" dirty="0"/>
+              <a:t>는 </a:t>
+            </a:r>
+            <a:r>
+              <a:rPr lang="en-US" altLang="ko-KR" b="1" dirty="0" err="1"/>
+              <a:t>MainThread</a:t>
+            </a:r>
+            <a:r>
+              <a:rPr lang="ko-KR" altLang="en-US" b="1" dirty="0"/>
+              <a:t>가 소유</a:t>
+            </a:r>
+            <a:endParaRPr lang="ko-KR" altLang="en-US" dirty="0"/>
+          </a:p>
+          <a:p>
+            <a:endParaRPr lang="en-US" altLang="ko-KR" dirty="0"/>
+          </a:p>
+          <a:p>
+            <a:r>
+              <a:rPr lang="en-US" altLang="ko-KR" b="1" dirty="0"/>
+              <a:t>2. </a:t>
+            </a:r>
+            <a:r>
+              <a:rPr lang="en-US" altLang="ko-KR" b="1" dirty="0" err="1"/>
+              <a:t>SynchronizationContext</a:t>
             </a:r>
             <a:endParaRPr lang="en-US" altLang="ko-KR" b="1" dirty="0"/>
           </a:p>
           <a:p>
             <a:r>
               <a:rPr lang="en-US" altLang="ko-KR" dirty="0"/>
-              <a:t>Invoke</a:t>
-            </a:r>
-            <a:r>
-              <a:rPr lang="ko-KR" altLang="en-US" dirty="0"/>
-              <a:t>로 </a:t>
+              <a:t>(</a:t>
+            </a:r>
+            <a:r>
+              <a:rPr lang="ko-KR" altLang="en-US" dirty="0"/>
+              <a:t>스레드 간 통신을 담당하는 클래스</a:t>
+            </a:r>
+            <a:r>
+              <a:rPr lang="en-US" altLang="ko-KR" dirty="0"/>
+              <a:t>)</a:t>
+            </a:r>
+          </a:p>
+          <a:p>
+            <a:r>
+              <a:rPr lang="ko-KR" altLang="en-US" dirty="0"/>
+              <a:t>현재 실행 중인 </a:t>
+            </a:r>
+            <a:r>
+              <a:rPr lang="ko-KR" altLang="en-US" b="1" dirty="0"/>
+              <a:t>스레드의 컨텍스트 정보</a:t>
+            </a:r>
+            <a:r>
+              <a:rPr lang="ko-KR" altLang="en-US" dirty="0"/>
+              <a:t>를 유지하고</a:t>
+            </a:r>
+            <a:r>
+              <a:rPr lang="en-US" altLang="ko-KR" dirty="0"/>
+              <a:t>, </a:t>
+            </a:r>
+            <a:r>
+              <a:rPr lang="ko-KR" altLang="en-US" b="1" dirty="0"/>
+              <a:t>다른 스레드에서 특정 스레드로 작업을 전달</a:t>
+            </a:r>
+            <a:r>
+              <a:rPr lang="ko-KR" altLang="en-US" dirty="0"/>
+              <a:t>할 수 있음</a:t>
+            </a:r>
+          </a:p>
+          <a:p>
+            <a:r>
+              <a:rPr lang="en-US" altLang="ko-KR" dirty="0" err="1"/>
+              <a:t>WinForm</a:t>
+            </a:r>
+            <a:r>
+              <a:rPr lang="ko-KR" altLang="en-US" dirty="0"/>
+              <a:t>에서 </a:t>
+            </a:r>
+            <a:r>
+              <a:rPr lang="en-US" altLang="ko-KR" dirty="0" err="1"/>
+              <a:t>SynchronizationContext.Current</a:t>
+            </a:r>
+            <a:r>
+              <a:rPr lang="ko-KR" altLang="en-US" dirty="0"/>
+              <a:t>를 통해 </a:t>
+            </a:r>
+            <a:r>
+              <a:rPr lang="en-US" altLang="ko-KR" dirty="0" err="1"/>
+              <a:t>MainThread</a:t>
+            </a:r>
+            <a:r>
+              <a:rPr lang="ko-KR" altLang="en-US" dirty="0"/>
+              <a:t>의 컨텍스트를 저장한 뒤</a:t>
+            </a:r>
+            <a:r>
+              <a:rPr lang="en-US" altLang="ko-KR" dirty="0"/>
+              <a:t>, </a:t>
+            </a:r>
+            <a:r>
+              <a:rPr lang="ko-KR" altLang="en-US" dirty="0"/>
+              <a:t>다른 스레드에서 </a:t>
             </a:r>
             <a:r>
               <a:rPr lang="en-US" altLang="ko-KR" dirty="0"/>
@@ -3046,52 +2980,14 @@
             </a:r>
             <a:r>
               <a:rPr lang="ko-KR" altLang="en-US" dirty="0"/>
-              <a:t>스레드에 안전하게 접근</a:t>
-            </a:r>
+              <a:t>작업을 보낼 수 있음</a:t>
+            </a:r>
+          </a:p>
+          <a:p>
             <a:endParaRPr lang="en-US" altLang="ko-KR" dirty="0"/>
           </a:p>
           <a:p>
-            <a:pPr marL="0" marR="0" indent="0" algn="l" defTabSz="914400" rtl="0" eaLnBrk="1" fontAlgn="auto" latinLnBrk="1" hangingPunct="1">
-              <a:lnSpc>
-                <a:spcPct val="100000"/>
-              </a:lnSpc>
-              <a:spcBef>
-                <a:spcPts val="0"/>
-              </a:spcBef>
-              <a:spcAft>
-                <a:spcPts val="0"/>
-              </a:spcAft>
-              <a:buClrTx/>
-              <a:buSzTx/>
-              <a:buFontTx/>
-              <a:buNone/>
-              <a:tabLst/>
-              <a:defRPr/>
-            </a:pPr>
-            <a:r>
-              <a:rPr lang="en-US" altLang="ko-KR" dirty="0"/>
-              <a:t>rank, </a:t>
-            </a:r>
-            <a:r>
-              <a:rPr lang="en-US" altLang="ko-KR" dirty="0" err="1"/>
-              <a:t>finishedCars</a:t>
-            </a:r>
-            <a:r>
-              <a:rPr lang="en-US" altLang="ko-KR" dirty="0"/>
-              <a:t> → </a:t>
-            </a:r>
-            <a:r>
-              <a:rPr lang="ko-KR" altLang="en-US" dirty="0"/>
-              <a:t>전역에서 </a:t>
-            </a:r>
-            <a:r>
-              <a:rPr lang="en-US" altLang="ko-KR" dirty="0"/>
-              <a:t>lock</a:t>
-            </a:r>
-            <a:r>
-              <a:rPr lang="ko-KR" altLang="en-US" dirty="0"/>
-              <a:t>을 통해 동기화</a:t>
-            </a:r>
+            <a:endParaRPr lang="en-US" altLang="ko-KR" dirty="0"/>
           </a:p>
           <a:p>
             <a:endParaRPr lang="ko-KR" altLang="en-US" dirty="0"/>
@@ -3105,7 +3001,7 @@
             <a:spLocks noGrp="1"/>
           </p:cNvSpPr>
           <p:nvPr>
-            <p:ph type="sldNum" sz="quarter" idx="10"/>
+            <p:ph type="sldNum" sz="quarter" idx="5"/>
           </p:nvPr>
         </p:nvSpPr>
         <p:spPr/>
@@ -3115,7 +3011,7 @@
           <a:p>
             <a:fld id="{C09E5BFC-1559-42F1-8940-AB342D56BF02}" type="slidenum">
               <a:rPr lang="ko-KR" altLang="en-US" smtClean="0"/>
-              <a:t>20</a:t>
+              <a:t>19</a:t>
             </a:fld>
             <a:endParaRPr lang="ko-KR" altLang="en-US"/>
           </a:p>
@@ -3124,7 +3020,7 @@
     </p:spTree>
     <p:extLst>
       <p:ext uri="{BB962C8B-B14F-4D97-AF65-F5344CB8AC3E}">
-        <p14:creationId xmlns:p14="http://schemas.microsoft.com/office/powerpoint/2010/main" val="355223082"/>
+        <p14:creationId xmlns:p14="http://schemas.microsoft.com/office/powerpoint/2010/main" val="2088461962"/>
       </p:ext>
     </p:extLst>
   </p:cSld>
@@ -3178,6 +3074,114 @@
           <a:bodyPr/>
           <a:lstStyle/>
           <a:p>
+            <a:r>
+              <a:rPr lang="en-US" altLang="ko-KR" dirty="0" err="1"/>
+              <a:t>DateTime.Now</a:t>
+            </a:r>
+            <a:r>
+              <a:rPr lang="en-US" altLang="ko-KR" dirty="0"/>
+              <a:t> → </a:t>
+            </a:r>
+            <a:r>
+              <a:rPr lang="en-US" altLang="ko-KR" dirty="0" err="1"/>
+              <a:t>TimeSpan</a:t>
+            </a:r>
+            <a:r>
+              <a:rPr lang="ko-KR" altLang="en-US" dirty="0"/>
+              <a:t>으로 경과 시간 계산하는 법</a:t>
+            </a:r>
+            <a:endParaRPr lang="en-US" altLang="ko-KR" dirty="0"/>
+          </a:p>
+          <a:p>
+            <a:r>
+              <a:rPr lang="en-US" altLang="ko-KR" dirty="0"/>
+              <a:t>Random</a:t>
+            </a:r>
+            <a:r>
+              <a:rPr lang="ko-KR" altLang="en-US" dirty="0"/>
+              <a:t>을 </a:t>
+            </a:r>
+            <a:r>
+              <a:rPr lang="en-US" altLang="ko-KR" dirty="0"/>
+              <a:t>lock</a:t>
+            </a:r>
+            <a:r>
+              <a:rPr lang="ko-KR" altLang="en-US" dirty="0"/>
+              <a:t>으로 감싸는 이유</a:t>
+            </a:r>
+            <a:r>
+              <a:rPr lang="en-US" altLang="ko-KR" dirty="0"/>
+              <a:t>: </a:t>
+            </a:r>
+            <a:r>
+              <a:rPr lang="ko-KR" altLang="en-US" b="1" dirty="0"/>
+              <a:t>스레드 충돌 방지</a:t>
+            </a:r>
+            <a:endParaRPr lang="en-US" altLang="ko-KR" b="1" dirty="0"/>
+          </a:p>
+          <a:p>
+            <a:r>
+              <a:rPr lang="en-US" altLang="ko-KR" dirty="0"/>
+              <a:t>Invoke</a:t>
+            </a:r>
+            <a:r>
+              <a:rPr lang="ko-KR" altLang="en-US" dirty="0"/>
+              <a:t>로 </a:t>
+            </a:r>
+            <a:r>
+              <a:rPr lang="en-US" altLang="ko-KR" dirty="0"/>
+              <a:t>UI </a:t>
+            </a:r>
+            <a:r>
+              <a:rPr lang="ko-KR" altLang="en-US" dirty="0"/>
+              <a:t>스레드에 안전하게 접근</a:t>
+            </a:r>
+            <a:endParaRPr lang="en-US" altLang="ko-KR" dirty="0"/>
+          </a:p>
+          <a:p>
+            <a:pPr marL="0" marR="0" indent="0" algn="l" defTabSz="914400" rtl="0" eaLnBrk="1" fontAlgn="auto" latinLnBrk="1" hangingPunct="1">
+              <a:lnSpc>
+                <a:spcPct val="100000"/>
+              </a:lnSpc>
+              <a:spcBef>
+                <a:spcPts val="0"/>
+              </a:spcBef>
+              <a:spcAft>
+                <a:spcPts val="0"/>
+              </a:spcAft>
+              <a:buClrTx/>
+              <a:buSzTx/>
+              <a:buFontTx/>
+              <a:buNone/>
+              <a:tabLst/>
+              <a:defRPr/>
+            </a:pPr>
+            <a:r>
+              <a:rPr lang="en-US" altLang="ko-KR" dirty="0"/>
+              <a:t>rank, </a:t>
+            </a:r>
+            <a:r>
+              <a:rPr lang="en-US" altLang="ko-KR" dirty="0" err="1"/>
+              <a:t>finishedCars</a:t>
+            </a:r>
+            <a:r>
+              <a:rPr lang="en-US" altLang="ko-KR" dirty="0"/>
+              <a:t> → </a:t>
+            </a:r>
+            <a:r>
+              <a:rPr lang="ko-KR" altLang="en-US" dirty="0"/>
+              <a:t>전역에서 </a:t>
+            </a:r>
+            <a:r>
+              <a:rPr lang="en-US" altLang="ko-KR" dirty="0"/>
+              <a:t>lock</a:t>
+            </a:r>
+            <a:r>
+              <a:rPr lang="ko-KR" altLang="en-US" dirty="0"/>
+              <a:t>을 통해 동기화</a:t>
+            </a:r>
+          </a:p>
+          <a:p>
             <a:endParaRPr lang="ko-KR" altLang="en-US" dirty="0"/>
           </a:p>
         </p:txBody>
@@ -3189,7 +3193,7 @@
             <a:spLocks noGrp="1"/>
           </p:cNvSpPr>
           <p:nvPr>
-            <p:ph type="sldNum" sz="quarter" idx="5"/>
+            <p:ph type="sldNum" sz="quarter" idx="10"/>
           </p:nvPr>
         </p:nvSpPr>
         <p:spPr/>
@@ -3199,7 +3203,7 @@
           <a:p>
             <a:fld id="{C09E5BFC-1559-42F1-8940-AB342D56BF02}" type="slidenum">
               <a:rPr lang="ko-KR" altLang="en-US" smtClean="0"/>
-              <a:t>21</a:t>
+              <a:t>20</a:t>
             </a:fld>
             <a:endParaRPr lang="ko-KR" altLang="en-US"/>
           </a:p>
@@ -3208,7 +3212,7 @@
     </p:spTree>
     <p:extLst>
       <p:ext uri="{BB962C8B-B14F-4D97-AF65-F5344CB8AC3E}">
-        <p14:creationId xmlns:p14="http://schemas.microsoft.com/office/powerpoint/2010/main" val="3458050105"/>
+        <p14:creationId xmlns:p14="http://schemas.microsoft.com/office/powerpoint/2010/main" val="355223082"/>
       </p:ext>
     </p:extLst>
   </p:cSld>
@@ -3283,7 +3287,7 @@
           <a:p>
             <a:fld id="{C09E5BFC-1559-42F1-8940-AB342D56BF02}" type="slidenum">
               <a:rPr lang="ko-KR" altLang="en-US" smtClean="0"/>
-              <a:t>22</a:t>
+              <a:t>21</a:t>
             </a:fld>
             <a:endParaRPr lang="ko-KR" altLang="en-US"/>
           </a:p>
@@ -3292,7 +3296,7 @@
     </p:spTree>
     <p:extLst>
       <p:ext uri="{BB962C8B-B14F-4D97-AF65-F5344CB8AC3E}">
-        <p14:creationId xmlns:p14="http://schemas.microsoft.com/office/powerpoint/2010/main" val="1616838779"/>
+        <p14:creationId xmlns:p14="http://schemas.microsoft.com/office/powerpoint/2010/main" val="3458050105"/>
       </p:ext>
     </p:extLst>
   </p:cSld>
@@ -3458,6 +3462,174 @@
           <a:bodyPr/>
           <a:lstStyle/>
           <a:p>
+            <a:endParaRPr lang="ko-KR" altLang="en-US" dirty="0"/>
+          </a:p>
+        </p:txBody>
+      </p:sp>
+      <p:sp>
+        <p:nvSpPr>
+          <p:cNvPr id="4" name="슬라이드 번호 개체 틀 3"/>
+          <p:cNvSpPr>
+            <a:spLocks noGrp="1"/>
+          </p:cNvSpPr>
+          <p:nvPr>
+            <p:ph type="sldNum" sz="quarter" idx="5"/>
+          </p:nvPr>
+        </p:nvSpPr>
+        <p:spPr/>
+        <p:txBody>
+          <a:bodyPr/>
+          <a:lstStyle/>
+          <a:p>
+            <a:fld id="{C09E5BFC-1559-42F1-8940-AB342D56BF02}" type="slidenum">
+              <a:rPr lang="ko-KR" altLang="en-US" smtClean="0"/>
+              <a:t>22</a:t>
+            </a:fld>
+            <a:endParaRPr lang="ko-KR" altLang="en-US"/>
+          </a:p>
+        </p:txBody>
+      </p:sp>
+    </p:spTree>
+    <p:extLst>
+      <p:ext uri="{BB962C8B-B14F-4D97-AF65-F5344CB8AC3E}">
+        <p14:creationId xmlns:p14="http://schemas.microsoft.com/office/powerpoint/2010/main" val="1616838779"/>
+      </p:ext>
+    </p:extLst>
+  </p:cSld>
+  <p:clrMapOvr>
+    <a:masterClrMapping/>
+  </p:clrMapOvr>
+</p:notes>
+</file>
+
+<file path=ppt/notesSlides/notesSlide21.xml><?xml version="1.0" encoding="utf-8"?>
+<p:notes xmlns:a="http://schemas.openxmlformats.org/drawingml/2006/main" xmlns:r="http://schemas.openxmlformats.org/officeDocument/2006/relationships" xmlns:p="http://schemas.openxmlformats.org/presentationml/2006/main">
+  <p:cSld>
+    <p:spTree>
+      <p:nvGrpSpPr>
+        <p:cNvPr id="1" name=""/>
+        <p:cNvGrpSpPr/>
+        <p:nvPr/>
+      </p:nvGrpSpPr>
+      <p:grpSpPr>
+        <a:xfrm>
+          <a:off x="0" y="0"/>
+          <a:ext cx="0" cy="0"/>
+          <a:chOff x="0" y="0"/>
+          <a:chExt cx="0" cy="0"/>
+        </a:xfrm>
+      </p:grpSpPr>
+      <p:sp>
+        <p:nvSpPr>
+          <p:cNvPr id="2" name="슬라이드 이미지 개체 틀 1"/>
+          <p:cNvSpPr>
+            <a:spLocks noGrp="1" noRot="1" noChangeAspect="1"/>
+          </p:cNvSpPr>
+          <p:nvPr>
+            <p:ph type="sldImg"/>
+          </p:nvPr>
+        </p:nvSpPr>
+        <p:spPr/>
+      </p:sp>
+      <p:sp>
+        <p:nvSpPr>
+          <p:cNvPr id="3" name="슬라이드 노트 개체 틀 2"/>
+          <p:cNvSpPr>
+            <a:spLocks noGrp="1"/>
+          </p:cNvSpPr>
+          <p:nvPr>
+            <p:ph type="body" idx="1"/>
+          </p:nvPr>
+        </p:nvSpPr>
+        <p:spPr/>
+        <p:txBody>
+          <a:bodyPr/>
+          <a:lstStyle/>
+          <a:p>
+            <a:endParaRPr lang="ko-KR" altLang="en-US" dirty="0"/>
+          </a:p>
+        </p:txBody>
+      </p:sp>
+      <p:sp>
+        <p:nvSpPr>
+          <p:cNvPr id="4" name="슬라이드 번호 개체 틀 3"/>
+          <p:cNvSpPr>
+            <a:spLocks noGrp="1"/>
+          </p:cNvSpPr>
+          <p:nvPr>
+            <p:ph type="sldNum" sz="quarter" idx="5"/>
+          </p:nvPr>
+        </p:nvSpPr>
+        <p:spPr/>
+        <p:txBody>
+          <a:bodyPr/>
+          <a:lstStyle/>
+          <a:p>
+            <a:fld id="{C09E5BFC-1559-42F1-8940-AB342D56BF02}" type="slidenum">
+              <a:rPr lang="ko-KR" altLang="en-US" smtClean="0"/>
+              <a:t>23</a:t>
+            </a:fld>
+            <a:endParaRPr lang="ko-KR" altLang="en-US"/>
+          </a:p>
+        </p:txBody>
+      </p:sp>
+    </p:spTree>
+    <p:extLst>
+      <p:ext uri="{BB962C8B-B14F-4D97-AF65-F5344CB8AC3E}">
+        <p14:creationId xmlns:p14="http://schemas.microsoft.com/office/powerpoint/2010/main" val="4262484510"/>
+      </p:ext>
+    </p:extLst>
+  </p:cSld>
+  <p:clrMapOvr>
+    <a:masterClrMapping/>
+  </p:clrMapOvr>
+</p:notes>
+</file>
+
+<file path=ppt/notesSlides/notesSlide22.xml><?xml version="1.0" encoding="utf-8"?>
+<p:notes xmlns:a="http://schemas.openxmlformats.org/drawingml/2006/main" xmlns:r="http://schemas.openxmlformats.org/officeDocument/2006/relationships" xmlns:p="http://schemas.openxmlformats.org/presentationml/2006/main">
+  <p:cSld>
+    <p:spTree>
+      <p:nvGrpSpPr>
+        <p:cNvPr id="1" name=""/>
+        <p:cNvGrpSpPr/>
+        <p:nvPr/>
+      </p:nvGrpSpPr>
+      <p:grpSpPr>
+        <a:xfrm>
+          <a:off x="0" y="0"/>
+          <a:ext cx="0" cy="0"/>
+          <a:chOff x="0" y="0"/>
+          <a:chExt cx="0" cy="0"/>
+        </a:xfrm>
+      </p:grpSpPr>
+      <p:sp>
+        <p:nvSpPr>
+          <p:cNvPr id="2" name="슬라이드 이미지 개체 틀 1"/>
+          <p:cNvSpPr>
+            <a:spLocks noGrp="1" noRot="1" noChangeAspect="1"/>
+          </p:cNvSpPr>
+          <p:nvPr>
+            <p:ph type="sldImg"/>
+          </p:nvPr>
+        </p:nvSpPr>
+        <p:spPr/>
+      </p:sp>
+      <p:sp>
+        <p:nvSpPr>
+          <p:cNvPr id="3" name="슬라이드 노트 개체 틀 2"/>
+          <p:cNvSpPr>
+            <a:spLocks noGrp="1"/>
+          </p:cNvSpPr>
+          <p:nvPr>
+            <p:ph type="body" idx="1"/>
+          </p:nvPr>
+        </p:nvSpPr>
+        <p:spPr/>
+        <p:txBody>
+          <a:bodyPr/>
+          <a:lstStyle/>
+          <a:p>
             <a:r>
               <a:rPr lang="en-US" altLang="ko-KR" dirty="0"/>
               <a:t>(Action)(() =&gt; { ... })</a:t>
@@ -3683,7 +3855,7 @@
 </p:notes>
 </file>
 
-<file path=ppt/notesSlides/notesSlide21.xml><?xml version="1.0" encoding="utf-8"?>
+<file path=ppt/notesSlides/notesSlide23.xml><?xml version="1.0" encoding="utf-8"?>
 <p:notes xmlns:a="http://schemas.openxmlformats.org/drawingml/2006/main" xmlns:r="http://schemas.openxmlformats.org/officeDocument/2006/relationships" xmlns:p="http://schemas.openxmlformats.org/presentationml/2006/main">
   <p:cSld>
     <p:spTree>
@@ -6588,7 +6760,7 @@
           <a:p>
             <a:fld id="{442BEE3F-2E9A-4FD8-8B8A-8619F3E161C0}" type="datetime1">
               <a:rPr lang="ko-KR" altLang="en-US" smtClean="0"/>
-              <a:t>2025-05-19</a:t>
+              <a:t>2025-05-20</a:t>
             </a:fld>
             <a:endParaRPr lang="ko-KR" altLang="en-US"/>
           </a:p>
@@ -6774,7 +6946,7 @@
           <a:p>
             <a:fld id="{2EAE422B-0E68-47B5-84BB-CA2BDA8EE46C}" type="datetime1">
               <a:rPr lang="ko-KR" altLang="en-US" smtClean="0"/>
-              <a:t>2025-05-19</a:t>
+              <a:t>2025-05-20</a:t>
             </a:fld>
             <a:endParaRPr lang="ko-KR" altLang="en-US"/>
           </a:p>
@@ -6982,7 +7154,7 @@
           <a:p>
             <a:fld id="{AF7C623F-179B-417F-99B6-50F6DF228D4B}" type="datetime1">
               <a:rPr lang="ko-KR" altLang="en-US" smtClean="0"/>
-              <a:t>2025-05-19</a:t>
+              <a:t>2025-05-20</a:t>
             </a:fld>
             <a:endParaRPr lang="ko-KR" altLang="en-US"/>
           </a:p>
@@ -7224,7 +7396,7 @@
           <a:p>
             <a:fld id="{0F78D9C4-20C1-4B15-A116-16DC77AD9A1E}" type="datetime1">
               <a:rPr lang="ko-KR" altLang="en-US" smtClean="0"/>
-              <a:t>2025-05-19</a:t>
+              <a:t>2025-05-20</a:t>
             </a:fld>
             <a:endParaRPr lang="ko-KR" altLang="en-US"/>
           </a:p>
@@ -7499,7 +7671,7 @@
           <a:p>
             <a:fld id="{C7F43723-C509-4DEA-8428-B50818F79709}" type="datetime1">
               <a:rPr lang="ko-KR" altLang="en-US" smtClean="0"/>
-              <a:t>2025-05-19</a:t>
+              <a:t>2025-05-20</a:t>
             </a:fld>
             <a:endParaRPr lang="ko-KR" altLang="en-US"/>
           </a:p>
@@ -7764,7 +7936,7 @@
           <a:p>
             <a:fld id="{5D2B7482-EE74-4DBD-97F4-D0DAC0C0E4E5}" type="datetime1">
               <a:rPr lang="ko-KR" altLang="en-US" smtClean="0"/>
-              <a:t>2025-05-19</a:t>
+              <a:t>2025-05-20</a:t>
             </a:fld>
             <a:endParaRPr lang="ko-KR" altLang="en-US"/>
           </a:p>
@@ -8177,7 +8349,7 @@
           <a:p>
             <a:fld id="{051A8C49-CED7-4A86-9B4A-621D7F62EE92}" type="datetime1">
               <a:rPr lang="ko-KR" altLang="en-US" smtClean="0"/>
-              <a:t>2025-05-19</a:t>
+              <a:t>2025-05-20</a:t>
             </a:fld>
             <a:endParaRPr lang="ko-KR" altLang="en-US"/>
           </a:p>
@@ -8324,7 +8496,7 @@
           <a:p>
             <a:fld id="{84082D76-7079-412D-848B-E1B9E7A6A286}" type="datetime1">
               <a:rPr lang="ko-KR" altLang="en-US" smtClean="0"/>
-              <a:t>2025-05-19</a:t>
+              <a:t>2025-05-20</a:t>
             </a:fld>
             <a:endParaRPr lang="ko-KR" altLang="en-US"/>
           </a:p>
@@ -8437,7 +8609,7 @@
           <a:p>
             <a:fld id="{10C5FEB5-5F88-4F49-9108-1795E314F09F}" type="datetime1">
               <a:rPr lang="ko-KR" altLang="en-US" smtClean="0"/>
-              <a:t>2025-05-19</a:t>
+              <a:t>2025-05-20</a:t>
             </a:fld>
             <a:endParaRPr lang="ko-KR" altLang="en-US"/>
           </a:p>
@@ -8748,7 +8920,7 @@
           <a:p>
             <a:fld id="{E37ABBEE-D8D4-48AD-9887-4DC578B8A684}" type="datetime1">
               <a:rPr lang="ko-KR" altLang="en-US" smtClean="0"/>
-              <a:t>2025-05-19</a:t>
+              <a:t>2025-05-20</a:t>
             </a:fld>
             <a:endParaRPr lang="ko-KR" altLang="en-US"/>
           </a:p>
@@ -9039,7 +9211,7 @@
           <a:p>
             <a:fld id="{A2D6A55C-F3DD-45DD-9D50-F8680410167D}" type="datetime1">
               <a:rPr lang="ko-KR" altLang="en-US" smtClean="0"/>
-              <a:t>2025-05-19</a:t>
+              <a:t>2025-05-20</a:t>
             </a:fld>
             <a:endParaRPr lang="ko-KR" altLang="en-US"/>
           </a:p>
@@ -9283,7 +9455,7 @@
             <a:fld id="{7F5E23C3-0E3D-4E4E-8486-D7FB4C073DC1}" type="datetime1">
               <a:rPr lang="ko-KR" altLang="en-US" smtClean="0"/>
               <a:pPr/>
-              <a:t>2025-05-19</a:t>
+              <a:t>2025-05-20</a:t>
             </a:fld>
             <a:endParaRPr lang="ko-KR" altLang="en-US" dirty="0"/>
           </a:p>
@@ -9812,7 +9984,7 @@
           <a:p>
             <a:fld id="{2E2BEDFA-D8AA-4914-9440-7DF713C99FA9}" type="datetime1">
               <a:rPr lang="ko-KR" altLang="en-US" smtClean="0"/>
-              <a:t>2025-05-19</a:t>
+              <a:t>2025-05-20</a:t>
             </a:fld>
             <a:endParaRPr lang="ko-KR" altLang="en-US"/>
           </a:p>
@@ -10138,7 +10310,7 @@
           <a:p>
             <a:fld id="{0F78D9C4-20C1-4B15-A116-16DC77AD9A1E}" type="datetime1">
               <a:rPr lang="ko-KR" altLang="en-US" smtClean="0"/>
-              <a:t>2025-05-19</a:t>
+              <a:t>2025-05-20</a:t>
             </a:fld>
             <a:endParaRPr lang="ko-KR" altLang="en-US"/>
           </a:p>
@@ -10415,7 +10587,7 @@
           <a:p>
             <a:fld id="{0F78D9C4-20C1-4B15-A116-16DC77AD9A1E}" type="datetime1">
               <a:rPr lang="ko-KR" altLang="en-US" smtClean="0"/>
-              <a:t>2025-05-19</a:t>
+              <a:t>2025-05-20</a:t>
             </a:fld>
             <a:endParaRPr lang="ko-KR" altLang="en-US"/>
           </a:p>
@@ -10627,7 +10799,7 @@
           <a:p>
             <a:fld id="{0F78D9C4-20C1-4B15-A116-16DC77AD9A1E}" type="datetime1">
               <a:rPr lang="ko-KR" altLang="en-US" smtClean="0"/>
-              <a:t>2025-05-19</a:t>
+              <a:t>2025-05-20</a:t>
             </a:fld>
             <a:endParaRPr lang="ko-KR" altLang="en-US"/>
           </a:p>
@@ -10967,7 +11139,7 @@
           <a:p>
             <a:fld id="{0F78D9C4-20C1-4B15-A116-16DC77AD9A1E}" type="datetime1">
               <a:rPr lang="ko-KR" altLang="en-US" smtClean="0"/>
-              <a:t>2025-05-19</a:t>
+              <a:t>2025-05-20</a:t>
             </a:fld>
             <a:endParaRPr lang="ko-KR" altLang="en-US"/>
           </a:p>
@@ -11232,7 +11404,7 @@
             <a:pPr lvl="1"/>
             <a:r>
               <a:rPr lang="en-US" altLang="ko-KR" sz="2000" dirty="0">
-                <a:hlinkClick r:id="rId2"/>
+                <a:hlinkClick r:id="rId3"/>
               </a:rPr>
               <a:t>https://learn.microsoft.com/ko-kr/dotnet/api/system.windows.forms.progressbar?view=windowsdesktop-8.0</a:t>
             </a:r>
@@ -11451,7 +11623,7 @@
           <a:p>
             <a:fld id="{0F78D9C4-20C1-4B15-A116-16DC77AD9A1E}" type="datetime1">
               <a:rPr lang="ko-KR" altLang="en-US" smtClean="0"/>
-              <a:t>2025-05-19</a:t>
+              <a:t>2025-05-20</a:t>
             </a:fld>
             <a:endParaRPr lang="ko-KR" altLang="en-US"/>
           </a:p>
@@ -11616,7 +11788,7 @@
           <a:p>
             <a:fld id="{0F78D9C4-20C1-4B15-A116-16DC77AD9A1E}" type="datetime1">
               <a:rPr lang="ko-KR" altLang="en-US" smtClean="0"/>
-              <a:t>2025-05-19</a:t>
+              <a:t>2025-05-20</a:t>
             </a:fld>
             <a:endParaRPr lang="ko-KR" altLang="en-US"/>
           </a:p>
@@ -11991,7 +12163,7 @@
           <a:p>
             <a:fld id="{0F78D9C4-20C1-4B15-A116-16DC77AD9A1E}" type="datetime1">
               <a:rPr lang="ko-KR" altLang="en-US" smtClean="0"/>
-              <a:t>2025-05-19</a:t>
+              <a:t>2025-05-20</a:t>
             </a:fld>
             <a:endParaRPr lang="ko-KR" altLang="en-US"/>
           </a:p>
@@ -12342,7 +12514,7 @@
           <a:p>
             <a:fld id="{0F78D9C4-20C1-4B15-A116-16DC77AD9A1E}" type="datetime1">
               <a:rPr lang="ko-KR" altLang="en-US" smtClean="0"/>
-              <a:t>2025-05-19</a:t>
+              <a:t>2025-05-20</a:t>
             </a:fld>
             <a:endParaRPr lang="ko-KR" altLang="en-US"/>
           </a:p>
@@ -12463,7 +12635,7 @@
           <a:p>
             <a:fld id="{0F78D9C4-20C1-4B15-A116-16DC77AD9A1E}" type="datetime1">
               <a:rPr lang="ko-KR" altLang="en-US" smtClean="0"/>
-              <a:t>2025-05-19</a:t>
+              <a:t>2025-05-20</a:t>
             </a:fld>
             <a:endParaRPr lang="ko-KR" altLang="en-US"/>
           </a:p>
@@ -12987,7 +13159,7 @@
           <a:p>
             <a:fld id="{0F78D9C4-20C1-4B15-A116-16DC77AD9A1E}" type="datetime1">
               <a:rPr lang="ko-KR" altLang="en-US" smtClean="0"/>
-              <a:t>2025-05-19</a:t>
+              <a:t>2025-05-20</a:t>
             </a:fld>
             <a:endParaRPr lang="ko-KR" altLang="en-US"/>
           </a:p>
@@ -13332,7 +13504,7 @@
           <a:p>
             <a:fld id="{0F78D9C4-20C1-4B15-A116-16DC77AD9A1E}" type="datetime1">
               <a:rPr lang="ko-KR" altLang="en-US" smtClean="0"/>
-              <a:t>2025-05-19</a:t>
+              <a:t>2025-05-20</a:t>
             </a:fld>
             <a:endParaRPr lang="ko-KR" altLang="en-US"/>
           </a:p>
@@ -13952,7 +14124,7 @@
           <a:p>
             <a:fld id="{0F78D9C4-20C1-4B15-A116-16DC77AD9A1E}" type="datetime1">
               <a:rPr lang="ko-KR" altLang="en-US" smtClean="0"/>
-              <a:t>2025-05-19</a:t>
+              <a:t>2025-05-20</a:t>
             </a:fld>
             <a:endParaRPr lang="ko-KR" altLang="en-US"/>
           </a:p>
@@ -14438,7 +14610,7 @@
           <a:p>
             <a:fld id="{0F78D9C4-20C1-4B15-A116-16DC77AD9A1E}" type="datetime1">
               <a:rPr lang="ko-KR" altLang="en-US" smtClean="0"/>
-              <a:t>2025-05-19</a:t>
+              <a:t>2025-05-20</a:t>
             </a:fld>
             <a:endParaRPr lang="ko-KR" altLang="en-US"/>
           </a:p>
@@ -14619,7 +14791,7 @@
           <a:p>
             <a:fld id="{0F78D9C4-20C1-4B15-A116-16DC77AD9A1E}" type="datetime1">
               <a:rPr lang="ko-KR" altLang="en-US" smtClean="0"/>
-              <a:t>2025-05-19</a:t>
+              <a:t>2025-05-20</a:t>
             </a:fld>
             <a:endParaRPr lang="ko-KR" altLang="en-US"/>
           </a:p>
@@ -14968,7 +15140,7 @@
           <a:p>
             <a:fld id="{0F78D9C4-20C1-4B15-A116-16DC77AD9A1E}" type="datetime1">
               <a:rPr lang="ko-KR" altLang="en-US" smtClean="0"/>
-              <a:t>2025-05-19</a:t>
+              <a:t>2025-05-20</a:t>
             </a:fld>
             <a:endParaRPr lang="ko-KR" altLang="en-US"/>
           </a:p>
@@ -15018,7 +15190,7 @@
           <p:nvPr/>
         </p:nvPicPr>
         <p:blipFill>
-          <a:blip r:embed="rId2"/>
+          <a:blip r:embed="rId3"/>
           <a:stretch>
             <a:fillRect/>
           </a:stretch>
@@ -15171,7 +15343,7 @@
           <a:p>
             <a:fld id="{0F78D9C4-20C1-4B15-A116-16DC77AD9A1E}" type="datetime1">
               <a:rPr lang="ko-KR" altLang="en-US" smtClean="0"/>
-              <a:t>2025-05-19</a:t>
+              <a:t>2025-05-20</a:t>
             </a:fld>
             <a:endParaRPr lang="ko-KR" altLang="en-US"/>
           </a:p>
@@ -15434,7 +15606,7 @@
           <a:p>
             <a:fld id="{0F78D9C4-20C1-4B15-A116-16DC77AD9A1E}" type="datetime1">
               <a:rPr lang="ko-KR" altLang="en-US" smtClean="0"/>
-              <a:t>2025-05-19</a:t>
+              <a:t>2025-05-20</a:t>
             </a:fld>
             <a:endParaRPr lang="ko-KR" altLang="en-US"/>
           </a:p>
@@ -15738,7 +15910,7 @@
           <a:p>
             <a:fld id="{0F78D9C4-20C1-4B15-A116-16DC77AD9A1E}" type="datetime1">
               <a:rPr lang="ko-KR" altLang="en-US" smtClean="0"/>
-              <a:t>2025-05-19</a:t>
+              <a:t>2025-05-20</a:t>
             </a:fld>
             <a:endParaRPr lang="ko-KR" altLang="en-US"/>
           </a:p>
@@ -16160,7 +16332,7 @@
           <a:p>
             <a:fld id="{0F78D9C4-20C1-4B15-A116-16DC77AD9A1E}" type="datetime1">
               <a:rPr lang="ko-KR" altLang="en-US" smtClean="0"/>
-              <a:t>2025-05-19</a:t>
+              <a:t>2025-05-20</a:t>
             </a:fld>
             <a:endParaRPr lang="ko-KR" altLang="en-US"/>
           </a:p>
@@ -16352,7 +16524,7 @@
           <a:p>
             <a:fld id="{0F78D9C4-20C1-4B15-A116-16DC77AD9A1E}" type="datetime1">
               <a:rPr lang="ko-KR" altLang="en-US" smtClean="0"/>
-              <a:t>2025-05-19</a:t>
+              <a:t>2025-05-20</a:t>
             </a:fld>
             <a:endParaRPr lang="ko-KR" altLang="en-US"/>
           </a:p>
@@ -16845,7 +17017,7 @@
           <a:p>
             <a:fld id="{0F78D9C4-20C1-4B15-A116-16DC77AD9A1E}" type="datetime1">
               <a:rPr lang="ko-KR" altLang="en-US" smtClean="0"/>
-              <a:t>2025-05-19</a:t>
+              <a:t>2025-05-20</a:t>
             </a:fld>
             <a:endParaRPr lang="ko-KR" altLang="en-US"/>
           </a:p>
@@ -17098,7 +17270,7 @@
           <a:p>
             <a:fld id="{0F78D9C4-20C1-4B15-A116-16DC77AD9A1E}" type="datetime1">
               <a:rPr lang="ko-KR" altLang="en-US" smtClean="0"/>
-              <a:t>2025-05-19</a:t>
+              <a:t>2025-05-20</a:t>
             </a:fld>
             <a:endParaRPr lang="ko-KR" altLang="en-US"/>
           </a:p>
@@ -17209,7 +17381,7 @@
           <a:p>
             <a:fld id="{0F78D9C4-20C1-4B15-A116-16DC77AD9A1E}" type="datetime1">
               <a:rPr lang="ko-KR" altLang="en-US" smtClean="0"/>
-              <a:t>2025-05-19</a:t>
+              <a:t>2025-05-20</a:t>
             </a:fld>
             <a:endParaRPr lang="ko-KR" altLang="en-US"/>
           </a:p>
@@ -17475,7 +17647,7 @@
           <a:p>
             <a:fld id="{0F78D9C4-20C1-4B15-A116-16DC77AD9A1E}" type="datetime1">
               <a:rPr lang="ko-KR" altLang="en-US" smtClean="0"/>
-              <a:t>2025-05-19</a:t>
+              <a:t>2025-05-20</a:t>
             </a:fld>
             <a:endParaRPr lang="ko-KR" altLang="en-US"/>
           </a:p>
@@ -17928,7 +18100,7 @@
           <a:p>
             <a:fld id="{0F78D9C4-20C1-4B15-A116-16DC77AD9A1E}" type="datetime1">
               <a:rPr lang="ko-KR" altLang="en-US" smtClean="0"/>
-              <a:t>2025-05-19</a:t>
+              <a:t>2025-05-20</a:t>
             </a:fld>
             <a:endParaRPr lang="ko-KR" altLang="en-US"/>
           </a:p>
@@ -18149,7 +18321,7 @@
           <a:p>
             <a:fld id="{0F78D9C4-20C1-4B15-A116-16DC77AD9A1E}" type="datetime1">
               <a:rPr lang="ko-KR" altLang="en-US" smtClean="0"/>
-              <a:t>2025-05-19</a:t>
+              <a:t>2025-05-20</a:t>
             </a:fld>
             <a:endParaRPr lang="ko-KR" altLang="en-US"/>
           </a:p>

--- a/material/16_CSharp_심화문법 (멀티스레드).pptx
+++ b/material/16_CSharp_심화문법 (멀티스레드).pptx
@@ -40,22 +40,22 @@
   <p:notesSz cx="6858000" cy="9144000"/>
   <p:embeddedFontLst>
     <p:embeddedFont>
-      <p:font typeface="Pretendard" panose="020B0600000101010101" charset="-127"/>
+      <p:font typeface="Pretendard GOV" panose="020B0600000101010101" charset="-127"/>
       <p:regular r:id="rId30"/>
       <p:bold r:id="rId31"/>
     </p:embeddedFont>
     <p:embeddedFont>
-      <p:font typeface="Pretendard Black" panose="020B0600000101010101" charset="-127"/>
-      <p:bold r:id="rId32"/>
+      <p:font typeface="맑은 고딕" panose="020B0503020000020004" pitchFamily="50" charset="-127"/>
+      <p:regular r:id="rId32"/>
+      <p:bold r:id="rId33"/>
     </p:embeddedFont>
     <p:embeddedFont>
-      <p:font typeface="Pretendard GOV" panose="02000503000000020004" pitchFamily="2" charset="-127"/>
-      <p:regular r:id="rId33"/>
-      <p:bold r:id="rId34"/>
+      <p:font typeface="Pretendard" panose="02000503000000020004" pitchFamily="2" charset="-127"/>
+      <p:regular r:id="rId34"/>
+      <p:bold r:id="rId35"/>
     </p:embeddedFont>
     <p:embeddedFont>
-      <p:font typeface="맑은 고딕" panose="020B0503020000020004" pitchFamily="50" charset="-127"/>
-      <p:regular r:id="rId35"/>
+      <p:font typeface="Pretendard Black" panose="02000A03000000020004" pitchFamily="2" charset="-127"/>
       <p:bold r:id="rId36"/>
     </p:embeddedFont>
   </p:embeddedFontLst>
@@ -247,7 +247,7 @@
           <a:p>
             <a:fld id="{2EF3F159-7250-4DD4-91C2-13B35D56E1AF}" type="datetimeFigureOut">
               <a:rPr lang="ko-KR" altLang="en-US" smtClean="0"/>
-              <a:t>2025-05-20</a:t>
+              <a:t>2025-06-08</a:t>
             </a:fld>
             <a:endParaRPr lang="ko-KR" altLang="en-US"/>
           </a:p>
@@ -669,422 +669,6 @@
           <a:bodyPr/>
           <a:lstStyle/>
           <a:p>
-            <a:r>
-              <a:rPr lang="en-US" altLang="ko-KR" dirty="0" err="1"/>
-              <a:t>this.worker</a:t>
-            </a:r>
-            <a:r>
-              <a:rPr lang="ko-KR" altLang="en-US" dirty="0"/>
-              <a:t>는 </a:t>
-            </a:r>
-            <a:r>
-              <a:rPr lang="en-US" altLang="ko-KR" dirty="0" err="1"/>
-              <a:t>BackgroundWorker</a:t>
-            </a:r>
-            <a:r>
-              <a:rPr lang="ko-KR" altLang="en-US" dirty="0"/>
-              <a:t>의 인스턴스  입니다</a:t>
-            </a:r>
-            <a:r>
-              <a:rPr lang="en-US" altLang="ko-KR" dirty="0"/>
-              <a:t>.</a:t>
-            </a:r>
-          </a:p>
-          <a:p>
-            <a:endParaRPr lang="en-US" altLang="ko-KR" dirty="0"/>
-          </a:p>
-          <a:p>
-            <a:pPr marL="0" marR="0" indent="0" algn="l" defTabSz="914400" rtl="0" eaLnBrk="1" fontAlgn="auto" latinLnBrk="1" hangingPunct="1">
-              <a:lnSpc>
-                <a:spcPct val="100000"/>
-              </a:lnSpc>
-              <a:spcBef>
-                <a:spcPts val="0"/>
-              </a:spcBef>
-              <a:spcAft>
-                <a:spcPts val="0"/>
-              </a:spcAft>
-              <a:buClrTx/>
-              <a:buSzTx/>
-              <a:buFontTx/>
-              <a:buNone/>
-              <a:tabLst/>
-              <a:defRPr/>
-            </a:pPr>
-            <a:r>
-              <a:rPr lang="en-US" altLang="ko-KR" b="1" dirty="0" err="1"/>
-              <a:t>BackgroundWorker</a:t>
-            </a:r>
-            <a:r>
-              <a:rPr lang="en-US" altLang="ko-KR" b="1" dirty="0"/>
-              <a:t> </a:t>
-            </a:r>
-            <a:r>
-              <a:rPr lang="ko-KR" altLang="en-US" b="1" dirty="0"/>
-              <a:t>클래스</a:t>
-            </a:r>
-            <a:r>
-              <a:rPr lang="ko-KR" altLang="en-US" dirty="0"/>
-              <a:t>의 주요 이벤트 및 메서드들</a:t>
-            </a:r>
-            <a:endParaRPr lang="en-US" altLang="ko-KR" dirty="0"/>
-          </a:p>
-          <a:p>
-            <a:endParaRPr lang="en-US" altLang="ko-KR" dirty="0"/>
-          </a:p>
-          <a:p>
-            <a:r>
-              <a:rPr lang="ko-KR" altLang="en-US" b="1" dirty="0"/>
-              <a:t>✅ </a:t>
-            </a:r>
-            <a:r>
-              <a:rPr lang="en-US" altLang="ko-KR" b="1" dirty="0"/>
-              <a:t>1. </a:t>
-            </a:r>
-            <a:r>
-              <a:rPr lang="en-US" altLang="ko-KR" b="1" dirty="0" err="1"/>
-              <a:t>DoWork</a:t>
-            </a:r>
-            <a:endParaRPr lang="en-US" altLang="ko-KR" b="1" dirty="0"/>
-          </a:p>
-          <a:p>
-            <a:r>
-              <a:rPr lang="ko-KR" altLang="en-US" dirty="0"/>
-              <a:t>❗ 백그라운드에서 실제로 </a:t>
-            </a:r>
-            <a:r>
-              <a:rPr lang="ko-KR" altLang="en-US" b="1" dirty="0"/>
-              <a:t>작업을 수행할 함수</a:t>
-            </a:r>
-            <a:r>
-              <a:rPr lang="ko-KR" altLang="en-US" dirty="0"/>
-              <a:t>를 등록하는 이벤트</a:t>
-            </a:r>
-          </a:p>
-          <a:p>
-            <a:r>
-              <a:rPr lang="ko-KR" altLang="en-US" dirty="0"/>
-              <a:t>이 함수는 </a:t>
-            </a:r>
-            <a:r>
-              <a:rPr lang="en-US" altLang="ko-KR" b="1" dirty="0"/>
-              <a:t>UI </a:t>
-            </a:r>
-            <a:r>
-              <a:rPr lang="ko-KR" altLang="en-US" b="1" dirty="0"/>
-              <a:t>스레드와 분리되어 실행됨</a:t>
-            </a:r>
-            <a:r>
-              <a:rPr lang="ko-KR" altLang="en-US" dirty="0"/>
-              <a:t> </a:t>
-            </a:r>
-            <a:r>
-              <a:rPr lang="en-US" altLang="ko-KR" dirty="0"/>
-              <a:t>(</a:t>
-            </a:r>
-            <a:r>
-              <a:rPr lang="ko-KR" altLang="en-US" dirty="0"/>
-              <a:t>즉</a:t>
-            </a:r>
-            <a:r>
-              <a:rPr lang="en-US" altLang="ko-KR" dirty="0"/>
-              <a:t>, </a:t>
-            </a:r>
-            <a:r>
-              <a:rPr lang="ko-KR" altLang="en-US" dirty="0"/>
-              <a:t>화면 멈춤 없이 실행</a:t>
-            </a:r>
-            <a:r>
-              <a:rPr lang="en-US" altLang="ko-KR" dirty="0"/>
-              <a:t>)</a:t>
-            </a:r>
-          </a:p>
-          <a:p>
-            <a:r>
-              <a:rPr lang="ko-KR" altLang="en-US" dirty="0"/>
-              <a:t>예</a:t>
-            </a:r>
-            <a:r>
-              <a:rPr lang="en-US" altLang="ko-KR" dirty="0"/>
-              <a:t>: </a:t>
-            </a:r>
-            <a:r>
-              <a:rPr lang="ko-KR" altLang="en-US" dirty="0"/>
-              <a:t>다운로드</a:t>
-            </a:r>
-            <a:r>
-              <a:rPr lang="en-US" altLang="ko-KR" dirty="0"/>
-              <a:t>, </a:t>
-            </a:r>
-            <a:r>
-              <a:rPr lang="ko-KR" altLang="en-US" dirty="0"/>
-              <a:t>계산 등 시간이 오래 걸리는 작업을 여기에 넣음</a:t>
-            </a:r>
-          </a:p>
-          <a:p>
-            <a:endParaRPr lang="en-US" altLang="ko-KR" dirty="0"/>
-          </a:p>
-          <a:p>
-            <a:r>
-              <a:rPr lang="ko-KR" altLang="en-US" dirty="0"/>
-              <a:t>✅ </a:t>
-            </a:r>
-            <a:r>
-              <a:rPr lang="en-US" altLang="ko-KR" dirty="0"/>
-              <a:t>2. </a:t>
-            </a:r>
-            <a:r>
-              <a:rPr lang="en-US" altLang="ko-KR" dirty="0" err="1"/>
-              <a:t>ProgressChanged</a:t>
-            </a:r>
-            <a:endParaRPr lang="en-US" altLang="ko-KR" dirty="0"/>
-          </a:p>
-          <a:p>
-            <a:r>
-              <a:rPr lang="ko-KR" altLang="en-US" dirty="0"/>
-              <a:t>❗ 백그라운드 작업 중 </a:t>
-            </a:r>
-            <a:r>
-              <a:rPr lang="ko-KR" altLang="en-US" b="1" dirty="0"/>
-              <a:t>진행 상황을 </a:t>
-            </a:r>
-            <a:r>
-              <a:rPr lang="en-US" altLang="ko-KR" b="1" dirty="0"/>
-              <a:t>UI</a:t>
-            </a:r>
-            <a:r>
-              <a:rPr lang="ko-KR" altLang="en-US" b="1" dirty="0"/>
-              <a:t>에 전달할 때</a:t>
-            </a:r>
-            <a:r>
-              <a:rPr lang="ko-KR" altLang="en-US" dirty="0"/>
-              <a:t> 사용하는 이벤트</a:t>
-            </a:r>
-            <a:endParaRPr lang="en-US" altLang="ko-KR" dirty="0"/>
-          </a:p>
-          <a:p>
-            <a:r>
-              <a:rPr lang="en-US" altLang="ko-KR" dirty="0" err="1"/>
-              <a:t>DoWork</a:t>
-            </a:r>
-            <a:r>
-              <a:rPr lang="en-US" altLang="ko-KR" dirty="0"/>
-              <a:t>() </a:t>
-            </a:r>
-            <a:r>
-              <a:rPr lang="ko-KR" altLang="en-US" dirty="0"/>
-              <a:t>내부에서 </a:t>
-            </a:r>
-            <a:r>
-              <a:rPr lang="en-US" altLang="ko-KR" dirty="0" err="1"/>
-              <a:t>ReportProgress</a:t>
-            </a:r>
-            <a:r>
-              <a:rPr lang="en-US" altLang="ko-KR" dirty="0"/>
-              <a:t>(0~100)</a:t>
-            </a:r>
-            <a:r>
-              <a:rPr lang="ko-KR" altLang="en-US" dirty="0"/>
-              <a:t>을 호출하면</a:t>
-            </a:r>
-            <a:r>
-              <a:rPr lang="en-US" altLang="ko-KR" dirty="0"/>
-              <a:t>,</a:t>
-            </a:r>
-          </a:p>
-          <a:p>
-            <a:r>
-              <a:rPr lang="ko-KR" altLang="en-US" dirty="0"/>
-              <a:t>이 이벤트가 실행되어 </a:t>
-            </a:r>
-            <a:r>
-              <a:rPr lang="en-US" altLang="ko-KR" b="1" dirty="0"/>
-              <a:t>UI </a:t>
-            </a:r>
-            <a:r>
-              <a:rPr lang="ko-KR" altLang="en-US" b="1" dirty="0"/>
-              <a:t>스레드에서 안전하게 </a:t>
-            </a:r>
-            <a:r>
-              <a:rPr lang="en-US" altLang="ko-KR" b="1" dirty="0"/>
-              <a:t>Label, </a:t>
-            </a:r>
-            <a:r>
-              <a:rPr lang="en-US" altLang="ko-KR" b="1" dirty="0" err="1"/>
-              <a:t>ProgressBar</a:t>
-            </a:r>
-            <a:r>
-              <a:rPr lang="en-US" altLang="ko-KR" b="1" dirty="0"/>
-              <a:t> </a:t>
-            </a:r>
-            <a:r>
-              <a:rPr lang="ko-KR" altLang="en-US" b="1" dirty="0"/>
-              <a:t>등 갱신 가능</a:t>
-            </a:r>
-            <a:endParaRPr lang="ko-KR" altLang="en-US" dirty="0"/>
-          </a:p>
-          <a:p>
-            <a:endParaRPr lang="en-US" altLang="ko-KR" dirty="0"/>
-          </a:p>
-          <a:p>
-            <a:r>
-              <a:rPr lang="ko-KR" altLang="en-US" dirty="0"/>
-              <a:t>✅ </a:t>
-            </a:r>
-            <a:r>
-              <a:rPr lang="en-US" altLang="ko-KR" dirty="0"/>
-              <a:t>3. </a:t>
-            </a:r>
-            <a:r>
-              <a:rPr lang="en-US" altLang="ko-KR" dirty="0" err="1"/>
-              <a:t>RunWorkerCompleted</a:t>
-            </a:r>
-            <a:endParaRPr lang="en-US" altLang="ko-KR" dirty="0"/>
-          </a:p>
-          <a:p>
-            <a:r>
-              <a:rPr lang="ko-KR" altLang="en-US" dirty="0"/>
-              <a:t>❗ 백그라운드 작업이 </a:t>
-            </a:r>
-            <a:r>
-              <a:rPr lang="ko-KR" altLang="en-US" b="1" dirty="0"/>
-              <a:t>끝났을 때 한 번 실행되는 이벤트</a:t>
-            </a:r>
-            <a:endParaRPr lang="en-US" altLang="ko-KR" b="1" dirty="0"/>
-          </a:p>
-          <a:p>
-            <a:r>
-              <a:rPr lang="ko-KR" altLang="en-US" dirty="0"/>
-              <a:t>성공</a:t>
-            </a:r>
-            <a:r>
-              <a:rPr lang="en-US" altLang="ko-KR" dirty="0"/>
-              <a:t>/</a:t>
-            </a:r>
-            <a:r>
-              <a:rPr lang="ko-KR" altLang="en-US" dirty="0"/>
-              <a:t>실패 여부에 따라 후처리 가능</a:t>
-            </a:r>
-          </a:p>
-          <a:p>
-            <a:r>
-              <a:rPr lang="ko-KR" altLang="en-US" dirty="0"/>
-              <a:t>이 메서드도 </a:t>
-            </a:r>
-            <a:r>
-              <a:rPr lang="en-US" altLang="ko-KR" dirty="0"/>
-              <a:t>UI </a:t>
-            </a:r>
-            <a:r>
-              <a:rPr lang="ko-KR" altLang="en-US" dirty="0"/>
-              <a:t>스레드에서 실행되므로</a:t>
-            </a:r>
-            <a:r>
-              <a:rPr lang="en-US" altLang="ko-KR" dirty="0"/>
-              <a:t>, UI </a:t>
-            </a:r>
-            <a:r>
-              <a:rPr lang="ko-KR" altLang="en-US" dirty="0"/>
-              <a:t>업데이트 </a:t>
-            </a:r>
-            <a:r>
-              <a:rPr lang="en-US" altLang="ko-KR" dirty="0"/>
-              <a:t>OK</a:t>
-            </a:r>
-          </a:p>
-          <a:p>
-            <a:endParaRPr lang="en-US" altLang="ko-KR" dirty="0"/>
-          </a:p>
-          <a:p>
-            <a:r>
-              <a:rPr lang="ko-KR" altLang="en-US" b="1" dirty="0"/>
-              <a:t>✅ </a:t>
-            </a:r>
-            <a:r>
-              <a:rPr lang="en-US" altLang="ko-KR" b="1" dirty="0"/>
-              <a:t>4. </a:t>
-            </a:r>
-            <a:r>
-              <a:rPr lang="en-US" altLang="ko-KR" b="1" dirty="0" err="1"/>
-              <a:t>RunWorkerAsync</a:t>
-            </a:r>
-            <a:r>
-              <a:rPr lang="en-US" altLang="ko-KR" b="1" dirty="0"/>
-              <a:t>()</a:t>
-            </a:r>
-          </a:p>
-          <a:p>
-            <a:r>
-              <a:rPr lang="ko-KR" altLang="en-US" dirty="0"/>
-              <a:t>❗ </a:t>
-            </a:r>
-            <a:r>
-              <a:rPr lang="en-US" altLang="ko-KR" dirty="0" err="1"/>
-              <a:t>BackgroundWorker</a:t>
-            </a:r>
-            <a:r>
-              <a:rPr lang="ko-KR" altLang="en-US" dirty="0"/>
-              <a:t>를 실제로 </a:t>
-            </a:r>
-            <a:r>
-              <a:rPr lang="ko-KR" altLang="en-US" b="1" dirty="0" err="1"/>
-              <a:t>시작시키는</a:t>
-            </a:r>
-            <a:r>
-              <a:rPr lang="ko-KR" altLang="en-US" b="1" dirty="0"/>
-              <a:t> 메서드</a:t>
-            </a:r>
-            <a:endParaRPr lang="ko-KR" altLang="en-US" dirty="0"/>
-          </a:p>
-          <a:p>
-            <a:r>
-              <a:rPr lang="ko-KR" altLang="en-US" dirty="0"/>
-              <a:t>작업을 비동기로 실행시킴 </a:t>
-            </a:r>
-            <a:r>
-              <a:rPr lang="en-US" altLang="ko-KR" dirty="0"/>
-              <a:t>(</a:t>
-            </a:r>
-            <a:r>
-              <a:rPr lang="ko-KR" altLang="en-US" dirty="0"/>
-              <a:t>이걸 호출해야 </a:t>
-            </a:r>
-            <a:r>
-              <a:rPr lang="en-US" altLang="ko-KR" dirty="0" err="1"/>
-              <a:t>DoWork</a:t>
-            </a:r>
-            <a:r>
-              <a:rPr lang="ko-KR" altLang="en-US" dirty="0"/>
-              <a:t>가 실행됨</a:t>
-            </a:r>
-            <a:r>
-              <a:rPr lang="en-US" altLang="ko-KR" dirty="0"/>
-              <a:t>)</a:t>
-            </a:r>
-          </a:p>
-          <a:p>
-            <a:r>
-              <a:rPr lang="ko-KR" altLang="en-US" dirty="0" err="1"/>
-              <a:t>파라미터를</a:t>
-            </a:r>
-            <a:r>
-              <a:rPr lang="ko-KR" altLang="en-US" dirty="0"/>
-              <a:t> 넘길 수도 있음 </a:t>
-            </a:r>
-            <a:r>
-              <a:rPr lang="en-US" altLang="ko-KR" dirty="0"/>
-              <a:t>(</a:t>
-            </a:r>
-            <a:r>
-              <a:rPr lang="en-US" altLang="ko-KR" dirty="0" err="1"/>
-              <a:t>RunWorkerAsync</a:t>
-            </a:r>
-            <a:r>
-              <a:rPr lang="en-US" altLang="ko-KR" dirty="0"/>
-              <a:t>(object argument))</a:t>
-            </a:r>
-          </a:p>
-          <a:p>
             <a:endParaRPr lang="ko-KR" altLang="en-US" dirty="0"/>
           </a:p>
         </p:txBody>
@@ -1169,324 +753,6 @@
           <a:bodyPr/>
           <a:lstStyle/>
           <a:p>
-            <a:r>
-              <a:rPr lang="en-US" altLang="ko-KR" dirty="0" err="1"/>
-              <a:t>BackgroundWorker</a:t>
-            </a:r>
-            <a:r>
-              <a:rPr lang="en-US" altLang="ko-KR" dirty="0"/>
-              <a:t> </a:t>
-            </a:r>
-            <a:r>
-              <a:rPr lang="ko-KR" altLang="en-US" dirty="0"/>
-              <a:t>인스턴스를 생성합니다</a:t>
-            </a:r>
-            <a:r>
-              <a:rPr lang="en-US" altLang="ko-KR" dirty="0"/>
-              <a:t>.</a:t>
-            </a:r>
-          </a:p>
-          <a:p>
-            <a:endParaRPr lang="en-US" altLang="ko-KR" dirty="0"/>
-          </a:p>
-          <a:p>
-            <a:r>
-              <a:rPr lang="en-US" altLang="ko-KR" dirty="0" err="1"/>
-              <a:t>WorkerReportsProgress</a:t>
-            </a:r>
-            <a:r>
-              <a:rPr lang="en-US" altLang="ko-KR" dirty="0"/>
-              <a:t> = true:</a:t>
-            </a:r>
-            <a:br>
-              <a:rPr lang="en-US" altLang="ko-KR" dirty="0"/>
-            </a:br>
-            <a:r>
-              <a:rPr lang="en-US" altLang="ko-KR" dirty="0"/>
-              <a:t>- </a:t>
-            </a:r>
-            <a:r>
-              <a:rPr lang="en-US" altLang="ko-KR" dirty="0" err="1"/>
-              <a:t>ReportProgress</a:t>
-            </a:r>
-            <a:r>
-              <a:rPr lang="en-US" altLang="ko-KR" dirty="0"/>
-              <a:t>() </a:t>
-            </a:r>
-            <a:r>
-              <a:rPr lang="ko-KR" altLang="en-US" dirty="0"/>
-              <a:t>메서드를 사용할 수 있게 설정</a:t>
-            </a:r>
-          </a:p>
-          <a:p>
-            <a:r>
-              <a:rPr lang="en-US" altLang="ko-KR" dirty="0" err="1"/>
-              <a:t>WorkerSupportsCancellation</a:t>
-            </a:r>
-            <a:r>
-              <a:rPr lang="en-US" altLang="ko-KR" dirty="0"/>
-              <a:t> = true:</a:t>
-            </a:r>
-            <a:br>
-              <a:rPr lang="en-US" altLang="ko-KR" dirty="0"/>
-            </a:br>
-            <a:r>
-              <a:rPr lang="en-US" altLang="ko-KR" dirty="0"/>
-              <a:t>- </a:t>
-            </a:r>
-            <a:r>
-              <a:rPr lang="ko-KR" altLang="en-US" dirty="0"/>
-              <a:t>작업 중단</a:t>
-            </a:r>
-            <a:r>
-              <a:rPr lang="en-US" altLang="ko-KR" dirty="0"/>
-              <a:t>(</a:t>
-            </a:r>
-            <a:r>
-              <a:rPr lang="en-US" altLang="ko-KR" dirty="0" err="1"/>
-              <a:t>CancelAsync</a:t>
-            </a:r>
-            <a:r>
-              <a:rPr lang="en-US" altLang="ko-KR" dirty="0"/>
-              <a:t>())</a:t>
-            </a:r>
-            <a:r>
-              <a:rPr lang="ko-KR" altLang="en-US" dirty="0"/>
-              <a:t>을 사용할 수 있도록 설정</a:t>
-            </a:r>
-          </a:p>
-          <a:p>
-            <a:endParaRPr lang="en-US" altLang="ko-KR" dirty="0"/>
-          </a:p>
-          <a:p>
-            <a:r>
-              <a:rPr lang="en-US" altLang="ko-KR" dirty="0"/>
-              <a:t>2️⃣ </a:t>
-            </a:r>
-            <a:r>
-              <a:rPr lang="ko-KR" altLang="en-US" dirty="0"/>
-              <a:t>이벤트 연결</a:t>
-            </a:r>
-            <a:endParaRPr lang="en-US" altLang="ko-KR" dirty="0"/>
-          </a:p>
-          <a:p>
-            <a:r>
-              <a:rPr lang="en-US" altLang="ko-KR" dirty="0" err="1"/>
-              <a:t>this.worker.DoWork</a:t>
-            </a:r>
-            <a:r>
-              <a:rPr lang="en-US" altLang="ko-KR" dirty="0"/>
-              <a:t> += new </a:t>
-            </a:r>
-            <a:r>
-              <a:rPr lang="en-US" altLang="ko-KR" dirty="0" err="1"/>
-              <a:t>DoWorkEventHandler</a:t>
-            </a:r>
-            <a:r>
-              <a:rPr lang="en-US" altLang="ko-KR" dirty="0"/>
-              <a:t>(</a:t>
-            </a:r>
-            <a:r>
-              <a:rPr lang="en-US" altLang="ko-KR" dirty="0" err="1"/>
-              <a:t>Worker_DoWork</a:t>
-            </a:r>
-            <a:r>
-              <a:rPr lang="en-US" altLang="ko-KR" dirty="0"/>
-              <a:t>);</a:t>
-            </a:r>
-          </a:p>
-          <a:p>
-            <a:r>
-              <a:rPr lang="ko-KR" altLang="en-US" dirty="0"/>
-              <a:t>→ 백그라운드에서 </a:t>
-            </a:r>
-            <a:r>
-              <a:rPr lang="ko-KR" altLang="en-US" b="1" dirty="0"/>
-              <a:t>실제 작업을 수행할 메서드</a:t>
-            </a:r>
-            <a:r>
-              <a:rPr lang="ko-KR" altLang="en-US" dirty="0"/>
-              <a:t> 지정</a:t>
-            </a:r>
-            <a:endParaRPr lang="en-US" altLang="ko-KR" dirty="0"/>
-          </a:p>
-          <a:p>
-            <a:endParaRPr lang="en-US" altLang="ko-KR" dirty="0"/>
-          </a:p>
-          <a:p>
-            <a:r>
-              <a:rPr lang="en-US" altLang="ko-KR" dirty="0" err="1"/>
-              <a:t>this.worker.ProgressChanged</a:t>
-            </a:r>
-            <a:r>
-              <a:rPr lang="en-US" altLang="ko-KR" dirty="0"/>
-              <a:t> += new </a:t>
-            </a:r>
-            <a:r>
-              <a:rPr lang="en-US" altLang="ko-KR" dirty="0" err="1"/>
-              <a:t>ProgressChangedEventHandler</a:t>
-            </a:r>
-            <a:r>
-              <a:rPr lang="en-US" altLang="ko-KR" dirty="0"/>
-              <a:t>(</a:t>
-            </a:r>
-            <a:r>
-              <a:rPr lang="en-US" altLang="ko-KR" dirty="0" err="1"/>
-              <a:t>Worker_ProgressChanged</a:t>
-            </a:r>
-            <a:r>
-              <a:rPr lang="en-US" altLang="ko-KR" dirty="0"/>
-              <a:t>);</a:t>
-            </a:r>
-          </a:p>
-          <a:p>
-            <a:r>
-              <a:rPr lang="ko-KR" altLang="en-US" dirty="0"/>
-              <a:t>→ </a:t>
-            </a:r>
-            <a:r>
-              <a:rPr lang="en-US" altLang="ko-KR" dirty="0" err="1"/>
-              <a:t>ReportProgress</a:t>
-            </a:r>
-            <a:r>
-              <a:rPr lang="en-US" altLang="ko-KR" dirty="0"/>
-              <a:t>()</a:t>
-            </a:r>
-            <a:r>
-              <a:rPr lang="ko-KR" altLang="en-US" dirty="0"/>
-              <a:t>가 호출될 때 </a:t>
-            </a:r>
-            <a:r>
-              <a:rPr lang="en-US" altLang="ko-KR" b="1" dirty="0"/>
-              <a:t>UI</a:t>
-            </a:r>
-            <a:r>
-              <a:rPr lang="ko-KR" altLang="en-US" b="1" dirty="0"/>
-              <a:t>에서 실행할 메서드</a:t>
-            </a:r>
-            <a:r>
-              <a:rPr lang="ko-KR" altLang="en-US" dirty="0"/>
-              <a:t> 지정</a:t>
-            </a:r>
-            <a:endParaRPr lang="en-US" altLang="ko-KR" dirty="0"/>
-          </a:p>
-          <a:p>
-            <a:endParaRPr lang="en-US" altLang="ko-KR" dirty="0"/>
-          </a:p>
-          <a:p>
-            <a:r>
-              <a:rPr lang="en-US" altLang="ko-KR" dirty="0" err="1"/>
-              <a:t>this.worker.RunWorkerCompleted</a:t>
-            </a:r>
-            <a:r>
-              <a:rPr lang="en-US" altLang="ko-KR" dirty="0"/>
-              <a:t> += new </a:t>
-            </a:r>
-            <a:r>
-              <a:rPr lang="en-US" altLang="ko-KR" dirty="0" err="1"/>
-              <a:t>RunWorkerCompletedEventHandler</a:t>
-            </a:r>
-            <a:r>
-              <a:rPr lang="en-US" altLang="ko-KR" dirty="0"/>
-              <a:t>(</a:t>
-            </a:r>
-            <a:r>
-              <a:rPr lang="en-US" altLang="ko-KR" dirty="0" err="1"/>
-              <a:t>Worker_Complete</a:t>
-            </a:r>
-            <a:r>
-              <a:rPr lang="en-US" altLang="ko-KR" dirty="0"/>
-              <a:t>);</a:t>
-            </a:r>
-          </a:p>
-          <a:p>
-            <a:pPr marL="0" marR="0" indent="0" algn="l" defTabSz="914400" rtl="0" eaLnBrk="1" fontAlgn="auto" latinLnBrk="1" hangingPunct="1">
-              <a:lnSpc>
-                <a:spcPct val="100000"/>
-              </a:lnSpc>
-              <a:spcBef>
-                <a:spcPts val="0"/>
-              </a:spcBef>
-              <a:spcAft>
-                <a:spcPts val="0"/>
-              </a:spcAft>
-              <a:buClrTx/>
-              <a:buSzTx/>
-              <a:buFontTx/>
-              <a:buNone/>
-              <a:tabLst/>
-              <a:defRPr/>
-            </a:pPr>
-            <a:r>
-              <a:rPr lang="ko-KR" altLang="en-US" dirty="0"/>
-              <a:t>→ 작업이 </a:t>
-            </a:r>
-            <a:r>
-              <a:rPr lang="ko-KR" altLang="en-US" b="1" dirty="0"/>
-              <a:t>끝난 후 </a:t>
-            </a:r>
-            <a:r>
-              <a:rPr lang="en-US" altLang="ko-KR" b="1" dirty="0"/>
-              <a:t>1</a:t>
-            </a:r>
-            <a:r>
-              <a:rPr lang="ko-KR" altLang="en-US" b="1" dirty="0"/>
-              <a:t>번 실행되는 메서드</a:t>
-            </a:r>
-            <a:r>
-              <a:rPr lang="ko-KR" altLang="en-US" dirty="0"/>
-              <a:t> 지정</a:t>
-            </a:r>
-          </a:p>
-          <a:p>
-            <a:endParaRPr lang="en-US" altLang="ko-KR" dirty="0"/>
-          </a:p>
-          <a:p>
-            <a:r>
-              <a:rPr lang="en-US" altLang="ko-KR" dirty="0"/>
-              <a:t>3️⃣ </a:t>
-            </a:r>
-            <a:r>
-              <a:rPr lang="ko-KR" altLang="en-US" dirty="0"/>
-              <a:t>각 메서드 </a:t>
-            </a:r>
-            <a:r>
-              <a:rPr lang="ko-KR" altLang="en-US" dirty="0" err="1"/>
-              <a:t>정의부</a:t>
-            </a:r>
-            <a:endParaRPr lang="en-US" altLang="ko-KR" dirty="0"/>
-          </a:p>
-          <a:p>
-            <a:r>
-              <a:rPr lang="ko-KR" altLang="en-US" dirty="0"/>
-              <a:t>각각의 메서드는 위에서 이벤트에 연결된 이름과 같아야 하며</a:t>
-            </a:r>
-            <a:r>
-              <a:rPr lang="en-US" altLang="ko-KR" dirty="0"/>
-              <a:t>,</a:t>
-            </a:r>
-          </a:p>
-          <a:p>
-            <a:r>
-              <a:rPr lang="ko-KR" altLang="en-US" b="1" dirty="0"/>
-              <a:t>정해진 시점에 자동으로 호출</a:t>
-            </a:r>
-            <a:r>
-              <a:rPr lang="ko-KR" altLang="en-US" dirty="0"/>
-              <a:t>됩니다</a:t>
-            </a:r>
-            <a:r>
-              <a:rPr lang="en-US" altLang="ko-KR" dirty="0"/>
-              <a:t>.</a:t>
-            </a:r>
-          </a:p>
-          <a:p>
-            <a:endParaRPr lang="en-US" altLang="ko-KR" dirty="0"/>
-          </a:p>
-          <a:p>
-            <a:endParaRPr lang="en-US" altLang="ko-KR" dirty="0"/>
-          </a:p>
-          <a:p>
             <a:endParaRPr lang="ko-KR" altLang="en-US" dirty="0"/>
           </a:p>
         </p:txBody>
@@ -1571,10 +837,6 @@
           <a:bodyPr/>
           <a:lstStyle/>
           <a:p>
-            <a:r>
-              <a:rPr lang="ko-KR" altLang="en-US" dirty="0" err="1"/>
-              <a:t>ㄴㅇㄹㄴㅇㄹ</a:t>
-            </a:r>
             <a:endParaRPr lang="ko-KR" altLang="en-US" dirty="0"/>
           </a:p>
         </p:txBody>
@@ -1586,7 +848,7 @@
             <a:spLocks noGrp="1"/>
           </p:cNvSpPr>
           <p:nvPr>
-            <p:ph type="sldNum" sz="quarter" idx="5"/>
+            <p:ph type="sldNum" sz="quarter" idx="10"/>
           </p:nvPr>
         </p:nvSpPr>
         <p:spPr/>
@@ -1596,7 +858,7 @@
           <a:p>
             <a:fld id="{C09E5BFC-1559-42F1-8940-AB342D56BF02}" type="slidenum">
               <a:rPr lang="ko-KR" altLang="en-US" smtClean="0"/>
-              <a:t>14</a:t>
+              <a:t>13</a:t>
             </a:fld>
             <a:endParaRPr lang="ko-KR" altLang="en-US"/>
           </a:p>
@@ -1605,7 +867,7 @@
     </p:spTree>
     <p:extLst>
       <p:ext uri="{BB962C8B-B14F-4D97-AF65-F5344CB8AC3E}">
-        <p14:creationId xmlns:p14="http://schemas.microsoft.com/office/powerpoint/2010/main" val="2813757903"/>
+        <p14:creationId xmlns:p14="http://schemas.microsoft.com/office/powerpoint/2010/main" val="2508468294"/>
       </p:ext>
     </p:extLst>
   </p:cSld>
@@ -1659,91 +921,6 @@
           <a:bodyPr/>
           <a:lstStyle/>
           <a:p>
-            <a:r>
-              <a:rPr lang="en-US" altLang="ko-KR" dirty="0"/>
-              <a:t>1</a:t>
-            </a:r>
-            <a:r>
-              <a:rPr lang="ko-KR" altLang="en-US" dirty="0"/>
-              <a:t>번 스레드는 </a:t>
-            </a:r>
-            <a:r>
-              <a:rPr lang="en-US" altLang="ko-KR" dirty="0" err="1"/>
-              <a:t>MainThread</a:t>
-            </a:r>
-            <a:r>
-              <a:rPr lang="ko-KR" altLang="en-US" dirty="0"/>
-              <a:t>인 </a:t>
-            </a:r>
-            <a:r>
-              <a:rPr lang="en-US" altLang="ko-KR" dirty="0"/>
-              <a:t>From</a:t>
-            </a:r>
-            <a:r>
-              <a:rPr lang="ko-KR" altLang="en-US" dirty="0"/>
-              <a:t>을 의미</a:t>
-            </a:r>
-            <a:endParaRPr lang="en-US" altLang="ko-KR" dirty="0"/>
-          </a:p>
-          <a:p>
-            <a:endParaRPr lang="en-US" altLang="ko-KR" dirty="0"/>
-          </a:p>
-          <a:p>
-            <a:r>
-              <a:rPr lang="ko-KR" altLang="en-US" dirty="0"/>
-              <a:t>→ </a:t>
-            </a:r>
-            <a:r>
-              <a:rPr lang="en-US" altLang="ko-KR" dirty="0" err="1"/>
-              <a:t>MyThread</a:t>
-            </a:r>
-            <a:r>
-              <a:rPr lang="en-US" altLang="ko-KR" dirty="0"/>
-              <a:t> </a:t>
-            </a:r>
-            <a:r>
-              <a:rPr lang="ko-KR" altLang="en-US" dirty="0"/>
-              <a:t>메서드를 새로운 스레드로 실행하겠다는 의미</a:t>
-            </a:r>
-            <a:endParaRPr lang="en-US" altLang="ko-KR" dirty="0"/>
-          </a:p>
-          <a:p>
-            <a:r>
-              <a:rPr lang="ko-KR" altLang="en-US" dirty="0"/>
-              <a:t>메인 </a:t>
-            </a:r>
-            <a:r>
-              <a:rPr lang="en-US" altLang="ko-KR" dirty="0"/>
-              <a:t>UI </a:t>
-            </a:r>
-            <a:r>
-              <a:rPr lang="ko-KR" altLang="en-US" dirty="0"/>
-              <a:t>스레드와는 별개로 </a:t>
-            </a:r>
-            <a:r>
-              <a:rPr lang="en-US" altLang="ko-KR" dirty="0" err="1"/>
-              <a:t>MyThread</a:t>
-            </a:r>
-            <a:r>
-              <a:rPr lang="en-US" altLang="ko-KR" dirty="0"/>
-              <a:t>() </a:t>
-            </a:r>
-            <a:r>
-              <a:rPr lang="ko-KR" altLang="en-US" dirty="0"/>
-              <a:t>메서드가 </a:t>
-            </a:r>
-            <a:r>
-              <a:rPr lang="ko-KR" altLang="en-US" b="1" dirty="0"/>
-              <a:t>비동기적으로</a:t>
-            </a:r>
-            <a:r>
-              <a:rPr lang="ko-KR" altLang="en-US" dirty="0"/>
-              <a:t> 실행됩니다</a:t>
-            </a:r>
-            <a:r>
-              <a:rPr lang="en-US" altLang="ko-KR" dirty="0"/>
-              <a:t>.</a:t>
-            </a:r>
             <a:endParaRPr lang="ko-KR" altLang="en-US" dirty="0"/>
           </a:p>
         </p:txBody>
@@ -1765,7 +942,7 @@
           <a:p>
             <a:fld id="{C09E5BFC-1559-42F1-8940-AB342D56BF02}" type="slidenum">
               <a:rPr lang="ko-KR" altLang="en-US" smtClean="0"/>
-              <a:t>15</a:t>
+              <a:t>14</a:t>
             </a:fld>
             <a:endParaRPr lang="ko-KR" altLang="en-US"/>
           </a:p>
@@ -1774,7 +951,7 @@
     </p:spTree>
     <p:extLst>
       <p:ext uri="{BB962C8B-B14F-4D97-AF65-F5344CB8AC3E}">
-        <p14:creationId xmlns:p14="http://schemas.microsoft.com/office/powerpoint/2010/main" val="2039142964"/>
+        <p14:creationId xmlns:p14="http://schemas.microsoft.com/office/powerpoint/2010/main" val="2813757903"/>
       </p:ext>
     </p:extLst>
   </p:cSld>
@@ -1828,266 +1005,6 @@
           <a:bodyPr/>
           <a:lstStyle/>
           <a:p>
-            <a:r>
-              <a:rPr lang="ko-KR" altLang="en-US" dirty="0"/>
-              <a:t>컨텍스트 스위칭이 일어나면서 코드가 기대한 것과 같이 정상 작동하지 않음</a:t>
-            </a:r>
-            <a:endParaRPr lang="en-US" altLang="ko-KR" dirty="0"/>
-          </a:p>
-          <a:p>
-            <a:r>
-              <a:rPr lang="ko-KR" altLang="en-US" dirty="0"/>
-              <a:t>두 개의 스레드가 </a:t>
-            </a:r>
-            <a:r>
-              <a:rPr lang="ko-KR" altLang="en-US" b="1" dirty="0"/>
-              <a:t>공통된 변수</a:t>
-            </a:r>
-            <a:r>
-              <a:rPr lang="en-US" altLang="ko-KR" b="1" dirty="0"/>
-              <a:t>(</a:t>
-            </a:r>
-            <a:r>
-              <a:rPr lang="en-US" altLang="ko-KR" b="1" dirty="0" err="1"/>
-              <a:t>sharedData</a:t>
-            </a:r>
-            <a:r>
-              <a:rPr lang="en-US" altLang="ko-KR" b="1" dirty="0"/>
-              <a:t>)</a:t>
-            </a:r>
-            <a:r>
-              <a:rPr lang="ko-KR" altLang="en-US" dirty="0"/>
-              <a:t> 를 수정할 때 발생할 수 있는 </a:t>
-            </a:r>
-            <a:r>
-              <a:rPr lang="ko-KR" altLang="en-US" b="1" dirty="0"/>
-              <a:t>동기화 문제</a:t>
-            </a:r>
-            <a:endParaRPr lang="en-US" altLang="ko-KR" b="1" dirty="0"/>
-          </a:p>
-          <a:p>
-            <a:endParaRPr lang="en-US" altLang="ko-KR" b="1" dirty="0"/>
-          </a:p>
-          <a:p>
-            <a:r>
-              <a:rPr lang="en-US" altLang="ko-KR" dirty="0"/>
-              <a:t>static </a:t>
-            </a:r>
-            <a:r>
-              <a:rPr lang="en-US" altLang="ko-KR" dirty="0" err="1"/>
-              <a:t>int</a:t>
-            </a:r>
-            <a:r>
-              <a:rPr lang="en-US" altLang="ko-KR" dirty="0"/>
-              <a:t> </a:t>
-            </a:r>
-            <a:r>
-              <a:rPr lang="en-US" altLang="ko-KR" dirty="0" err="1"/>
-              <a:t>sharedData</a:t>
-            </a:r>
-            <a:r>
-              <a:rPr lang="en-US" altLang="ko-KR" dirty="0"/>
-              <a:t> = 0;</a:t>
-            </a:r>
-          </a:p>
-          <a:p>
-            <a:pPr marL="171450" indent="-171450">
-              <a:buFontTx/>
-              <a:buChar char="-"/>
-            </a:pPr>
-            <a:r>
-              <a:rPr lang="ko-KR" altLang="en-US" dirty="0"/>
-              <a:t>두 스레드가 함께 접근하게 될 </a:t>
-            </a:r>
-            <a:r>
-              <a:rPr lang="ko-KR" altLang="en-US" b="1" dirty="0"/>
-              <a:t>공유 변수</a:t>
-            </a:r>
-            <a:endParaRPr lang="en-US" altLang="ko-KR" b="1" dirty="0"/>
-          </a:p>
-          <a:p>
-            <a:pPr marL="171450" indent="-171450">
-              <a:buFontTx/>
-              <a:buChar char="-"/>
-            </a:pPr>
-            <a:endParaRPr lang="en-US" altLang="ko-KR" b="1" dirty="0"/>
-          </a:p>
-          <a:p>
-            <a:pPr marL="0" indent="0">
-              <a:buFontTx/>
-              <a:buNone/>
-            </a:pPr>
-            <a:r>
-              <a:rPr lang="en-US" altLang="ko-KR" b="1" dirty="0"/>
-              <a:t>Thread thread1 = new Thread(UpdateData1);</a:t>
-            </a:r>
-          </a:p>
-          <a:p>
-            <a:pPr marL="0" indent="0">
-              <a:buFontTx/>
-              <a:buNone/>
-            </a:pPr>
-            <a:r>
-              <a:rPr lang="en-US" altLang="ko-KR" b="1" dirty="0"/>
-              <a:t>Thread thread2 = new Thread(UpdateData2);</a:t>
-            </a:r>
-          </a:p>
-          <a:p>
-            <a:pPr marL="171450" indent="-171450">
-              <a:buFontTx/>
-              <a:buChar char="-"/>
-            </a:pPr>
-            <a:r>
-              <a:rPr lang="en-US" altLang="ko-KR" dirty="0"/>
-              <a:t>UpdateData1, UpdateData2</a:t>
-            </a:r>
-            <a:r>
-              <a:rPr lang="ko-KR" altLang="en-US" dirty="0"/>
-              <a:t>는 각각 다른 </a:t>
-            </a:r>
-            <a:r>
-              <a:rPr lang="ko-KR" altLang="en-US" dirty="0" err="1"/>
-              <a:t>함수지만</a:t>
-            </a:r>
-            <a:r>
-              <a:rPr lang="en-US" altLang="ko-KR" dirty="0"/>
-              <a:t>, </a:t>
-            </a:r>
-            <a:r>
-              <a:rPr lang="ko-KR" altLang="en-US" dirty="0"/>
-              <a:t>동일한 공유 변수 </a:t>
-            </a:r>
-            <a:r>
-              <a:rPr lang="en-US" altLang="ko-KR" dirty="0" err="1"/>
-              <a:t>sharedData</a:t>
-            </a:r>
-            <a:r>
-              <a:rPr lang="ko-KR" altLang="en-US" dirty="0"/>
-              <a:t>에 접근</a:t>
-            </a:r>
-            <a:endParaRPr lang="en-US" altLang="ko-KR" dirty="0"/>
-          </a:p>
-          <a:p>
-            <a:pPr marL="171450" indent="-171450">
-              <a:buFontTx/>
-              <a:buChar char="-"/>
-            </a:pPr>
-            <a:endParaRPr lang="en-US" altLang="ko-KR" dirty="0"/>
-          </a:p>
-          <a:p>
-            <a:pPr marL="0" indent="0">
-              <a:buFontTx/>
-              <a:buNone/>
-            </a:pPr>
-            <a:r>
-              <a:rPr lang="en-US" altLang="ko-KR" dirty="0"/>
-              <a:t>thread1.Join();</a:t>
-            </a:r>
-          </a:p>
-          <a:p>
-            <a:pPr marL="0" indent="0">
-              <a:buFontTx/>
-              <a:buNone/>
-            </a:pPr>
-            <a:r>
-              <a:rPr lang="en-US" altLang="ko-KR" dirty="0"/>
-              <a:t>thread2.Join();</a:t>
-            </a:r>
-          </a:p>
-          <a:p>
-            <a:pPr marL="171450" indent="-171450">
-              <a:buFontTx/>
-              <a:buChar char="-"/>
-            </a:pPr>
-            <a:r>
-              <a:rPr lang="en-US" altLang="ko-KR" dirty="0"/>
-              <a:t>Join()</a:t>
-            </a:r>
-            <a:r>
-              <a:rPr lang="ko-KR" altLang="en-US" dirty="0"/>
-              <a:t>은 해당 스레드가 </a:t>
-            </a:r>
-            <a:r>
-              <a:rPr lang="ko-KR" altLang="en-US" b="1" dirty="0"/>
-              <a:t>완전히 끝날 때까지 메인 스레드를 대기시킴</a:t>
-            </a:r>
-            <a:endParaRPr lang="en-US" altLang="ko-KR" b="1" dirty="0"/>
-          </a:p>
-          <a:p>
-            <a:pPr marL="0" indent="0">
-              <a:buFontTx/>
-              <a:buNone/>
-            </a:pPr>
-            <a:endParaRPr lang="en-US" altLang="ko-KR" b="1" dirty="0"/>
-          </a:p>
-          <a:p>
-            <a:pPr marL="0" indent="0">
-              <a:buFontTx/>
-              <a:buNone/>
-            </a:pPr>
-            <a:r>
-              <a:rPr lang="ko-KR" altLang="en-US" b="1" dirty="0" err="1"/>
-              <a:t>멀티스레드</a:t>
-            </a:r>
-            <a:r>
-              <a:rPr lang="ko-KR" altLang="en-US" b="1" dirty="0"/>
-              <a:t> 환경에서 이 연산들이 서로 뒤섞이면</a:t>
-            </a:r>
-            <a:r>
-              <a:rPr lang="en-US" altLang="ko-KR" dirty="0"/>
-              <a:t>, </a:t>
-            </a:r>
-            <a:r>
-              <a:rPr lang="ko-KR" altLang="en-US" dirty="0"/>
-              <a:t>값이 중복되거나 </a:t>
-            </a:r>
-            <a:r>
-              <a:rPr lang="ko-KR" altLang="en-US" dirty="0" err="1"/>
-              <a:t>스킵될</a:t>
-            </a:r>
-            <a:r>
-              <a:rPr lang="ko-KR" altLang="en-US" dirty="0"/>
-              <a:t> 수 있습니다 </a:t>
-            </a:r>
-            <a:r>
-              <a:rPr lang="en-US" altLang="ko-KR" dirty="0"/>
-              <a:t>(</a:t>
-            </a:r>
-            <a:r>
-              <a:rPr lang="ko-KR" altLang="en-US" dirty="0"/>
-              <a:t>경쟁 조건 발생</a:t>
-            </a:r>
-            <a:r>
-              <a:rPr lang="en-US" altLang="ko-KR" dirty="0"/>
-              <a:t>)</a:t>
-            </a:r>
-            <a:endParaRPr lang="en-US" altLang="ko-KR" b="1" dirty="0"/>
-          </a:p>
-          <a:p>
-            <a:pPr marL="0" indent="0">
-              <a:buFontTx/>
-              <a:buNone/>
-            </a:pPr>
-            <a:r>
-              <a:rPr lang="en-US" altLang="ko-KR" dirty="0"/>
-              <a:t>Race Condition (</a:t>
-            </a:r>
-            <a:r>
-              <a:rPr lang="ko-KR" altLang="en-US" dirty="0"/>
-              <a:t>경쟁 조건</a:t>
-            </a:r>
-            <a:r>
-              <a:rPr lang="en-US" altLang="ko-KR" dirty="0"/>
-              <a:t>)</a:t>
-            </a:r>
-            <a:r>
-              <a:rPr lang="ko-KR" altLang="en-US" dirty="0"/>
-              <a:t>여러 스레드가 동시에 공유 데이터를 수정하면서 발생하는 </a:t>
-            </a:r>
-            <a:r>
-              <a:rPr lang="ko-KR" altLang="en-US" b="1" dirty="0"/>
-              <a:t>비정상적인 결과 현상</a:t>
-            </a:r>
             <a:endParaRPr lang="ko-KR" altLang="en-US" dirty="0"/>
           </a:p>
         </p:txBody>
@@ -2109,7 +1026,7 @@
           <a:p>
             <a:fld id="{C09E5BFC-1559-42F1-8940-AB342D56BF02}" type="slidenum">
               <a:rPr lang="ko-KR" altLang="en-US" smtClean="0"/>
-              <a:t>16</a:t>
+              <a:t>15</a:t>
             </a:fld>
             <a:endParaRPr lang="ko-KR" altLang="en-US"/>
           </a:p>
@@ -2118,7 +1035,7 @@
     </p:spTree>
     <p:extLst>
       <p:ext uri="{BB962C8B-B14F-4D97-AF65-F5344CB8AC3E}">
-        <p14:creationId xmlns:p14="http://schemas.microsoft.com/office/powerpoint/2010/main" val="1028731136"/>
+        <p14:creationId xmlns:p14="http://schemas.microsoft.com/office/powerpoint/2010/main" val="2039142964"/>
       </p:ext>
     </p:extLst>
   </p:cSld>
@@ -2172,139 +1089,6 @@
           <a:bodyPr/>
           <a:lstStyle/>
           <a:p>
-            <a:r>
-              <a:rPr lang="en-US" altLang="ko-KR" dirty="0"/>
-              <a:t>lock</a:t>
-            </a:r>
-            <a:r>
-              <a:rPr lang="ko-KR" altLang="en-US" dirty="0"/>
-              <a:t>은 </a:t>
-            </a:r>
-            <a:r>
-              <a:rPr lang="en-US" altLang="ko-KR" dirty="0"/>
-              <a:t>C#</a:t>
-            </a:r>
-            <a:r>
-              <a:rPr lang="ko-KR" altLang="en-US" dirty="0"/>
-              <a:t>에서 </a:t>
-            </a:r>
-            <a:r>
-              <a:rPr lang="ko-KR" altLang="en-US" b="1" dirty="0"/>
-              <a:t>스레드 간의 충돌</a:t>
-            </a:r>
-            <a:r>
-              <a:rPr lang="en-US" altLang="ko-KR" b="1" dirty="0"/>
-              <a:t>(</a:t>
-            </a:r>
-            <a:r>
-              <a:rPr lang="ko-KR" altLang="en-US" b="1" dirty="0"/>
-              <a:t>동시 접근</a:t>
-            </a:r>
-            <a:r>
-              <a:rPr lang="en-US" altLang="ko-KR" b="1" dirty="0"/>
-              <a:t>)</a:t>
-            </a:r>
-            <a:r>
-              <a:rPr lang="ko-KR" altLang="en-US" b="1" dirty="0"/>
-              <a:t>을 방지하기 위해 사용하는 키워드</a:t>
-            </a:r>
-            <a:endParaRPr lang="en-US" altLang="ko-KR" b="1" dirty="0"/>
-          </a:p>
-          <a:p>
-            <a:endParaRPr lang="en-US" altLang="ko-KR" b="1" dirty="0"/>
-          </a:p>
-          <a:p>
-            <a:r>
-              <a:rPr lang="en-US" altLang="ko-KR" dirty="0"/>
-              <a:t>lock</a:t>
-            </a:r>
-            <a:r>
-              <a:rPr lang="ko-KR" altLang="en-US" dirty="0"/>
-              <a:t>을 사용하면 </a:t>
-            </a:r>
-            <a:r>
-              <a:rPr lang="ko-KR" altLang="en-US" b="1" dirty="0"/>
-              <a:t>스레드가 공유 자원에 동시에 접근하는 것을 막아</a:t>
-            </a:r>
-            <a:r>
-              <a:rPr lang="en-US" altLang="ko-KR" dirty="0"/>
-              <a:t>, </a:t>
-            </a:r>
-            <a:r>
-              <a:rPr lang="ko-KR" altLang="en-US" b="1" dirty="0"/>
-              <a:t>한 번에 하나의 스레드만</a:t>
-            </a:r>
-            <a:r>
-              <a:rPr lang="ko-KR" altLang="en-US" dirty="0"/>
-              <a:t> 특정 코드 블록을 실행하도록 만듭니다</a:t>
-            </a:r>
-            <a:endParaRPr lang="en-US" altLang="ko-KR" dirty="0"/>
-          </a:p>
-          <a:p>
-            <a:endParaRPr lang="en-US" altLang="ko-KR" dirty="0"/>
-          </a:p>
-          <a:p>
-            <a:endParaRPr lang="en-US" altLang="ko-KR" dirty="0"/>
-          </a:p>
-          <a:p>
-            <a:r>
-              <a:rPr lang="en-US" altLang="ko-KR" dirty="0"/>
-              <a:t>3. </a:t>
-            </a:r>
-            <a:r>
-              <a:rPr lang="ko-KR" altLang="en-US" dirty="0"/>
-              <a:t>전체 메서드에 </a:t>
-            </a:r>
-            <a:r>
-              <a:rPr lang="en-US" altLang="ko-KR" dirty="0"/>
-              <a:t>lock</a:t>
-            </a:r>
-            <a:r>
-              <a:rPr lang="ko-KR" altLang="en-US" dirty="0"/>
-              <a:t>을 걸면 결국 </a:t>
-            </a:r>
-            <a:r>
-              <a:rPr lang="ko-KR" altLang="en-US" b="1" dirty="0"/>
-              <a:t>동시성이 사라져서 성능 저하</a:t>
-            </a:r>
-            <a:r>
-              <a:rPr lang="ko-KR" altLang="en-US" dirty="0"/>
-              <a:t> 발생</a:t>
-            </a:r>
-            <a:endParaRPr lang="en-US" altLang="ko-KR" dirty="0"/>
-          </a:p>
-          <a:p>
-            <a:endParaRPr lang="en-US" altLang="ko-KR" dirty="0"/>
-          </a:p>
-          <a:p>
-            <a:r>
-              <a:rPr lang="en-US" altLang="ko-KR" dirty="0"/>
-              <a:t>4. "lock</a:t>
-            </a:r>
-            <a:r>
-              <a:rPr lang="ko-KR" altLang="en-US" dirty="0"/>
-              <a:t>을 사용하기 위해서는 </a:t>
-            </a:r>
-            <a:r>
-              <a:rPr lang="ko-KR" altLang="en-US" b="1" dirty="0"/>
-              <a:t>스레드 간에 </a:t>
-            </a:r>
-            <a:r>
-              <a:rPr lang="en-US" altLang="ko-KR" b="1" dirty="0"/>
-              <a:t>lock </a:t>
-            </a:r>
-            <a:r>
-              <a:rPr lang="ko-KR" altLang="en-US" b="1" dirty="0"/>
-              <a:t>정보를 공유</a:t>
-            </a:r>
-            <a:r>
-              <a:rPr lang="ko-KR" altLang="en-US" dirty="0"/>
-              <a:t>해야 하기 때문</a:t>
-            </a:r>
-            <a:r>
-              <a:rPr lang="en-US" altLang="ko-KR" dirty="0"/>
-              <a:t>"</a:t>
-            </a:r>
             <a:endParaRPr lang="ko-KR" altLang="en-US" dirty="0"/>
           </a:p>
         </p:txBody>
@@ -2316,7 +1100,7 @@
             <a:spLocks noGrp="1"/>
           </p:cNvSpPr>
           <p:nvPr>
-            <p:ph type="sldNum" sz="quarter" idx="10"/>
+            <p:ph type="sldNum" sz="quarter" idx="5"/>
           </p:nvPr>
         </p:nvSpPr>
         <p:spPr/>
@@ -2326,7 +1110,7 @@
           <a:p>
             <a:fld id="{C09E5BFC-1559-42F1-8940-AB342D56BF02}" type="slidenum">
               <a:rPr lang="ko-KR" altLang="en-US" smtClean="0"/>
-              <a:t>17</a:t>
+              <a:t>16</a:t>
             </a:fld>
             <a:endParaRPr lang="ko-KR" altLang="en-US"/>
           </a:p>
@@ -2335,7 +1119,7 @@
     </p:spTree>
     <p:extLst>
       <p:ext uri="{BB962C8B-B14F-4D97-AF65-F5344CB8AC3E}">
-        <p14:creationId xmlns:p14="http://schemas.microsoft.com/office/powerpoint/2010/main" val="1277930609"/>
+        <p14:creationId xmlns:p14="http://schemas.microsoft.com/office/powerpoint/2010/main" val="1028731136"/>
       </p:ext>
     </p:extLst>
   </p:cSld>
@@ -2389,193 +1173,8 @@
           <a:bodyPr/>
           <a:lstStyle/>
           <a:p>
-            <a:r>
-              <a:rPr lang="en-US" altLang="ko-KR" dirty="0"/>
-              <a:t>lock </a:t>
-            </a:r>
-            <a:r>
-              <a:rPr lang="ko-KR" altLang="en-US" dirty="0"/>
-              <a:t>키워드를 적용한 개선 </a:t>
-            </a:r>
-            <a:r>
-              <a:rPr lang="ko-KR" altLang="en-US" dirty="0" err="1"/>
-              <a:t>버전반복문</a:t>
-            </a:r>
-            <a:r>
-              <a:rPr lang="ko-KR" altLang="en-US" dirty="0"/>
-              <a:t> 내부에서 </a:t>
-            </a:r>
-            <a:r>
-              <a:rPr lang="en-US" altLang="ko-KR" dirty="0" err="1"/>
-              <a:t>sharedData</a:t>
-            </a:r>
-            <a:r>
-              <a:rPr lang="en-US" altLang="ko-KR" dirty="0"/>
-              <a:t>++</a:t>
-            </a:r>
-            <a:r>
-              <a:rPr lang="ko-KR" altLang="en-US" dirty="0"/>
-              <a:t>을 </a:t>
-            </a:r>
-            <a:r>
-              <a:rPr lang="en-US" altLang="ko-KR" b="1" dirty="0"/>
-              <a:t>lock </a:t>
-            </a:r>
-            <a:r>
-              <a:rPr lang="ko-KR" altLang="en-US" b="1" dirty="0"/>
-              <a:t>블록으로 감쌈</a:t>
-            </a:r>
             <a:endParaRPr lang="ko-KR" altLang="en-US" dirty="0"/>
           </a:p>
-          <a:p>
-            <a:r>
-              <a:rPr lang="en-US" altLang="ko-KR" dirty="0"/>
-              <a:t>lock (</a:t>
-            </a:r>
-            <a:r>
-              <a:rPr lang="en-US" altLang="ko-KR" dirty="0" err="1"/>
-              <a:t>LockObject</a:t>
-            </a:r>
-            <a:r>
-              <a:rPr lang="en-US" altLang="ko-KR" dirty="0"/>
-              <a:t>) → </a:t>
-            </a:r>
-            <a:r>
-              <a:rPr lang="ko-KR" altLang="en-US" dirty="0"/>
-              <a:t>이 블록 안에서는 </a:t>
-            </a:r>
-            <a:r>
-              <a:rPr lang="ko-KR" altLang="en-US" b="1" dirty="0"/>
-              <a:t>다른 스레드가 들어올 수 없음</a:t>
-            </a:r>
-            <a:endParaRPr lang="ko-KR" altLang="en-US" dirty="0"/>
-          </a:p>
-          <a:p>
-            <a:r>
-              <a:rPr lang="ko-KR" altLang="en-US" dirty="0"/>
-              <a:t>즉</a:t>
-            </a:r>
-            <a:r>
-              <a:rPr lang="en-US" altLang="ko-KR" dirty="0"/>
-              <a:t>, </a:t>
-            </a:r>
-            <a:r>
-              <a:rPr lang="ko-KR" altLang="en-US" dirty="0"/>
-              <a:t>하나의 스레드가 작업을 마칠 때까지 다른 스레드는 대기</a:t>
-            </a:r>
-          </a:p>
-          <a:p>
-            <a:endParaRPr lang="en-US" altLang="ko-KR" dirty="0"/>
-          </a:p>
-          <a:p>
-            <a:r>
-              <a:rPr lang="en-US" altLang="ko-KR" dirty="0"/>
-              <a:t>Why? –</a:t>
-            </a:r>
-            <a:r>
-              <a:rPr lang="en-US" altLang="ko-KR" baseline="0" dirty="0"/>
-              <a:t> </a:t>
-            </a:r>
-            <a:r>
-              <a:rPr lang="ko-KR" altLang="en-US" baseline="0" dirty="0"/>
-              <a:t>양쪽에 </a:t>
-            </a:r>
-            <a:r>
-              <a:rPr lang="en-US" altLang="ko-KR" baseline="0" dirty="0"/>
-              <a:t>lock </a:t>
-            </a:r>
-            <a:r>
-              <a:rPr lang="ko-KR" altLang="en-US" baseline="0" dirty="0"/>
-              <a:t>설정</a:t>
-            </a:r>
-            <a:endParaRPr lang="en-US" altLang="ko-KR" dirty="0"/>
-          </a:p>
-          <a:p>
-            <a:r>
-              <a:rPr lang="ko-KR" altLang="en-US" dirty="0"/>
-              <a:t>둘 다 </a:t>
-            </a:r>
-            <a:r>
-              <a:rPr lang="en-US" altLang="ko-KR" dirty="0"/>
-              <a:t>lock</a:t>
-            </a:r>
-            <a:r>
-              <a:rPr lang="ko-KR" altLang="en-US" dirty="0"/>
-              <a:t>으로 감싸야 안전하게 동작합니다</a:t>
-            </a:r>
-            <a:r>
-              <a:rPr lang="en-US" altLang="ko-KR" dirty="0"/>
-              <a:t>.</a:t>
-            </a:r>
-          </a:p>
-          <a:p>
-            <a:endParaRPr lang="en-US" altLang="ko-KR" dirty="0"/>
-          </a:p>
-          <a:p>
-            <a:r>
-              <a:rPr lang="ko-KR" altLang="en-US" b="1" dirty="0"/>
-              <a:t>✅ 전제</a:t>
-            </a:r>
-            <a:r>
-              <a:rPr lang="en-US" altLang="ko-KR" b="1" dirty="0"/>
-              <a:t>:</a:t>
-            </a:r>
-          </a:p>
-          <a:p>
-            <a:r>
-              <a:rPr lang="en-US" altLang="ko-KR" dirty="0" err="1"/>
-              <a:t>sharedData</a:t>
-            </a:r>
-            <a:r>
-              <a:rPr lang="ko-KR" altLang="en-US" dirty="0"/>
-              <a:t>는 **두 스레드 모두에서 접근하는 </a:t>
-            </a:r>
-            <a:r>
-              <a:rPr lang="en-US" altLang="ko-KR" dirty="0"/>
-              <a:t>"</a:t>
-            </a:r>
-            <a:r>
-              <a:rPr lang="ko-KR" altLang="en-US" dirty="0"/>
-              <a:t>공유 변수</a:t>
-            </a:r>
-            <a:r>
-              <a:rPr lang="en-US" altLang="ko-KR" dirty="0"/>
-              <a:t>"**</a:t>
-            </a:r>
-            <a:r>
-              <a:rPr lang="ko-KR" altLang="en-US" dirty="0"/>
-              <a:t>입니다</a:t>
-            </a:r>
-            <a:r>
-              <a:rPr lang="en-US" altLang="ko-KR" dirty="0"/>
-              <a:t>.</a:t>
-            </a:r>
-          </a:p>
-          <a:p>
-            <a:r>
-              <a:rPr lang="ko-KR" altLang="en-US" b="1" dirty="0"/>
-              <a:t>✅ </a:t>
-            </a:r>
-            <a:r>
-              <a:rPr lang="en-US" altLang="ko-KR" b="1" dirty="0"/>
-              <a:t>lock</a:t>
-            </a:r>
-            <a:r>
-              <a:rPr lang="ko-KR" altLang="en-US" b="1" dirty="0"/>
-              <a:t>은 스레드 간 순서를 강제하는 </a:t>
-            </a:r>
-            <a:r>
-              <a:rPr lang="ko-KR" altLang="en-US" b="1" dirty="0" err="1"/>
-              <a:t>장치예요</a:t>
-            </a:r>
-            <a:r>
-              <a:rPr lang="en-US" altLang="ko-KR" b="1" dirty="0"/>
-              <a:t>.</a:t>
-            </a:r>
-          </a:p>
-          <a:p>
-            <a:endParaRPr lang="ko-KR" altLang="en-US" dirty="0"/>
-          </a:p>
         </p:txBody>
       </p:sp>
       <p:sp>
@@ -2585,7 +1184,7 @@
             <a:spLocks noGrp="1"/>
           </p:cNvSpPr>
           <p:nvPr>
-            <p:ph type="sldNum" sz="quarter" idx="5"/>
+            <p:ph type="sldNum" sz="quarter" idx="10"/>
           </p:nvPr>
         </p:nvSpPr>
         <p:spPr/>
@@ -2595,7 +1194,7 @@
           <a:p>
             <a:fld id="{C09E5BFC-1559-42F1-8940-AB342D56BF02}" type="slidenum">
               <a:rPr lang="ko-KR" altLang="en-US" smtClean="0"/>
-              <a:t>18</a:t>
+              <a:t>17</a:t>
             </a:fld>
             <a:endParaRPr lang="ko-KR" altLang="en-US"/>
           </a:p>
@@ -2604,7 +1203,7 @@
     </p:spTree>
     <p:extLst>
       <p:ext uri="{BB962C8B-B14F-4D97-AF65-F5344CB8AC3E}">
-        <p14:creationId xmlns:p14="http://schemas.microsoft.com/office/powerpoint/2010/main" val="3920967191"/>
+        <p14:creationId xmlns:p14="http://schemas.microsoft.com/office/powerpoint/2010/main" val="1277930609"/>
       </p:ext>
     </p:extLst>
   </p:cSld>
@@ -2658,338 +1257,6 @@
           <a:bodyPr/>
           <a:lstStyle/>
           <a:p>
-            <a:r>
-              <a:rPr lang="en-US" altLang="ko-KR" dirty="0"/>
-              <a:t>https://ehdrn.tistory.com/234</a:t>
-            </a:r>
-          </a:p>
-          <a:p>
-            <a:r>
-              <a:rPr lang="en-US" altLang="ko-KR" dirty="0"/>
-              <a:t>https://www.sysnet.pe.kr/3/0/5262</a:t>
-            </a:r>
-          </a:p>
-          <a:p>
-            <a:endParaRPr lang="en-US" altLang="ko-KR" dirty="0"/>
-          </a:p>
-          <a:p>
-            <a:r>
-              <a:rPr lang="en-US" altLang="ko-KR" dirty="0" err="1"/>
-              <a:t>WinForm</a:t>
-            </a:r>
-            <a:r>
-              <a:rPr lang="ko-KR" altLang="en-US" dirty="0"/>
-              <a:t>의 </a:t>
-            </a:r>
-            <a:r>
-              <a:rPr lang="en-US" altLang="ko-KR" b="1" dirty="0"/>
-              <a:t>UI </a:t>
-            </a:r>
-            <a:r>
-              <a:rPr lang="ko-KR" altLang="en-US" b="1" dirty="0"/>
-              <a:t>컨트롤들은 </a:t>
-            </a:r>
-            <a:r>
-              <a:rPr lang="en-US" altLang="ko-KR" b="1" dirty="0"/>
-              <a:t>Main Thread(UI Thread)</a:t>
-            </a:r>
-            <a:r>
-              <a:rPr lang="ko-KR" altLang="en-US" dirty="0"/>
-              <a:t> 가 독점적으로 소유하기 때문입니다</a:t>
-            </a:r>
-            <a:r>
-              <a:rPr lang="en-US" altLang="ko-KR" dirty="0"/>
-              <a:t>.</a:t>
-            </a:r>
-          </a:p>
-          <a:p>
-            <a:r>
-              <a:rPr lang="en-US" altLang="ko-KR" dirty="0" err="1"/>
-              <a:t>textBox.Text</a:t>
-            </a:r>
-            <a:r>
-              <a:rPr lang="en-US" altLang="ko-KR" dirty="0"/>
-              <a:t> += ... </a:t>
-            </a:r>
-            <a:r>
-              <a:rPr lang="ko-KR" altLang="en-US" dirty="0"/>
-              <a:t>같은 코드는 반드시 </a:t>
-            </a:r>
-            <a:r>
-              <a:rPr lang="en-US" altLang="ko-KR" b="1" dirty="0"/>
-              <a:t>Main Thread</a:t>
-            </a:r>
-            <a:r>
-              <a:rPr lang="ko-KR" altLang="en-US" b="1" dirty="0"/>
-              <a:t>에서만 실행</a:t>
-            </a:r>
-            <a:r>
-              <a:rPr lang="ko-KR" altLang="en-US" dirty="0"/>
-              <a:t>되어야 함</a:t>
-            </a:r>
-          </a:p>
-          <a:p>
-            <a:r>
-              <a:rPr lang="ko-KR" altLang="en-US" dirty="0"/>
-              <a:t>하지만 우리가 만든 </a:t>
-            </a:r>
-            <a:r>
-              <a:rPr lang="en-US" altLang="ko-KR" dirty="0"/>
-              <a:t>Thread, Task, Timer </a:t>
-            </a:r>
-            <a:r>
-              <a:rPr lang="ko-KR" altLang="en-US" dirty="0"/>
-              <a:t>등의 </a:t>
-            </a:r>
-            <a:r>
-              <a:rPr lang="ko-KR" altLang="en-US" b="1" dirty="0"/>
-              <a:t>백그라운드 스레드</a:t>
-            </a:r>
-            <a:r>
-              <a:rPr lang="ko-KR" altLang="en-US" dirty="0"/>
-              <a:t>에서는 </a:t>
-            </a:r>
-            <a:r>
-              <a:rPr lang="en-US" altLang="ko-KR" dirty="0"/>
-              <a:t>UI </a:t>
-            </a:r>
-            <a:r>
-              <a:rPr lang="ko-KR" altLang="en-US" dirty="0"/>
-              <a:t>직접 조작이 </a:t>
-            </a:r>
-            <a:r>
-              <a:rPr lang="ko-KR" altLang="en-US" b="1" dirty="0"/>
-              <a:t>불가능</a:t>
-            </a:r>
-            <a:endParaRPr lang="ko-KR" altLang="en-US" dirty="0"/>
-          </a:p>
-          <a:p>
-            <a:endParaRPr lang="en-US" altLang="ko-KR" dirty="0"/>
-          </a:p>
-          <a:p>
-            <a:r>
-              <a:rPr lang="en-US" altLang="ko-KR" b="1" dirty="0"/>
-              <a:t>1. Dispatcher</a:t>
-            </a:r>
-          </a:p>
-          <a:p>
-            <a:r>
-              <a:rPr lang="en-US" altLang="ko-KR" dirty="0"/>
-              <a:t>(※ </a:t>
-            </a:r>
-            <a:r>
-              <a:rPr lang="ko-KR" altLang="en-US" dirty="0"/>
-              <a:t>주로 </a:t>
-            </a:r>
-            <a:r>
-              <a:rPr lang="en-US" altLang="ko-KR" dirty="0"/>
-              <a:t>WPF</a:t>
-            </a:r>
-            <a:r>
-              <a:rPr lang="ko-KR" altLang="en-US" dirty="0"/>
-              <a:t>에서 사용</a:t>
-            </a:r>
-            <a:r>
-              <a:rPr lang="en-US" altLang="ko-KR" dirty="0"/>
-              <a:t>, </a:t>
-            </a:r>
-            <a:r>
-              <a:rPr lang="en-US" altLang="ko-KR" dirty="0" err="1"/>
-              <a:t>WinForm</a:t>
-            </a:r>
-            <a:r>
-              <a:rPr lang="ko-KR" altLang="en-US" dirty="0"/>
-              <a:t>에서는 </a:t>
-            </a:r>
-            <a:r>
-              <a:rPr lang="en-US" altLang="ko-KR" dirty="0" err="1"/>
-              <a:t>Control.Invoke</a:t>
-            </a:r>
-            <a:r>
-              <a:rPr lang="en-US" altLang="ko-KR" dirty="0"/>
-              <a:t>()</a:t>
-            </a:r>
-            <a:r>
-              <a:rPr lang="ko-KR" altLang="en-US" dirty="0"/>
-              <a:t>로 대체됨</a:t>
-            </a:r>
-            <a:r>
-              <a:rPr lang="en-US" altLang="ko-KR" dirty="0"/>
-              <a:t>)</a:t>
-            </a:r>
-          </a:p>
-          <a:p>
-            <a:r>
-              <a:rPr lang="en-US" altLang="ko-KR" b="1" dirty="0"/>
-              <a:t>UI </a:t>
-            </a:r>
-            <a:r>
-              <a:rPr lang="ko-KR" altLang="en-US" b="1" dirty="0"/>
-              <a:t>명령을 </a:t>
-            </a:r>
-            <a:r>
-              <a:rPr lang="en-US" altLang="ko-KR" b="1" dirty="0"/>
-              <a:t>Main Thread</a:t>
-            </a:r>
-            <a:r>
-              <a:rPr lang="ko-KR" altLang="en-US" b="1" dirty="0"/>
-              <a:t>로 위임</a:t>
-            </a:r>
-            <a:r>
-              <a:rPr lang="ko-KR" altLang="en-US" dirty="0"/>
-              <a:t>해서 실행하게 하는 방식</a:t>
-            </a:r>
-          </a:p>
-          <a:p>
-            <a:r>
-              <a:rPr lang="ko-KR" altLang="en-US" dirty="0"/>
-              <a:t>모든 </a:t>
-            </a:r>
-            <a:r>
-              <a:rPr lang="en-US" altLang="ko-KR" dirty="0"/>
-              <a:t>UI </a:t>
-            </a:r>
-            <a:r>
-              <a:rPr lang="ko-KR" altLang="en-US" dirty="0"/>
-              <a:t>컨트롤은 내부적으로 </a:t>
-            </a:r>
-            <a:r>
-              <a:rPr lang="en-US" altLang="ko-KR" dirty="0"/>
-              <a:t>Dispatcher</a:t>
-            </a:r>
-            <a:r>
-              <a:rPr lang="ko-KR" altLang="en-US" dirty="0"/>
-              <a:t>를 가지고 있으며</a:t>
-            </a:r>
-            <a:r>
-              <a:rPr lang="en-US" altLang="ko-KR" dirty="0"/>
-              <a:t>, </a:t>
-            </a:r>
-            <a:r>
-              <a:rPr lang="ko-KR" altLang="en-US" dirty="0"/>
-              <a:t>이 </a:t>
-            </a:r>
-            <a:r>
-              <a:rPr lang="en-US" altLang="ko-KR" dirty="0"/>
-              <a:t>Dispatcher</a:t>
-            </a:r>
-            <a:r>
-              <a:rPr lang="ko-KR" altLang="en-US" dirty="0"/>
-              <a:t>는 </a:t>
-            </a:r>
-            <a:r>
-              <a:rPr lang="en-US" altLang="ko-KR" b="1" dirty="0" err="1"/>
-              <a:t>MainThread</a:t>
-            </a:r>
-            <a:r>
-              <a:rPr lang="ko-KR" altLang="en-US" b="1" dirty="0"/>
-              <a:t>가 소유</a:t>
-            </a:r>
-            <a:endParaRPr lang="ko-KR" altLang="en-US" dirty="0"/>
-          </a:p>
-          <a:p>
-            <a:endParaRPr lang="en-US" altLang="ko-KR" dirty="0"/>
-          </a:p>
-          <a:p>
-            <a:r>
-              <a:rPr lang="en-US" altLang="ko-KR" b="1" dirty="0"/>
-              <a:t>2. </a:t>
-            </a:r>
-            <a:r>
-              <a:rPr lang="en-US" altLang="ko-KR" b="1" dirty="0" err="1"/>
-              <a:t>SynchronizationContext</a:t>
-            </a:r>
-            <a:endParaRPr lang="en-US" altLang="ko-KR" b="1" dirty="0"/>
-          </a:p>
-          <a:p>
-            <a:r>
-              <a:rPr lang="en-US" altLang="ko-KR" dirty="0"/>
-              <a:t>(</a:t>
-            </a:r>
-            <a:r>
-              <a:rPr lang="ko-KR" altLang="en-US" dirty="0"/>
-              <a:t>스레드 간 통신을 담당하는 클래스</a:t>
-            </a:r>
-            <a:r>
-              <a:rPr lang="en-US" altLang="ko-KR" dirty="0"/>
-              <a:t>)</a:t>
-            </a:r>
-          </a:p>
-          <a:p>
-            <a:r>
-              <a:rPr lang="ko-KR" altLang="en-US" dirty="0"/>
-              <a:t>현재 실행 중인 </a:t>
-            </a:r>
-            <a:r>
-              <a:rPr lang="ko-KR" altLang="en-US" b="1" dirty="0"/>
-              <a:t>스레드의 컨텍스트 정보</a:t>
-            </a:r>
-            <a:r>
-              <a:rPr lang="ko-KR" altLang="en-US" dirty="0"/>
-              <a:t>를 유지하고</a:t>
-            </a:r>
-            <a:r>
-              <a:rPr lang="en-US" altLang="ko-KR" dirty="0"/>
-              <a:t>, </a:t>
-            </a:r>
-            <a:r>
-              <a:rPr lang="ko-KR" altLang="en-US" b="1" dirty="0"/>
-              <a:t>다른 스레드에서 특정 스레드로 작업을 전달</a:t>
-            </a:r>
-            <a:r>
-              <a:rPr lang="ko-KR" altLang="en-US" dirty="0"/>
-              <a:t>할 수 있음</a:t>
-            </a:r>
-          </a:p>
-          <a:p>
-            <a:r>
-              <a:rPr lang="en-US" altLang="ko-KR" dirty="0" err="1"/>
-              <a:t>WinForm</a:t>
-            </a:r>
-            <a:r>
-              <a:rPr lang="ko-KR" altLang="en-US" dirty="0"/>
-              <a:t>에서 </a:t>
-            </a:r>
-            <a:r>
-              <a:rPr lang="en-US" altLang="ko-KR" dirty="0" err="1"/>
-              <a:t>SynchronizationContext.Current</a:t>
-            </a:r>
-            <a:r>
-              <a:rPr lang="ko-KR" altLang="en-US" dirty="0"/>
-              <a:t>를 통해 </a:t>
-            </a:r>
-            <a:r>
-              <a:rPr lang="en-US" altLang="ko-KR" dirty="0" err="1"/>
-              <a:t>MainThread</a:t>
-            </a:r>
-            <a:r>
-              <a:rPr lang="ko-KR" altLang="en-US" dirty="0"/>
-              <a:t>의 컨텍스트를 저장한 뒤</a:t>
-            </a:r>
-            <a:r>
-              <a:rPr lang="en-US" altLang="ko-KR" dirty="0"/>
-              <a:t>, </a:t>
-            </a:r>
-            <a:r>
-              <a:rPr lang="ko-KR" altLang="en-US" dirty="0"/>
-              <a:t>다른 스레드에서 </a:t>
-            </a:r>
-            <a:r>
-              <a:rPr lang="en-US" altLang="ko-KR" dirty="0"/>
-              <a:t>UI </a:t>
-            </a:r>
-            <a:r>
-              <a:rPr lang="ko-KR" altLang="en-US" dirty="0"/>
-              <a:t>작업을 보낼 수 있음</a:t>
-            </a:r>
-          </a:p>
-          <a:p>
-            <a:endParaRPr lang="en-US" altLang="ko-KR" dirty="0"/>
-          </a:p>
-          <a:p>
-            <a:endParaRPr lang="en-US" altLang="ko-KR" dirty="0"/>
-          </a:p>
-          <a:p>
             <a:endParaRPr lang="ko-KR" altLang="en-US" dirty="0"/>
           </a:p>
         </p:txBody>
@@ -3011,7 +1278,7 @@
           <a:p>
             <a:fld id="{C09E5BFC-1559-42F1-8940-AB342D56BF02}" type="slidenum">
               <a:rPr lang="ko-KR" altLang="en-US" smtClean="0"/>
-              <a:t>19</a:t>
+              <a:t>18</a:t>
             </a:fld>
             <a:endParaRPr lang="ko-KR" altLang="en-US"/>
           </a:p>
@@ -3020,7 +1287,7 @@
     </p:spTree>
     <p:extLst>
       <p:ext uri="{BB962C8B-B14F-4D97-AF65-F5344CB8AC3E}">
-        <p14:creationId xmlns:p14="http://schemas.microsoft.com/office/powerpoint/2010/main" val="2088461962"/>
+        <p14:creationId xmlns:p14="http://schemas.microsoft.com/office/powerpoint/2010/main" val="3920967191"/>
       </p:ext>
     </p:extLst>
   </p:cSld>
@@ -3074,114 +1341,6 @@
           <a:bodyPr/>
           <a:lstStyle/>
           <a:p>
-            <a:r>
-              <a:rPr lang="en-US" altLang="ko-KR" dirty="0" err="1"/>
-              <a:t>DateTime.Now</a:t>
-            </a:r>
-            <a:r>
-              <a:rPr lang="en-US" altLang="ko-KR" dirty="0"/>
-              <a:t> → </a:t>
-            </a:r>
-            <a:r>
-              <a:rPr lang="en-US" altLang="ko-KR" dirty="0" err="1"/>
-              <a:t>TimeSpan</a:t>
-            </a:r>
-            <a:r>
-              <a:rPr lang="ko-KR" altLang="en-US" dirty="0"/>
-              <a:t>으로 경과 시간 계산하는 법</a:t>
-            </a:r>
-            <a:endParaRPr lang="en-US" altLang="ko-KR" dirty="0"/>
-          </a:p>
-          <a:p>
-            <a:r>
-              <a:rPr lang="en-US" altLang="ko-KR" dirty="0"/>
-              <a:t>Random</a:t>
-            </a:r>
-            <a:r>
-              <a:rPr lang="ko-KR" altLang="en-US" dirty="0"/>
-              <a:t>을 </a:t>
-            </a:r>
-            <a:r>
-              <a:rPr lang="en-US" altLang="ko-KR" dirty="0"/>
-              <a:t>lock</a:t>
-            </a:r>
-            <a:r>
-              <a:rPr lang="ko-KR" altLang="en-US" dirty="0"/>
-              <a:t>으로 감싸는 이유</a:t>
-            </a:r>
-            <a:r>
-              <a:rPr lang="en-US" altLang="ko-KR" dirty="0"/>
-              <a:t>: </a:t>
-            </a:r>
-            <a:r>
-              <a:rPr lang="ko-KR" altLang="en-US" b="1" dirty="0"/>
-              <a:t>스레드 충돌 방지</a:t>
-            </a:r>
-            <a:endParaRPr lang="en-US" altLang="ko-KR" b="1" dirty="0"/>
-          </a:p>
-          <a:p>
-            <a:r>
-              <a:rPr lang="en-US" altLang="ko-KR" dirty="0"/>
-              <a:t>Invoke</a:t>
-            </a:r>
-            <a:r>
-              <a:rPr lang="ko-KR" altLang="en-US" dirty="0"/>
-              <a:t>로 </a:t>
-            </a:r>
-            <a:r>
-              <a:rPr lang="en-US" altLang="ko-KR" dirty="0"/>
-              <a:t>UI </a:t>
-            </a:r>
-            <a:r>
-              <a:rPr lang="ko-KR" altLang="en-US" dirty="0"/>
-              <a:t>스레드에 안전하게 접근</a:t>
-            </a:r>
-            <a:endParaRPr lang="en-US" altLang="ko-KR" dirty="0"/>
-          </a:p>
-          <a:p>
-            <a:pPr marL="0" marR="0" indent="0" algn="l" defTabSz="914400" rtl="0" eaLnBrk="1" fontAlgn="auto" latinLnBrk="1" hangingPunct="1">
-              <a:lnSpc>
-                <a:spcPct val="100000"/>
-              </a:lnSpc>
-              <a:spcBef>
-                <a:spcPts val="0"/>
-              </a:spcBef>
-              <a:spcAft>
-                <a:spcPts val="0"/>
-              </a:spcAft>
-              <a:buClrTx/>
-              <a:buSzTx/>
-              <a:buFontTx/>
-              <a:buNone/>
-              <a:tabLst/>
-              <a:defRPr/>
-            </a:pPr>
-            <a:r>
-              <a:rPr lang="en-US" altLang="ko-KR" dirty="0"/>
-              <a:t>rank, </a:t>
-            </a:r>
-            <a:r>
-              <a:rPr lang="en-US" altLang="ko-KR" dirty="0" err="1"/>
-              <a:t>finishedCars</a:t>
-            </a:r>
-            <a:r>
-              <a:rPr lang="en-US" altLang="ko-KR" dirty="0"/>
-              <a:t> → </a:t>
-            </a:r>
-            <a:r>
-              <a:rPr lang="ko-KR" altLang="en-US" dirty="0"/>
-              <a:t>전역에서 </a:t>
-            </a:r>
-            <a:r>
-              <a:rPr lang="en-US" altLang="ko-KR" dirty="0"/>
-              <a:t>lock</a:t>
-            </a:r>
-            <a:r>
-              <a:rPr lang="ko-KR" altLang="en-US" dirty="0"/>
-              <a:t>을 통해 동기화</a:t>
-            </a:r>
-          </a:p>
-          <a:p>
             <a:endParaRPr lang="ko-KR" altLang="en-US" dirty="0"/>
           </a:p>
         </p:txBody>
@@ -3193,7 +1352,7 @@
             <a:spLocks noGrp="1"/>
           </p:cNvSpPr>
           <p:nvPr>
-            <p:ph type="sldNum" sz="quarter" idx="10"/>
+            <p:ph type="sldNum" sz="quarter" idx="5"/>
           </p:nvPr>
         </p:nvSpPr>
         <p:spPr/>
@@ -3203,7 +1362,7 @@
           <a:p>
             <a:fld id="{C09E5BFC-1559-42F1-8940-AB342D56BF02}" type="slidenum">
               <a:rPr lang="ko-KR" altLang="en-US" smtClean="0"/>
-              <a:t>20</a:t>
+              <a:t>19</a:t>
             </a:fld>
             <a:endParaRPr lang="ko-KR" altLang="en-US"/>
           </a:p>
@@ -3212,7 +1371,7 @@
     </p:spTree>
     <p:extLst>
       <p:ext uri="{BB962C8B-B14F-4D97-AF65-F5344CB8AC3E}">
-        <p14:creationId xmlns:p14="http://schemas.microsoft.com/office/powerpoint/2010/main" val="355223082"/>
+        <p14:creationId xmlns:p14="http://schemas.microsoft.com/office/powerpoint/2010/main" val="2088461962"/>
       </p:ext>
     </p:extLst>
   </p:cSld>
@@ -3277,7 +1436,7 @@
             <a:spLocks noGrp="1"/>
           </p:cNvSpPr>
           <p:nvPr>
-            <p:ph type="sldNum" sz="quarter" idx="5"/>
+            <p:ph type="sldNum" sz="quarter" idx="10"/>
           </p:nvPr>
         </p:nvSpPr>
         <p:spPr/>
@@ -3287,7 +1446,7 @@
           <a:p>
             <a:fld id="{C09E5BFC-1559-42F1-8940-AB342D56BF02}" type="slidenum">
               <a:rPr lang="ko-KR" altLang="en-US" smtClean="0"/>
-              <a:t>21</a:t>
+              <a:t>20</a:t>
             </a:fld>
             <a:endParaRPr lang="ko-KR" altLang="en-US"/>
           </a:p>
@@ -3296,7 +1455,7 @@
     </p:spTree>
     <p:extLst>
       <p:ext uri="{BB962C8B-B14F-4D97-AF65-F5344CB8AC3E}">
-        <p14:creationId xmlns:p14="http://schemas.microsoft.com/office/powerpoint/2010/main" val="3458050105"/>
+        <p14:creationId xmlns:p14="http://schemas.microsoft.com/office/powerpoint/2010/main" val="355223082"/>
       </p:ext>
     </p:extLst>
   </p:cSld>
@@ -3350,34 +1509,6 @@
           <a:bodyPr/>
           <a:lstStyle/>
           <a:p>
-            <a:r>
-              <a:rPr lang="en-US" altLang="ko-KR" dirty="0"/>
-              <a:t>"</a:t>
-            </a:r>
-            <a:r>
-              <a:rPr lang="ko-KR" altLang="en-US" dirty="0"/>
-              <a:t>프로그램을 실행하면 프로세스가 생성되고</a:t>
-            </a:r>
-            <a:r>
-              <a:rPr lang="en-US" altLang="ko-KR" dirty="0"/>
-              <a:t>, </a:t>
-            </a:r>
-            <a:r>
-              <a:rPr lang="ko-KR" altLang="en-US" dirty="0"/>
-              <a:t>이 프로세스는 하나 이상의 스레드로 작업을 처리한다</a:t>
-            </a:r>
-            <a:r>
-              <a:rPr lang="en-US" altLang="ko-KR" dirty="0"/>
-              <a:t>"</a:t>
-            </a:r>
-            <a:r>
-              <a:rPr lang="ko-KR" altLang="en-US" dirty="0"/>
-              <a:t>입니다</a:t>
-            </a:r>
-            <a:r>
-              <a:rPr lang="en-US" altLang="ko-KR" dirty="0"/>
-              <a:t>.</a:t>
-            </a:r>
             <a:endParaRPr lang="ko-KR" altLang="en-US" dirty="0"/>
           </a:p>
         </p:txBody>
@@ -3483,7 +1614,7 @@
           <a:p>
             <a:fld id="{C09E5BFC-1559-42F1-8940-AB342D56BF02}" type="slidenum">
               <a:rPr lang="ko-KR" altLang="en-US" smtClean="0"/>
-              <a:t>22</a:t>
+              <a:t>21</a:t>
             </a:fld>
             <a:endParaRPr lang="ko-KR" altLang="en-US"/>
           </a:p>
@@ -3492,7 +1623,7 @@
     </p:spTree>
     <p:extLst>
       <p:ext uri="{BB962C8B-B14F-4D97-AF65-F5344CB8AC3E}">
-        <p14:creationId xmlns:p14="http://schemas.microsoft.com/office/powerpoint/2010/main" val="1616838779"/>
+        <p14:creationId xmlns:p14="http://schemas.microsoft.com/office/powerpoint/2010/main" val="3458050105"/>
       </p:ext>
     </p:extLst>
   </p:cSld>
@@ -3567,7 +1698,7 @@
           <a:p>
             <a:fld id="{C09E5BFC-1559-42F1-8940-AB342D56BF02}" type="slidenum">
               <a:rPr lang="ko-KR" altLang="en-US" smtClean="0"/>
-              <a:t>23</a:t>
+              <a:t>22</a:t>
             </a:fld>
             <a:endParaRPr lang="ko-KR" altLang="en-US"/>
           </a:p>
@@ -3576,7 +1707,7 @@
     </p:spTree>
     <p:extLst>
       <p:ext uri="{BB962C8B-B14F-4D97-AF65-F5344CB8AC3E}">
-        <p14:creationId xmlns:p14="http://schemas.microsoft.com/office/powerpoint/2010/main" val="4262484510"/>
+        <p14:creationId xmlns:p14="http://schemas.microsoft.com/office/powerpoint/2010/main" val="1616838779"/>
       </p:ext>
     </p:extLst>
   </p:cSld>
@@ -3630,191 +1761,90 @@
           <a:bodyPr/>
           <a:lstStyle/>
           <a:p>
-            <a:r>
-              <a:rPr lang="en-US" altLang="ko-KR" dirty="0"/>
-              <a:t>(Action)(() =&gt; { ... })</a:t>
-            </a:r>
-          </a:p>
-          <a:p>
-            <a:r>
-              <a:rPr lang="ko-KR" altLang="en-US" dirty="0" err="1"/>
-              <a:t>반환값</a:t>
-            </a:r>
-            <a:r>
-              <a:rPr lang="ko-KR" altLang="en-US" dirty="0"/>
-              <a:t> 없는 </a:t>
-            </a:r>
-            <a:r>
-              <a:rPr lang="en-US" altLang="ko-KR" dirty="0"/>
-              <a:t>delegate</a:t>
-            </a:r>
-            <a:r>
-              <a:rPr lang="ko-KR" altLang="en-US" dirty="0"/>
-              <a:t>를 람다식으로 작성</a:t>
-            </a:r>
-            <a:r>
-              <a:rPr lang="en-US" altLang="ko-KR" dirty="0"/>
-              <a:t>. </a:t>
-            </a:r>
-            <a:r>
-              <a:rPr lang="ko-KR" altLang="en-US" dirty="0"/>
-              <a:t>즉시 실행할 수 있는 코드 블록 전달</a:t>
-            </a:r>
-            <a:endParaRPr lang="en-US" altLang="ko-KR" dirty="0"/>
-          </a:p>
-          <a:p>
-            <a:r>
-              <a:rPr lang="en-US" altLang="ko-KR" b="1" dirty="0"/>
-              <a:t>Action:  </a:t>
-            </a:r>
-            <a:r>
-              <a:rPr lang="ko-KR" altLang="en-US" dirty="0"/>
-              <a:t>매개변수 없음</a:t>
-            </a:r>
-            <a:r>
-              <a:rPr lang="en-US" altLang="ko-KR" dirty="0"/>
-              <a:t>, </a:t>
-            </a:r>
-            <a:r>
-              <a:rPr lang="ko-KR" altLang="en-US" dirty="0" err="1"/>
-              <a:t>반환값</a:t>
-            </a:r>
-            <a:r>
-              <a:rPr lang="ko-KR" altLang="en-US" dirty="0"/>
-              <a:t> 없음인 </a:t>
-            </a:r>
-            <a:r>
-              <a:rPr lang="en-US" altLang="ko-KR" dirty="0"/>
-              <a:t>delegate </a:t>
-            </a:r>
-            <a:r>
-              <a:rPr lang="ko-KR" altLang="en-US" dirty="0"/>
-              <a:t>타입</a:t>
-            </a:r>
-            <a:endParaRPr lang="en-US" altLang="ko-KR" dirty="0"/>
-          </a:p>
-          <a:p>
-            <a:endParaRPr lang="en-US" altLang="ko-KR" dirty="0"/>
-          </a:p>
-          <a:p>
-            <a:pPr>
-              <a:buNone/>
-            </a:pPr>
-            <a:r>
-              <a:rPr lang="ko-KR" altLang="en-US" dirty="0"/>
-              <a:t>현재 실행 중인 스레드가 </a:t>
-            </a:r>
-            <a:r>
-              <a:rPr lang="en-US" altLang="ko-KR" dirty="0"/>
-              <a:t>UI </a:t>
-            </a:r>
-            <a:r>
-              <a:rPr lang="ko-KR" altLang="en-US" dirty="0"/>
-              <a:t>스레드인지 확인하기 위해 </a:t>
-            </a:r>
-            <a:r>
-              <a:rPr lang="en-US" altLang="ko-KR" dirty="0" err="1"/>
-              <a:t>InvokeRequired</a:t>
-            </a:r>
-            <a:r>
-              <a:rPr lang="en-US" altLang="ko-KR" dirty="0"/>
-              <a:t> </a:t>
-            </a:r>
-            <a:r>
-              <a:rPr lang="ko-KR" altLang="en-US" dirty="0"/>
-              <a:t>체크</a:t>
-            </a:r>
-          </a:p>
-          <a:p>
-            <a:pPr>
-              <a:buNone/>
-            </a:pPr>
-            <a:r>
-              <a:rPr lang="en-US" altLang="ko-KR" b="1" dirty="0"/>
-              <a:t>UI </a:t>
-            </a:r>
-            <a:r>
-              <a:rPr lang="ko-KR" altLang="en-US" b="1" dirty="0"/>
-              <a:t>스레드가 아니면</a:t>
-            </a:r>
-            <a:r>
-              <a:rPr lang="ko-KR" altLang="en-US" dirty="0"/>
-              <a:t> </a:t>
-            </a:r>
-            <a:r>
-              <a:rPr lang="en-US" altLang="ko-KR" dirty="0" err="1"/>
-              <a:t>this.Invoke</a:t>
-            </a:r>
-            <a:r>
-              <a:rPr lang="en-US" altLang="ko-KR" dirty="0"/>
-              <a:t>()</a:t>
-            </a:r>
-            <a:r>
-              <a:rPr lang="ko-KR" altLang="en-US" dirty="0"/>
-              <a:t>를 이용하여 </a:t>
-            </a:r>
-            <a:r>
-              <a:rPr lang="en-US" altLang="ko-KR" dirty="0"/>
-              <a:t>UI </a:t>
-            </a:r>
-            <a:r>
-              <a:rPr lang="ko-KR" altLang="en-US" dirty="0"/>
-              <a:t>스레드에서 코드를 실행</a:t>
-            </a:r>
-          </a:p>
-          <a:p>
-            <a:r>
-              <a:rPr lang="en-US" altLang="ko-KR" dirty="0"/>
-              <a:t>UI </a:t>
-            </a:r>
-            <a:r>
-              <a:rPr lang="ko-KR" altLang="en-US" dirty="0"/>
-              <a:t>스레드라면 </a:t>
-            </a:r>
-            <a:r>
-              <a:rPr lang="en-US" altLang="ko-KR" dirty="0"/>
-              <a:t>Invoke </a:t>
-            </a:r>
-            <a:r>
-              <a:rPr lang="ko-KR" altLang="en-US" dirty="0"/>
-              <a:t>없이 바로 </a:t>
-            </a:r>
-            <a:r>
-              <a:rPr lang="en-US" altLang="ko-KR" dirty="0"/>
-              <a:t>Text</a:t>
-            </a:r>
-            <a:r>
-              <a:rPr lang="ko-KR" altLang="en-US" dirty="0"/>
-              <a:t>를 수정</a:t>
-            </a:r>
-          </a:p>
-          <a:p>
-            <a:endParaRPr lang="en-US" altLang="ko-KR" dirty="0"/>
-          </a:p>
-          <a:p>
-            <a:endParaRPr lang="en-US" altLang="ko-KR" dirty="0"/>
-          </a:p>
-          <a:p>
-            <a:r>
-              <a:rPr lang="en-US" altLang="ko-KR" dirty="0"/>
-              <a:t>Invoke(): UI </a:t>
-            </a:r>
-            <a:r>
-              <a:rPr lang="ko-KR" altLang="en-US" dirty="0"/>
-              <a:t>컨트롤을 </a:t>
-            </a:r>
-            <a:r>
-              <a:rPr lang="en-US" altLang="ko-KR" b="1" dirty="0"/>
-              <a:t>UI </a:t>
-            </a:r>
-            <a:r>
-              <a:rPr lang="ko-KR" altLang="en-US" b="1"/>
-              <a:t>스레드에서 안전하게 실행</a:t>
-            </a:r>
-            <a:r>
-              <a:rPr lang="ko-KR" altLang="en-US"/>
-              <a:t>하기 위한 메서드</a:t>
-            </a:r>
+            <a:endParaRPr lang="ko-KR" altLang="en-US" dirty="0"/>
+          </a:p>
+        </p:txBody>
+      </p:sp>
+      <p:sp>
+        <p:nvSpPr>
+          <p:cNvPr id="4" name="슬라이드 번호 개체 틀 3"/>
+          <p:cNvSpPr>
+            <a:spLocks noGrp="1"/>
+          </p:cNvSpPr>
+          <p:nvPr>
+            <p:ph type="sldNum" sz="quarter" idx="5"/>
+          </p:nvPr>
+        </p:nvSpPr>
+        <p:spPr/>
+        <p:txBody>
+          <a:bodyPr/>
+          <a:lstStyle/>
+          <a:p>
+            <a:fld id="{C09E5BFC-1559-42F1-8940-AB342D56BF02}" type="slidenum">
+              <a:rPr lang="ko-KR" altLang="en-US" smtClean="0"/>
+              <a:t>23</a:t>
+            </a:fld>
+            <a:endParaRPr lang="ko-KR" altLang="en-US"/>
+          </a:p>
+        </p:txBody>
+      </p:sp>
+    </p:spTree>
+    <p:extLst>
+      <p:ext uri="{BB962C8B-B14F-4D97-AF65-F5344CB8AC3E}">
+        <p14:creationId xmlns:p14="http://schemas.microsoft.com/office/powerpoint/2010/main" val="4262484510"/>
+      </p:ext>
+    </p:extLst>
+  </p:cSld>
+  <p:clrMapOvr>
+    <a:masterClrMapping/>
+  </p:clrMapOvr>
+</p:notes>
+</file>
+
+<file path=ppt/notesSlides/notesSlide23.xml><?xml version="1.0" encoding="utf-8"?>
+<p:notes xmlns:a="http://schemas.openxmlformats.org/drawingml/2006/main" xmlns:r="http://schemas.openxmlformats.org/officeDocument/2006/relationships" xmlns:p="http://schemas.openxmlformats.org/presentationml/2006/main">
+  <p:cSld>
+    <p:spTree>
+      <p:nvGrpSpPr>
+        <p:cNvPr id="1" name=""/>
+        <p:cNvGrpSpPr/>
+        <p:nvPr/>
+      </p:nvGrpSpPr>
+      <p:grpSpPr>
+        <a:xfrm>
+          <a:off x="0" y="0"/>
+          <a:ext cx="0" cy="0"/>
+          <a:chOff x="0" y="0"/>
+          <a:chExt cx="0" cy="0"/>
+        </a:xfrm>
+      </p:grpSpPr>
+      <p:sp>
+        <p:nvSpPr>
+          <p:cNvPr id="2" name="슬라이드 이미지 개체 틀 1"/>
+          <p:cNvSpPr>
+            <a:spLocks noGrp="1" noRot="1" noChangeAspect="1"/>
+          </p:cNvSpPr>
+          <p:nvPr>
+            <p:ph type="sldImg"/>
+          </p:nvPr>
+        </p:nvSpPr>
+        <p:spPr/>
+      </p:sp>
+      <p:sp>
+        <p:nvSpPr>
+          <p:cNvPr id="3" name="슬라이드 노트 개체 틀 2"/>
+          <p:cNvSpPr>
+            <a:spLocks noGrp="1"/>
+          </p:cNvSpPr>
+          <p:nvPr>
+            <p:ph type="body" idx="1"/>
+          </p:nvPr>
+        </p:nvSpPr>
+        <p:spPr/>
+        <p:txBody>
+          <a:bodyPr/>
+          <a:lstStyle/>
+          <a:p>
             <a:endParaRPr lang="ko-KR" altLang="en-US" dirty="0"/>
           </a:p>
         </p:txBody>
@@ -3855,7 +1885,91 @@
 </p:notes>
 </file>
 
-<file path=ppt/notesSlides/notesSlide23.xml><?xml version="1.0" encoding="utf-8"?>
+<file path=ppt/notesSlides/notesSlide24.xml><?xml version="1.0" encoding="utf-8"?>
+<p:notes xmlns:a="http://schemas.openxmlformats.org/drawingml/2006/main" xmlns:r="http://schemas.openxmlformats.org/officeDocument/2006/relationships" xmlns:p="http://schemas.openxmlformats.org/presentationml/2006/main">
+  <p:cSld>
+    <p:spTree>
+      <p:nvGrpSpPr>
+        <p:cNvPr id="1" name=""/>
+        <p:cNvGrpSpPr/>
+        <p:nvPr/>
+      </p:nvGrpSpPr>
+      <p:grpSpPr>
+        <a:xfrm>
+          <a:off x="0" y="0"/>
+          <a:ext cx="0" cy="0"/>
+          <a:chOff x="0" y="0"/>
+          <a:chExt cx="0" cy="0"/>
+        </a:xfrm>
+      </p:grpSpPr>
+      <p:sp>
+        <p:nvSpPr>
+          <p:cNvPr id="2" name="슬라이드 이미지 개체 틀 1"/>
+          <p:cNvSpPr>
+            <a:spLocks noGrp="1" noRot="1" noChangeAspect="1"/>
+          </p:cNvSpPr>
+          <p:nvPr>
+            <p:ph type="sldImg"/>
+          </p:nvPr>
+        </p:nvSpPr>
+        <p:spPr/>
+      </p:sp>
+      <p:sp>
+        <p:nvSpPr>
+          <p:cNvPr id="3" name="슬라이드 노트 개체 틀 2"/>
+          <p:cNvSpPr>
+            <a:spLocks noGrp="1"/>
+          </p:cNvSpPr>
+          <p:nvPr>
+            <p:ph type="body" idx="1"/>
+          </p:nvPr>
+        </p:nvSpPr>
+        <p:spPr/>
+        <p:txBody>
+          <a:bodyPr/>
+          <a:lstStyle/>
+          <a:p>
+            <a:endParaRPr lang="ko-KR" altLang="en-US" dirty="0"/>
+          </a:p>
+        </p:txBody>
+      </p:sp>
+      <p:sp>
+        <p:nvSpPr>
+          <p:cNvPr id="4" name="슬라이드 번호 개체 틀 3"/>
+          <p:cNvSpPr>
+            <a:spLocks noGrp="1"/>
+          </p:cNvSpPr>
+          <p:nvPr>
+            <p:ph type="sldNum" sz="quarter" idx="10"/>
+          </p:nvPr>
+        </p:nvSpPr>
+        <p:spPr/>
+        <p:txBody>
+          <a:bodyPr/>
+          <a:lstStyle/>
+          <a:p>
+            <a:fld id="{C09E5BFC-1559-42F1-8940-AB342D56BF02}" type="slidenum">
+              <a:rPr lang="ko-KR" altLang="en-US" smtClean="0"/>
+              <a:t>26</a:t>
+            </a:fld>
+            <a:endParaRPr lang="ko-KR" altLang="en-US"/>
+          </a:p>
+        </p:txBody>
+      </p:sp>
+    </p:spTree>
+    <p:extLst>
+      <p:ext uri="{BB962C8B-B14F-4D97-AF65-F5344CB8AC3E}">
+        <p14:creationId xmlns:p14="http://schemas.microsoft.com/office/powerpoint/2010/main" val="4090215398"/>
+      </p:ext>
+    </p:extLst>
+  </p:cSld>
+  <p:clrMapOvr>
+    <a:masterClrMapping/>
+  </p:clrMapOvr>
+</p:notes>
+</file>
+
+<file path=ppt/notesSlides/notesSlide25.xml><?xml version="1.0" encoding="utf-8"?>
 <p:notes xmlns:a="http://schemas.openxmlformats.org/drawingml/2006/main" xmlns:r="http://schemas.openxmlformats.org/officeDocument/2006/relationships" xmlns:p="http://schemas.openxmlformats.org/presentationml/2006/main">
   <p:cSld>
     <p:spTree>
@@ -3983,41 +2097,6 @@
           <a:bodyPr/>
           <a:lstStyle/>
           <a:p>
-            <a:r>
-              <a:rPr lang="ko-KR" altLang="en-US" dirty="0"/>
-              <a:t>성능 최적화와 동시성을 다룰 때 매우 중요한 개념</a:t>
-            </a:r>
-            <a:r>
-              <a:rPr lang="en-US" altLang="ko-KR" dirty="0"/>
-              <a:t>.    </a:t>
-            </a:r>
-          </a:p>
-          <a:p>
-            <a:endParaRPr lang="en-US" altLang="ko-KR" dirty="0"/>
-          </a:p>
-          <a:p>
-            <a:r>
-              <a:rPr lang="ko-KR" altLang="en-US" dirty="0" err="1"/>
-              <a:t>스레드란</a:t>
-            </a:r>
-            <a:r>
-              <a:rPr lang="en-US" altLang="ko-KR" dirty="0"/>
-              <a:t>?</a:t>
-            </a:r>
-          </a:p>
-          <a:p>
-            <a:r>
-              <a:rPr lang="ko-KR" altLang="en-US" dirty="0" err="1"/>
-              <a:t>ㄴ</a:t>
-            </a:r>
-            <a:r>
-              <a:rPr lang="en-US" altLang="ko-KR" dirty="0"/>
-              <a:t> </a:t>
-            </a:r>
-            <a:r>
-              <a:rPr lang="ko-KR" altLang="en-US" b="1" dirty="0"/>
-              <a:t>프로그램이 작업을 수행하는 가장 작은 실행 단위</a:t>
-            </a:r>
             <a:endParaRPr lang="ko-KR" altLang="en-US" dirty="0"/>
           </a:p>
         </p:txBody>
@@ -4186,552 +2265,7 @@
           <a:bodyPr/>
           <a:lstStyle/>
           <a:p>
-            <a:r>
-              <a:rPr lang="ko-KR" altLang="en-US" dirty="0"/>
-              <a:t>싱글코어에서 단일 스레드</a:t>
-            </a:r>
-            <a:r>
-              <a:rPr lang="en-US" altLang="ko-KR" dirty="0"/>
-              <a:t>(single thread)</a:t>
-            </a:r>
-            <a:r>
-              <a:rPr lang="ko-KR" altLang="en-US" dirty="0"/>
-              <a:t>가 동작하는 방식 </a:t>
-            </a:r>
-            <a:r>
-              <a:rPr lang="en-US" altLang="ko-KR" dirty="0"/>
-              <a:t>– </a:t>
-            </a:r>
-            <a:r>
-              <a:rPr lang="ko-KR" altLang="en-US" dirty="0"/>
-              <a:t>시각적</a:t>
-            </a:r>
-            <a:r>
-              <a:rPr lang="ko-KR" altLang="en-US" baseline="0" dirty="0"/>
-              <a:t> 설명 그림</a:t>
-            </a:r>
-            <a:r>
-              <a:rPr lang="en-US" altLang="ko-KR" baseline="0" dirty="0"/>
-              <a:t>.</a:t>
-            </a:r>
-          </a:p>
-          <a:p>
-            <a:endParaRPr lang="en-US" altLang="ko-KR" dirty="0"/>
-          </a:p>
-          <a:p>
-            <a:r>
-              <a:rPr lang="ko-KR" altLang="en-US" dirty="0"/>
-              <a:t>가로방향 </a:t>
-            </a:r>
-            <a:r>
-              <a:rPr lang="en-US" altLang="ko-KR" dirty="0"/>
-              <a:t>: CPU </a:t>
-            </a:r>
-            <a:r>
-              <a:rPr lang="ko-KR" altLang="en-US" dirty="0"/>
-              <a:t>시간 흐름 </a:t>
-            </a:r>
-            <a:r>
-              <a:rPr lang="en-US" altLang="ko-KR" dirty="0"/>
-              <a:t>(</a:t>
-            </a:r>
-            <a:r>
-              <a:rPr lang="ko-KR" altLang="en-US" dirty="0"/>
-              <a:t>오른쪽으로 갈 수록 시간이 흐름</a:t>
-            </a:r>
-            <a:r>
-              <a:rPr lang="en-US" altLang="ko-KR" dirty="0"/>
-              <a:t>)</a:t>
-            </a:r>
-          </a:p>
-          <a:p>
-            <a:endParaRPr lang="en-US" altLang="ko-KR" dirty="0"/>
-          </a:p>
-          <a:p>
-            <a:pPr marL="171450" indent="-171450">
-              <a:buFontTx/>
-              <a:buChar char="-"/>
-            </a:pPr>
-            <a:r>
-              <a:rPr lang="ko-KR" altLang="en-US" baseline="0" dirty="0"/>
-              <a:t>여러 작업을 처리하지만</a:t>
-            </a:r>
-            <a:r>
-              <a:rPr lang="en-US" altLang="ko-KR" baseline="0" dirty="0"/>
-              <a:t>, </a:t>
-            </a:r>
-            <a:r>
-              <a:rPr lang="ko-KR" altLang="en-US" baseline="0" dirty="0"/>
-              <a:t>한 번에 하나씩만 실행되는 구조</a:t>
-            </a:r>
-            <a:r>
-              <a:rPr lang="en-US" altLang="ko-KR" baseline="0" dirty="0"/>
-              <a:t>.</a:t>
-            </a:r>
-          </a:p>
-          <a:p>
-            <a:pPr marL="171450" indent="-171450">
-              <a:buFontTx/>
-              <a:buChar char="-"/>
-            </a:pPr>
-            <a:endParaRPr lang="en-US" altLang="ko-KR" baseline="0" dirty="0"/>
-          </a:p>
-          <a:p>
-            <a:pPr marL="171450" indent="-171450">
-              <a:buFontTx/>
-              <a:buChar char="-"/>
-            </a:pPr>
-            <a:r>
-              <a:rPr lang="ko-KR" altLang="en-US" baseline="0" dirty="0"/>
-              <a:t>여러 프로그램이 실행 중이지만</a:t>
-            </a:r>
-            <a:r>
-              <a:rPr lang="en-US" altLang="ko-KR" baseline="0" dirty="0"/>
-              <a:t>, </a:t>
-            </a:r>
-            <a:r>
-              <a:rPr lang="ko-KR" altLang="en-US" baseline="0" dirty="0"/>
-              <a:t>실제로는 </a:t>
-            </a:r>
-            <a:r>
-              <a:rPr lang="en-US" altLang="ko-KR" baseline="0" dirty="0"/>
-              <a:t>CPU</a:t>
-            </a:r>
-            <a:r>
-              <a:rPr lang="ko-KR" altLang="en-US" baseline="0" dirty="0"/>
-              <a:t>가 </a:t>
-            </a:r>
-            <a:r>
-              <a:rPr lang="ko-KR" altLang="en-US" b="1" baseline="0" dirty="0"/>
-              <a:t>순서대로 조금씩 나눠서 처리하는 구조</a:t>
-            </a:r>
-            <a:endParaRPr lang="en-US" altLang="ko-KR" b="1" baseline="0" dirty="0"/>
-          </a:p>
-          <a:p>
-            <a:pPr marL="171450" indent="-171450">
-              <a:buFontTx/>
-              <a:buChar char="-"/>
-            </a:pPr>
-            <a:r>
-              <a:rPr lang="en-US" altLang="ko-KR" b="1" baseline="0" dirty="0"/>
-              <a:t>= </a:t>
-            </a:r>
-            <a:r>
-              <a:rPr lang="ko-KR" altLang="en-US" b="1" baseline="0" dirty="0"/>
-              <a:t>시분할</a:t>
-            </a:r>
-            <a:r>
-              <a:rPr lang="en-US" altLang="ko-KR" b="1" baseline="0" dirty="0"/>
-              <a:t>(Time Sharing) </a:t>
-            </a:r>
-            <a:r>
-              <a:rPr lang="ko-KR" altLang="en-US" b="1" baseline="0" dirty="0"/>
-              <a:t>이라고 함</a:t>
-            </a:r>
-            <a:r>
-              <a:rPr lang="en-US" altLang="ko-KR" b="1" baseline="0" dirty="0"/>
-              <a:t>.</a:t>
-            </a:r>
-          </a:p>
-          <a:p>
-            <a:pPr marL="171450" indent="-171450">
-              <a:buFontTx/>
-              <a:buChar char="-"/>
-            </a:pPr>
-            <a:endParaRPr lang="en-US" altLang="ko-KR" b="1" baseline="0" dirty="0"/>
-          </a:p>
-          <a:p>
-            <a:pPr marL="171450" indent="-171450">
-              <a:buFontTx/>
-              <a:buChar char="-"/>
-            </a:pPr>
-            <a:r>
-              <a:rPr lang="ko-KR" altLang="en-US" b="0" baseline="0" dirty="0"/>
-              <a:t>구글 크롬 실행하다가 </a:t>
-            </a:r>
-            <a:r>
-              <a:rPr lang="en-US" altLang="ko-KR" b="0" baseline="0" dirty="0"/>
-              <a:t>VS </a:t>
-            </a:r>
-            <a:r>
-              <a:rPr lang="ko-KR" altLang="en-US" b="0" baseline="0" dirty="0"/>
-              <a:t>실행하다가 음악 재생하다가 다시 구글 크롬 실행하다가 </a:t>
-            </a:r>
-            <a:r>
-              <a:rPr lang="en-US" altLang="ko-KR" b="0" baseline="0" dirty="0"/>
-              <a:t>--&gt; </a:t>
-            </a:r>
-            <a:r>
-              <a:rPr lang="ko-KR" altLang="en-US" b="0" baseline="0" dirty="0"/>
-              <a:t>각각을 조금씩 </a:t>
-            </a:r>
-            <a:r>
-              <a:rPr lang="ko-KR" altLang="en-US" b="0" baseline="0" dirty="0" err="1"/>
-              <a:t>번갈아가며</a:t>
-            </a:r>
-            <a:r>
-              <a:rPr lang="ko-KR" altLang="en-US" b="0" baseline="0" dirty="0"/>
-              <a:t> 처리 </a:t>
-            </a:r>
-            <a:r>
-              <a:rPr lang="en-US" altLang="ko-KR" b="0" baseline="0" dirty="0"/>
-              <a:t>= </a:t>
-            </a:r>
-            <a:r>
-              <a:rPr lang="ko-KR" altLang="en-US" dirty="0"/>
-              <a:t>동시에 실행되는 것처럼 느껴지는 이유</a:t>
-            </a:r>
-            <a:r>
-              <a:rPr lang="en-US" altLang="ko-KR" dirty="0"/>
-              <a:t>: </a:t>
-            </a:r>
-            <a:r>
-              <a:rPr lang="ko-KR" altLang="en-US" b="1" dirty="0"/>
-              <a:t>너무 빠르게 번갈아 처리하기 때문</a:t>
-            </a:r>
-            <a:endParaRPr lang="ko-KR" altLang="en-US" b="0" dirty="0"/>
-          </a:p>
-          <a:p>
-            <a:endParaRPr lang="en-US" altLang="ko-KR" dirty="0"/>
-          </a:p>
-          <a:p>
-            <a:r>
-              <a:rPr lang="en-US" altLang="ko-KR" dirty="0"/>
-              <a:t>"</a:t>
-            </a:r>
-            <a:r>
-              <a:rPr lang="ko-KR" altLang="en-US" dirty="0"/>
-              <a:t>코어</a:t>
-            </a:r>
-            <a:r>
-              <a:rPr lang="en-US" altLang="ko-KR" dirty="0"/>
-              <a:t>(Core)"</a:t>
-            </a:r>
-            <a:r>
-              <a:rPr lang="ko-KR" altLang="en-US" dirty="0"/>
-              <a:t>는 </a:t>
-            </a:r>
-            <a:r>
-              <a:rPr lang="en-US" altLang="ko-KR" dirty="0"/>
-              <a:t>CPU </a:t>
-            </a:r>
-            <a:r>
-              <a:rPr lang="ko-KR" altLang="en-US" dirty="0"/>
-              <a:t>속에서 **실제로 계산하고 처리하는 유닛</a:t>
-            </a:r>
-            <a:r>
-              <a:rPr lang="en-US" altLang="ko-KR" dirty="0"/>
-              <a:t>(</a:t>
-            </a:r>
-            <a:r>
-              <a:rPr lang="ko-KR" altLang="en-US" dirty="0"/>
-              <a:t>단위</a:t>
-            </a:r>
-            <a:r>
-              <a:rPr lang="en-US" altLang="ko-KR" dirty="0"/>
-              <a:t>)**</a:t>
-            </a:r>
-            <a:r>
-              <a:rPr lang="ko-KR" altLang="en-US" dirty="0"/>
-              <a:t>입니다</a:t>
-            </a:r>
-            <a:r>
-              <a:rPr lang="en-US" altLang="ko-KR" dirty="0"/>
-              <a:t>.</a:t>
-            </a:r>
-          </a:p>
-          <a:p>
-            <a:endParaRPr lang="en-US" altLang="ko-KR" dirty="0"/>
-          </a:p>
-          <a:p>
-            <a:r>
-              <a:rPr lang="ko-KR" altLang="en-US" dirty="0"/>
-              <a:t>싱글 코어 </a:t>
-            </a:r>
-            <a:r>
-              <a:rPr lang="en-US" altLang="ko-KR" dirty="0"/>
-              <a:t>+ </a:t>
-            </a:r>
-            <a:r>
-              <a:rPr lang="ko-KR" altLang="en-US" dirty="0"/>
-              <a:t>싱글 스레드</a:t>
-            </a:r>
-            <a:br>
-              <a:rPr lang="ko-KR" altLang="en-US" dirty="0"/>
-            </a:br>
-            <a:r>
-              <a:rPr lang="ko-KR" altLang="en-US" dirty="0"/>
-              <a:t>→ 요리사 </a:t>
-            </a:r>
-            <a:r>
-              <a:rPr lang="en-US" altLang="ko-KR" dirty="0"/>
-              <a:t>1</a:t>
-            </a:r>
-            <a:r>
-              <a:rPr lang="ko-KR" altLang="en-US" dirty="0"/>
-              <a:t>명 </a:t>
-            </a:r>
-            <a:r>
-              <a:rPr lang="en-US" altLang="ko-KR" dirty="0"/>
-              <a:t>+ </a:t>
-            </a:r>
-            <a:r>
-              <a:rPr lang="ko-KR" altLang="en-US" dirty="0"/>
-              <a:t>요리 하나씩만 함</a:t>
-            </a:r>
-            <a:endParaRPr lang="en-US" altLang="ko-KR" dirty="0"/>
-          </a:p>
-          <a:p>
-            <a:endParaRPr lang="en-US" altLang="ko-KR" dirty="0"/>
-          </a:p>
-          <a:p>
-            <a:r>
-              <a:rPr lang="ko-KR" altLang="en-US" b="1" dirty="0"/>
-              <a:t>멀티 </a:t>
-            </a:r>
-            <a:r>
-              <a:rPr lang="ko-KR" altLang="en-US" b="1" dirty="0" err="1"/>
-              <a:t>스레드지만</a:t>
-            </a:r>
-            <a:r>
-              <a:rPr lang="ko-KR" altLang="en-US" b="1" dirty="0"/>
-              <a:t> 싱글 코어</a:t>
-            </a:r>
-            <a:br>
-              <a:rPr lang="ko-KR" altLang="en-US" dirty="0"/>
-            </a:br>
-            <a:r>
-              <a:rPr lang="ko-KR" altLang="en-US" dirty="0"/>
-              <a:t>→ 요리사 </a:t>
-            </a:r>
-            <a:r>
-              <a:rPr lang="en-US" altLang="ko-KR" dirty="0"/>
-              <a:t>1</a:t>
-            </a:r>
-            <a:r>
-              <a:rPr lang="ko-KR" altLang="en-US" dirty="0"/>
-              <a:t>명이 여러 가지 요리를 조금씩 나눠서 함 </a:t>
-            </a:r>
-            <a:r>
-              <a:rPr lang="en-US" altLang="ko-KR" dirty="0"/>
-              <a:t>(</a:t>
-            </a:r>
-            <a:r>
-              <a:rPr lang="ko-KR" altLang="en-US" dirty="0"/>
-              <a:t>시간 나눠서 번갈아 처리</a:t>
-            </a:r>
-            <a:r>
-              <a:rPr lang="en-US" altLang="ko-KR" dirty="0"/>
-              <a:t>)</a:t>
-            </a:r>
-          </a:p>
-          <a:p>
-            <a:endParaRPr lang="en-US" altLang="ko-KR" dirty="0"/>
-          </a:p>
-          <a:p>
-            <a:r>
-              <a:rPr lang="ko-KR" altLang="en-US" b="1" dirty="0"/>
-              <a:t>멀티 코어 </a:t>
-            </a:r>
-            <a:r>
-              <a:rPr lang="en-US" altLang="ko-KR" b="1" dirty="0"/>
-              <a:t>+ </a:t>
-            </a:r>
-            <a:r>
-              <a:rPr lang="ko-KR" altLang="en-US" b="1" dirty="0"/>
-              <a:t>멀티 스레드</a:t>
-            </a:r>
-            <a:br>
-              <a:rPr lang="ko-KR" altLang="en-US" dirty="0"/>
-            </a:br>
-            <a:r>
-              <a:rPr lang="ko-KR" altLang="en-US" dirty="0"/>
-              <a:t>→ 요리사 여러 명이 동시에 각각의 요리를 맡아 처리</a:t>
-            </a:r>
-            <a:br>
-              <a:rPr lang="ko-KR" altLang="en-US" dirty="0"/>
-            </a:br>
-            <a:r>
-              <a:rPr lang="ko-KR" altLang="en-US" dirty="0"/>
-              <a:t>👉 </a:t>
-            </a:r>
-            <a:r>
-              <a:rPr lang="ko-KR" altLang="en-US" b="1" dirty="0"/>
-              <a:t>진짜 병렬 처리</a:t>
-            </a:r>
-            <a:endParaRPr lang="en-US" altLang="ko-KR" b="1" dirty="0"/>
-          </a:p>
-          <a:p>
-            <a:endParaRPr lang="en-US" altLang="ko-KR" b="1" dirty="0"/>
-          </a:p>
-          <a:p>
-            <a:endParaRPr lang="en-US" altLang="ko-KR" b="1" dirty="0"/>
-          </a:p>
-          <a:p>
-            <a:r>
-              <a:rPr lang="ko-KR" altLang="en-US" b="1" dirty="0"/>
-              <a:t>각 줄은 하나의 </a:t>
-            </a:r>
-            <a:r>
-              <a:rPr lang="en-US" altLang="ko-KR" b="1" dirty="0"/>
-              <a:t>CPU </a:t>
-            </a:r>
-            <a:r>
-              <a:rPr lang="ko-KR" altLang="en-US" b="1" dirty="0"/>
-              <a:t>코어</a:t>
-            </a:r>
-          </a:p>
-          <a:p>
-            <a:r>
-              <a:rPr lang="en-US" altLang="ko-KR" dirty="0"/>
-              <a:t>Core 1, Core 2, Core 3 → </a:t>
-            </a:r>
-            <a:r>
-              <a:rPr lang="ko-KR" altLang="en-US" dirty="0"/>
-              <a:t>총 </a:t>
-            </a:r>
-            <a:r>
-              <a:rPr lang="en-US" altLang="ko-KR" dirty="0"/>
-              <a:t>3</a:t>
-            </a:r>
-            <a:r>
-              <a:rPr lang="ko-KR" altLang="en-US" dirty="0"/>
-              <a:t>개의 코어가 있음</a:t>
-            </a:r>
-            <a:endParaRPr lang="en-US" altLang="ko-KR" dirty="0"/>
-          </a:p>
-          <a:p>
             <a:endParaRPr lang="ko-KR" altLang="en-US" dirty="0"/>
-          </a:p>
-          <a:p>
-            <a:r>
-              <a:rPr lang="ko-KR" altLang="en-US" dirty="0"/>
-              <a:t>👉 같은 </a:t>
-            </a:r>
-            <a:r>
-              <a:rPr lang="ko-KR" altLang="en-US" dirty="0" err="1"/>
-              <a:t>쓰레드</a:t>
-            </a:r>
-            <a:r>
-              <a:rPr lang="ko-KR" altLang="en-US" dirty="0"/>
-              <a:t> 번호라도 </a:t>
-            </a:r>
-            <a:r>
-              <a:rPr lang="ko-KR" altLang="en-US" b="1" dirty="0"/>
-              <a:t>다른 코어에서 동시에</a:t>
-            </a:r>
-            <a:r>
-              <a:rPr lang="ko-KR" altLang="en-US" dirty="0"/>
-              <a:t> 실행될 수 있습니다</a:t>
-            </a:r>
-            <a:r>
-              <a:rPr lang="en-US" altLang="ko-KR" dirty="0"/>
-              <a:t>.</a:t>
-            </a:r>
-            <a:endParaRPr lang="en-US" altLang="ko-KR" b="1" dirty="0"/>
-          </a:p>
-          <a:p>
-            <a:r>
-              <a:rPr lang="ko-KR" altLang="en-US" dirty="0"/>
-              <a:t>단순히 “</a:t>
-            </a:r>
-            <a:r>
-              <a:rPr lang="ko-KR" altLang="en-US" dirty="0" err="1"/>
-              <a:t>번호”가</a:t>
-            </a:r>
-            <a:r>
-              <a:rPr lang="ko-KR" altLang="en-US" dirty="0"/>
-              <a:t> 같다고 해서 **동일한 스레드 인스턴스</a:t>
-            </a:r>
-            <a:r>
-              <a:rPr lang="en-US" altLang="ko-KR" dirty="0"/>
-              <a:t>(</a:t>
-            </a:r>
-            <a:r>
-              <a:rPr lang="ko-KR" altLang="en-US" dirty="0"/>
-              <a:t>실체</a:t>
-            </a:r>
-            <a:r>
-              <a:rPr lang="en-US" altLang="ko-KR" dirty="0"/>
-              <a:t>)**</a:t>
-            </a:r>
-            <a:r>
-              <a:rPr lang="ko-KR" altLang="en-US" dirty="0"/>
-              <a:t>를 의미하지 않기 때문</a:t>
-            </a:r>
-            <a:endParaRPr lang="en-US" altLang="ko-KR" dirty="0"/>
-          </a:p>
-          <a:p>
-            <a:endParaRPr lang="en-US" altLang="ko-KR" dirty="0"/>
-          </a:p>
-          <a:p>
-            <a:r>
-              <a:rPr lang="ko-KR" altLang="en-US" dirty="0"/>
-              <a:t>**여러 명의 요리사</a:t>
-            </a:r>
-            <a:r>
-              <a:rPr lang="en-US" altLang="ko-KR" dirty="0"/>
-              <a:t>(Core)**</a:t>
-            </a:r>
-            <a:r>
-              <a:rPr lang="ko-KR" altLang="en-US" dirty="0"/>
-              <a:t>가 **같은 요리</a:t>
-            </a:r>
-            <a:r>
-              <a:rPr lang="en-US" altLang="ko-KR" dirty="0"/>
-              <a:t>(</a:t>
-            </a:r>
-            <a:r>
-              <a:rPr lang="ko-KR" altLang="en-US" dirty="0"/>
-              <a:t>예</a:t>
-            </a:r>
-            <a:r>
-              <a:rPr lang="en-US" altLang="ko-KR" dirty="0"/>
-              <a:t>: </a:t>
-            </a:r>
-            <a:r>
-              <a:rPr lang="ko-KR" altLang="en-US" dirty="0"/>
-              <a:t>음악 재생</a:t>
-            </a:r>
-            <a:r>
-              <a:rPr lang="en-US" altLang="ko-KR" dirty="0"/>
-              <a:t>)**</a:t>
-            </a:r>
-            <a:r>
-              <a:rPr lang="ko-KR" altLang="en-US" dirty="0"/>
-              <a:t>를</a:t>
-            </a:r>
-            <a:br>
-              <a:rPr lang="ko-KR" altLang="en-US" dirty="0"/>
-            </a:br>
-            <a:r>
-              <a:rPr lang="ko-KR" altLang="en-US" dirty="0"/>
-              <a:t>**분담해서 처리</a:t>
-            </a:r>
-            <a:r>
-              <a:rPr lang="en-US" altLang="ko-KR" dirty="0"/>
-              <a:t>(</a:t>
-            </a:r>
-            <a:r>
-              <a:rPr lang="ko-KR" altLang="en-US" dirty="0"/>
-              <a:t>스레드</a:t>
-            </a:r>
-            <a:r>
-              <a:rPr lang="en-US" altLang="ko-KR" dirty="0"/>
-              <a:t>)**</a:t>
-            </a:r>
-            <a:r>
-              <a:rPr lang="ko-KR" altLang="en-US" dirty="0"/>
-              <a:t>하고 있으므로</a:t>
-            </a:r>
-            <a:r>
-              <a:rPr lang="en-US" altLang="ko-KR" dirty="0"/>
-              <a:t>, </a:t>
-            </a:r>
-            <a:r>
-              <a:rPr lang="ko-KR" altLang="en-US" dirty="0"/>
-              <a:t>빠르고 효율적</a:t>
-            </a:r>
           </a:p>
         </p:txBody>
       </p:sp>
@@ -4815,311 +2349,6 @@
           <a:bodyPr/>
           <a:lstStyle/>
           <a:p>
-            <a:r>
-              <a:rPr lang="ko-KR" altLang="en-US" b="1" dirty="0" err="1"/>
-              <a:t>멀티스레드</a:t>
-            </a:r>
-            <a:r>
-              <a:rPr lang="ko-KR" altLang="en-US" b="1" dirty="0"/>
-              <a:t> 환경에서 메모리가 어떻게 관리되는지</a:t>
-            </a:r>
-            <a:r>
-              <a:rPr lang="ko-KR" altLang="en-US" dirty="0"/>
-              <a:t>를 시각적으로 보여주는 구조도</a:t>
-            </a:r>
-            <a:endParaRPr lang="en-US" altLang="ko-KR" dirty="0"/>
-          </a:p>
-          <a:p>
-            <a:endParaRPr lang="en-US" altLang="ko-KR" dirty="0"/>
-          </a:p>
-          <a:p>
-            <a:r>
-              <a:rPr lang="ko-KR" altLang="en-US" dirty="0"/>
-              <a:t>왼쪽</a:t>
-            </a:r>
-            <a:r>
-              <a:rPr lang="en-US" altLang="ko-KR" dirty="0"/>
-              <a:t>) </a:t>
-            </a:r>
-            <a:r>
-              <a:rPr lang="ko-KR" altLang="en-US" dirty="0"/>
-              <a:t>싱글 스레드 구조</a:t>
-            </a:r>
-            <a:endParaRPr lang="en-US" altLang="ko-KR" dirty="0"/>
-          </a:p>
-          <a:p>
-            <a:r>
-              <a:rPr lang="ko-KR" altLang="en-US" dirty="0"/>
-              <a:t>하나의 프로세스가 실행되면 다음과 같은 메모리 영역이 생김</a:t>
-            </a:r>
-            <a:r>
-              <a:rPr lang="en-US" altLang="ko-KR" dirty="0"/>
-              <a:t>.</a:t>
-            </a:r>
-          </a:p>
-          <a:p>
-            <a:r>
-              <a:rPr lang="en-US" altLang="ko-KR" b="1" dirty="0"/>
-              <a:t>Code</a:t>
-            </a:r>
-            <a:r>
-              <a:rPr lang="en-US" altLang="ko-KR" dirty="0"/>
-              <a:t>: </a:t>
-            </a:r>
-            <a:r>
-              <a:rPr lang="ko-KR" altLang="en-US" dirty="0"/>
-              <a:t>실행할 코드가 저장됨</a:t>
-            </a:r>
-            <a:endParaRPr lang="en-US" altLang="ko-KR" dirty="0"/>
-          </a:p>
-          <a:p>
-            <a:r>
-              <a:rPr lang="en-US" altLang="ko-KR" b="1" dirty="0"/>
-              <a:t>Static</a:t>
-            </a:r>
-            <a:r>
-              <a:rPr lang="en-US" altLang="ko-KR" dirty="0"/>
-              <a:t>: static </a:t>
-            </a:r>
-            <a:r>
-              <a:rPr lang="ko-KR" altLang="en-US" dirty="0"/>
-              <a:t>변수들이 저장되는 영역</a:t>
-            </a:r>
-            <a:endParaRPr lang="en-US" altLang="ko-KR" dirty="0"/>
-          </a:p>
-          <a:p>
-            <a:r>
-              <a:rPr lang="en-US" altLang="ko-KR" b="1" dirty="0"/>
-              <a:t>Heap</a:t>
-            </a:r>
-            <a:r>
-              <a:rPr lang="en-US" altLang="ko-KR" dirty="0"/>
-              <a:t>: new</a:t>
-            </a:r>
-            <a:r>
-              <a:rPr lang="ko-KR" altLang="en-US" dirty="0"/>
-              <a:t>로 할당된 객체들이 저장됨 </a:t>
-            </a:r>
-            <a:r>
-              <a:rPr lang="en-US" altLang="ko-KR" dirty="0"/>
-              <a:t>(</a:t>
-            </a:r>
-            <a:r>
-              <a:rPr lang="ko-KR" altLang="en-US" dirty="0"/>
-              <a:t>동적 메모리</a:t>
-            </a:r>
-            <a:r>
-              <a:rPr lang="en-US" altLang="ko-KR" dirty="0"/>
-              <a:t>)</a:t>
-            </a:r>
-          </a:p>
-          <a:p>
-            <a:r>
-              <a:rPr lang="en-US" altLang="ko-KR" b="1" dirty="0"/>
-              <a:t>Stack</a:t>
-            </a:r>
-            <a:r>
-              <a:rPr lang="en-US" altLang="ko-KR" dirty="0"/>
-              <a:t>: </a:t>
-            </a:r>
-            <a:r>
-              <a:rPr lang="ko-KR" altLang="en-US" dirty="0"/>
-              <a:t>지역변수</a:t>
-            </a:r>
-            <a:r>
-              <a:rPr lang="en-US" altLang="ko-KR" dirty="0"/>
-              <a:t>, </a:t>
-            </a:r>
-            <a:r>
-              <a:rPr lang="ko-KR" altLang="en-US" dirty="0"/>
-              <a:t>함수 호출 정보 등이 저장됨</a:t>
-            </a:r>
-            <a:endParaRPr lang="en-US" altLang="ko-KR" dirty="0"/>
-          </a:p>
-          <a:p>
-            <a:r>
-              <a:rPr lang="en-US" altLang="ko-KR" b="1" dirty="0"/>
-              <a:t>Registers</a:t>
-            </a:r>
-            <a:r>
-              <a:rPr lang="en-US" altLang="ko-KR" dirty="0"/>
-              <a:t>: CPU </a:t>
-            </a:r>
-            <a:r>
-              <a:rPr lang="ko-KR" altLang="en-US" dirty="0"/>
-              <a:t>내부의 임시 </a:t>
-            </a:r>
-            <a:r>
-              <a:rPr lang="ko-KR" altLang="en-US" dirty="0" err="1"/>
-              <a:t>계산값</a:t>
-            </a:r>
-            <a:r>
-              <a:rPr lang="ko-KR" altLang="en-US" dirty="0"/>
-              <a:t> 저장</a:t>
-            </a:r>
-            <a:endParaRPr lang="en-US" altLang="ko-KR" dirty="0"/>
-          </a:p>
-          <a:p>
-            <a:endParaRPr lang="en-US" altLang="ko-KR" dirty="0"/>
-          </a:p>
-          <a:p>
-            <a:r>
-              <a:rPr lang="ko-KR" altLang="en-US" dirty="0"/>
-              <a:t>오른쪽</a:t>
-            </a:r>
-            <a:r>
-              <a:rPr lang="en-US" altLang="ko-KR" dirty="0"/>
-              <a:t>) </a:t>
-            </a:r>
-            <a:r>
-              <a:rPr lang="ko-KR" altLang="en-US" dirty="0"/>
-              <a:t>멀티 스레드 구조</a:t>
-            </a:r>
-            <a:endParaRPr lang="en-US" altLang="ko-KR" dirty="0"/>
-          </a:p>
-          <a:p>
-            <a:r>
-              <a:rPr lang="ko-KR" altLang="en-US" dirty="0"/>
-              <a:t>하나의 프로세스 내에 여러 개의 스레드가 있는 경우를 나타냄</a:t>
-            </a:r>
-            <a:endParaRPr lang="en-US" altLang="ko-KR" dirty="0"/>
-          </a:p>
-          <a:p>
-            <a:r>
-              <a:rPr lang="ko-KR" altLang="en-US" dirty="0"/>
-              <a:t>각각의 스레드는 다음을 </a:t>
-            </a:r>
-            <a:r>
-              <a:rPr lang="ko-KR" altLang="en-US" b="1" dirty="0"/>
-              <a:t>자신만 따로 가지고 있음</a:t>
-            </a:r>
-            <a:r>
-              <a:rPr lang="en-US" altLang="ko-KR" dirty="0"/>
-              <a:t>:</a:t>
-            </a:r>
-          </a:p>
-          <a:p>
-            <a:r>
-              <a:rPr lang="en-US" altLang="ko-KR" b="1" dirty="0"/>
-              <a:t>Registers</a:t>
-            </a:r>
-            <a:r>
-              <a:rPr lang="ko-KR" altLang="en-US" dirty="0"/>
-              <a:t> </a:t>
-            </a:r>
-            <a:r>
-              <a:rPr lang="en-US" altLang="ko-KR" dirty="0"/>
-              <a:t>(CPU </a:t>
-            </a:r>
-            <a:r>
-              <a:rPr lang="ko-KR" altLang="en-US" dirty="0"/>
-              <a:t>레지스터 상태</a:t>
-            </a:r>
-            <a:r>
-              <a:rPr lang="en-US" altLang="ko-KR" dirty="0"/>
-              <a:t>)</a:t>
-            </a:r>
-          </a:p>
-          <a:p>
-            <a:r>
-              <a:rPr lang="en-US" altLang="ko-KR" b="1" dirty="0"/>
-              <a:t>Stack:</a:t>
-            </a:r>
-            <a:r>
-              <a:rPr lang="ko-KR" altLang="en-US" dirty="0"/>
-              <a:t> 공유 안 됨 </a:t>
-            </a:r>
-            <a:r>
-              <a:rPr lang="en-US" altLang="ko-KR" dirty="0"/>
-              <a:t>- </a:t>
-            </a:r>
-            <a:r>
-              <a:rPr lang="ko-KR" altLang="en-US" dirty="0"/>
-              <a:t>각 </a:t>
-            </a:r>
-            <a:r>
-              <a:rPr lang="ko-KR" altLang="en-US" dirty="0" err="1"/>
-              <a:t>스레드마다</a:t>
-            </a:r>
-            <a:r>
-              <a:rPr lang="ko-KR" altLang="en-US" dirty="0"/>
-              <a:t> 독립적인 스택 </a:t>
-            </a:r>
-            <a:r>
-              <a:rPr lang="en-US" altLang="ko-KR" dirty="0"/>
-              <a:t>(</a:t>
-            </a:r>
-            <a:r>
-              <a:rPr lang="ko-KR" altLang="en-US" dirty="0"/>
-              <a:t>지역 변수</a:t>
-            </a:r>
-            <a:r>
-              <a:rPr lang="en-US" altLang="ko-KR" dirty="0"/>
-              <a:t>, </a:t>
-            </a:r>
-            <a:r>
-              <a:rPr lang="ko-KR" altLang="en-US" dirty="0"/>
-              <a:t>함수 </a:t>
-            </a:r>
-            <a:r>
-              <a:rPr lang="ko-KR" altLang="en-US" dirty="0" err="1"/>
-              <a:t>호출용</a:t>
-            </a:r>
-            <a:r>
-              <a:rPr lang="en-US" altLang="ko-KR" dirty="0"/>
-              <a:t>)</a:t>
-            </a:r>
-          </a:p>
-          <a:p>
-            <a:r>
-              <a:rPr lang="ko-KR" altLang="en-US" dirty="0"/>
-              <a:t>나머지 </a:t>
-            </a:r>
-            <a:r>
-              <a:rPr lang="en-US" altLang="ko-KR" dirty="0"/>
-              <a:t>3</a:t>
-            </a:r>
-            <a:r>
-              <a:rPr lang="ko-KR" altLang="en-US" dirty="0"/>
-              <a:t>개는 공유</a:t>
-            </a:r>
-            <a:endParaRPr lang="en-US" altLang="ko-KR" dirty="0"/>
-          </a:p>
-          <a:p>
-            <a:r>
-              <a:rPr lang="en-US" altLang="ko-KR" dirty="0"/>
-              <a:t>Heap: </a:t>
-            </a:r>
-            <a:r>
-              <a:rPr lang="ko-KR" altLang="en-US" dirty="0"/>
-              <a:t>모든 스레드가 접근 가능한 동적 메모리 영역</a:t>
-            </a:r>
-            <a:endParaRPr lang="en-US" altLang="ko-KR" dirty="0"/>
-          </a:p>
-          <a:p>
-            <a:r>
-              <a:rPr lang="en-US" altLang="ko-KR" dirty="0"/>
-              <a:t>static: static </a:t>
-            </a:r>
-            <a:r>
-              <a:rPr lang="ko-KR" altLang="en-US" dirty="0"/>
-              <a:t>변수는 하나만 존재하며 모든 스레드가 접근</a:t>
-            </a:r>
-            <a:endParaRPr lang="en-US" altLang="ko-KR" dirty="0"/>
-          </a:p>
-          <a:p>
-            <a:r>
-              <a:rPr lang="en-US" altLang="ko-KR" dirty="0"/>
-              <a:t>code :</a:t>
-            </a:r>
-            <a:r>
-              <a:rPr lang="en-US" altLang="ko-KR" baseline="0" dirty="0"/>
-              <a:t> </a:t>
-            </a:r>
-            <a:r>
-              <a:rPr lang="ko-KR" altLang="en-US" baseline="0" dirty="0"/>
-              <a:t>실행중인 프로그램 코드 자체</a:t>
-            </a:r>
             <a:endParaRPr lang="ko-KR" altLang="en-US" dirty="0"/>
           </a:p>
         </p:txBody>
@@ -5203,427 +2432,6 @@
         <p:txBody>
           <a:bodyPr/>
           <a:lstStyle/>
-          <a:p>
-            <a:r>
-              <a:rPr lang="ko-KR" altLang="en-US" dirty="0"/>
-              <a:t>멀티스레드는 **하나의 프로그램</a:t>
-            </a:r>
-            <a:r>
-              <a:rPr lang="en-US" altLang="ko-KR" dirty="0"/>
-              <a:t>(</a:t>
-            </a:r>
-            <a:r>
-              <a:rPr lang="ko-KR" altLang="en-US" dirty="0"/>
-              <a:t>프로세스</a:t>
-            </a:r>
-            <a:r>
-              <a:rPr lang="en-US" altLang="ko-KR" dirty="0"/>
-              <a:t>)**</a:t>
-            </a:r>
-            <a:r>
-              <a:rPr lang="ko-KR" altLang="en-US" dirty="0"/>
-              <a:t>이 **여러 개의 작업 흐름</a:t>
-            </a:r>
-            <a:r>
-              <a:rPr lang="en-US" altLang="ko-KR" dirty="0"/>
-              <a:t>(</a:t>
-            </a:r>
-            <a:r>
-              <a:rPr lang="ko-KR" altLang="en-US" dirty="0"/>
-              <a:t>스레드</a:t>
-            </a:r>
-            <a:r>
-              <a:rPr lang="en-US" altLang="ko-KR" dirty="0"/>
-              <a:t>)**</a:t>
-            </a:r>
-            <a:r>
-              <a:rPr lang="ko-KR" altLang="en-US" dirty="0"/>
-              <a:t>을 동시에 실행하는 방식입니다</a:t>
-            </a:r>
-            <a:r>
-              <a:rPr lang="en-US" altLang="ko-KR" dirty="0"/>
-              <a:t>.</a:t>
-            </a:r>
-          </a:p>
-          <a:p>
-            <a:endParaRPr lang="en-US" altLang="ko-KR" dirty="0"/>
-          </a:p>
-          <a:p>
-            <a:pPr marL="228600" indent="-228600">
-              <a:buAutoNum type="arabicPeriod"/>
-            </a:pPr>
-            <a:r>
-              <a:rPr lang="ko-KR" altLang="en-US" dirty="0"/>
-              <a:t>스레드는 보통 **메서드</a:t>
-            </a:r>
-            <a:r>
-              <a:rPr lang="en-US" altLang="ko-KR" dirty="0"/>
-              <a:t>(</a:t>
-            </a:r>
-            <a:r>
-              <a:rPr lang="ko-KR" altLang="en-US" dirty="0"/>
-              <a:t>함수</a:t>
-            </a:r>
-            <a:r>
-              <a:rPr lang="en-US" altLang="ko-KR" dirty="0"/>
-              <a:t>)**</a:t>
-            </a:r>
-            <a:r>
-              <a:rPr lang="ko-KR" altLang="en-US" dirty="0"/>
-              <a:t>를 하나 실행하는 단위로 만들어집니다</a:t>
-            </a:r>
-            <a:r>
-              <a:rPr lang="en-US" altLang="ko-KR" dirty="0"/>
-              <a:t>.</a:t>
-            </a:r>
-          </a:p>
-          <a:p>
-            <a:pPr marL="228600" indent="-228600">
-              <a:buAutoNum type="arabicPeriod"/>
-            </a:pPr>
-            <a:r>
-              <a:rPr lang="ko-KR" altLang="en-US" dirty="0"/>
-              <a:t>스레드의 실행 순서는 </a:t>
-            </a:r>
-            <a:r>
-              <a:rPr lang="en-US" altLang="ko-KR" dirty="0"/>
-              <a:t>OS(</a:t>
-            </a:r>
-            <a:r>
-              <a:rPr lang="ko-KR" altLang="en-US" dirty="0"/>
-              <a:t>운영체제</a:t>
-            </a:r>
-            <a:r>
-              <a:rPr lang="en-US" altLang="ko-KR" dirty="0"/>
-              <a:t>)</a:t>
-            </a:r>
-            <a:r>
-              <a:rPr lang="ko-KR" altLang="en-US" dirty="0"/>
-              <a:t>가 결정함</a:t>
-            </a:r>
-            <a:endParaRPr lang="en-US" altLang="ko-KR" dirty="0"/>
-          </a:p>
-          <a:p>
-            <a:pPr marL="685800" lvl="1" indent="-228600">
-              <a:buAutoNum type="arabicPeriod"/>
-            </a:pPr>
-            <a:r>
-              <a:rPr lang="ko-KR" altLang="en-US" dirty="0"/>
-              <a:t>개발자가 여러 스레드를 만들어도</a:t>
-            </a:r>
-            <a:r>
-              <a:rPr lang="en-US" altLang="ko-KR" dirty="0"/>
-              <a:t>, </a:t>
-            </a:r>
-            <a:r>
-              <a:rPr lang="ko-KR" altLang="en-US" b="1" dirty="0"/>
-              <a:t>실제로 어떤 스레드가 먼저 </a:t>
-            </a:r>
-            <a:r>
-              <a:rPr lang="ko-KR" altLang="en-US" b="1" dirty="0" err="1"/>
-              <a:t>실행될지</a:t>
-            </a:r>
-            <a:r>
-              <a:rPr lang="ko-KR" altLang="en-US" dirty="0" err="1"/>
-              <a:t>는</a:t>
-            </a:r>
-            <a:r>
-              <a:rPr lang="ko-KR" altLang="en-US" dirty="0"/>
-              <a:t> </a:t>
-            </a:r>
-            <a:r>
-              <a:rPr lang="ko-KR" altLang="en-US" b="1" dirty="0"/>
-              <a:t>운영체제가 결정</a:t>
-            </a:r>
-            <a:r>
-              <a:rPr lang="ko-KR" altLang="en-US" dirty="0"/>
-              <a:t>합니다</a:t>
-            </a:r>
-            <a:r>
-              <a:rPr lang="en-US" altLang="ko-KR" dirty="0"/>
-              <a:t>.</a:t>
-            </a:r>
-          </a:p>
-          <a:p>
-            <a:pPr marL="685800" lvl="1" indent="-228600">
-              <a:buAutoNum type="arabicPeriod"/>
-            </a:pPr>
-            <a:r>
-              <a:rPr lang="ko-KR" altLang="en-US" dirty="0"/>
-              <a:t>우리가 </a:t>
-            </a:r>
-            <a:r>
-              <a:rPr lang="ko-KR" altLang="en-US" b="1" dirty="0"/>
-              <a:t>스레드의 실행 순서를 정확히 제어할 수는 없습니다</a:t>
-            </a:r>
-            <a:r>
-              <a:rPr lang="en-US" altLang="ko-KR" b="1" dirty="0"/>
-              <a:t>.</a:t>
-            </a:r>
-          </a:p>
-          <a:p>
-            <a:pPr marL="685800" marR="0" lvl="1" indent="-228600" algn="l" defTabSz="914400" rtl="0" eaLnBrk="1" fontAlgn="auto" latinLnBrk="1" hangingPunct="1">
-              <a:lnSpc>
-                <a:spcPct val="100000"/>
-              </a:lnSpc>
-              <a:spcBef>
-                <a:spcPts val="0"/>
-              </a:spcBef>
-              <a:spcAft>
-                <a:spcPts val="0"/>
-              </a:spcAft>
-              <a:buClrTx/>
-              <a:buSzTx/>
-              <a:buFontTx/>
-              <a:buAutoNum type="arabicPeriod"/>
-              <a:tabLst/>
-              <a:defRPr/>
-            </a:pPr>
-            <a:r>
-              <a:rPr lang="en-US" altLang="ko-KR" dirty="0"/>
-              <a:t>CPU </a:t>
-            </a:r>
-            <a:r>
-              <a:rPr lang="ko-KR" altLang="en-US" dirty="0"/>
-              <a:t>자원을 어떤 스레드에 배정할지 </a:t>
-            </a:r>
-            <a:r>
-              <a:rPr lang="en-US" altLang="ko-KR" dirty="0"/>
-              <a:t>OS</a:t>
-            </a:r>
-            <a:r>
-              <a:rPr lang="ko-KR" altLang="en-US" dirty="0"/>
-              <a:t>가 관리하기 때문</a:t>
-            </a:r>
-          </a:p>
-          <a:p>
-            <a:pPr marL="228600" lvl="0" indent="-228600">
-              <a:buAutoNum type="arabicPeriod"/>
-            </a:pPr>
-            <a:r>
-              <a:rPr lang="en-US" altLang="ko-KR" dirty="0"/>
-              <a:t>Context Switching (</a:t>
-            </a:r>
-            <a:r>
-              <a:rPr lang="ko-KR" altLang="en-US" dirty="0"/>
-              <a:t>컨텍스트 스위칭</a:t>
-            </a:r>
-            <a:r>
-              <a:rPr lang="en-US" altLang="ko-KR" dirty="0"/>
-              <a:t>)</a:t>
-            </a:r>
-          </a:p>
-          <a:p>
-            <a:pPr marL="685800" lvl="1" indent="-228600">
-              <a:buAutoNum type="arabicPeriod"/>
-            </a:pPr>
-            <a:r>
-              <a:rPr lang="ko-KR" altLang="en-US" dirty="0"/>
-              <a:t>어떤 스레드가 실행 중인데</a:t>
-            </a:r>
-            <a:r>
-              <a:rPr lang="en-US" altLang="ko-KR" dirty="0"/>
-              <a:t>, OS</a:t>
-            </a:r>
-            <a:r>
-              <a:rPr lang="ko-KR" altLang="en-US" dirty="0"/>
-              <a:t>가 다른 스레드로 </a:t>
-            </a:r>
-            <a:r>
-              <a:rPr lang="ko-KR" altLang="en-US" b="1" dirty="0"/>
-              <a:t>갑자기 전환</a:t>
-            </a:r>
-            <a:r>
-              <a:rPr lang="ko-KR" altLang="en-US" dirty="0"/>
-              <a:t>시키는 현상</a:t>
-            </a:r>
-            <a:endParaRPr lang="en-US" altLang="ko-KR" dirty="0"/>
-          </a:p>
-          <a:p>
-            <a:pPr marL="685800" lvl="1" indent="-228600">
-              <a:buAutoNum type="arabicPeriod"/>
-            </a:pPr>
-            <a:r>
-              <a:rPr lang="ko-KR" altLang="en-US" dirty="0"/>
-              <a:t>이 과정에서는 </a:t>
-            </a:r>
-            <a:r>
-              <a:rPr lang="en-US" altLang="ko-KR" b="1" dirty="0"/>
-              <a:t>CPU </a:t>
-            </a:r>
-            <a:r>
-              <a:rPr lang="ko-KR" altLang="en-US" b="1" dirty="0"/>
-              <a:t>상태</a:t>
-            </a:r>
-            <a:r>
-              <a:rPr lang="en-US" altLang="ko-KR" b="1" dirty="0"/>
-              <a:t>(</a:t>
-            </a:r>
-            <a:r>
-              <a:rPr lang="ko-KR" altLang="en-US" b="1" dirty="0"/>
-              <a:t>레지스터</a:t>
-            </a:r>
-            <a:r>
-              <a:rPr lang="en-US" altLang="ko-KR" b="1" dirty="0"/>
-              <a:t>, </a:t>
-            </a:r>
-            <a:r>
-              <a:rPr lang="ko-KR" altLang="en-US" b="1" dirty="0"/>
-              <a:t>스택 등</a:t>
-            </a:r>
-            <a:r>
-              <a:rPr lang="en-US" altLang="ko-KR" b="1" dirty="0"/>
-              <a:t>)</a:t>
-            </a:r>
-            <a:r>
-              <a:rPr lang="ko-KR" altLang="en-US" b="1" dirty="0"/>
-              <a:t>를 저장하고 불러오는 작업</a:t>
-            </a:r>
-            <a:r>
-              <a:rPr lang="ko-KR" altLang="en-US" dirty="0"/>
-              <a:t>이 필요함</a:t>
-            </a:r>
-            <a:endParaRPr lang="en-US" altLang="ko-KR" dirty="0"/>
-          </a:p>
-          <a:p>
-            <a:pPr marL="228600" lvl="0" indent="-228600">
-              <a:buAutoNum type="arabicPeriod"/>
-            </a:pPr>
-            <a:r>
-              <a:rPr lang="ko-KR" altLang="en-US" dirty="0"/>
-              <a:t>장점</a:t>
-            </a:r>
-            <a:endParaRPr lang="en-US" altLang="ko-KR" dirty="0"/>
-          </a:p>
-          <a:p>
-            <a:pPr marL="685800" lvl="1" indent="-228600">
-              <a:buAutoNum type="arabicPeriod"/>
-            </a:pPr>
-            <a:r>
-              <a:rPr lang="ko-KR" altLang="en-US" b="1" dirty="0"/>
-              <a:t>메모리 절약</a:t>
-            </a:r>
-            <a:r>
-              <a:rPr lang="en-US" altLang="ko-KR" dirty="0"/>
-              <a:t>: </a:t>
-            </a:r>
-            <a:r>
-              <a:rPr lang="ko-KR" altLang="en-US" dirty="0"/>
-              <a:t>여러 스레드가 </a:t>
-            </a:r>
-            <a:r>
-              <a:rPr lang="en-US" altLang="ko-KR" dirty="0"/>
-              <a:t>Heap/Static </a:t>
-            </a:r>
-            <a:r>
-              <a:rPr lang="ko-KR" altLang="en-US" dirty="0"/>
-              <a:t>메모리를 공유하므로</a:t>
-            </a:r>
-            <a:endParaRPr lang="en-US" altLang="ko-KR" dirty="0"/>
-          </a:p>
-          <a:p>
-            <a:pPr marL="685800" lvl="1" indent="-228600">
-              <a:buAutoNum type="arabicPeriod"/>
-            </a:pPr>
-            <a:r>
-              <a:rPr lang="ko-KR" altLang="en-US" b="1" dirty="0"/>
-              <a:t>속도 향상</a:t>
-            </a:r>
-            <a:r>
-              <a:rPr lang="en-US" altLang="ko-KR" dirty="0"/>
-              <a:t>: </a:t>
-            </a:r>
-            <a:r>
-              <a:rPr lang="ko-KR" altLang="en-US" dirty="0"/>
-              <a:t>병렬 처리를 통해 여러 작업을 빠르게 처리할 수 있음</a:t>
-            </a:r>
-            <a:endParaRPr lang="en-US" altLang="ko-KR" dirty="0"/>
-          </a:p>
-          <a:p>
-            <a:pPr marL="228600" lvl="0" indent="-228600">
-              <a:buAutoNum type="arabicPeriod"/>
-            </a:pPr>
-            <a:r>
-              <a:rPr lang="ko-KR" altLang="en-US" dirty="0"/>
-              <a:t>대부분 운영체제는 </a:t>
-            </a:r>
-            <a:r>
-              <a:rPr lang="ko-KR" altLang="en-US" dirty="0" err="1"/>
-              <a:t>멀티스레드</a:t>
-            </a:r>
-            <a:r>
-              <a:rPr lang="ko-KR" altLang="en-US" dirty="0"/>
-              <a:t> 지원</a:t>
-            </a:r>
-            <a:endParaRPr lang="en-US" altLang="ko-KR" dirty="0"/>
-          </a:p>
-          <a:p>
-            <a:r>
-              <a:rPr lang="ko-KR" altLang="en-US" dirty="0"/>
-              <a:t>윈도우</a:t>
-            </a:r>
-            <a:r>
-              <a:rPr lang="en-US" altLang="ko-KR" dirty="0"/>
-              <a:t>, </a:t>
-            </a:r>
-            <a:r>
-              <a:rPr lang="en-US" altLang="ko-KR" dirty="0" err="1"/>
-              <a:t>macOS</a:t>
-            </a:r>
-            <a:r>
-              <a:rPr lang="en-US" altLang="ko-KR" dirty="0"/>
-              <a:t>, </a:t>
-            </a:r>
-            <a:r>
-              <a:rPr lang="ko-KR" altLang="en-US" dirty="0"/>
-              <a:t>안드로이드</a:t>
-            </a:r>
-            <a:r>
-              <a:rPr lang="en-US" altLang="ko-KR" dirty="0"/>
-              <a:t>, iOS </a:t>
-            </a:r>
-            <a:r>
-              <a:rPr lang="ko-KR" altLang="en-US" dirty="0"/>
-              <a:t>등</a:t>
-            </a:r>
-            <a:br>
-              <a:rPr lang="ko-KR" altLang="en-US" dirty="0"/>
-            </a:br>
-            <a:r>
-              <a:rPr lang="ko-KR" altLang="en-US" dirty="0"/>
-              <a:t>거의 모든 </a:t>
-            </a:r>
-            <a:r>
-              <a:rPr lang="en-US" altLang="ko-KR" dirty="0"/>
-              <a:t>OS</a:t>
-            </a:r>
-            <a:r>
-              <a:rPr lang="ko-KR" altLang="en-US" dirty="0"/>
-              <a:t>는 멀티스레드를 기반으로 동작합니다</a:t>
-            </a:r>
-            <a:r>
-              <a:rPr lang="en-US" altLang="ko-KR" dirty="0"/>
-              <a:t>.</a:t>
-            </a:r>
-          </a:p>
-          <a:p>
-            <a:r>
-              <a:rPr lang="ko-KR" altLang="en-US" dirty="0"/>
-              <a:t>실제로 우리가 사용하는 대부분의 프로그램은 내부적으로 </a:t>
-            </a:r>
-            <a:r>
-              <a:rPr lang="ko-KR" altLang="en-US" b="1" dirty="0"/>
-              <a:t>여러 개의 스레드</a:t>
-            </a:r>
-            <a:r>
-              <a:rPr lang="ko-KR" altLang="en-US" dirty="0"/>
-              <a:t>를 사용하고 있습니다</a:t>
-            </a:r>
-            <a:r>
-              <a:rPr lang="en-US" altLang="ko-KR" dirty="0"/>
-              <a:t>.</a:t>
-            </a:r>
-          </a:p>
           <a:p>
             <a:pPr marL="228600" lvl="0" indent="-228600">
               <a:buAutoNum type="arabicPeriod"/>
@@ -5730,471 +2538,7 @@
           <a:bodyPr/>
           <a:lstStyle/>
           <a:p>
-            <a:r>
-              <a:rPr lang="en-US" altLang="ko-KR" b="1" dirty="0"/>
-              <a:t>1. </a:t>
-            </a:r>
-            <a:r>
-              <a:rPr lang="ko-KR" altLang="en-US" b="1" dirty="0"/>
-              <a:t>🌀 </a:t>
-            </a:r>
-            <a:r>
-              <a:rPr lang="en-US" altLang="ko-KR" b="1" dirty="0"/>
-              <a:t>Context Switching (</a:t>
-            </a:r>
-            <a:r>
-              <a:rPr lang="ko-KR" altLang="en-US" b="1" dirty="0"/>
-              <a:t>컨텍스트 스위칭</a:t>
-            </a:r>
-            <a:r>
-              <a:rPr lang="en-US" altLang="ko-KR" b="1" dirty="0"/>
-              <a:t>)</a:t>
-            </a:r>
-          </a:p>
-          <a:p>
-            <a:r>
-              <a:rPr lang="ko-KR" altLang="en-US" dirty="0"/>
-              <a:t>실행 중이던 스레드를 </a:t>
-            </a:r>
-            <a:r>
-              <a:rPr lang="ko-KR" altLang="en-US" b="1" dirty="0"/>
-              <a:t>중단</a:t>
-            </a:r>
-            <a:r>
-              <a:rPr lang="ko-KR" altLang="en-US" dirty="0"/>
-              <a:t>하고</a:t>
-            </a:r>
-            <a:r>
-              <a:rPr lang="en-US" altLang="ko-KR" dirty="0"/>
-              <a:t>, </a:t>
-            </a:r>
-            <a:r>
-              <a:rPr lang="ko-KR" altLang="en-US" dirty="0"/>
-              <a:t>다른 스레드로 </a:t>
-            </a:r>
-            <a:r>
-              <a:rPr lang="ko-KR" altLang="en-US" b="1" dirty="0"/>
-              <a:t>전환</a:t>
-            </a:r>
-            <a:r>
-              <a:rPr lang="ko-KR" altLang="en-US" dirty="0"/>
-              <a:t>하는 현상</a:t>
-            </a:r>
-          </a:p>
-          <a:p>
-            <a:r>
-              <a:rPr lang="ko-KR" altLang="en-US" dirty="0"/>
-              <a:t>스레드가 </a:t>
-            </a:r>
-            <a:r>
-              <a:rPr lang="ko-KR" altLang="en-US" b="1" dirty="0"/>
-              <a:t>아직 끝나지 않았는데</a:t>
-            </a:r>
-            <a:r>
-              <a:rPr lang="en-US" altLang="ko-KR" dirty="0"/>
-              <a:t>,</a:t>
-            </a:r>
-            <a:br>
-              <a:rPr lang="en-US" altLang="ko-KR" dirty="0"/>
-            </a:br>
-            <a:r>
-              <a:rPr lang="en-US" altLang="ko-KR" dirty="0"/>
-              <a:t>OS</a:t>
-            </a:r>
-            <a:r>
-              <a:rPr lang="ko-KR" altLang="en-US" dirty="0"/>
-              <a:t>가 </a:t>
-            </a:r>
-            <a:r>
-              <a:rPr lang="ko-KR" altLang="en-US" b="1" dirty="0"/>
-              <a:t>다른 스레드</a:t>
-            </a:r>
-            <a:r>
-              <a:rPr lang="ko-KR" altLang="en-US" dirty="0"/>
-              <a:t>를 먼저 실행시킴</a:t>
-            </a:r>
-          </a:p>
-          <a:p>
-            <a:r>
-              <a:rPr lang="ko-KR" altLang="en-US" dirty="0"/>
-              <a:t>이 전환 과정에서 </a:t>
-            </a:r>
-            <a:r>
-              <a:rPr lang="en-US" altLang="ko-KR" dirty="0"/>
-              <a:t>CPU</a:t>
-            </a:r>
-            <a:r>
-              <a:rPr lang="ko-KR" altLang="en-US" dirty="0"/>
-              <a:t>는 이전 스레드의 상태를 저장하고</a:t>
-            </a:r>
-            <a:r>
-              <a:rPr lang="en-US" altLang="ko-KR" dirty="0"/>
-              <a:t>,</a:t>
-            </a:r>
-            <a:br>
-              <a:rPr lang="en-US" altLang="ko-KR" dirty="0"/>
-            </a:br>
-            <a:r>
-              <a:rPr lang="ko-KR" altLang="en-US" dirty="0"/>
-              <a:t>다음 스레드의 상태를 불러와야 하므로 약간의 비용이 발생함</a:t>
-            </a:r>
-            <a:endParaRPr lang="en-US" altLang="ko-KR" dirty="0"/>
-          </a:p>
-          <a:p>
-            <a:endParaRPr lang="en-US" altLang="ko-KR" dirty="0"/>
-          </a:p>
-          <a:p>
-            <a:r>
-              <a:rPr lang="ko-KR" altLang="en-US" b="1" dirty="0"/>
-              <a:t>동기</a:t>
-            </a:r>
-            <a:r>
-              <a:rPr lang="en-US" altLang="ko-KR" b="1" dirty="0"/>
-              <a:t>/</a:t>
-            </a:r>
-            <a:r>
-              <a:rPr lang="ko-KR" altLang="en-US" b="1" dirty="0"/>
-              <a:t>비동기 </a:t>
-            </a:r>
-            <a:r>
-              <a:rPr lang="en-US" altLang="ko-KR" b="1" dirty="0"/>
-              <a:t>: </a:t>
-            </a:r>
-            <a:r>
-              <a:rPr lang="ko-KR" altLang="en-US" b="1" dirty="0"/>
-              <a:t>작업 실행 순서와 흐름</a:t>
-            </a:r>
-            <a:r>
-              <a:rPr lang="ko-KR" altLang="en-US" dirty="0"/>
-              <a:t>을 다루는 개념</a:t>
-            </a:r>
-            <a:endParaRPr lang="en-US" altLang="ko-KR" dirty="0"/>
-          </a:p>
-          <a:p>
             <a:endParaRPr lang="ko-KR" altLang="en-US" dirty="0"/>
-          </a:p>
-          <a:p>
-            <a:r>
-              <a:rPr lang="en-US" altLang="ko-KR" dirty="0"/>
-              <a:t>2. </a:t>
-            </a:r>
-            <a:r>
-              <a:rPr lang="ko-KR" altLang="en-US" dirty="0"/>
-              <a:t>동기 처리 </a:t>
-            </a:r>
-            <a:r>
-              <a:rPr lang="en-US" altLang="ko-KR" dirty="0"/>
-              <a:t>(Synchronous)</a:t>
-            </a:r>
-          </a:p>
-          <a:p>
-            <a:r>
-              <a:rPr lang="ko-KR" altLang="en-US" dirty="0"/>
-              <a:t>한 작업이 </a:t>
-            </a:r>
-            <a:r>
-              <a:rPr lang="ko-KR" altLang="en-US" b="1" dirty="0"/>
-              <a:t>끝나야 다음 작업이 실행</a:t>
-            </a:r>
-            <a:r>
-              <a:rPr lang="ko-KR" altLang="en-US" dirty="0"/>
-              <a:t>되는 방식</a:t>
-            </a:r>
-            <a:endParaRPr lang="en-US" altLang="ko-KR" dirty="0"/>
-          </a:p>
-          <a:p>
-            <a:r>
-              <a:rPr lang="ko-KR" altLang="en-US" b="1" dirty="0"/>
-              <a:t>단일 스레드 환경</a:t>
-            </a:r>
-            <a:r>
-              <a:rPr lang="ko-KR" altLang="en-US" dirty="0"/>
-              <a:t>에서 많이 사용됨</a:t>
-            </a:r>
-            <a:endParaRPr lang="en-US" altLang="ko-KR" dirty="0"/>
-          </a:p>
-          <a:p>
-            <a:r>
-              <a:rPr lang="ko-KR" altLang="en-US" dirty="0"/>
-              <a:t>작업이 </a:t>
-            </a:r>
-            <a:r>
-              <a:rPr lang="ko-KR" altLang="en-US" b="1" dirty="0"/>
-              <a:t>순차적</a:t>
-            </a:r>
-            <a:r>
-              <a:rPr lang="ko-KR" altLang="en-US" dirty="0"/>
-              <a:t>으로 일어나므로 예측하기 쉬움</a:t>
-            </a:r>
-            <a:endParaRPr lang="en-US" altLang="ko-KR" dirty="0"/>
-          </a:p>
-          <a:p>
-            <a:endParaRPr lang="en-US" altLang="ko-KR" dirty="0"/>
-          </a:p>
-          <a:p>
-            <a:r>
-              <a:rPr lang="en-US" altLang="ko-KR" dirty="0"/>
-              <a:t>3. </a:t>
-            </a:r>
-            <a:r>
-              <a:rPr lang="ko-KR" altLang="en-US" b="1" dirty="0"/>
-              <a:t>비동기 처리</a:t>
-            </a:r>
-            <a:endParaRPr lang="en-US" altLang="ko-KR" b="1" dirty="0"/>
-          </a:p>
-          <a:p>
-            <a:r>
-              <a:rPr lang="ko-KR" altLang="en-US" dirty="0"/>
-              <a:t>여러 작업이 </a:t>
-            </a:r>
-            <a:r>
-              <a:rPr lang="ko-KR" altLang="en-US" b="1" dirty="0"/>
-              <a:t>병렬</a:t>
-            </a:r>
-            <a:r>
-              <a:rPr lang="ko-KR" altLang="en-US" dirty="0"/>
-              <a:t>로 일어나고</a:t>
-            </a:r>
-            <a:r>
-              <a:rPr lang="en-US" altLang="ko-KR" dirty="0"/>
-              <a:t>,</a:t>
-            </a:r>
-            <a:br>
-              <a:rPr lang="en-US" altLang="ko-KR" dirty="0"/>
-            </a:br>
-            <a:r>
-              <a:rPr lang="ko-KR" altLang="en-US" dirty="0"/>
-              <a:t>하나가 끝날 때까지 </a:t>
-            </a:r>
-            <a:r>
-              <a:rPr lang="ko-KR" altLang="en-US" b="1" dirty="0"/>
-              <a:t>기다리지 않아도 되는 방식</a:t>
-            </a:r>
-            <a:endParaRPr lang="en-US" altLang="ko-KR" b="1" dirty="0"/>
-          </a:p>
-          <a:p>
-            <a:r>
-              <a:rPr lang="en-US" altLang="ko-KR" b="1" dirty="0"/>
-              <a:t>1.</a:t>
-            </a:r>
-            <a:r>
-              <a:rPr lang="en-US" altLang="ko-KR" b="1" baseline="0" dirty="0"/>
-              <a:t> </a:t>
-            </a:r>
-            <a:r>
-              <a:rPr lang="ko-KR" altLang="en-US" b="1" dirty="0"/>
-              <a:t>멀티스레드</a:t>
-            </a:r>
-            <a:r>
-              <a:rPr lang="ko-KR" altLang="en-US" dirty="0"/>
-              <a:t>를 기반으로 하거나</a:t>
-            </a:r>
-            <a:r>
-              <a:rPr lang="en-US" altLang="ko-KR" dirty="0"/>
-              <a:t>, </a:t>
-            </a:r>
-            <a:r>
-              <a:rPr lang="en-US" altLang="ko-KR" dirty="0" err="1"/>
-              <a:t>async</a:t>
-            </a:r>
-            <a:r>
-              <a:rPr lang="en-US" altLang="ko-KR" dirty="0"/>
-              <a:t>/await </a:t>
-            </a:r>
-            <a:r>
-              <a:rPr lang="ko-KR" altLang="en-US" dirty="0"/>
-              <a:t>키워드를 통해 구현됨</a:t>
-            </a:r>
-          </a:p>
-          <a:p>
-            <a:r>
-              <a:rPr lang="en-US" altLang="ko-KR" dirty="0"/>
-              <a:t>2. Context Switching</a:t>
-            </a:r>
-            <a:r>
-              <a:rPr lang="ko-KR" altLang="en-US" dirty="0"/>
-              <a:t>을 활용해 하나의 스레드에서 여러 작업을 교대로 수행하기도 함</a:t>
-            </a:r>
-          </a:p>
-          <a:p>
-            <a:endParaRPr lang="en-US" altLang="ko-KR" dirty="0"/>
-          </a:p>
-          <a:p>
-            <a:endParaRPr lang="en-US" altLang="ko-KR" dirty="0"/>
-          </a:p>
-          <a:p>
-            <a:pPr marL="0" marR="0" indent="0" algn="l" defTabSz="914400" rtl="0" eaLnBrk="1" fontAlgn="auto" latinLnBrk="1" hangingPunct="1">
-              <a:lnSpc>
-                <a:spcPct val="100000"/>
-              </a:lnSpc>
-              <a:spcBef>
-                <a:spcPts val="0"/>
-              </a:spcBef>
-              <a:spcAft>
-                <a:spcPts val="0"/>
-              </a:spcAft>
-              <a:buClrTx/>
-              <a:buSzTx/>
-              <a:buFontTx/>
-              <a:buNone/>
-              <a:tabLst/>
-              <a:defRPr/>
-            </a:pPr>
-            <a:r>
-              <a:rPr lang="ko-KR" altLang="en-US" dirty="0"/>
-              <a:t>✔️ </a:t>
-            </a:r>
-            <a:r>
-              <a:rPr lang="en-US" altLang="ko-KR" b="1" dirty="0"/>
-              <a:t>Context Switching</a:t>
-            </a:r>
-            <a:r>
-              <a:rPr lang="ko-KR" altLang="en-US" b="1" dirty="0"/>
-              <a:t>은 스레드 수와 무관하게 발생할 수 있지만</a:t>
-            </a:r>
-            <a:r>
-              <a:rPr lang="en-US" altLang="ko-KR" dirty="0"/>
-              <a:t>,</a:t>
-            </a:r>
-            <a:br>
-              <a:rPr lang="en-US" altLang="ko-KR" dirty="0"/>
-            </a:br>
-            <a:r>
-              <a:rPr lang="en-US" altLang="ko-KR" dirty="0"/>
-              <a:t>✔️ </a:t>
-            </a:r>
-            <a:r>
-              <a:rPr lang="ko-KR" altLang="en-US" b="1" dirty="0" err="1"/>
-              <a:t>멀티스레드</a:t>
-            </a:r>
-            <a:r>
-              <a:rPr lang="ko-KR" altLang="en-US" b="1" dirty="0"/>
-              <a:t> 환경에서는 훨씬 자주</a:t>
-            </a:r>
-            <a:r>
-              <a:rPr lang="ko-KR" altLang="en-US" dirty="0"/>
-              <a:t> 발생합니다</a:t>
-            </a:r>
-            <a:r>
-              <a:rPr lang="en-US" altLang="ko-KR" dirty="0"/>
-              <a:t>.</a:t>
-            </a:r>
-          </a:p>
-          <a:p>
-            <a:pPr marL="0" marR="0" indent="0" algn="l" defTabSz="914400" rtl="0" eaLnBrk="1" fontAlgn="auto" latinLnBrk="1" hangingPunct="1">
-              <a:lnSpc>
-                <a:spcPct val="100000"/>
-              </a:lnSpc>
-              <a:spcBef>
-                <a:spcPts val="0"/>
-              </a:spcBef>
-              <a:spcAft>
-                <a:spcPts val="0"/>
-              </a:spcAft>
-              <a:buClrTx/>
-              <a:buSzTx/>
-              <a:buFontTx/>
-              <a:buNone/>
-              <a:tabLst/>
-              <a:defRPr/>
-            </a:pPr>
-            <a:endParaRPr lang="en-US" altLang="ko-KR" dirty="0"/>
-          </a:p>
-          <a:p>
-            <a:r>
-              <a:rPr lang="ko-KR" altLang="en-US" dirty="0" err="1"/>
-              <a:t>싱글스레드</a:t>
-            </a:r>
-            <a:r>
-              <a:rPr lang="ko-KR" altLang="en-US" dirty="0"/>
-              <a:t> </a:t>
-            </a:r>
-            <a:r>
-              <a:rPr lang="en-US" altLang="ko-KR" dirty="0"/>
-              <a:t>: </a:t>
-            </a:r>
-            <a:r>
-              <a:rPr lang="ko-KR" altLang="en-US" b="1" dirty="0"/>
-              <a:t>스레드는 </a:t>
-            </a:r>
-            <a:r>
-              <a:rPr lang="en-US" altLang="ko-KR" b="1" dirty="0"/>
-              <a:t>1</a:t>
-            </a:r>
-            <a:r>
-              <a:rPr lang="ko-KR" altLang="en-US" b="1" dirty="0"/>
-              <a:t>개지만</a:t>
-            </a:r>
-            <a:r>
-              <a:rPr lang="en-US" altLang="ko-KR" dirty="0"/>
-              <a:t>, OS</a:t>
-            </a:r>
-            <a:r>
-              <a:rPr lang="ko-KR" altLang="en-US" dirty="0"/>
-              <a:t>는 다른 </a:t>
-            </a:r>
-            <a:r>
-              <a:rPr lang="ko-KR" altLang="en-US" b="1" dirty="0"/>
-              <a:t>프로세스 또는 인터럽트</a:t>
-            </a:r>
-            <a:r>
-              <a:rPr lang="ko-KR" altLang="en-US" dirty="0"/>
-              <a:t>로 인해</a:t>
-            </a:r>
-            <a:br>
-              <a:rPr lang="ko-KR" altLang="en-US" dirty="0"/>
-            </a:br>
-            <a:r>
-              <a:rPr lang="ko-KR" altLang="en-US" dirty="0"/>
-              <a:t>지금 실행 중인 작업을 중단시키고</a:t>
-            </a:r>
-            <a:r>
-              <a:rPr lang="en-US" altLang="ko-KR" dirty="0"/>
-              <a:t>, </a:t>
-            </a:r>
-            <a:r>
-              <a:rPr lang="ko-KR" altLang="en-US" b="1" dirty="0"/>
-              <a:t>다른 작업으로 전환</a:t>
-            </a:r>
-            <a:r>
-              <a:rPr lang="ko-KR" altLang="en-US" dirty="0"/>
-              <a:t>할 수 있기 때문</a:t>
-            </a:r>
-            <a:endParaRPr lang="en-US" altLang="ko-KR" dirty="0"/>
-          </a:p>
-          <a:p>
-            <a:endParaRPr lang="en-US" altLang="ko-KR" dirty="0"/>
-          </a:p>
-          <a:p>
-            <a:r>
-              <a:rPr lang="ko-KR" altLang="en-US" dirty="0" err="1"/>
-              <a:t>멀티스레드</a:t>
-            </a:r>
-            <a:r>
-              <a:rPr lang="ko-KR" altLang="en-US" dirty="0"/>
-              <a:t> </a:t>
-            </a:r>
-            <a:r>
-              <a:rPr lang="en-US" altLang="ko-KR" dirty="0"/>
-              <a:t>: </a:t>
-            </a:r>
-          </a:p>
-          <a:p>
-            <a:r>
-              <a:rPr lang="en-US" altLang="ko-KR" dirty="0"/>
-              <a:t>OS</a:t>
-            </a:r>
-            <a:r>
-              <a:rPr lang="ko-KR" altLang="en-US" dirty="0"/>
-              <a:t>가 일정 시간마다 스레드를 번갈아 실행해야 하므로</a:t>
-            </a:r>
-            <a:br>
-              <a:rPr lang="ko-KR" altLang="en-US" dirty="0"/>
-            </a:br>
-            <a:r>
-              <a:rPr lang="ko-KR" altLang="en-US" dirty="0"/>
-              <a:t>👉 아주 빠른 속도로 스레드를 바꿔가며 실행함</a:t>
-            </a:r>
           </a:p>
         </p:txBody>
       </p:sp>
@@ -6283,297 +2627,6 @@
         <p:txBody>
           <a:bodyPr/>
           <a:lstStyle/>
-          <a:p>
-            <a:r>
-              <a:rPr lang="en-US" altLang="ko-KR" b="1" dirty="0"/>
-              <a:t>.NET Framework</a:t>
-            </a:r>
-            <a:r>
-              <a:rPr lang="ko-KR" altLang="en-US" b="1" dirty="0"/>
-              <a:t>에서 제공하는 </a:t>
-            </a:r>
-            <a:r>
-              <a:rPr lang="ko-KR" altLang="en-US" b="1" dirty="0" err="1"/>
-              <a:t>멀티스레드</a:t>
-            </a:r>
-            <a:r>
-              <a:rPr lang="ko-KR" altLang="en-US" b="1" dirty="0"/>
-              <a:t> 클래스</a:t>
-            </a:r>
-            <a:endParaRPr lang="en-US" altLang="ko-KR" b="1" dirty="0"/>
-          </a:p>
-          <a:p>
-            <a:endParaRPr lang="en-US" altLang="ko-KR" b="1" dirty="0"/>
-          </a:p>
-          <a:p>
-            <a:r>
-              <a:rPr lang="ko-KR" altLang="en-US" b="1" dirty="0"/>
-              <a:t>✅ </a:t>
-            </a:r>
-            <a:r>
-              <a:rPr lang="en-US" altLang="ko-KR" b="1" dirty="0"/>
-              <a:t>1. </a:t>
-            </a:r>
-            <a:r>
-              <a:rPr lang="en-US" altLang="ko-KR" b="1" dirty="0" err="1"/>
-              <a:t>BackgroundWorker</a:t>
-            </a:r>
-            <a:endParaRPr lang="en-US" altLang="ko-KR" b="1" dirty="0"/>
-          </a:p>
-          <a:p>
-            <a:r>
-              <a:rPr lang="ko-KR" altLang="en-US" b="1" dirty="0"/>
-              <a:t>🔹 목적</a:t>
-            </a:r>
-          </a:p>
-          <a:p>
-            <a:r>
-              <a:rPr lang="en-US" altLang="ko-KR" dirty="0" err="1"/>
-              <a:t>WinForm</a:t>
-            </a:r>
-            <a:r>
-              <a:rPr lang="ko-KR" altLang="en-US" dirty="0"/>
-              <a:t>이나 </a:t>
-            </a:r>
-            <a:r>
-              <a:rPr lang="en-US" altLang="ko-KR" dirty="0"/>
-              <a:t>WPF</a:t>
-            </a:r>
-            <a:r>
-              <a:rPr lang="ko-KR" altLang="en-US" dirty="0"/>
-              <a:t>에서 </a:t>
-            </a:r>
-            <a:r>
-              <a:rPr lang="en-US" altLang="ko-KR" b="1" dirty="0"/>
-              <a:t>UI </a:t>
-            </a:r>
-            <a:r>
-              <a:rPr lang="ko-KR" altLang="en-US" b="1" dirty="0"/>
-              <a:t>스레드와 분리된 작업</a:t>
-            </a:r>
-            <a:r>
-              <a:rPr lang="ko-KR" altLang="en-US" dirty="0"/>
-              <a:t>을 처리하는 데 사용</a:t>
-            </a:r>
-          </a:p>
-          <a:p>
-            <a:r>
-              <a:rPr lang="en-US" altLang="ko-KR" b="1" dirty="0"/>
-              <a:t>UI</a:t>
-            </a:r>
-            <a:r>
-              <a:rPr lang="ko-KR" altLang="en-US" b="1" dirty="0"/>
-              <a:t>가 멈추지 않게 백그라운드에서 코드 실행</a:t>
-            </a:r>
-            <a:r>
-              <a:rPr lang="ko-KR" altLang="en-US" dirty="0"/>
-              <a:t> 가능</a:t>
-            </a:r>
-          </a:p>
-          <a:p>
-            <a:pPr marL="171450" indent="-171450">
-              <a:buFontTx/>
-              <a:buChar char="-"/>
-            </a:pPr>
-            <a:r>
-              <a:rPr lang="ko-KR" altLang="en-US" dirty="0"/>
-              <a:t>프로그램이 느려지지 않도록</a:t>
-            </a:r>
-            <a:r>
-              <a:rPr lang="en-US" altLang="ko-KR" dirty="0"/>
-              <a:t>, </a:t>
-            </a:r>
-            <a:r>
-              <a:rPr lang="ko-KR" altLang="en-US" b="1" dirty="0"/>
-              <a:t>시간이 오래 걸리는 작업을 따로 실행</a:t>
-            </a:r>
-            <a:r>
-              <a:rPr lang="ko-KR" altLang="en-US" dirty="0"/>
-              <a:t>할 때 사용</a:t>
-            </a:r>
-            <a:endParaRPr lang="en-US" altLang="ko-KR" dirty="0"/>
-          </a:p>
-          <a:p>
-            <a:r>
-              <a:rPr lang="ko-KR" altLang="en-US" b="1" dirty="0"/>
-              <a:t>🔹 장점</a:t>
-            </a:r>
-          </a:p>
-          <a:p>
-            <a:r>
-              <a:rPr lang="en-US" altLang="ko-KR" dirty="0"/>
-              <a:t>UI</a:t>
-            </a:r>
-            <a:r>
-              <a:rPr lang="ko-KR" altLang="en-US" dirty="0"/>
-              <a:t>와 스레드를 자동으로 연동해주므로 </a:t>
-            </a:r>
-            <a:r>
-              <a:rPr lang="ko-KR" altLang="en-US" b="1" dirty="0"/>
-              <a:t>개발이 간단</a:t>
-            </a:r>
-            <a:endParaRPr lang="ko-KR" altLang="en-US" dirty="0"/>
-          </a:p>
-          <a:p>
-            <a:pPr marL="171450" indent="-171450">
-              <a:buFontTx/>
-              <a:buChar char="-"/>
-            </a:pPr>
-            <a:endParaRPr lang="en-US" altLang="ko-KR" dirty="0"/>
-          </a:p>
-          <a:p>
-            <a:pPr marL="171450" indent="-171450">
-              <a:buFontTx/>
-              <a:buChar char="-"/>
-            </a:pPr>
-            <a:endParaRPr lang="en-US" altLang="ko-KR" dirty="0"/>
-          </a:p>
-          <a:p>
-            <a:r>
-              <a:rPr lang="ko-KR" altLang="en-US" b="1" dirty="0"/>
-              <a:t>✅ </a:t>
-            </a:r>
-            <a:r>
-              <a:rPr lang="en-US" altLang="ko-KR" b="1" dirty="0"/>
-              <a:t>2. Thread</a:t>
-            </a:r>
-          </a:p>
-          <a:p>
-            <a:r>
-              <a:rPr lang="ko-KR" altLang="en-US" b="1" dirty="0"/>
-              <a:t>🔹 목적</a:t>
-            </a:r>
-          </a:p>
-          <a:p>
-            <a:r>
-              <a:rPr lang="ko-KR" altLang="en-US" b="1" dirty="0"/>
-              <a:t>스레드를 직접 생성하고 제어</a:t>
-            </a:r>
-            <a:r>
-              <a:rPr lang="ko-KR" altLang="en-US" dirty="0"/>
-              <a:t>하고 싶을 때 사용</a:t>
-            </a:r>
-          </a:p>
-          <a:p>
-            <a:r>
-              <a:rPr lang="ko-KR" altLang="en-US" dirty="0"/>
-              <a:t>보다 정밀하고 유연한 제어 가능</a:t>
-            </a:r>
-          </a:p>
-          <a:p>
-            <a:r>
-              <a:rPr lang="ko-KR" altLang="en-US" b="1" dirty="0"/>
-              <a:t>🔹 장점</a:t>
-            </a:r>
-          </a:p>
-          <a:p>
-            <a:r>
-              <a:rPr lang="en-US" altLang="ko-KR" dirty="0" err="1"/>
-              <a:t>BackgroundWorker</a:t>
-            </a:r>
-            <a:r>
-              <a:rPr lang="ko-KR" altLang="en-US" dirty="0"/>
-              <a:t>보다 </a:t>
-            </a:r>
-            <a:r>
-              <a:rPr lang="ko-KR" altLang="en-US" b="1" dirty="0"/>
-              <a:t>세밀한 제어</a:t>
-            </a:r>
-            <a:r>
-              <a:rPr lang="ko-KR" altLang="en-US" dirty="0"/>
-              <a:t> 가능 </a:t>
-            </a:r>
-            <a:r>
-              <a:rPr lang="en-US" altLang="ko-KR" dirty="0"/>
-              <a:t>(</a:t>
-            </a:r>
-            <a:r>
-              <a:rPr lang="ko-KR" altLang="en-US" dirty="0"/>
-              <a:t>예</a:t>
-            </a:r>
-            <a:r>
-              <a:rPr lang="en-US" altLang="ko-KR" dirty="0"/>
-              <a:t>: </a:t>
-            </a:r>
-            <a:r>
-              <a:rPr lang="ko-KR" altLang="en-US" dirty="0" err="1"/>
-              <a:t>반복문</a:t>
-            </a:r>
-            <a:r>
-              <a:rPr lang="ko-KR" altLang="en-US" dirty="0"/>
-              <a:t> 제어</a:t>
-            </a:r>
-            <a:r>
-              <a:rPr lang="en-US" altLang="ko-KR" dirty="0"/>
-              <a:t>, </a:t>
-            </a:r>
-            <a:r>
-              <a:rPr lang="ko-KR" altLang="en-US" dirty="0"/>
-              <a:t>중지 조건 등</a:t>
-            </a:r>
-            <a:r>
-              <a:rPr lang="en-US" altLang="ko-KR" dirty="0"/>
-              <a:t>)</a:t>
-            </a:r>
-          </a:p>
-          <a:p>
-            <a:r>
-              <a:rPr lang="en-US" altLang="ko-KR" dirty="0"/>
-              <a:t>Start(), Abort(), Suspend(), Resume() </a:t>
-            </a:r>
-            <a:r>
-              <a:rPr lang="ko-KR" altLang="en-US" dirty="0"/>
-              <a:t>등을 직접 호출 가능</a:t>
-            </a:r>
-            <a:endParaRPr lang="en-US" altLang="ko-KR" dirty="0"/>
-          </a:p>
-          <a:p>
-            <a:r>
-              <a:rPr lang="ko-KR" altLang="en-US" dirty="0"/>
-              <a:t>🔹 </a:t>
-            </a:r>
-            <a:r>
-              <a:rPr lang="ko-KR" altLang="en-US" b="1" dirty="0"/>
-              <a:t>단점</a:t>
-            </a:r>
-          </a:p>
-          <a:p>
-            <a:r>
-              <a:rPr lang="ko-KR" altLang="en-US" dirty="0"/>
-              <a:t>생명 주기</a:t>
-            </a:r>
-            <a:r>
-              <a:rPr lang="en-US" altLang="ko-KR" dirty="0"/>
-              <a:t>, </a:t>
-            </a:r>
-            <a:r>
-              <a:rPr lang="ko-KR" altLang="en-US" dirty="0"/>
-              <a:t>예외 처리</a:t>
-            </a:r>
-            <a:r>
-              <a:rPr lang="en-US" altLang="ko-KR" dirty="0"/>
-              <a:t>, </a:t>
-            </a:r>
-            <a:r>
-              <a:rPr lang="ko-KR" altLang="en-US" dirty="0"/>
-              <a:t>동기화 등을 </a:t>
-            </a:r>
-            <a:r>
-              <a:rPr lang="ko-KR" altLang="en-US" b="1" dirty="0"/>
-              <a:t>직접 관리해야 함</a:t>
-            </a:r>
-            <a:endParaRPr lang="ko-KR" altLang="en-US" dirty="0"/>
-          </a:p>
-          <a:p>
-            <a:r>
-              <a:rPr lang="ko-KR" altLang="en-US" b="1" dirty="0"/>
-              <a:t>복잡도 증가</a:t>
-            </a:r>
-            <a:endParaRPr lang="ko-KR" altLang="en-US" dirty="0"/>
-          </a:p>
-          <a:p>
-            <a:endParaRPr lang="ko-KR" altLang="en-US" dirty="0"/>
-          </a:p>
           <a:p>
             <a:pPr marL="171450" indent="-171450">
               <a:buFontTx/>
@@ -6760,7 +2813,7 @@
           <a:p>
             <a:fld id="{442BEE3F-2E9A-4FD8-8B8A-8619F3E161C0}" type="datetime1">
               <a:rPr lang="ko-KR" altLang="en-US" smtClean="0"/>
-              <a:t>2025-05-20</a:t>
+              <a:t>2025-06-08</a:t>
             </a:fld>
             <a:endParaRPr lang="ko-KR" altLang="en-US"/>
           </a:p>
@@ -6946,7 +2999,7 @@
           <a:p>
             <a:fld id="{2EAE422B-0E68-47B5-84BB-CA2BDA8EE46C}" type="datetime1">
               <a:rPr lang="ko-KR" altLang="en-US" smtClean="0"/>
-              <a:t>2025-05-20</a:t>
+              <a:t>2025-06-08</a:t>
             </a:fld>
             <a:endParaRPr lang="ko-KR" altLang="en-US"/>
           </a:p>
@@ -7154,7 +3207,7 @@
           <a:p>
             <a:fld id="{AF7C623F-179B-417F-99B6-50F6DF228D4B}" type="datetime1">
               <a:rPr lang="ko-KR" altLang="en-US" smtClean="0"/>
-              <a:t>2025-05-20</a:t>
+              <a:t>2025-06-08</a:t>
             </a:fld>
             <a:endParaRPr lang="ko-KR" altLang="en-US"/>
           </a:p>
@@ -7396,7 +3449,7 @@
           <a:p>
             <a:fld id="{0F78D9C4-20C1-4B15-A116-16DC77AD9A1E}" type="datetime1">
               <a:rPr lang="ko-KR" altLang="en-US" smtClean="0"/>
-              <a:t>2025-05-20</a:t>
+              <a:t>2025-06-08</a:t>
             </a:fld>
             <a:endParaRPr lang="ko-KR" altLang="en-US"/>
           </a:p>
@@ -7671,7 +3724,7 @@
           <a:p>
             <a:fld id="{C7F43723-C509-4DEA-8428-B50818F79709}" type="datetime1">
               <a:rPr lang="ko-KR" altLang="en-US" smtClean="0"/>
-              <a:t>2025-05-20</a:t>
+              <a:t>2025-06-08</a:t>
             </a:fld>
             <a:endParaRPr lang="ko-KR" altLang="en-US"/>
           </a:p>
@@ -7936,7 +3989,7 @@
           <a:p>
             <a:fld id="{5D2B7482-EE74-4DBD-97F4-D0DAC0C0E4E5}" type="datetime1">
               <a:rPr lang="ko-KR" altLang="en-US" smtClean="0"/>
-              <a:t>2025-05-20</a:t>
+              <a:t>2025-06-08</a:t>
             </a:fld>
             <a:endParaRPr lang="ko-KR" altLang="en-US"/>
           </a:p>
@@ -8349,7 +4402,7 @@
           <a:p>
             <a:fld id="{051A8C49-CED7-4A86-9B4A-621D7F62EE92}" type="datetime1">
               <a:rPr lang="ko-KR" altLang="en-US" smtClean="0"/>
-              <a:t>2025-05-20</a:t>
+              <a:t>2025-06-08</a:t>
             </a:fld>
             <a:endParaRPr lang="ko-KR" altLang="en-US"/>
           </a:p>
@@ -8496,7 +4549,7 @@
           <a:p>
             <a:fld id="{84082D76-7079-412D-848B-E1B9E7A6A286}" type="datetime1">
               <a:rPr lang="ko-KR" altLang="en-US" smtClean="0"/>
-              <a:t>2025-05-20</a:t>
+              <a:t>2025-06-08</a:t>
             </a:fld>
             <a:endParaRPr lang="ko-KR" altLang="en-US"/>
           </a:p>
@@ -8609,7 +4662,7 @@
           <a:p>
             <a:fld id="{10C5FEB5-5F88-4F49-9108-1795E314F09F}" type="datetime1">
               <a:rPr lang="ko-KR" altLang="en-US" smtClean="0"/>
-              <a:t>2025-05-20</a:t>
+              <a:t>2025-06-08</a:t>
             </a:fld>
             <a:endParaRPr lang="ko-KR" altLang="en-US"/>
           </a:p>
@@ -8920,7 +4973,7 @@
           <a:p>
             <a:fld id="{E37ABBEE-D8D4-48AD-9887-4DC578B8A684}" type="datetime1">
               <a:rPr lang="ko-KR" altLang="en-US" smtClean="0"/>
-              <a:t>2025-05-20</a:t>
+              <a:t>2025-06-08</a:t>
             </a:fld>
             <a:endParaRPr lang="ko-KR" altLang="en-US"/>
           </a:p>
@@ -9211,7 +5264,7 @@
           <a:p>
             <a:fld id="{A2D6A55C-F3DD-45DD-9D50-F8680410167D}" type="datetime1">
               <a:rPr lang="ko-KR" altLang="en-US" smtClean="0"/>
-              <a:t>2025-05-20</a:t>
+              <a:t>2025-06-08</a:t>
             </a:fld>
             <a:endParaRPr lang="ko-KR" altLang="en-US"/>
           </a:p>
@@ -9455,7 +5508,7 @@
             <a:fld id="{7F5E23C3-0E3D-4E4E-8486-D7FB4C073DC1}" type="datetime1">
               <a:rPr lang="ko-KR" altLang="en-US" smtClean="0"/>
               <a:pPr/>
-              <a:t>2025-05-20</a:t>
+              <a:t>2025-06-08</a:t>
             </a:fld>
             <a:endParaRPr lang="ko-KR" altLang="en-US" dirty="0"/>
           </a:p>
@@ -9984,7 +6037,7 @@
           <a:p>
             <a:fld id="{2E2BEDFA-D8AA-4914-9440-7DF713C99FA9}" type="datetime1">
               <a:rPr lang="ko-KR" altLang="en-US" smtClean="0"/>
-              <a:t>2025-05-20</a:t>
+              <a:t>2025-06-08</a:t>
             </a:fld>
             <a:endParaRPr lang="ko-KR" altLang="en-US"/>
           </a:p>
@@ -10310,7 +6363,7 @@
           <a:p>
             <a:fld id="{0F78D9C4-20C1-4B15-A116-16DC77AD9A1E}" type="datetime1">
               <a:rPr lang="ko-KR" altLang="en-US" smtClean="0"/>
-              <a:t>2025-05-20</a:t>
+              <a:t>2025-06-08</a:t>
             </a:fld>
             <a:endParaRPr lang="ko-KR" altLang="en-US"/>
           </a:p>
@@ -10587,7 +6640,7 @@
           <a:p>
             <a:fld id="{0F78D9C4-20C1-4B15-A116-16DC77AD9A1E}" type="datetime1">
               <a:rPr lang="ko-KR" altLang="en-US" smtClean="0"/>
-              <a:t>2025-05-20</a:t>
+              <a:t>2025-06-08</a:t>
             </a:fld>
             <a:endParaRPr lang="ko-KR" altLang="en-US"/>
           </a:p>
@@ -10799,7 +6852,7 @@
           <a:p>
             <a:fld id="{0F78D9C4-20C1-4B15-A116-16DC77AD9A1E}" type="datetime1">
               <a:rPr lang="ko-KR" altLang="en-US" smtClean="0"/>
-              <a:t>2025-05-20</a:t>
+              <a:t>2025-06-08</a:t>
             </a:fld>
             <a:endParaRPr lang="ko-KR" altLang="en-US"/>
           </a:p>
@@ -11139,7 +7192,7 @@
           <a:p>
             <a:fld id="{0F78D9C4-20C1-4B15-A116-16DC77AD9A1E}" type="datetime1">
               <a:rPr lang="ko-KR" altLang="en-US" smtClean="0"/>
-              <a:t>2025-05-20</a:t>
+              <a:t>2025-06-08</a:t>
             </a:fld>
             <a:endParaRPr lang="ko-KR" altLang="en-US"/>
           </a:p>
@@ -11189,7 +7242,7 @@
           <p:nvPr/>
         </p:nvPicPr>
         <p:blipFill>
-          <a:blip r:embed="rId2"/>
+          <a:blip r:embed="rId3"/>
           <a:stretch>
             <a:fillRect/>
           </a:stretch>
@@ -11219,7 +7272,7 @@
           <p:nvPr/>
         </p:nvPicPr>
         <p:blipFill>
-          <a:blip r:embed="rId3"/>
+          <a:blip r:embed="rId4"/>
           <a:stretch>
             <a:fillRect/>
           </a:stretch>
@@ -11623,7 +7676,7 @@
           <a:p>
             <a:fld id="{0F78D9C4-20C1-4B15-A116-16DC77AD9A1E}" type="datetime1">
               <a:rPr lang="ko-KR" altLang="en-US" smtClean="0"/>
-              <a:t>2025-05-20</a:t>
+              <a:t>2025-06-08</a:t>
             </a:fld>
             <a:endParaRPr lang="ko-KR" altLang="en-US"/>
           </a:p>
@@ -11788,7 +7841,7 @@
           <a:p>
             <a:fld id="{0F78D9C4-20C1-4B15-A116-16DC77AD9A1E}" type="datetime1">
               <a:rPr lang="ko-KR" altLang="en-US" smtClean="0"/>
-              <a:t>2025-05-20</a:t>
+              <a:t>2025-06-08</a:t>
             </a:fld>
             <a:endParaRPr lang="ko-KR" altLang="en-US"/>
           </a:p>
@@ -12163,7 +8216,7 @@
           <a:p>
             <a:fld id="{0F78D9C4-20C1-4B15-A116-16DC77AD9A1E}" type="datetime1">
               <a:rPr lang="ko-KR" altLang="en-US" smtClean="0"/>
-              <a:t>2025-05-20</a:t>
+              <a:t>2025-06-08</a:t>
             </a:fld>
             <a:endParaRPr lang="ko-KR" altLang="en-US"/>
           </a:p>
@@ -12514,7 +8567,7 @@
           <a:p>
             <a:fld id="{0F78D9C4-20C1-4B15-A116-16DC77AD9A1E}" type="datetime1">
               <a:rPr lang="ko-KR" altLang="en-US" smtClean="0"/>
-              <a:t>2025-05-20</a:t>
+              <a:t>2025-06-08</a:t>
             </a:fld>
             <a:endParaRPr lang="ko-KR" altLang="en-US"/>
           </a:p>
@@ -12635,7 +8688,7 @@
           <a:p>
             <a:fld id="{0F78D9C4-20C1-4B15-A116-16DC77AD9A1E}" type="datetime1">
               <a:rPr lang="ko-KR" altLang="en-US" smtClean="0"/>
-              <a:t>2025-05-20</a:t>
+              <a:t>2025-06-08</a:t>
             </a:fld>
             <a:endParaRPr lang="ko-KR" altLang="en-US"/>
           </a:p>
@@ -13159,7 +9212,7 @@
           <a:p>
             <a:fld id="{0F78D9C4-20C1-4B15-A116-16DC77AD9A1E}" type="datetime1">
               <a:rPr lang="ko-KR" altLang="en-US" smtClean="0"/>
-              <a:t>2025-05-20</a:t>
+              <a:t>2025-06-08</a:t>
             </a:fld>
             <a:endParaRPr lang="ko-KR" altLang="en-US"/>
           </a:p>
@@ -13504,7 +9557,7 @@
           <a:p>
             <a:fld id="{0F78D9C4-20C1-4B15-A116-16DC77AD9A1E}" type="datetime1">
               <a:rPr lang="ko-KR" altLang="en-US" smtClean="0"/>
-              <a:t>2025-05-20</a:t>
+              <a:t>2025-06-08</a:t>
             </a:fld>
             <a:endParaRPr lang="ko-KR" altLang="en-US"/>
           </a:p>
@@ -14124,7 +10177,7 @@
           <a:p>
             <a:fld id="{0F78D9C4-20C1-4B15-A116-16DC77AD9A1E}" type="datetime1">
               <a:rPr lang="ko-KR" altLang="en-US" smtClean="0"/>
-              <a:t>2025-05-20</a:t>
+              <a:t>2025-06-08</a:t>
             </a:fld>
             <a:endParaRPr lang="ko-KR" altLang="en-US"/>
           </a:p>
@@ -14610,7 +10663,7 @@
           <a:p>
             <a:fld id="{0F78D9C4-20C1-4B15-A116-16DC77AD9A1E}" type="datetime1">
               <a:rPr lang="ko-KR" altLang="en-US" smtClean="0"/>
-              <a:t>2025-05-20</a:t>
+              <a:t>2025-06-08</a:t>
             </a:fld>
             <a:endParaRPr lang="ko-KR" altLang="en-US"/>
           </a:p>
@@ -14791,7 +10844,7 @@
           <a:p>
             <a:fld id="{0F78D9C4-20C1-4B15-A116-16DC77AD9A1E}" type="datetime1">
               <a:rPr lang="ko-KR" altLang="en-US" smtClean="0"/>
-              <a:t>2025-05-20</a:t>
+              <a:t>2025-06-08</a:t>
             </a:fld>
             <a:endParaRPr lang="ko-KR" altLang="en-US"/>
           </a:p>
@@ -15140,7 +11193,7 @@
           <a:p>
             <a:fld id="{0F78D9C4-20C1-4B15-A116-16DC77AD9A1E}" type="datetime1">
               <a:rPr lang="ko-KR" altLang="en-US" smtClean="0"/>
-              <a:t>2025-05-20</a:t>
+              <a:t>2025-06-08</a:t>
             </a:fld>
             <a:endParaRPr lang="ko-KR" altLang="en-US"/>
           </a:p>
@@ -15343,7 +11396,7 @@
           <a:p>
             <a:fld id="{0F78D9C4-20C1-4B15-A116-16DC77AD9A1E}" type="datetime1">
               <a:rPr lang="ko-KR" altLang="en-US" smtClean="0"/>
-              <a:t>2025-05-20</a:t>
+              <a:t>2025-06-08</a:t>
             </a:fld>
             <a:endParaRPr lang="ko-KR" altLang="en-US"/>
           </a:p>
@@ -15606,7 +11659,7 @@
           <a:p>
             <a:fld id="{0F78D9C4-20C1-4B15-A116-16DC77AD9A1E}" type="datetime1">
               <a:rPr lang="ko-KR" altLang="en-US" smtClean="0"/>
-              <a:t>2025-05-20</a:t>
+              <a:t>2025-06-08</a:t>
             </a:fld>
             <a:endParaRPr lang="ko-KR" altLang="en-US"/>
           </a:p>
@@ -15910,7 +11963,7 @@
           <a:p>
             <a:fld id="{0F78D9C4-20C1-4B15-A116-16DC77AD9A1E}" type="datetime1">
               <a:rPr lang="ko-KR" altLang="en-US" smtClean="0"/>
-              <a:t>2025-05-20</a:t>
+              <a:t>2025-06-08</a:t>
             </a:fld>
             <a:endParaRPr lang="ko-KR" altLang="en-US"/>
           </a:p>
@@ -15960,7 +12013,7 @@
           <p:nvPr/>
         </p:nvPicPr>
         <p:blipFill>
-          <a:blip r:embed="rId2"/>
+          <a:blip r:embed="rId3"/>
           <a:stretch>
             <a:fillRect/>
           </a:stretch>
@@ -16244,6 +12297,14 @@
               </a:rPr>
               <a:t>메소드를 사용하여 읽어오는 부분도 비동기처리</a:t>
             </a:r>
+            <a:r>
+              <a:rPr lang="en-US" altLang="ko-KR" dirty="0">
+                <a:latin typeface="Pretendard" panose="02000503000000020004" pitchFamily="2" charset="-127"/>
+                <a:ea typeface="Pretendard" panose="02000503000000020004" pitchFamily="2" charset="-127"/>
+                <a:cs typeface="Pretendard" panose="02000503000000020004" pitchFamily="2" charset="-127"/>
+              </a:rPr>
+              <a:t/>
+            </a:r>
             <a:br>
               <a:rPr lang="en-US" altLang="ko-KR" dirty="0">
                 <a:latin typeface="Pretendard" panose="02000503000000020004" pitchFamily="2" charset="-127"/>
@@ -16332,7 +12393,7 @@
           <a:p>
             <a:fld id="{0F78D9C4-20C1-4B15-A116-16DC77AD9A1E}" type="datetime1">
               <a:rPr lang="ko-KR" altLang="en-US" smtClean="0"/>
-              <a:t>2025-05-20</a:t>
+              <a:t>2025-06-08</a:t>
             </a:fld>
             <a:endParaRPr lang="ko-KR" altLang="en-US"/>
           </a:p>
@@ -16524,7 +12585,7 @@
           <a:p>
             <a:fld id="{0F78D9C4-20C1-4B15-A116-16DC77AD9A1E}" type="datetime1">
               <a:rPr lang="ko-KR" altLang="en-US" smtClean="0"/>
-              <a:t>2025-05-20</a:t>
+              <a:t>2025-06-08</a:t>
             </a:fld>
             <a:endParaRPr lang="ko-KR" altLang="en-US"/>
           </a:p>
@@ -16752,6 +12813,10 @@
               <a:rPr lang="ko-KR" altLang="en-US" sz="1600" dirty="0"/>
               <a:t>프로세스 내부에서 작동하는 기능</a:t>
             </a:r>
+            <a:r>
+              <a:rPr lang="en-US" altLang="ko-KR" sz="1600" dirty="0"/>
+              <a:t/>
+            </a:r>
             <a:br>
               <a:rPr lang="en-US" altLang="ko-KR" sz="1600" dirty="0"/>
             </a:br>
@@ -17017,7 +13082,7 @@
           <a:p>
             <a:fld id="{0F78D9C4-20C1-4B15-A116-16DC77AD9A1E}" type="datetime1">
               <a:rPr lang="ko-KR" altLang="en-US" smtClean="0"/>
-              <a:t>2025-05-20</a:t>
+              <a:t>2025-06-08</a:t>
             </a:fld>
             <a:endParaRPr lang="ko-KR" altLang="en-US"/>
           </a:p>
@@ -17270,7 +13335,7 @@
           <a:p>
             <a:fld id="{0F78D9C4-20C1-4B15-A116-16DC77AD9A1E}" type="datetime1">
               <a:rPr lang="ko-KR" altLang="en-US" smtClean="0"/>
-              <a:t>2025-05-20</a:t>
+              <a:t>2025-06-08</a:t>
             </a:fld>
             <a:endParaRPr lang="ko-KR" altLang="en-US"/>
           </a:p>
@@ -17381,7 +13446,7 @@
           <a:p>
             <a:fld id="{0F78D9C4-20C1-4B15-A116-16DC77AD9A1E}" type="datetime1">
               <a:rPr lang="ko-KR" altLang="en-US" smtClean="0"/>
-              <a:t>2025-05-20</a:t>
+              <a:t>2025-06-08</a:t>
             </a:fld>
             <a:endParaRPr lang="ko-KR" altLang="en-US"/>
           </a:p>
@@ -17647,7 +13712,7 @@
           <a:p>
             <a:fld id="{0F78D9C4-20C1-4B15-A116-16DC77AD9A1E}" type="datetime1">
               <a:rPr lang="ko-KR" altLang="en-US" smtClean="0"/>
-              <a:t>2025-05-20</a:t>
+              <a:t>2025-06-08</a:t>
             </a:fld>
             <a:endParaRPr lang="ko-KR" altLang="en-US"/>
           </a:p>
@@ -18100,7 +14165,7 @@
           <a:p>
             <a:fld id="{0F78D9C4-20C1-4B15-A116-16DC77AD9A1E}" type="datetime1">
               <a:rPr lang="ko-KR" altLang="en-US" smtClean="0"/>
-              <a:t>2025-05-20</a:t>
+              <a:t>2025-06-08</a:t>
             </a:fld>
             <a:endParaRPr lang="ko-KR" altLang="en-US"/>
           </a:p>
@@ -18321,7 +14386,7 @@
           <a:p>
             <a:fld id="{0F78D9C4-20C1-4B15-A116-16DC77AD9A1E}" type="datetime1">
               <a:rPr lang="ko-KR" altLang="en-US" smtClean="0"/>
-              <a:t>2025-05-20</a:t>
+              <a:t>2025-06-08</a:t>
             </a:fld>
             <a:endParaRPr lang="ko-KR" altLang="en-US"/>
           </a:p>
